--- a/Real Estate EDA.pptx
+++ b/Real Estate EDA.pptx
@@ -12,8 +12,8 @@
     <p:sldId id="257" r:id="rId3"/>
     <p:sldId id="275" r:id="rId4"/>
     <p:sldId id="259" r:id="rId5"/>
-    <p:sldId id="272" r:id="rId6"/>
-    <p:sldId id="276" r:id="rId7"/>
+    <p:sldId id="276" r:id="rId6"/>
+    <p:sldId id="272" r:id="rId7"/>
     <p:sldId id="260" r:id="rId8"/>
     <p:sldId id="270" r:id="rId9"/>
     <p:sldId id="273" r:id="rId10"/>
@@ -37,7 +37,7 @@
   <p:notesSz cx="6858000" cy="9144000"/>
   <p:embeddedFontLst>
     <p:embeddedFont>
-      <p:font typeface="Centaur" panose="02030504050205020304" pitchFamily="18" charset="0"/>
+      <p:font typeface="Centaur" panose="02030504050205020304" pitchFamily="18" charset="77"/>
       <p:regular r:id="rId27"/>
     </p:embeddedFont>
     <p:embeddedFont>
@@ -282,7 +282,7 @@
       <p15:sldGuideLst xmlns:p15="http://schemas.microsoft.com/office/powerpoint/2012/main"/>
     </p:ext>
     <p:ext uri="GoogleSlidesCustomDataVersion2">
-      <go:slidesCustomData xmlns="" xmlns:mc="http://schemas.openxmlformats.org/markup-compatibility/2006" xmlns:mv="urn:schemas-microsoft-com:mac:vml" xmlns:c="http://schemas.openxmlformats.org/drawingml/2006/chart" xmlns:dgm="http://schemas.openxmlformats.org/drawingml/2006/diagram" xmlns:o="urn:schemas-microsoft-com:office:office" xmlns:v="urn:schemas-microsoft-com:vml" xmlns:pvml="urn:schemas-microsoft-com:office:powerpoint" xmlns:com="http://schemas.openxmlformats.org/drawingml/2006/compatibility" xmlns:p14="http://schemas.microsoft.com/office/powerpoint/2010/main" xmlns:p15="http://schemas.microsoft.com/office/powerpoint/2012/main" xmlns:ahyp="http://schemas.microsoft.com/office/drawing/2018/hyperlinkcolor" xmlns:go="http://customooxmlschemas.google.com/" r:id="rId33" roundtripDataSignature="AMtx7mihPokRRB2W+gN4vu7vZLOMbhVegg=="/>
+      <go:slidesCustomData xmlns:go="http://customooxmlschemas.google.com/" xmlns:ahyp="http://schemas.microsoft.com/office/drawing/2018/hyperlinkcolor" xmlns:p15="http://schemas.microsoft.com/office/powerpoint/2012/main" xmlns:p14="http://schemas.microsoft.com/office/powerpoint/2010/main" xmlns:com="http://schemas.openxmlformats.org/drawingml/2006/compatibility" xmlns:pvml="urn:schemas-microsoft-com:office:powerpoint" xmlns:v="urn:schemas-microsoft-com:vml" xmlns:o="urn:schemas-microsoft-com:office:office" xmlns:dgm="http://schemas.openxmlformats.org/drawingml/2006/diagram" xmlns:c="http://schemas.openxmlformats.org/drawingml/2006/chart" xmlns:mv="urn:schemas-microsoft-com:mac:vml" xmlns:mc="http://schemas.openxmlformats.org/markup-compatibility/2006" xmlns="" r:id="rId33" roundtripDataSignature="AMtx7mihPokRRB2W+gN4vu7vZLOMbhVegg=="/>
     </p:ext>
   </p:extLst>
 </p:presentation>
@@ -17942,8 +17942,8 @@
         </p:nvSpPr>
         <p:spPr>
           <a:xfrm>
-            <a:off x="2591159" y="5738949"/>
-            <a:ext cx="2397991" cy="1384995"/>
+            <a:off x="2615223" y="5738949"/>
+            <a:ext cx="1694018" cy="1107996"/>
           </a:xfrm>
           <a:prstGeom prst="rect">
             <a:avLst/>
@@ -17958,7 +17958,7 @@
           <a:p>
             <a:pPr lvl="1"/>
             <a:r>
-              <a:rPr lang="en-US" dirty="0">
+              <a:rPr lang="en-US" sz="1100" dirty="0">
                 <a:latin typeface="Centaur" panose="02030504050205020304" pitchFamily="18" charset="0"/>
               </a:rPr>
               <a:t>No Given Home Value:</a:t>
@@ -17967,7 +17967,7 @@
           <a:p>
             <a:pPr lvl="1"/>
             <a:r>
-              <a:rPr lang="en-US" dirty="0">
+              <a:rPr lang="en-US" sz="1100" dirty="0">
                 <a:latin typeface="Centaur" panose="02030504050205020304" pitchFamily="18" charset="0"/>
               </a:rPr>
               <a:t>MS     -2.940%*</a:t>
@@ -17976,7 +17976,7 @@
           <a:p>
             <a:pPr lvl="1"/>
             <a:r>
-              <a:rPr lang="en-US" dirty="0">
+              <a:rPr lang="en-US" sz="1100" dirty="0">
                 <a:latin typeface="Centaur" panose="02030504050205020304" pitchFamily="18" charset="0"/>
               </a:rPr>
               <a:t>AK     -2.725%*</a:t>
@@ -17985,7 +17985,7 @@
           <a:p>
             <a:pPr lvl="1"/>
             <a:r>
-              <a:rPr lang="en-US" dirty="0">
+              <a:rPr lang="en-US" sz="1100" dirty="0">
                 <a:latin typeface="Centaur" panose="02030504050205020304" pitchFamily="18" charset="0"/>
               </a:rPr>
               <a:t>ND    -2.528%*</a:t>
@@ -17994,14 +17994,14 @@
           <a:p>
             <a:pPr lvl="1"/>
             <a:r>
-              <a:rPr lang="en-US" dirty="0">
+              <a:rPr lang="en-US" sz="1100" dirty="0">
                 <a:latin typeface="Centaur" panose="02030504050205020304" pitchFamily="18" charset="0"/>
               </a:rPr>
               <a:t>NM     -0.827%*</a:t>
             </a:r>
           </a:p>
           <a:p>
-            <a:endParaRPr lang="en-US" dirty="0"/>
+            <a:endParaRPr lang="en-US" sz="1100" dirty="0"/>
           </a:p>
         </p:txBody>
       </p:sp>
@@ -19254,8 +19254,8 @@
         </p:blipFill>
         <p:spPr>
           <a:xfrm>
-            <a:off x="9915525" y="171994"/>
-            <a:ext cx="2276475" cy="2009775"/>
+            <a:off x="7814876" y="2247929"/>
+            <a:ext cx="3206336" cy="2830698"/>
           </a:xfrm>
           <a:prstGeom prst="rect">
             <a:avLst/>
@@ -19650,8 +19650,8 @@
         </p:blipFill>
         <p:spPr>
           <a:xfrm>
-            <a:off x="10487025" y="-583521"/>
-            <a:ext cx="2085975" cy="2784884"/>
+            <a:off x="8088109" y="1371010"/>
+            <a:ext cx="3327829" cy="4442823"/>
           </a:xfrm>
           <a:prstGeom prst="rect">
             <a:avLst/>
@@ -20605,155 +20605,9 @@
               <a:buNone/>
             </a:pPr>
             <a:r>
-              <a:rPr lang="en-US"/>
+              <a:rPr lang="en-US" dirty="0"/>
               <a:t>Overview</a:t>
             </a:r>
-            <a:endParaRPr/>
-          </a:p>
-        </p:txBody>
-      </p:sp>
-      <p:sp>
-        <p:nvSpPr>
-          <p:cNvPr id="159" name="Google Shape;159;p2"/>
-          <p:cNvSpPr txBox="1">
-            <a:spLocks noGrp="1"/>
-          </p:cNvSpPr>
-          <p:nvPr>
-            <p:ph type="body" idx="1"/>
-          </p:nvPr>
-        </p:nvSpPr>
-        <p:spPr>
-          <a:xfrm>
-            <a:off x="1199525" y="1006753"/>
-            <a:ext cx="4572000" cy="5284800"/>
-          </a:xfrm>
-          <a:prstGeom prst="rect">
-            <a:avLst/>
-          </a:prstGeom>
-          <a:noFill/>
-          <a:ln>
-            <a:noFill/>
-          </a:ln>
-        </p:spPr>
-        <p:txBody>
-          <a:bodyPr spcFirstLastPara="1" wrap="square" lIns="91425" tIns="45700" rIns="91425" bIns="45700" anchor="ctr" anchorCtr="0">
-            <a:normAutofit/>
-          </a:bodyPr>
-          <a:lstStyle/>
-          <a:p>
-            <a:pPr marL="285750" lvl="0" indent="-285750" algn="l" rtl="0">
-              <a:spcBef>
-                <a:spcPts val="0"/>
-              </a:spcBef>
-              <a:spcAft>
-                <a:spcPts val="0"/>
-              </a:spcAft>
-              <a:buSzPts val="3480"/>
-              <a:buChar char="•"/>
-            </a:pPr>
-            <a:r>
-              <a:rPr lang="en-US" dirty="0">
-                <a:latin typeface="Centaur" panose="02030504050205020304" pitchFamily="18" charset="0"/>
-              </a:rPr>
-              <a:t>Using Zillow’s Public Data…</a:t>
-            </a:r>
-          </a:p>
-          <a:p>
-            <a:pPr marL="0" lvl="0" indent="0" algn="l" rtl="0">
-              <a:spcBef>
-                <a:spcPts val="0"/>
-              </a:spcBef>
-              <a:spcAft>
-                <a:spcPts val="0"/>
-              </a:spcAft>
-              <a:buSzPts val="3480"/>
-              <a:buNone/>
-            </a:pPr>
-            <a:endParaRPr lang="en-US" dirty="0">
-              <a:latin typeface="Centaur" panose="02030504050205020304" pitchFamily="18" charset="0"/>
-            </a:endParaRPr>
-          </a:p>
-          <a:p>
-            <a:pPr marL="285750" lvl="0" indent="-285750" algn="l" rtl="0">
-              <a:spcBef>
-                <a:spcPts val="0"/>
-              </a:spcBef>
-              <a:spcAft>
-                <a:spcPts val="0"/>
-              </a:spcAft>
-              <a:buSzPts val="3480"/>
-              <a:buChar char="•"/>
-            </a:pPr>
-            <a:r>
-              <a:rPr lang="en-US" dirty="0">
-                <a:latin typeface="Centaur" panose="02030504050205020304" pitchFamily="18" charset="0"/>
-              </a:rPr>
-              <a:t>General Trends</a:t>
-            </a:r>
-            <a:endParaRPr dirty="0">
-              <a:latin typeface="Centaur" panose="02030504050205020304" pitchFamily="18" charset="0"/>
-            </a:endParaRPr>
-          </a:p>
-          <a:p>
-            <a:pPr marL="285750" lvl="0" indent="-285750" algn="l" rtl="0">
-              <a:spcBef>
-                <a:spcPts val="1080"/>
-              </a:spcBef>
-              <a:spcAft>
-                <a:spcPts val="0"/>
-              </a:spcAft>
-              <a:buSzPts val="3480"/>
-              <a:buChar char="•"/>
-            </a:pPr>
-            <a:r>
-              <a:rPr lang="en-US" dirty="0">
-                <a:latin typeface="Centaur" panose="02030504050205020304" pitchFamily="18" charset="0"/>
-              </a:rPr>
-              <a:t>Where do you want to be a buyer?</a:t>
-            </a:r>
-          </a:p>
-          <a:p>
-            <a:pPr marL="285750" lvl="0" indent="-285750" algn="l" rtl="0">
-              <a:spcBef>
-                <a:spcPts val="1080"/>
-              </a:spcBef>
-              <a:spcAft>
-                <a:spcPts val="0"/>
-              </a:spcAft>
-              <a:buSzPts val="3480"/>
-              <a:buChar char="•"/>
-            </a:pPr>
-            <a:r>
-              <a:rPr lang="en-US" dirty="0">
-                <a:latin typeface="Centaur" panose="02030504050205020304" pitchFamily="18" charset="0"/>
-              </a:rPr>
-              <a:t>Where do you want to be a seller?</a:t>
-            </a:r>
-          </a:p>
-          <a:p>
-            <a:pPr marL="285750" lvl="0" indent="-285750" algn="l" rtl="0">
-              <a:spcBef>
-                <a:spcPts val="1080"/>
-              </a:spcBef>
-              <a:spcAft>
-                <a:spcPts val="0"/>
-              </a:spcAft>
-              <a:buSzPts val="3480"/>
-              <a:buChar char="•"/>
-            </a:pPr>
-            <a:endParaRPr dirty="0"/>
-          </a:p>
-          <a:p>
-            <a:pPr marL="285750" lvl="0" indent="-64770" algn="l" rtl="0">
-              <a:spcBef>
-                <a:spcPts val="1080"/>
-              </a:spcBef>
-              <a:spcAft>
-                <a:spcPts val="0"/>
-              </a:spcAft>
-              <a:buSzPts val="3480"/>
-              <a:buNone/>
-            </a:pPr>
             <a:endParaRPr dirty="0"/>
           </a:p>
         </p:txBody>
@@ -20785,6 +20639,240 @@
           </a:ln>
         </p:spPr>
       </p:pic>
+      <p:sp>
+        <p:nvSpPr>
+          <p:cNvPr id="2" name="Rectangle 1">
+            <a:extLst>
+              <a:ext uri="{FF2B5EF4-FFF2-40B4-BE49-F238E27FC236}">
+                <a16:creationId xmlns:a16="http://schemas.microsoft.com/office/drawing/2014/main" id="{55FC70A2-9E3E-02DE-4BAC-BF26400843E0}"/>
+              </a:ext>
+            </a:extLst>
+          </p:cNvPr>
+          <p:cNvSpPr/>
+          <p:nvPr/>
+        </p:nvSpPr>
+        <p:spPr>
+          <a:xfrm>
+            <a:off x="1720283" y="1164409"/>
+            <a:ext cx="3890183" cy="4763425"/>
+          </a:xfrm>
+          <a:prstGeom prst="rect">
+            <a:avLst/>
+          </a:prstGeom>
+          <a:solidFill>
+            <a:schemeClr val="bg1"/>
+          </a:solidFill>
+          <a:ln>
+            <a:solidFill>
+              <a:schemeClr val="tx1"/>
+            </a:solidFill>
+          </a:ln>
+        </p:spPr>
+        <p:style>
+          <a:lnRef idx="2">
+            <a:schemeClr val="accent1">
+              <a:shade val="15000"/>
+            </a:schemeClr>
+          </a:lnRef>
+          <a:fillRef idx="1">
+            <a:schemeClr val="accent1"/>
+          </a:fillRef>
+          <a:effectRef idx="0">
+            <a:schemeClr val="accent1"/>
+          </a:effectRef>
+          <a:fontRef idx="minor">
+            <a:schemeClr val="lt1"/>
+          </a:fontRef>
+        </p:style>
+        <p:txBody>
+          <a:bodyPr rtlCol="0" anchor="t"/>
+          <a:lstStyle/>
+          <a:p>
+            <a:r>
+              <a:rPr lang="en-US" dirty="0">
+                <a:solidFill>
+                  <a:schemeClr val="tx1"/>
+                </a:solidFill>
+              </a:rPr>
+              <a:t>The Zillow’s public data files include datasets on home value, rental prices, sales, and other valuable statistics that can be used to evaluate the U.S. residential home market.</a:t>
+            </a:r>
+          </a:p>
+          <a:p>
+            <a:endParaRPr lang="en-US" dirty="0">
+              <a:solidFill>
+                <a:schemeClr val="tx1"/>
+              </a:solidFill>
+            </a:endParaRPr>
+          </a:p>
+          <a:p>
+            <a:r>
+              <a:rPr lang="en-US" dirty="0">
+                <a:solidFill>
+                  <a:schemeClr val="tx1"/>
+                </a:solidFill>
+              </a:rPr>
+              <a:t>Data is available for all 50 states and close to 1,000 U.S regions.</a:t>
+            </a:r>
+          </a:p>
+          <a:p>
+            <a:endParaRPr lang="en-US" dirty="0">
+              <a:solidFill>
+                <a:schemeClr val="tx1"/>
+              </a:solidFill>
+            </a:endParaRPr>
+          </a:p>
+          <a:p>
+            <a:r>
+              <a:rPr lang="en-US" dirty="0">
+                <a:solidFill>
+                  <a:schemeClr val="tx1"/>
+                </a:solidFill>
+              </a:rPr>
+              <a:t>Datasets used:</a:t>
+            </a:r>
+          </a:p>
+          <a:p>
+            <a:pPr marL="285750" indent="-285750">
+              <a:buFont typeface="Arial" panose="020B0604020202020204" pitchFamily="34" charset="0"/>
+              <a:buChar char="•"/>
+            </a:pPr>
+            <a:r>
+              <a:rPr lang="en-US" i="0" dirty="0">
+                <a:solidFill>
+                  <a:srgbClr val="2A2A33"/>
+                </a:solidFill>
+                <a:effectLst/>
+              </a:rPr>
+              <a:t>Zillow Observed Rent Index</a:t>
+            </a:r>
+          </a:p>
+          <a:p>
+            <a:pPr marL="285750" indent="-285750">
+              <a:buFont typeface="Arial" panose="020B0604020202020204" pitchFamily="34" charset="0"/>
+              <a:buChar char="•"/>
+            </a:pPr>
+            <a:r>
+              <a:rPr lang="en-US" dirty="0">
+                <a:solidFill>
+                  <a:schemeClr val="tx1"/>
+                </a:solidFill>
+              </a:rPr>
+              <a:t>Median Sale Price</a:t>
+            </a:r>
+          </a:p>
+          <a:p>
+            <a:pPr marL="285750" indent="-285750">
+              <a:buFont typeface="Arial" panose="020B0604020202020204" pitchFamily="34" charset="0"/>
+              <a:buChar char="•"/>
+            </a:pPr>
+            <a:r>
+              <a:rPr lang="en-US" dirty="0">
+                <a:solidFill>
+                  <a:schemeClr val="tx1"/>
+                </a:solidFill>
+              </a:rPr>
+              <a:t>Home Value Forecast</a:t>
+            </a:r>
+          </a:p>
+          <a:p>
+            <a:pPr marL="285750" indent="-285750">
+              <a:buFont typeface="Arial" panose="020B0604020202020204" pitchFamily="34" charset="0"/>
+              <a:buChar char="•"/>
+            </a:pPr>
+            <a:r>
+              <a:rPr lang="en-US" i="0" dirty="0">
+                <a:solidFill>
+                  <a:schemeClr val="tx1"/>
+                </a:solidFill>
+                <a:effectLst/>
+              </a:rPr>
+              <a:t>Days to Close</a:t>
+            </a:r>
+          </a:p>
+          <a:p>
+            <a:pPr marL="285750" indent="-285750">
+              <a:buFont typeface="Arial" panose="020B0604020202020204" pitchFamily="34" charset="0"/>
+              <a:buChar char="•"/>
+            </a:pPr>
+            <a:r>
+              <a:rPr lang="en-US" i="0" dirty="0">
+                <a:solidFill>
+                  <a:schemeClr val="tx1"/>
+                </a:solidFill>
+                <a:effectLst/>
+              </a:rPr>
+              <a:t>Percent of Sales </a:t>
+            </a:r>
+            <a:r>
+              <a:rPr lang="en-US" dirty="0">
+                <a:solidFill>
+                  <a:schemeClr val="tx1"/>
+                </a:solidFill>
+              </a:rPr>
+              <a:t>O</a:t>
+            </a:r>
+            <a:r>
+              <a:rPr lang="en-US" i="0" dirty="0">
+                <a:solidFill>
+                  <a:schemeClr val="tx1"/>
+                </a:solidFill>
+                <a:effectLst/>
+              </a:rPr>
+              <a:t>ver List</a:t>
+            </a:r>
+            <a:endParaRPr lang="en-US" dirty="0">
+              <a:solidFill>
+                <a:schemeClr val="tx1"/>
+              </a:solidFill>
+            </a:endParaRPr>
+          </a:p>
+          <a:p>
+            <a:endParaRPr lang="en-US" dirty="0">
+              <a:solidFill>
+                <a:schemeClr val="tx1"/>
+              </a:solidFill>
+            </a:endParaRPr>
+          </a:p>
+          <a:p>
+            <a:r>
+              <a:rPr lang="en-US" dirty="0">
+                <a:solidFill>
+                  <a:schemeClr val="tx1"/>
+                </a:solidFill>
+              </a:rPr>
+              <a:t>Main Questions:</a:t>
+            </a:r>
+          </a:p>
+          <a:p>
+            <a:pPr marL="285750" indent="-285750">
+              <a:buFont typeface="Arial" panose="020B0604020202020204" pitchFamily="34" charset="0"/>
+              <a:buChar char="•"/>
+            </a:pPr>
+            <a:r>
+              <a:rPr lang="en-US" dirty="0">
+                <a:solidFill>
+                  <a:schemeClr val="tx1"/>
+                </a:solidFill>
+              </a:rPr>
+              <a:t>Where is it best to rent vs. buy?</a:t>
+            </a:r>
+          </a:p>
+          <a:p>
+            <a:pPr marL="285750" indent="-285750">
+              <a:buFont typeface="Arial" panose="020B0604020202020204" pitchFamily="34" charset="0"/>
+              <a:buChar char="•"/>
+            </a:pPr>
+            <a:r>
+              <a:rPr lang="en-US" dirty="0">
+                <a:solidFill>
+                  <a:schemeClr val="tx1"/>
+                </a:solidFill>
+              </a:rPr>
+              <a:t>Where is it best to be a buyer vs. a seller?</a:t>
+            </a:r>
+          </a:p>
+        </p:txBody>
+      </p:sp>
     </p:spTree>
   </p:cSld>
   <p:clrMapOvr>
@@ -21658,7 +21746,7 @@
         </p:blipFill>
         <p:spPr>
           <a:xfrm>
-            <a:off x="2220741" y="1036320"/>
+            <a:off x="2220741" y="0"/>
             <a:ext cx="8032497" cy="3770811"/>
           </a:xfrm>
           <a:prstGeom prst="rect">
@@ -21666,6 +21754,112 @@
           </a:prstGeom>
         </p:spPr>
       </p:pic>
+      <p:sp>
+        <p:nvSpPr>
+          <p:cNvPr id="3" name="Rectangle 2">
+            <a:extLst>
+              <a:ext uri="{FF2B5EF4-FFF2-40B4-BE49-F238E27FC236}">
+                <a16:creationId xmlns:a16="http://schemas.microsoft.com/office/drawing/2014/main" id="{8E898DAA-FA89-41EE-5952-7F9B7D310919}"/>
+              </a:ext>
+            </a:extLst>
+          </p:cNvPr>
+          <p:cNvSpPr/>
+          <p:nvPr/>
+        </p:nvSpPr>
+        <p:spPr>
+          <a:xfrm>
+            <a:off x="2390203" y="4112351"/>
+            <a:ext cx="7693572" cy="2246408"/>
+          </a:xfrm>
+          <a:prstGeom prst="rect">
+            <a:avLst/>
+          </a:prstGeom>
+          <a:solidFill>
+            <a:schemeClr val="bg1"/>
+          </a:solidFill>
+          <a:ln>
+            <a:solidFill>
+              <a:schemeClr val="tx1"/>
+            </a:solidFill>
+          </a:ln>
+        </p:spPr>
+        <p:style>
+          <a:lnRef idx="2">
+            <a:schemeClr val="accent1">
+              <a:shade val="15000"/>
+            </a:schemeClr>
+          </a:lnRef>
+          <a:fillRef idx="1">
+            <a:schemeClr val="accent1"/>
+          </a:fillRef>
+          <a:effectRef idx="0">
+            <a:schemeClr val="accent1"/>
+          </a:effectRef>
+          <a:fontRef idx="minor">
+            <a:schemeClr val="lt1"/>
+          </a:fontRef>
+        </p:style>
+        <p:txBody>
+          <a:bodyPr rtlCol="0" anchor="t"/>
+          <a:lstStyle/>
+          <a:p>
+            <a:pPr marL="285750" indent="-285750">
+              <a:buFont typeface="Arial" panose="020B0604020202020204" pitchFamily="34" charset="0"/>
+              <a:buChar char="•"/>
+            </a:pPr>
+            <a:r>
+              <a:rPr lang="en-US" sz="1600" dirty="0">
+                <a:solidFill>
+                  <a:schemeClr val="tx1"/>
+                </a:solidFill>
+              </a:rPr>
+              <a:t>Median sale price varies by region, with the West Coast experiencing higher sale prices than the East Cost</a:t>
+            </a:r>
+          </a:p>
+          <a:p>
+            <a:pPr marL="285750" indent="-285750">
+              <a:buFont typeface="Arial" panose="020B0604020202020204" pitchFamily="34" charset="0"/>
+              <a:buChar char="•"/>
+            </a:pPr>
+            <a:r>
+              <a:rPr lang="en-US" sz="1600" dirty="0">
+                <a:solidFill>
+                  <a:schemeClr val="tx1"/>
+                </a:solidFill>
+              </a:rPr>
+              <a:t>Hawaii, California, and Colorado lead the U.S. in median sale price</a:t>
+            </a:r>
+          </a:p>
+          <a:p>
+            <a:pPr marL="285750" indent="-285750">
+              <a:buFont typeface="Arial" panose="020B0604020202020204" pitchFamily="34" charset="0"/>
+              <a:buChar char="•"/>
+            </a:pPr>
+            <a:r>
+              <a:rPr lang="en-US" sz="1600" dirty="0">
+                <a:solidFill>
+                  <a:schemeClr val="tx1"/>
+                </a:solidFill>
+              </a:rPr>
+              <a:t>Hawaii’s median sale price is more than $100,000 greater than California’s median sale price. The combination of low housing supply and high demand for homes in Hawaii drives the price up.</a:t>
+            </a:r>
+          </a:p>
+          <a:p>
+            <a:pPr marL="285750" indent="-285750">
+              <a:buFont typeface="Arial" panose="020B0604020202020204" pitchFamily="34" charset="0"/>
+              <a:buChar char="•"/>
+            </a:pPr>
+            <a:r>
+              <a:rPr lang="en-US" sz="1600" dirty="0">
+                <a:solidFill>
+                  <a:schemeClr val="tx1"/>
+                </a:solidFill>
+              </a:rPr>
+              <a:t>California and Colorado are highly desirable states for home buyers that are looking for primary residents and vacation homes</a:t>
+            </a:r>
+          </a:p>
+        </p:txBody>
+      </p:sp>
     </p:spTree>
     <p:extLst>
       <p:ext uri="{BB962C8B-B14F-4D97-AF65-F5344CB8AC3E}">
@@ -21787,7 +21981,7 @@
         </p:blipFill>
         <p:spPr>
           <a:xfrm>
-            <a:off x="2189647" y="1032680"/>
+            <a:off x="2189646" y="0"/>
             <a:ext cx="8063592" cy="3696074"/>
           </a:xfrm>
           <a:prstGeom prst="rect">
@@ -21795,6 +21989,128 @@
           </a:prstGeom>
         </p:spPr>
       </p:pic>
+      <p:sp>
+        <p:nvSpPr>
+          <p:cNvPr id="2" name="Rectangle 1">
+            <a:extLst>
+              <a:ext uri="{FF2B5EF4-FFF2-40B4-BE49-F238E27FC236}">
+                <a16:creationId xmlns:a16="http://schemas.microsoft.com/office/drawing/2014/main" id="{E1C53F82-C38F-94A4-E90E-FB305047A2EE}"/>
+              </a:ext>
+            </a:extLst>
+          </p:cNvPr>
+          <p:cNvSpPr/>
+          <p:nvPr/>
+        </p:nvSpPr>
+        <p:spPr>
+          <a:xfrm>
+            <a:off x="2390203" y="4112351"/>
+            <a:ext cx="7693572" cy="2246408"/>
+          </a:xfrm>
+          <a:prstGeom prst="rect">
+            <a:avLst/>
+          </a:prstGeom>
+          <a:solidFill>
+            <a:schemeClr val="bg1"/>
+          </a:solidFill>
+          <a:ln>
+            <a:solidFill>
+              <a:schemeClr val="tx1"/>
+            </a:solidFill>
+          </a:ln>
+        </p:spPr>
+        <p:style>
+          <a:lnRef idx="2">
+            <a:schemeClr val="accent1">
+              <a:shade val="15000"/>
+            </a:schemeClr>
+          </a:lnRef>
+          <a:fillRef idx="1">
+            <a:schemeClr val="accent1"/>
+          </a:fillRef>
+          <a:effectRef idx="0">
+            <a:schemeClr val="accent1"/>
+          </a:effectRef>
+          <a:fontRef idx="minor">
+            <a:schemeClr val="lt1"/>
+          </a:fontRef>
+        </p:style>
+        <p:txBody>
+          <a:bodyPr rtlCol="0" anchor="t"/>
+          <a:lstStyle/>
+          <a:p>
+            <a:pPr marL="285750" indent="-285750">
+              <a:buFont typeface="Arial" panose="020B0604020202020204" pitchFamily="34" charset="0"/>
+              <a:buChar char="•"/>
+            </a:pPr>
+            <a:r>
+              <a:rPr lang="en-US" sz="1600" dirty="0">
+                <a:solidFill>
+                  <a:schemeClr val="tx1"/>
+                </a:solidFill>
+              </a:rPr>
+              <a:t>The regional trend somewhat holds up when looking at average monthly rent, with Hawaii, California, and Colorado leading, but East Coast states like Florida and Massachusetts also have high monthly rental rates.</a:t>
+            </a:r>
+          </a:p>
+          <a:p>
+            <a:pPr marL="285750" indent="-285750">
+              <a:buFont typeface="Arial" panose="020B0604020202020204" pitchFamily="34" charset="0"/>
+              <a:buChar char="•"/>
+            </a:pPr>
+            <a:r>
+              <a:rPr lang="en-US" sz="1600" dirty="0">
+                <a:solidFill>
+                  <a:schemeClr val="tx1"/>
+                </a:solidFill>
+              </a:rPr>
+              <a:t>In Massachusetts, Boston is home to leading college institutions and industry leaders like Microsoft, </a:t>
+            </a:r>
+            <a:r>
+              <a:rPr lang="en-US" sz="1600" dirty="0" err="1">
+                <a:solidFill>
+                  <a:schemeClr val="tx1"/>
+                </a:solidFill>
+              </a:rPr>
+              <a:t>StateStreet</a:t>
+            </a:r>
+            <a:r>
+              <a:rPr lang="en-US" sz="1600" dirty="0">
+                <a:solidFill>
+                  <a:schemeClr val="tx1"/>
+                </a:solidFill>
+              </a:rPr>
+              <a:t>, and Amazon that drive rental prices up</a:t>
+            </a:r>
+          </a:p>
+          <a:p>
+            <a:pPr marL="285750" indent="-285750">
+              <a:buFont typeface="Arial" panose="020B0604020202020204" pitchFamily="34" charset="0"/>
+              <a:buChar char="•"/>
+            </a:pPr>
+            <a:r>
+              <a:rPr lang="en-US" sz="1600" dirty="0">
+                <a:solidFill>
+                  <a:schemeClr val="tx1"/>
+                </a:solidFill>
+              </a:rPr>
+              <a:t>In Florida, advantageous tax laws and demand for homes close to the beach translates to higher rental prices</a:t>
+            </a:r>
+          </a:p>
+          <a:p>
+            <a:pPr marL="285750" indent="-285750">
+              <a:buFont typeface="Arial" panose="020B0604020202020204" pitchFamily="34" charset="0"/>
+              <a:buChar char="•"/>
+            </a:pPr>
+            <a:r>
+              <a:rPr lang="en-US" sz="1600" dirty="0">
+                <a:solidFill>
+                  <a:schemeClr val="tx1"/>
+                </a:solidFill>
+              </a:rPr>
+              <a:t>Furthermore, New Jersey’s proximity to New York City drives up rental prices specifically in North Jersey</a:t>
+            </a:r>
+          </a:p>
+        </p:txBody>
+      </p:sp>
     </p:spTree>
   </p:cSld>
   <p:clrMapOvr>
@@ -21804,104 +22120,6 @@
 </file>
 
 <file path=ppt/slides/slide5.xml><?xml version="1.0" encoding="utf-8"?>
-<p:sld xmlns:a="http://schemas.openxmlformats.org/drawingml/2006/main" xmlns:r="http://schemas.openxmlformats.org/officeDocument/2006/relationships" xmlns:p="http://schemas.openxmlformats.org/presentationml/2006/main">
-  <p:cSld>
-    <p:spTree>
-      <p:nvGrpSpPr>
-        <p:cNvPr id="1" name="Shape 164"/>
-        <p:cNvGrpSpPr/>
-        <p:nvPr/>
-      </p:nvGrpSpPr>
-      <p:grpSpPr>
-        <a:xfrm>
-          <a:off x="0" y="0"/>
-          <a:ext cx="0" cy="0"/>
-          <a:chOff x="0" y="0"/>
-          <a:chExt cx="0" cy="0"/>
-        </a:xfrm>
-      </p:grpSpPr>
-      <p:pic>
-        <p:nvPicPr>
-          <p:cNvPr id="2" name="Picture 1">
-            <a:extLst>
-              <a:ext uri="{FF2B5EF4-FFF2-40B4-BE49-F238E27FC236}">
-                <a16:creationId xmlns:a16="http://schemas.microsoft.com/office/drawing/2014/main" id="{3535363A-753F-A9E7-8C51-3A64F8C2F1F0}"/>
-              </a:ext>
-            </a:extLst>
-          </p:cNvPr>
-          <p:cNvPicPr>
-            <a:picLocks noChangeAspect="1"/>
-          </p:cNvPicPr>
-          <p:nvPr/>
-        </p:nvPicPr>
-        <p:blipFill>
-          <a:blip r:embed="rId3"/>
-          <a:stretch>
-            <a:fillRect/>
-          </a:stretch>
-        </p:blipFill>
-        <p:spPr>
-          <a:xfrm>
-            <a:off x="2860425" y="976159"/>
-            <a:ext cx="6140224" cy="4905682"/>
-          </a:xfrm>
-          <a:prstGeom prst="rect">
-            <a:avLst/>
-          </a:prstGeom>
-        </p:spPr>
-      </p:pic>
-      <p:sp>
-        <p:nvSpPr>
-          <p:cNvPr id="3" name="TextBox 2">
-            <a:extLst>
-              <a:ext uri="{FF2B5EF4-FFF2-40B4-BE49-F238E27FC236}">
-                <a16:creationId xmlns:a16="http://schemas.microsoft.com/office/drawing/2014/main" id="{210AA5E4-4B7E-DC91-9770-665031194088}"/>
-              </a:ext>
-            </a:extLst>
-          </p:cNvPr>
-          <p:cNvSpPr txBox="1"/>
-          <p:nvPr/>
-        </p:nvSpPr>
-        <p:spPr>
-          <a:xfrm>
-            <a:off x="3696788" y="583474"/>
-            <a:ext cx="4798423" cy="307777"/>
-          </a:xfrm>
-          <a:prstGeom prst="rect">
-            <a:avLst/>
-          </a:prstGeom>
-          <a:noFill/>
-        </p:spPr>
-        <p:txBody>
-          <a:bodyPr wrap="square" rtlCol="0">
-            <a:spAutoFit/>
-          </a:bodyPr>
-          <a:lstStyle/>
-          <a:p>
-            <a:pPr algn="ctr"/>
-            <a:r>
-              <a:rPr lang="en-US" dirty="0">
-                <a:latin typeface="Centaur" panose="02030504050205020304" pitchFamily="18" charset="0"/>
-              </a:rPr>
-              <a:t>The correlation between the rent price and median sale price is 0.87</a:t>
-            </a:r>
-          </a:p>
-        </p:txBody>
-      </p:sp>
-    </p:spTree>
-    <p:extLst>
-      <p:ext uri="{BB962C8B-B14F-4D97-AF65-F5344CB8AC3E}">
-        <p14:creationId xmlns:p14="http://schemas.microsoft.com/office/powerpoint/2010/main" val="3523374782"/>
-      </p:ext>
-    </p:extLst>
-  </p:cSld>
-  <p:clrMapOvr>
-    <a:masterClrMapping/>
-  </p:clrMapOvr>
-</p:sld>
-</file>
-
-<file path=ppt/slides/slide6.xml><?xml version="1.0" encoding="utf-8"?>
 <p:sld xmlns:a="http://schemas.openxmlformats.org/drawingml/2006/main" xmlns:r="http://schemas.openxmlformats.org/officeDocument/2006/relationships" xmlns:p="http://schemas.openxmlformats.org/presentationml/2006/main">
   <p:cSld>
     <p:spTree>
@@ -21936,7 +22154,7 @@
         </p:nvSpPr>
         <p:spPr>
           <a:xfrm>
-            <a:off x="1630961" y="53299"/>
+            <a:off x="1630961" y="0"/>
             <a:ext cx="10018713" cy="1752599"/>
           </a:xfrm>
         </p:spPr>
@@ -21953,10 +22171,10 @@
       </p:sp>
       <p:pic>
         <p:nvPicPr>
-          <p:cNvPr id="3" name="Picture 2">
+          <p:cNvPr id="5" name="Picture 4">
             <a:extLst>
               <a:ext uri="{FF2B5EF4-FFF2-40B4-BE49-F238E27FC236}">
-                <a16:creationId xmlns:a16="http://schemas.microsoft.com/office/drawing/2014/main" id="{DBD297BD-96C8-FF95-8564-CB0917969583}"/>
+                <a16:creationId xmlns:a16="http://schemas.microsoft.com/office/drawing/2014/main" id="{E83C5E29-3937-FF41-A902-C6A9D4BF8CC6}"/>
               </a:ext>
             </a:extLst>
           </p:cNvPr>
@@ -21973,8 +22191,8 @@
         </p:blipFill>
         <p:spPr>
           <a:xfrm>
-            <a:off x="1630961" y="1924593"/>
-            <a:ext cx="5145470" cy="3828620"/>
+            <a:off x="6743212" y="1089465"/>
+            <a:ext cx="5448788" cy="5412763"/>
           </a:xfrm>
           <a:prstGeom prst="rect">
             <a:avLst/>
@@ -21983,10 +22201,10 @@
       </p:pic>
       <p:pic>
         <p:nvPicPr>
-          <p:cNvPr id="4" name="Picture 3">
+          <p:cNvPr id="6" name="Picture 5">
             <a:extLst>
               <a:ext uri="{FF2B5EF4-FFF2-40B4-BE49-F238E27FC236}">
-                <a16:creationId xmlns:a16="http://schemas.microsoft.com/office/drawing/2014/main" id="{2FEAAC42-9F49-9D60-B8B4-ACA4D5D86E5A}"/>
+                <a16:creationId xmlns:a16="http://schemas.microsoft.com/office/drawing/2014/main" id="{E755DBF3-8C16-0245-C1F5-7C53A0CE1F96}"/>
               </a:ext>
             </a:extLst>
           </p:cNvPr>
@@ -22003,8 +22221,8 @@
         </p:blipFill>
         <p:spPr>
           <a:xfrm>
-            <a:off x="6566263" y="1805897"/>
-            <a:ext cx="5083411" cy="3828620"/>
+            <a:off x="1498975" y="1647495"/>
+            <a:ext cx="5244237" cy="4015936"/>
           </a:xfrm>
           <a:prstGeom prst="rect">
             <a:avLst/>
@@ -22015,6 +22233,243 @@
     <p:extLst>
       <p:ext uri="{BB962C8B-B14F-4D97-AF65-F5344CB8AC3E}">
         <p14:creationId xmlns:p14="http://schemas.microsoft.com/office/powerpoint/2010/main" val="245824719"/>
+      </p:ext>
+    </p:extLst>
+  </p:cSld>
+  <p:clrMapOvr>
+    <a:masterClrMapping/>
+  </p:clrMapOvr>
+</p:sld>
+</file>
+
+<file path=ppt/slides/slide6.xml><?xml version="1.0" encoding="utf-8"?>
+<p:sld xmlns:a="http://schemas.openxmlformats.org/drawingml/2006/main" xmlns:r="http://schemas.openxmlformats.org/officeDocument/2006/relationships" xmlns:p="http://schemas.openxmlformats.org/presentationml/2006/main">
+  <p:cSld>
+    <p:spTree>
+      <p:nvGrpSpPr>
+        <p:cNvPr id="1" name="Shape 164"/>
+        <p:cNvGrpSpPr/>
+        <p:nvPr/>
+      </p:nvGrpSpPr>
+      <p:grpSpPr>
+        <a:xfrm>
+          <a:off x="0" y="0"/>
+          <a:ext cx="0" cy="0"/>
+          <a:chOff x="0" y="0"/>
+          <a:chExt cx="0" cy="0"/>
+        </a:xfrm>
+      </p:grpSpPr>
+      <p:sp>
+        <p:nvSpPr>
+          <p:cNvPr id="3" name="TextBox 2">
+            <a:extLst>
+              <a:ext uri="{FF2B5EF4-FFF2-40B4-BE49-F238E27FC236}">
+                <a16:creationId xmlns:a16="http://schemas.microsoft.com/office/drawing/2014/main" id="{210AA5E4-4B7E-DC91-9770-665031194088}"/>
+              </a:ext>
+            </a:extLst>
+          </p:cNvPr>
+          <p:cNvSpPr txBox="1"/>
+          <p:nvPr/>
+        </p:nvSpPr>
+        <p:spPr>
+          <a:xfrm>
+            <a:off x="5859739" y="552697"/>
+            <a:ext cx="6316269" cy="338554"/>
+          </a:xfrm>
+          <a:prstGeom prst="rect">
+            <a:avLst/>
+          </a:prstGeom>
+          <a:noFill/>
+        </p:spPr>
+        <p:txBody>
+          <a:bodyPr wrap="square" rtlCol="0">
+            <a:spAutoFit/>
+          </a:bodyPr>
+          <a:lstStyle/>
+          <a:p>
+            <a:pPr algn="ctr"/>
+            <a:r>
+              <a:rPr lang="en-US" sz="1600" dirty="0">
+                <a:latin typeface="+mn-lt"/>
+              </a:rPr>
+              <a:t>The correlation between the rent price and median sale price is 0.87</a:t>
+            </a:r>
+          </a:p>
+        </p:txBody>
+      </p:sp>
+      <p:sp>
+        <p:nvSpPr>
+          <p:cNvPr id="4" name="Rectangle 3">
+            <a:extLst>
+              <a:ext uri="{FF2B5EF4-FFF2-40B4-BE49-F238E27FC236}">
+                <a16:creationId xmlns:a16="http://schemas.microsoft.com/office/drawing/2014/main" id="{2C9DA47D-C835-D7B6-6FFA-6528386D98DC}"/>
+              </a:ext>
+            </a:extLst>
+          </p:cNvPr>
+          <p:cNvSpPr/>
+          <p:nvPr/>
+        </p:nvSpPr>
+        <p:spPr>
+          <a:xfrm>
+            <a:off x="1486314" y="891251"/>
+            <a:ext cx="4295987" cy="4990590"/>
+          </a:xfrm>
+          <a:prstGeom prst="rect">
+            <a:avLst/>
+          </a:prstGeom>
+          <a:solidFill>
+            <a:schemeClr val="bg1"/>
+          </a:solidFill>
+          <a:ln>
+            <a:solidFill>
+              <a:schemeClr val="tx1"/>
+            </a:solidFill>
+          </a:ln>
+        </p:spPr>
+        <p:style>
+          <a:lnRef idx="2">
+            <a:schemeClr val="accent1">
+              <a:shade val="15000"/>
+            </a:schemeClr>
+          </a:lnRef>
+          <a:fillRef idx="1">
+            <a:schemeClr val="accent1"/>
+          </a:fillRef>
+          <a:effectRef idx="0">
+            <a:schemeClr val="accent1"/>
+          </a:effectRef>
+          <a:fontRef idx="minor">
+            <a:schemeClr val="lt1"/>
+          </a:fontRef>
+        </p:style>
+        <p:txBody>
+          <a:bodyPr rtlCol="0" anchor="t"/>
+          <a:lstStyle/>
+          <a:p>
+            <a:pPr marL="285750" indent="-285750">
+              <a:buFont typeface="Arial" panose="020B0604020202020204" pitchFamily="34" charset="0"/>
+              <a:buChar char="•"/>
+            </a:pPr>
+            <a:r>
+              <a:rPr lang="en-US" sz="2000" dirty="0">
+                <a:solidFill>
+                  <a:schemeClr val="tx1"/>
+                </a:solidFill>
+              </a:rPr>
+              <a:t>The chart to the left shows a scatter plot of median sale price and monthly rent, showing the two variables are highly correlated</a:t>
+            </a:r>
+          </a:p>
+          <a:p>
+            <a:pPr marL="285750" indent="-285750">
+              <a:buFont typeface="Arial" panose="020B0604020202020204" pitchFamily="34" charset="0"/>
+              <a:buChar char="•"/>
+            </a:pPr>
+            <a:r>
+              <a:rPr lang="en-US" sz="2000" dirty="0">
+                <a:solidFill>
+                  <a:schemeClr val="tx1"/>
+                </a:solidFill>
+              </a:rPr>
+              <a:t>As monthly rent increases in a region, so does the median sale price</a:t>
+            </a:r>
+          </a:p>
+          <a:p>
+            <a:pPr marL="285750" indent="-285750">
+              <a:buFont typeface="Arial" panose="020B0604020202020204" pitchFamily="34" charset="0"/>
+              <a:buChar char="•"/>
+            </a:pPr>
+            <a:endParaRPr lang="en-US" sz="2000" dirty="0">
+              <a:solidFill>
+                <a:schemeClr val="tx1"/>
+              </a:solidFill>
+            </a:endParaRPr>
+          </a:p>
+          <a:p>
+            <a:pPr marL="285750" indent="-285750">
+              <a:buFont typeface="Arial" panose="020B0604020202020204" pitchFamily="34" charset="0"/>
+              <a:buChar char="•"/>
+            </a:pPr>
+            <a:r>
+              <a:rPr lang="en-US" sz="2000" dirty="0">
+                <a:solidFill>
+                  <a:schemeClr val="tx1"/>
+                </a:solidFill>
+              </a:rPr>
+              <a:t>Where is it better to be a renter? In regions above the red line. </a:t>
+            </a:r>
+          </a:p>
+          <a:p>
+            <a:pPr marL="285750" indent="-285750">
+              <a:buFont typeface="Arial" panose="020B0604020202020204" pitchFamily="34" charset="0"/>
+              <a:buChar char="•"/>
+            </a:pPr>
+            <a:endParaRPr lang="en-US" sz="2000" dirty="0">
+              <a:solidFill>
+                <a:schemeClr val="tx1"/>
+              </a:solidFill>
+            </a:endParaRPr>
+          </a:p>
+          <a:p>
+            <a:pPr marL="285750" indent="-285750">
+              <a:buFont typeface="Arial" panose="020B0604020202020204" pitchFamily="34" charset="0"/>
+              <a:buChar char="•"/>
+            </a:pPr>
+            <a:r>
+              <a:rPr lang="en-US" sz="2000" dirty="0">
+                <a:solidFill>
+                  <a:schemeClr val="tx1"/>
+                </a:solidFill>
+              </a:rPr>
+              <a:t>Where is it better to be a homeowner? In regions below the red line.</a:t>
+            </a:r>
+          </a:p>
+          <a:p>
+            <a:pPr marL="285750" indent="-285750">
+              <a:buFont typeface="Arial" panose="020B0604020202020204" pitchFamily="34" charset="0"/>
+              <a:buChar char="•"/>
+            </a:pPr>
+            <a:endParaRPr lang="en-US" sz="1600" dirty="0">
+              <a:solidFill>
+                <a:schemeClr val="tx1"/>
+              </a:solidFill>
+            </a:endParaRPr>
+          </a:p>
+        </p:txBody>
+      </p:sp>
+      <p:pic>
+        <p:nvPicPr>
+          <p:cNvPr id="5" name="Picture 4">
+            <a:extLst>
+              <a:ext uri="{FF2B5EF4-FFF2-40B4-BE49-F238E27FC236}">
+                <a16:creationId xmlns:a16="http://schemas.microsoft.com/office/drawing/2014/main" id="{15722AA0-A0DD-4655-0AD7-962087B761E9}"/>
+              </a:ext>
+            </a:extLst>
+          </p:cNvPr>
+          <p:cNvPicPr>
+            <a:picLocks noChangeAspect="1"/>
+          </p:cNvPicPr>
+          <p:nvPr/>
+        </p:nvPicPr>
+        <p:blipFill>
+          <a:blip r:embed="rId3"/>
+          <a:stretch>
+            <a:fillRect/>
+          </a:stretch>
+        </p:blipFill>
+        <p:spPr>
+          <a:xfrm>
+            <a:off x="5944117" y="1013730"/>
+            <a:ext cx="6147515" cy="4745632"/>
+          </a:xfrm>
+          <a:prstGeom prst="rect">
+            <a:avLst/>
+          </a:prstGeom>
+        </p:spPr>
+      </p:pic>
+    </p:spTree>
+    <p:extLst>
+      <p:ext uri="{BB962C8B-B14F-4D97-AF65-F5344CB8AC3E}">
+        <p14:creationId xmlns:p14="http://schemas.microsoft.com/office/powerpoint/2010/main" val="3523374782"/>
       </p:ext>
     </p:extLst>
   </p:cSld>

--- a/Real Estate EDA.pptx
+++ b/Real Estate EDA.pptx
@@ -37,7 +37,7 @@
   <p:notesSz cx="6858000" cy="9144000"/>
   <p:embeddedFontLst>
     <p:embeddedFont>
-      <p:font typeface="Centaur" panose="02030504050205020304" pitchFamily="18" charset="77"/>
+      <p:font typeface="Centaur" panose="02030504050205020304" pitchFamily="18" charset="0"/>
       <p:regular r:id="rId27"/>
     </p:embeddedFont>
     <p:embeddedFont>
@@ -282,7 +282,7 @@
       <p15:sldGuideLst xmlns:p15="http://schemas.microsoft.com/office/powerpoint/2012/main"/>
     </p:ext>
     <p:ext uri="GoogleSlidesCustomDataVersion2">
-      <go:slidesCustomData xmlns:go="http://customooxmlschemas.google.com/" xmlns:ahyp="http://schemas.microsoft.com/office/drawing/2018/hyperlinkcolor" xmlns:p15="http://schemas.microsoft.com/office/powerpoint/2012/main" xmlns:p14="http://schemas.microsoft.com/office/powerpoint/2010/main" xmlns:com="http://schemas.openxmlformats.org/drawingml/2006/compatibility" xmlns:pvml="urn:schemas-microsoft-com:office:powerpoint" xmlns:v="urn:schemas-microsoft-com:vml" xmlns:o="urn:schemas-microsoft-com:office:office" xmlns:dgm="http://schemas.openxmlformats.org/drawingml/2006/diagram" xmlns:c="http://schemas.openxmlformats.org/drawingml/2006/chart" xmlns:mv="urn:schemas-microsoft-com:mac:vml" xmlns:mc="http://schemas.openxmlformats.org/markup-compatibility/2006" xmlns="" r:id="rId33" roundtripDataSignature="AMtx7mihPokRRB2W+gN4vu7vZLOMbhVegg=="/>
+      <go:slidesCustomData xmlns="" xmlns:mc="http://schemas.openxmlformats.org/markup-compatibility/2006" xmlns:mv="urn:schemas-microsoft-com:mac:vml" xmlns:c="http://schemas.openxmlformats.org/drawingml/2006/chart" xmlns:dgm="http://schemas.openxmlformats.org/drawingml/2006/diagram" xmlns:o="urn:schemas-microsoft-com:office:office" xmlns:v="urn:schemas-microsoft-com:vml" xmlns:pvml="urn:schemas-microsoft-com:office:powerpoint" xmlns:com="http://schemas.openxmlformats.org/drawingml/2006/compatibility" xmlns:p14="http://schemas.microsoft.com/office/powerpoint/2010/main" xmlns:p15="http://schemas.microsoft.com/office/powerpoint/2012/main" xmlns:ahyp="http://schemas.microsoft.com/office/drawing/2018/hyperlinkcolor" xmlns:go="http://customooxmlschemas.google.com/" r:id="rId33" roundtripDataSignature="AMtx7mihPokRRB2W+gN4vu7vZLOMbhVegg=="/>
     </p:ext>
   </p:extLst>
 </p:presentation>
@@ -21724,36 +21724,6 @@
           </a:p>
         </p:txBody>
       </p:sp>
-      <p:pic>
-        <p:nvPicPr>
-          <p:cNvPr id="2" name="Picture 1">
-            <a:extLst>
-              <a:ext uri="{FF2B5EF4-FFF2-40B4-BE49-F238E27FC236}">
-                <a16:creationId xmlns:a16="http://schemas.microsoft.com/office/drawing/2014/main" id="{BD93D7C5-3C8C-6B03-1EE0-D017E529A3EF}"/>
-              </a:ext>
-            </a:extLst>
-          </p:cNvPr>
-          <p:cNvPicPr>
-            <a:picLocks noChangeAspect="1"/>
-          </p:cNvPicPr>
-          <p:nvPr/>
-        </p:nvPicPr>
-        <p:blipFill>
-          <a:blip r:embed="rId3"/>
-          <a:stretch>
-            <a:fillRect/>
-          </a:stretch>
-        </p:blipFill>
-        <p:spPr>
-          <a:xfrm>
-            <a:off x="2220741" y="0"/>
-            <a:ext cx="8032497" cy="3770811"/>
-          </a:xfrm>
-          <a:prstGeom prst="rect">
-            <a:avLst/>
-          </a:prstGeom>
-        </p:spPr>
-      </p:pic>
       <p:sp>
         <p:nvSpPr>
           <p:cNvPr id="3" name="Rectangle 2">
@@ -21860,6 +21830,36 @@
           </a:p>
         </p:txBody>
       </p:sp>
+      <p:pic>
+        <p:nvPicPr>
+          <p:cNvPr id="5" name="Picture 4" descr="A map of the united states&#10;&#10;Description automatically generated">
+            <a:extLst>
+              <a:ext uri="{FF2B5EF4-FFF2-40B4-BE49-F238E27FC236}">
+                <a16:creationId xmlns:a16="http://schemas.microsoft.com/office/drawing/2014/main" id="{3BAB0B52-F7EA-4ECC-2AA0-A007FDB04733}"/>
+              </a:ext>
+            </a:extLst>
+          </p:cNvPr>
+          <p:cNvPicPr>
+            <a:picLocks noChangeAspect="1"/>
+          </p:cNvPicPr>
+          <p:nvPr/>
+        </p:nvPicPr>
+        <p:blipFill>
+          <a:blip r:embed="rId3"/>
+          <a:stretch>
+            <a:fillRect/>
+          </a:stretch>
+        </p:blipFill>
+        <p:spPr>
+          <a:xfrm>
+            <a:off x="2528887" y="280202"/>
+            <a:ext cx="7134225" cy="3314700"/>
+          </a:xfrm>
+          <a:prstGeom prst="rect">
+            <a:avLst/>
+          </a:prstGeom>
+        </p:spPr>
+      </p:pic>
     </p:spTree>
     <p:extLst>
       <p:ext uri="{BB962C8B-B14F-4D97-AF65-F5344CB8AC3E}">
@@ -21959,36 +21959,6 @@
           </a:p>
         </p:txBody>
       </p:sp>
-      <p:pic>
-        <p:nvPicPr>
-          <p:cNvPr id="4" name="Picture 3">
-            <a:extLst>
-              <a:ext uri="{FF2B5EF4-FFF2-40B4-BE49-F238E27FC236}">
-                <a16:creationId xmlns:a16="http://schemas.microsoft.com/office/drawing/2014/main" id="{933B91EC-8409-E7D2-80DE-A0F269465C53}"/>
-              </a:ext>
-            </a:extLst>
-          </p:cNvPr>
-          <p:cNvPicPr>
-            <a:picLocks noChangeAspect="1"/>
-          </p:cNvPicPr>
-          <p:nvPr/>
-        </p:nvPicPr>
-        <p:blipFill>
-          <a:blip r:embed="rId3"/>
-          <a:stretch>
-            <a:fillRect/>
-          </a:stretch>
-        </p:blipFill>
-        <p:spPr>
-          <a:xfrm>
-            <a:off x="2189646" y="0"/>
-            <a:ext cx="8063592" cy="3696074"/>
-          </a:xfrm>
-          <a:prstGeom prst="rect">
-            <a:avLst/>
-          </a:prstGeom>
-        </p:spPr>
-      </p:pic>
       <p:sp>
         <p:nvSpPr>
           <p:cNvPr id="2" name="Rectangle 1">
@@ -22111,6 +22081,36 @@
           </a:p>
         </p:txBody>
       </p:sp>
+      <p:pic>
+        <p:nvPicPr>
+          <p:cNvPr id="5" name="Picture 4" descr="A map of the united states&#10;&#10;Description automatically generated">
+            <a:extLst>
+              <a:ext uri="{FF2B5EF4-FFF2-40B4-BE49-F238E27FC236}">
+                <a16:creationId xmlns:a16="http://schemas.microsoft.com/office/drawing/2014/main" id="{5C52D28E-7D05-EBF2-A734-6EC238FC982D}"/>
+              </a:ext>
+            </a:extLst>
+          </p:cNvPr>
+          <p:cNvPicPr>
+            <a:picLocks noChangeAspect="1"/>
+          </p:cNvPicPr>
+          <p:nvPr/>
+        </p:nvPicPr>
+        <p:blipFill>
+          <a:blip r:embed="rId3"/>
+          <a:stretch>
+            <a:fillRect/>
+          </a:stretch>
+        </p:blipFill>
+        <p:spPr>
+          <a:xfrm>
+            <a:off x="2498138" y="258973"/>
+            <a:ext cx="7124700" cy="3286125"/>
+          </a:xfrm>
+          <a:prstGeom prst="rect">
+            <a:avLst/>
+          </a:prstGeom>
+        </p:spPr>
+      </p:pic>
     </p:spTree>
   </p:cSld>
   <p:clrMapOvr>

--- a/Real Estate EDA.pptx
+++ b/Real Estate EDA.pptx
@@ -37,7 +37,7 @@
   <p:notesSz cx="6858000" cy="9144000"/>
   <p:embeddedFontLst>
     <p:embeddedFont>
-      <p:font typeface="Centaur" panose="02030504050205020304" pitchFamily="18" charset="0"/>
+      <p:font typeface="Centaur" panose="02030504050205020304" pitchFamily="18" charset="77"/>
       <p:regular r:id="rId27"/>
     </p:embeddedFont>
     <p:embeddedFont>
@@ -282,7 +282,7 @@
       <p15:sldGuideLst xmlns:p15="http://schemas.microsoft.com/office/powerpoint/2012/main"/>
     </p:ext>
     <p:ext uri="GoogleSlidesCustomDataVersion2">
-      <go:slidesCustomData xmlns="" xmlns:mc="http://schemas.openxmlformats.org/markup-compatibility/2006" xmlns:mv="urn:schemas-microsoft-com:mac:vml" xmlns:c="http://schemas.openxmlformats.org/drawingml/2006/chart" xmlns:dgm="http://schemas.openxmlformats.org/drawingml/2006/diagram" xmlns:o="urn:schemas-microsoft-com:office:office" xmlns:v="urn:schemas-microsoft-com:vml" xmlns:pvml="urn:schemas-microsoft-com:office:powerpoint" xmlns:com="http://schemas.openxmlformats.org/drawingml/2006/compatibility" xmlns:p14="http://schemas.microsoft.com/office/powerpoint/2010/main" xmlns:p15="http://schemas.microsoft.com/office/powerpoint/2012/main" xmlns:ahyp="http://schemas.microsoft.com/office/drawing/2018/hyperlinkcolor" xmlns:go="http://customooxmlschemas.google.com/" r:id="rId33" roundtripDataSignature="AMtx7mihPokRRB2W+gN4vu7vZLOMbhVegg=="/>
+      <go:slidesCustomData xmlns:go="http://customooxmlschemas.google.com/" xmlns:ahyp="http://schemas.microsoft.com/office/drawing/2018/hyperlinkcolor" xmlns:p15="http://schemas.microsoft.com/office/powerpoint/2012/main" xmlns:p14="http://schemas.microsoft.com/office/powerpoint/2010/main" xmlns:com="http://schemas.openxmlformats.org/drawingml/2006/compatibility" xmlns:pvml="urn:schemas-microsoft-com:office:powerpoint" xmlns:v="urn:schemas-microsoft-com:vml" xmlns:o="urn:schemas-microsoft-com:office:office" xmlns:dgm="http://schemas.openxmlformats.org/drawingml/2006/diagram" xmlns:c="http://schemas.openxmlformats.org/drawingml/2006/chart" xmlns:mv="urn:schemas-microsoft-com:mac:vml" xmlns:mc="http://schemas.openxmlformats.org/markup-compatibility/2006" xmlns="" r:id="rId33" roundtripDataSignature="AMtx7mihPokRRB2W+gN4vu7vZLOMbhVegg=="/>
     </p:ext>
   </p:extLst>
 </p:presentation>
@@ -18405,8 +18405,8 @@
         </p:blipFill>
         <p:spPr>
           <a:xfrm>
-            <a:off x="4757739" y="200025"/>
-            <a:ext cx="7089376" cy="6858000"/>
+            <a:off x="5273457" y="273678"/>
+            <a:ext cx="6523553" cy="6310644"/>
           </a:xfrm>
           <a:prstGeom prst="rect">
             <a:avLst/>
@@ -18657,8 +18657,8 @@
         </p:nvSpPr>
         <p:spPr>
           <a:xfrm>
-            <a:off x="1326562" y="1776548"/>
-            <a:ext cx="10018713" cy="5225143"/>
+            <a:off x="1326562" y="1776549"/>
+            <a:ext cx="10018713" cy="4461414"/>
           </a:xfrm>
           <a:prstGeom prst="rect">
             <a:avLst/>
@@ -18779,57 +18779,6 @@
               </a:rPr>
               <a:t>Below Average Home Sold Above Listing </a:t>
             </a:r>
-          </a:p>
-          <a:p>
-            <a:pPr marL="285750" lvl="0" indent="-285750" algn="l" rtl="0">
-              <a:spcBef>
-                <a:spcPts val="0"/>
-              </a:spcBef>
-              <a:spcAft>
-                <a:spcPts val="0"/>
-              </a:spcAft>
-              <a:buSzPts val="3480"/>
-              <a:buChar char="•"/>
-            </a:pPr>
-            <a:endParaRPr lang="en-US" dirty="0"/>
-          </a:p>
-          <a:p>
-            <a:pPr marL="0" lvl="0" indent="0" algn="l" rtl="0">
-              <a:spcBef>
-                <a:spcPts val="0"/>
-              </a:spcBef>
-              <a:spcAft>
-                <a:spcPts val="0"/>
-              </a:spcAft>
-              <a:buSzPts val="3480"/>
-              <a:buNone/>
-            </a:pPr>
-            <a:endParaRPr lang="en-US" dirty="0"/>
-          </a:p>
-          <a:p>
-            <a:pPr marL="285750" lvl="0" indent="-285750" algn="l" rtl="0">
-              <a:spcBef>
-                <a:spcPts val="0"/>
-              </a:spcBef>
-              <a:spcAft>
-                <a:spcPts val="0"/>
-              </a:spcAft>
-              <a:buSzPts val="3480"/>
-              <a:buChar char="•"/>
-            </a:pPr>
-            <a:endParaRPr lang="en-US" dirty="0"/>
-          </a:p>
-          <a:p>
-            <a:pPr marL="0" lvl="0" indent="0" algn="l" rtl="0">
-              <a:spcBef>
-                <a:spcPts val="0"/>
-              </a:spcBef>
-              <a:spcAft>
-                <a:spcPts val="0"/>
-              </a:spcAft>
-              <a:buSzPts val="3480"/>
-              <a:buNone/>
-            </a:pPr>
             <a:endParaRPr lang="en-US" dirty="0"/>
           </a:p>
           <a:p>
@@ -20664,7 +20613,7 @@
           </a:solidFill>
           <a:ln>
             <a:solidFill>
-              <a:schemeClr val="tx1"/>
+              <a:schemeClr val="bg1"/>
             </a:solidFill>
           </a:ln>
         </p:spPr>
@@ -20689,7 +20638,7 @@
           <a:lstStyle/>
           <a:p>
             <a:r>
-              <a:rPr lang="en-US" dirty="0">
+              <a:rPr lang="en-US" sz="1600" dirty="0">
                 <a:solidFill>
                   <a:schemeClr val="tx1"/>
                 </a:solidFill>
@@ -20698,7 +20647,7 @@
             </a:r>
           </a:p>
           <a:p>
-            <a:endParaRPr lang="en-US" dirty="0">
+            <a:endParaRPr lang="en-US" sz="1600" dirty="0">
               <a:solidFill>
                 <a:schemeClr val="tx1"/>
               </a:solidFill>
@@ -20706,7 +20655,7 @@
           </a:p>
           <a:p>
             <a:r>
-              <a:rPr lang="en-US" dirty="0">
+              <a:rPr lang="en-US" sz="1600" dirty="0">
                 <a:solidFill>
                   <a:schemeClr val="tx1"/>
                 </a:solidFill>
@@ -20715,7 +20664,7 @@
             </a:r>
           </a:p>
           <a:p>
-            <a:endParaRPr lang="en-US" dirty="0">
+            <a:endParaRPr lang="en-US" sz="1600" dirty="0">
               <a:solidFill>
                 <a:schemeClr val="tx1"/>
               </a:solidFill>
@@ -20723,7 +20672,7 @@
           </a:p>
           <a:p>
             <a:r>
-              <a:rPr lang="en-US" dirty="0">
+              <a:rPr lang="en-US" sz="1600" dirty="0">
                 <a:solidFill>
                   <a:schemeClr val="tx1"/>
                 </a:solidFill>
@@ -20737,7 +20686,7 @@
               <a:buChar char="•"/>
             </a:pPr>
             <a:r>
-              <a:rPr lang="en-US" i="0" dirty="0">
+              <a:rPr lang="en-US" sz="1600" i="0" dirty="0">
                 <a:solidFill>
                   <a:srgbClr val="2A2A33"/>
                 </a:solidFill>
@@ -20752,7 +20701,7 @@
               <a:buChar char="•"/>
             </a:pPr>
             <a:r>
-              <a:rPr lang="en-US" dirty="0">
+              <a:rPr lang="en-US" sz="1600" dirty="0">
                 <a:solidFill>
                   <a:schemeClr val="tx1"/>
                 </a:solidFill>
@@ -20766,7 +20715,7 @@
               <a:buChar char="•"/>
             </a:pPr>
             <a:r>
-              <a:rPr lang="en-US" dirty="0">
+              <a:rPr lang="en-US" sz="1600" dirty="0">
                 <a:solidFill>
                   <a:schemeClr val="tx1"/>
                 </a:solidFill>
@@ -20780,7 +20729,7 @@
               <a:buChar char="•"/>
             </a:pPr>
             <a:r>
-              <a:rPr lang="en-US" i="0" dirty="0">
+              <a:rPr lang="en-US" sz="1600" i="0" dirty="0">
                 <a:solidFill>
                   <a:schemeClr val="tx1"/>
                 </a:solidFill>
@@ -20795,7 +20744,7 @@
               <a:buChar char="•"/>
             </a:pPr>
             <a:r>
-              <a:rPr lang="en-US" i="0" dirty="0">
+              <a:rPr lang="en-US" sz="1600" i="0" dirty="0">
                 <a:solidFill>
                   <a:schemeClr val="tx1"/>
                 </a:solidFill>
@@ -20804,7 +20753,7 @@
               <a:t>Percent of Sales </a:t>
             </a:r>
             <a:r>
-              <a:rPr lang="en-US" dirty="0">
+              <a:rPr lang="en-US" sz="1600" dirty="0">
                 <a:solidFill>
                   <a:schemeClr val="tx1"/>
                 </a:solidFill>
@@ -20812,7 +20761,7 @@
               <a:t>O</a:t>
             </a:r>
             <a:r>
-              <a:rPr lang="en-US" i="0" dirty="0">
+              <a:rPr lang="en-US" sz="1600" i="0" dirty="0">
                 <a:solidFill>
                   <a:schemeClr val="tx1"/>
                 </a:solidFill>
@@ -20820,14 +20769,14 @@
               </a:rPr>
               <a:t>ver List</a:t>
             </a:r>
-            <a:endParaRPr lang="en-US" dirty="0">
+            <a:endParaRPr lang="en-US" sz="1600" dirty="0">
               <a:solidFill>
                 <a:schemeClr val="tx1"/>
               </a:solidFill>
             </a:endParaRPr>
           </a:p>
           <a:p>
-            <a:endParaRPr lang="en-US" dirty="0">
+            <a:endParaRPr lang="en-US" sz="1600" dirty="0">
               <a:solidFill>
                 <a:schemeClr val="tx1"/>
               </a:solidFill>
@@ -20835,7 +20784,7 @@
           </a:p>
           <a:p>
             <a:r>
-              <a:rPr lang="en-US" dirty="0">
+              <a:rPr lang="en-US" sz="1600" dirty="0">
                 <a:solidFill>
                   <a:schemeClr val="tx1"/>
                 </a:solidFill>
@@ -20849,7 +20798,7 @@
               <a:buChar char="•"/>
             </a:pPr>
             <a:r>
-              <a:rPr lang="en-US" dirty="0">
+              <a:rPr lang="en-US" sz="1600" dirty="0">
                 <a:solidFill>
                   <a:schemeClr val="tx1"/>
                 </a:solidFill>
@@ -20863,7 +20812,7 @@
               <a:buChar char="•"/>
             </a:pPr>
             <a:r>
-              <a:rPr lang="en-US" dirty="0">
+              <a:rPr lang="en-US" sz="1600" dirty="0">
                 <a:solidFill>
                   <a:schemeClr val="tx1"/>
                 </a:solidFill>
@@ -21236,30 +21185,32 @@
       </p:sp>
       <p:pic>
         <p:nvPicPr>
-          <p:cNvPr id="214" name="Google Shape;214;g29c4828a460_0_5"/>
-          <p:cNvPicPr preferRelativeResize="0"/>
+          <p:cNvPr id="3" name="Picture 2" descr="A graph of the top 25 regions&#10;&#10;Description automatically generated">
+            <a:extLst>
+              <a:ext uri="{FF2B5EF4-FFF2-40B4-BE49-F238E27FC236}">
+                <a16:creationId xmlns:a16="http://schemas.microsoft.com/office/drawing/2014/main" id="{8A836507-DC5A-0CC9-2959-BFC49D76D225}"/>
+              </a:ext>
+            </a:extLst>
+          </p:cNvPr>
+          <p:cNvPicPr>
+            <a:picLocks noChangeAspect="1"/>
+          </p:cNvPicPr>
           <p:nvPr/>
         </p:nvPicPr>
         <p:blipFill>
-          <a:blip r:embed="rId3">
-            <a:alphaModFix/>
-          </a:blip>
+          <a:blip r:embed="rId3"/>
           <a:stretch>
             <a:fillRect/>
           </a:stretch>
         </p:blipFill>
         <p:spPr>
           <a:xfrm>
-            <a:off x="4014566" y="1752600"/>
-            <a:ext cx="4647581" cy="4378475"/>
+            <a:off x="3783106" y="1280401"/>
+            <a:ext cx="5528982" cy="5362446"/>
           </a:xfrm>
           <a:prstGeom prst="rect">
             <a:avLst/>
           </a:prstGeom>
-          <a:noFill/>
-          <a:ln>
-            <a:noFill/>
-          </a:ln>
         </p:spPr>
       </p:pic>
     </p:spTree>
@@ -21340,30 +21291,62 @@
       </p:sp>
       <p:pic>
         <p:nvPicPr>
-          <p:cNvPr id="221" name="Google Shape;221;g29bccb3b9b8_1_6"/>
-          <p:cNvPicPr preferRelativeResize="0"/>
+          <p:cNvPr id="3" name="Picture 2" descr="A graph of a number of states&#10;&#10;Description automatically generated">
+            <a:extLst>
+              <a:ext uri="{FF2B5EF4-FFF2-40B4-BE49-F238E27FC236}">
+                <a16:creationId xmlns:a16="http://schemas.microsoft.com/office/drawing/2014/main" id="{95C878E3-46C6-EAEC-3E8C-A84D35F9B419}"/>
+              </a:ext>
+            </a:extLst>
+          </p:cNvPr>
+          <p:cNvPicPr>
+            <a:picLocks noChangeAspect="1"/>
+          </p:cNvPicPr>
           <p:nvPr/>
         </p:nvPicPr>
         <p:blipFill>
-          <a:blip r:embed="rId3">
-            <a:alphaModFix/>
-          </a:blip>
+          <a:blip r:embed="rId3"/>
           <a:stretch>
             <a:fillRect/>
           </a:stretch>
         </p:blipFill>
         <p:spPr>
           <a:xfrm>
-            <a:off x="3833732" y="1648034"/>
-            <a:ext cx="4935800" cy="4573700"/>
+            <a:off x="1672836" y="1552799"/>
+            <a:ext cx="5490248" cy="4169372"/>
           </a:xfrm>
           <a:prstGeom prst="rect">
             <a:avLst/>
           </a:prstGeom>
-          <a:noFill/>
-          <a:ln>
-            <a:noFill/>
-          </a:ln>
+        </p:spPr>
+      </p:pic>
+      <p:pic>
+        <p:nvPicPr>
+          <p:cNvPr id="5" name="Picture 4" descr="A graph of a number of regions&#10;&#10;Description automatically generated">
+            <a:extLst>
+              <a:ext uri="{FF2B5EF4-FFF2-40B4-BE49-F238E27FC236}">
+                <a16:creationId xmlns:a16="http://schemas.microsoft.com/office/drawing/2014/main" id="{4D37DC66-A8B3-6B7A-6131-046330B161EA}"/>
+              </a:ext>
+            </a:extLst>
+          </p:cNvPr>
+          <p:cNvPicPr>
+            <a:picLocks noChangeAspect="1"/>
+          </p:cNvPicPr>
+          <p:nvPr/>
+        </p:nvPicPr>
+        <p:blipFill>
+          <a:blip r:embed="rId4"/>
+          <a:stretch>
+            <a:fillRect/>
+          </a:stretch>
+        </p:blipFill>
+        <p:spPr>
+          <a:xfrm>
+            <a:off x="7292608" y="1552799"/>
+            <a:ext cx="4899392" cy="4382620"/>
+          </a:xfrm>
+          <a:prstGeom prst="rect">
+            <a:avLst/>
+          </a:prstGeom>
         </p:spPr>
       </p:pic>
     </p:spTree>
@@ -21435,67 +21418,41 @@
               <a:buNone/>
             </a:pPr>
             <a:r>
-              <a:rPr lang="en-US"/>
-              <a:t>Appendix: Top Home Value</a:t>
+              <a:rPr lang="en-US" dirty="0"/>
+              <a:t>Appendix: Top Median Sale Price</a:t>
             </a:r>
-            <a:endParaRPr/>
+            <a:endParaRPr dirty="0"/>
           </a:p>
         </p:txBody>
       </p:sp>
       <p:pic>
         <p:nvPicPr>
-          <p:cNvPr id="228" name="Google Shape;228;g29bccb3b9b8_1_20"/>
-          <p:cNvPicPr preferRelativeResize="0"/>
+          <p:cNvPr id="3" name="Picture 2" descr="A graph of the top 25 regions by the median sale price&#10;&#10;Description automatically generated">
+            <a:extLst>
+              <a:ext uri="{FF2B5EF4-FFF2-40B4-BE49-F238E27FC236}">
+                <a16:creationId xmlns:a16="http://schemas.microsoft.com/office/drawing/2014/main" id="{BDA4FF70-1E4B-7394-D8AF-64594EBAC6D7}"/>
+              </a:ext>
+            </a:extLst>
+          </p:cNvPr>
+          <p:cNvPicPr>
+            <a:picLocks noChangeAspect="1"/>
+          </p:cNvPicPr>
           <p:nvPr/>
         </p:nvPicPr>
         <p:blipFill>
-          <a:blip r:embed="rId3">
-            <a:alphaModFix/>
-          </a:blip>
+          <a:blip r:embed="rId3"/>
           <a:stretch>
             <a:fillRect/>
           </a:stretch>
         </p:blipFill>
         <p:spPr>
           <a:xfrm>
-            <a:off x="7157675" y="1462050"/>
-            <a:ext cx="5034325" cy="4731326"/>
+            <a:off x="4196437" y="1573306"/>
+            <a:ext cx="4712547" cy="4819650"/>
           </a:xfrm>
           <a:prstGeom prst="rect">
             <a:avLst/>
           </a:prstGeom>
-          <a:noFill/>
-          <a:ln>
-            <a:noFill/>
-          </a:ln>
-        </p:spPr>
-      </p:pic>
-      <p:pic>
-        <p:nvPicPr>
-          <p:cNvPr id="229" name="Google Shape;229;g29bccb3b9b8_1_20"/>
-          <p:cNvPicPr preferRelativeResize="0"/>
-          <p:nvPr/>
-        </p:nvPicPr>
-        <p:blipFill>
-          <a:blip r:embed="rId4">
-            <a:alphaModFix/>
-          </a:blip>
-          <a:stretch>
-            <a:fillRect/>
-          </a:stretch>
-        </p:blipFill>
-        <p:spPr>
-          <a:xfrm>
-            <a:off x="1901175" y="1462050"/>
-            <a:ext cx="5393400" cy="3933900"/>
-          </a:xfrm>
-          <a:prstGeom prst="rect">
-            <a:avLst/>
-          </a:prstGeom>
-          <a:noFill/>
-          <a:ln>
-            <a:noFill/>
-          </a:ln>
         </p:spPr>
       </p:pic>
     </p:spTree>
@@ -21567,67 +21524,71 @@
               <a:buNone/>
             </a:pPr>
             <a:r>
-              <a:rPr lang="en-US"/>
-              <a:t>Appendix: Bottom Home Value</a:t>
+              <a:rPr lang="en-US" dirty="0"/>
+              <a:t>Appendix: Bottom Median Sale Price</a:t>
             </a:r>
-            <a:endParaRPr/>
+            <a:endParaRPr dirty="0"/>
           </a:p>
         </p:txBody>
       </p:sp>
       <p:pic>
         <p:nvPicPr>
-          <p:cNvPr id="235" name="Google Shape;235;g29bccb3b9b8_1_14"/>
-          <p:cNvPicPr preferRelativeResize="0"/>
+          <p:cNvPr id="3" name="Picture 2" descr="A graph of a number of regions&#10;&#10;Description automatically generated">
+            <a:extLst>
+              <a:ext uri="{FF2B5EF4-FFF2-40B4-BE49-F238E27FC236}">
+                <a16:creationId xmlns:a16="http://schemas.microsoft.com/office/drawing/2014/main" id="{4973C580-64B1-FE55-033C-51705643B883}"/>
+              </a:ext>
+            </a:extLst>
+          </p:cNvPr>
+          <p:cNvPicPr>
+            <a:picLocks noChangeAspect="1"/>
+          </p:cNvPicPr>
           <p:nvPr/>
         </p:nvPicPr>
         <p:blipFill>
-          <a:blip r:embed="rId3">
-            <a:alphaModFix/>
-          </a:blip>
+          <a:blip r:embed="rId3"/>
           <a:stretch>
             <a:fillRect/>
           </a:stretch>
         </p:blipFill>
         <p:spPr>
           <a:xfrm>
-            <a:off x="6888250" y="1752600"/>
-            <a:ext cx="5303755" cy="4800599"/>
+            <a:off x="6749468" y="1483659"/>
+            <a:ext cx="5442532" cy="4714688"/>
           </a:xfrm>
           <a:prstGeom prst="rect">
             <a:avLst/>
           </a:prstGeom>
-          <a:noFill/>
-          <a:ln>
-            <a:noFill/>
-          </a:ln>
         </p:spPr>
       </p:pic>
       <p:pic>
         <p:nvPicPr>
-          <p:cNvPr id="236" name="Google Shape;236;g29bccb3b9b8_1_14"/>
-          <p:cNvPicPr preferRelativeResize="0"/>
+          <p:cNvPr id="5" name="Picture 4" descr="A graph of blue and white bars&#10;&#10;Description automatically generated">
+            <a:extLst>
+              <a:ext uri="{FF2B5EF4-FFF2-40B4-BE49-F238E27FC236}">
+                <a16:creationId xmlns:a16="http://schemas.microsoft.com/office/drawing/2014/main" id="{2BC3057C-CF33-E00A-D3F6-C387C2B6FEF6}"/>
+              </a:ext>
+            </a:extLst>
+          </p:cNvPr>
+          <p:cNvPicPr>
+            <a:picLocks noChangeAspect="1"/>
+          </p:cNvPicPr>
           <p:nvPr/>
         </p:nvPicPr>
         <p:blipFill>
-          <a:blip r:embed="rId4">
-            <a:alphaModFix/>
-          </a:blip>
+          <a:blip r:embed="rId4"/>
           <a:stretch>
             <a:fillRect/>
           </a:stretch>
         </p:blipFill>
         <p:spPr>
           <a:xfrm>
-            <a:off x="1543300" y="1752594"/>
-            <a:ext cx="5588249" cy="4039380"/>
+            <a:off x="1533169" y="1752600"/>
+            <a:ext cx="5216299" cy="3893857"/>
           </a:xfrm>
           <a:prstGeom prst="rect">
             <a:avLst/>
           </a:prstGeom>
-          <a:noFill/>
-          <a:ln>
-            <a:noFill/>
-          </a:ln>
         </p:spPr>
       </p:pic>
     </p:spTree>
@@ -21749,7 +21710,7 @@
           </a:solidFill>
           <a:ln>
             <a:solidFill>
-              <a:schemeClr val="tx1"/>
+              <a:schemeClr val="bg1"/>
             </a:solidFill>
           </a:ln>
         </p:spPr>
@@ -21984,7 +21945,7 @@
           </a:solidFill>
           <a:ln>
             <a:solidFill>
-              <a:schemeClr val="tx1"/>
+              <a:schemeClr val="bg1"/>
             </a:solidFill>
           </a:ln>
         </p:spPr>
@@ -22164,17 +22125,17 @@
           <a:p>
             <a:r>
               <a:rPr lang="en-US" dirty="0"/>
-              <a:t>Rent Comparison Top 10</a:t>
+              <a:t>Rent Comparison</a:t>
             </a:r>
           </a:p>
         </p:txBody>
       </p:sp>
       <p:pic>
         <p:nvPicPr>
-          <p:cNvPr id="5" name="Picture 4">
+          <p:cNvPr id="6" name="Picture 5">
             <a:extLst>
               <a:ext uri="{FF2B5EF4-FFF2-40B4-BE49-F238E27FC236}">
-                <a16:creationId xmlns:a16="http://schemas.microsoft.com/office/drawing/2014/main" id="{E83C5E29-3937-FF41-A902-C6A9D4BF8CC6}"/>
+                <a16:creationId xmlns:a16="http://schemas.microsoft.com/office/drawing/2014/main" id="{E755DBF3-8C16-0245-C1F5-7C53A0CE1F96}"/>
               </a:ext>
             </a:extLst>
           </p:cNvPr>
@@ -22191,8 +22152,8 @@
         </p:blipFill>
         <p:spPr>
           <a:xfrm>
-            <a:off x="6743212" y="1089465"/>
-            <a:ext cx="5448788" cy="5412763"/>
+            <a:off x="1396080" y="1647495"/>
+            <a:ext cx="5244237" cy="4015936"/>
           </a:xfrm>
           <a:prstGeom prst="rect">
             <a:avLst/>
@@ -22201,10 +22162,10 @@
       </p:pic>
       <p:pic>
         <p:nvPicPr>
-          <p:cNvPr id="6" name="Picture 5">
+          <p:cNvPr id="4" name="Picture 3" descr="A graph of the states by the state&#10;&#10;Description automatically generated">
             <a:extLst>
               <a:ext uri="{FF2B5EF4-FFF2-40B4-BE49-F238E27FC236}">
-                <a16:creationId xmlns:a16="http://schemas.microsoft.com/office/drawing/2014/main" id="{E755DBF3-8C16-0245-C1F5-7C53A0CE1F96}"/>
+                <a16:creationId xmlns:a16="http://schemas.microsoft.com/office/drawing/2014/main" id="{670EAE8E-C3AF-A91D-598B-C706F62C16BE}"/>
               </a:ext>
             </a:extLst>
           </p:cNvPr>
@@ -22221,8 +22182,8 @@
         </p:blipFill>
         <p:spPr>
           <a:xfrm>
-            <a:off x="1498975" y="1647495"/>
-            <a:ext cx="5244237" cy="4015936"/>
+            <a:off x="6640317" y="1647495"/>
+            <a:ext cx="5534290" cy="4015936"/>
           </a:xfrm>
           <a:prstGeom prst="rect">
             <a:avLst/>
@@ -22322,7 +22283,7 @@
           </a:solidFill>
           <a:ln>
             <a:solidFill>
-              <a:schemeClr val="tx1"/>
+              <a:schemeClr val="bg1"/>
             </a:solidFill>
           </a:ln>
         </p:spPr>
@@ -22857,36 +22818,6 @@
           <a:chExt cx="0" cy="0"/>
         </a:xfrm>
       </p:grpSpPr>
-      <p:pic>
-        <p:nvPicPr>
-          <p:cNvPr id="15" name="Picture 14">
-            <a:extLst>
-              <a:ext uri="{FF2B5EF4-FFF2-40B4-BE49-F238E27FC236}">
-                <a16:creationId xmlns:a16="http://schemas.microsoft.com/office/drawing/2014/main" id="{33F22757-7AD0-C776-8D40-C6D18B9F6966}"/>
-              </a:ext>
-            </a:extLst>
-          </p:cNvPr>
-          <p:cNvPicPr>
-            <a:picLocks noChangeAspect="1"/>
-          </p:cNvPicPr>
-          <p:nvPr/>
-        </p:nvPicPr>
-        <p:blipFill>
-          <a:blip r:embed="rId2"/>
-          <a:stretch>
-            <a:fillRect/>
-          </a:stretch>
-        </p:blipFill>
-        <p:spPr>
-          <a:xfrm>
-            <a:off x="4351769" y="580623"/>
-            <a:ext cx="6815137" cy="5295622"/>
-          </a:xfrm>
-          <a:prstGeom prst="rect">
-            <a:avLst/>
-          </a:prstGeom>
-        </p:spPr>
-      </p:pic>
       <p:sp>
         <p:nvSpPr>
           <p:cNvPr id="20" name="Google Shape;178;p5">
@@ -23374,6 +23305,36 @@
           </a:p>
         </p:txBody>
       </p:sp>
+      <p:pic>
+        <p:nvPicPr>
+          <p:cNvPr id="3" name="Picture 2" descr="A graph of a number of people&#10;&#10;Description automatically generated">
+            <a:extLst>
+              <a:ext uri="{FF2B5EF4-FFF2-40B4-BE49-F238E27FC236}">
+                <a16:creationId xmlns:a16="http://schemas.microsoft.com/office/drawing/2014/main" id="{78EFF52F-450D-80C3-5D10-7F1A4EC78C7D}"/>
+              </a:ext>
+            </a:extLst>
+          </p:cNvPr>
+          <p:cNvPicPr>
+            <a:picLocks noChangeAspect="1"/>
+          </p:cNvPicPr>
+          <p:nvPr/>
+        </p:nvPicPr>
+        <p:blipFill>
+          <a:blip r:embed="rId2"/>
+          <a:stretch>
+            <a:fillRect/>
+          </a:stretch>
+        </p:blipFill>
+        <p:spPr>
+          <a:xfrm>
+            <a:off x="4419600" y="816909"/>
+            <a:ext cx="7772400" cy="4971622"/>
+          </a:xfrm>
+          <a:prstGeom prst="rect">
+            <a:avLst/>
+          </a:prstGeom>
+        </p:spPr>
+      </p:pic>
     </p:spTree>
     <p:extLst>
       <p:ext uri="{BB962C8B-B14F-4D97-AF65-F5344CB8AC3E}">

--- a/Real Estate EDA.pptx
+++ b/Real Estate EDA.pptx
@@ -19,15 +19,15 @@
     <p:sldId id="273" r:id="rId10"/>
     <p:sldId id="274" r:id="rId11"/>
     <p:sldId id="261" r:id="rId12"/>
-    <p:sldId id="262" r:id="rId13"/>
+    <p:sldId id="285" r:id="rId13"/>
     <p:sldId id="271" r:id="rId14"/>
     <p:sldId id="284" r:id="rId15"/>
-    <p:sldId id="278" r:id="rId16"/>
-    <p:sldId id="279" r:id="rId17"/>
-    <p:sldId id="280" r:id="rId18"/>
-    <p:sldId id="282" r:id="rId19"/>
-    <p:sldId id="281" r:id="rId20"/>
-    <p:sldId id="283" r:id="rId21"/>
+    <p:sldId id="286" r:id="rId16"/>
+    <p:sldId id="287" r:id="rId17"/>
+    <p:sldId id="288" r:id="rId18"/>
+    <p:sldId id="289" r:id="rId19"/>
+    <p:sldId id="290" r:id="rId20"/>
+    <p:sldId id="291" r:id="rId21"/>
     <p:sldId id="266" r:id="rId22"/>
     <p:sldId id="267" r:id="rId23"/>
     <p:sldId id="268" r:id="rId24"/>
@@ -282,7 +282,7 @@
       <p15:sldGuideLst xmlns:p15="http://schemas.microsoft.com/office/powerpoint/2012/main"/>
     </p:ext>
     <p:ext uri="GoogleSlidesCustomDataVersion2">
-      <go:slidesCustomData xmlns:go="http://customooxmlschemas.google.com/" xmlns:ahyp="http://schemas.microsoft.com/office/drawing/2018/hyperlinkcolor" xmlns:p15="http://schemas.microsoft.com/office/powerpoint/2012/main" xmlns:p14="http://schemas.microsoft.com/office/powerpoint/2010/main" xmlns:com="http://schemas.openxmlformats.org/drawingml/2006/compatibility" xmlns:pvml="urn:schemas-microsoft-com:office:powerpoint" xmlns:v="urn:schemas-microsoft-com:vml" xmlns:o="urn:schemas-microsoft-com:office:office" xmlns:dgm="http://schemas.openxmlformats.org/drawingml/2006/diagram" xmlns:c="http://schemas.openxmlformats.org/drawingml/2006/chart" xmlns:mv="urn:schemas-microsoft-com:mac:vml" xmlns:mc="http://schemas.openxmlformats.org/markup-compatibility/2006" xmlns="" r:id="rId33" roundtripDataSignature="AMtx7mihPokRRB2W+gN4vu7vZLOMbhVegg=="/>
+      <go:slidesCustomData xmlns="" xmlns:mc="http://schemas.openxmlformats.org/markup-compatibility/2006" xmlns:mv="urn:schemas-microsoft-com:mac:vml" xmlns:c="http://schemas.openxmlformats.org/drawingml/2006/chart" xmlns:dgm="http://schemas.openxmlformats.org/drawingml/2006/diagram" xmlns:o="urn:schemas-microsoft-com:office:office" xmlns:v="urn:schemas-microsoft-com:vml" xmlns:pvml="urn:schemas-microsoft-com:office:powerpoint" xmlns:com="http://schemas.openxmlformats.org/drawingml/2006/compatibility" xmlns:p14="http://schemas.microsoft.com/office/powerpoint/2010/main" xmlns:p15="http://schemas.microsoft.com/office/powerpoint/2012/main" xmlns:ahyp="http://schemas.microsoft.com/office/drawing/2018/hyperlinkcolor" xmlns:go="http://customooxmlschemas.google.com/" r:id="rId33" roundtripDataSignature="AMtx7mihPokRRB2W+gN4vu7vZLOMbhVegg=="/>
     </p:ext>
   </p:extLst>
 </p:presentation>
@@ -884,7 +884,27 @@
               </a:spcAft>
               <a:buNone/>
             </a:pPr>
-            <a:endParaRPr/>
+            <a:r>
+              <a:rPr lang="en-US" dirty="0"/>
+              <a:t>https://</a:t>
+            </a:r>
+            <a:r>
+              <a:rPr lang="en-US" dirty="0" err="1"/>
+              <a:t>www.bankrate.com</a:t>
+            </a:r>
+            <a:r>
+              <a:rPr lang="en-US" dirty="0"/>
+              <a:t>/real-estate/housing-market/</a:t>
+            </a:r>
+            <a:r>
+              <a:rPr lang="en-US" dirty="0" err="1"/>
+              <a:t>florida</a:t>
+            </a:r>
+            <a:r>
+              <a:rPr lang="en-US" dirty="0"/>
+              <a:t>/</a:t>
+            </a:r>
+            <a:endParaRPr dirty="0"/>
           </a:p>
         </p:txBody>
       </p:sp>
@@ -932,7 +952,7 @@
     </p:spTree>
     <p:extLst>
       <p:ext uri="{BB962C8B-B14F-4D97-AF65-F5344CB8AC3E}">
-        <p14:creationId xmlns:p14="http://schemas.microsoft.com/office/powerpoint/2010/main" val="2662458178"/>
+        <p14:creationId xmlns:p14="http://schemas.microsoft.com/office/powerpoint/2010/main" val="3047333231"/>
       </p:ext>
     </p:extLst>
   </p:cSld>
@@ -993,7 +1013,27 @@
               </a:spcAft>
               <a:buNone/>
             </a:pPr>
-            <a:endParaRPr/>
+            <a:r>
+              <a:rPr lang="en-US" dirty="0"/>
+              <a:t>https://</a:t>
+            </a:r>
+            <a:r>
+              <a:rPr lang="en-US" dirty="0" err="1"/>
+              <a:t>www.forbes.com</a:t>
+            </a:r>
+            <a:r>
+              <a:rPr lang="en-US" dirty="0"/>
+              <a:t>/advisor/mortgages/real-estate/</a:t>
+            </a:r>
+            <a:r>
+              <a:rPr lang="en-US" dirty="0" err="1"/>
+              <a:t>arizona</a:t>
+            </a:r>
+            <a:r>
+              <a:rPr lang="en-US" dirty="0"/>
+              <a:t>-housing-market/</a:t>
+            </a:r>
+            <a:endParaRPr dirty="0"/>
           </a:p>
         </p:txBody>
       </p:sp>
@@ -1041,7 +1081,7 @@
     </p:spTree>
     <p:extLst>
       <p:ext uri="{BB962C8B-B14F-4D97-AF65-F5344CB8AC3E}">
-        <p14:creationId xmlns:p14="http://schemas.microsoft.com/office/powerpoint/2010/main" val="2955877784"/>
+        <p14:creationId xmlns:p14="http://schemas.microsoft.com/office/powerpoint/2010/main" val="1555121196"/>
       </p:ext>
     </p:extLst>
   </p:cSld>
@@ -1056,7 +1096,7 @@
   <p:cSld>
     <p:spTree>
       <p:nvGrpSpPr>
-        <p:cNvPr id="1" name="Shape 197"/>
+        <p:cNvPr id="1" name="Shape 191"/>
         <p:cNvGrpSpPr/>
         <p:nvPr/>
       </p:nvGrpSpPr>
@@ -1070,7 +1110,7 @@
       </p:grpSpPr>
       <p:sp>
         <p:nvSpPr>
-          <p:cNvPr id="198" name="Google Shape;198;p9:notes"/>
+          <p:cNvPr id="192" name="Google Shape;192;p8:notes"/>
           <p:cNvSpPr txBox="1">
             <a:spLocks noGrp="1"/>
           </p:cNvSpPr>
@@ -1108,7 +1148,7 @@
       </p:sp>
       <p:sp>
         <p:nvSpPr>
-          <p:cNvPr id="199" name="Google Shape;199;p9:notes"/>
+          <p:cNvPr id="193" name="Google Shape;193;p8:notes"/>
           <p:cNvSpPr>
             <a:spLocks noGrp="1" noRot="1" noChangeAspect="1"/>
           </p:cNvSpPr>
@@ -1150,7 +1190,7 @@
     </p:spTree>
     <p:extLst>
       <p:ext uri="{BB962C8B-B14F-4D97-AF65-F5344CB8AC3E}">
-        <p14:creationId xmlns:p14="http://schemas.microsoft.com/office/powerpoint/2010/main" val="3834517446"/>
+        <p14:creationId xmlns:p14="http://schemas.microsoft.com/office/powerpoint/2010/main" val="3986029280"/>
       </p:ext>
     </p:extLst>
   </p:cSld>
@@ -1165,7 +1205,7 @@
   <p:cSld>
     <p:spTree>
       <p:nvGrpSpPr>
-        <p:cNvPr id="1" name="Shape 197"/>
+        <p:cNvPr id="1" name="Shape 191"/>
         <p:cNvGrpSpPr/>
         <p:nvPr/>
       </p:nvGrpSpPr>
@@ -1179,7 +1219,7 @@
       </p:grpSpPr>
       <p:sp>
         <p:nvSpPr>
-          <p:cNvPr id="198" name="Google Shape;198;p9:notes"/>
+          <p:cNvPr id="192" name="Google Shape;192;p8:notes"/>
           <p:cNvSpPr txBox="1">
             <a:spLocks noGrp="1"/>
           </p:cNvSpPr>
@@ -1211,13 +1251,25 @@
               </a:spcAft>
               <a:buNone/>
             </a:pPr>
-            <a:endParaRPr/>
+            <a:r>
+              <a:rPr lang="en-US" dirty="0"/>
+              <a:t>https://</a:t>
+            </a:r>
+            <a:r>
+              <a:rPr lang="en-US" dirty="0" err="1"/>
+              <a:t>www.wkow.com</a:t>
+            </a:r>
+            <a:r>
+              <a:rPr lang="en-US" dirty="0"/>
+              <a:t>/news/wisconsin-housing-market-remains-tight-realtors-offer-advice-for-first-time-buyers/article_933c0dec-1144-11ee-a4a8-57d051a0e338.html</a:t>
+            </a:r>
+            <a:endParaRPr dirty="0"/>
           </a:p>
         </p:txBody>
       </p:sp>
       <p:sp>
         <p:nvSpPr>
-          <p:cNvPr id="199" name="Google Shape;199;p9:notes"/>
+          <p:cNvPr id="193" name="Google Shape;193;p8:notes"/>
           <p:cNvSpPr>
             <a:spLocks noGrp="1" noRot="1" noChangeAspect="1"/>
           </p:cNvSpPr>
@@ -1259,7 +1311,7 @@
     </p:spTree>
     <p:extLst>
       <p:ext uri="{BB962C8B-B14F-4D97-AF65-F5344CB8AC3E}">
-        <p14:creationId xmlns:p14="http://schemas.microsoft.com/office/powerpoint/2010/main" val="2966934098"/>
+        <p14:creationId xmlns:p14="http://schemas.microsoft.com/office/powerpoint/2010/main" val="3996502551"/>
       </p:ext>
     </p:extLst>
   </p:cSld>
@@ -1274,7 +1326,7 @@
   <p:cSld>
     <p:spTree>
       <p:nvGrpSpPr>
-        <p:cNvPr id="1" name="Shape 197"/>
+        <p:cNvPr id="1" name="Shape 191"/>
         <p:cNvGrpSpPr/>
         <p:nvPr/>
       </p:nvGrpSpPr>
@@ -1288,7 +1340,7 @@
       </p:grpSpPr>
       <p:sp>
         <p:nvSpPr>
-          <p:cNvPr id="198" name="Google Shape;198;p9:notes"/>
+          <p:cNvPr id="192" name="Google Shape;192;p8:notes"/>
           <p:cNvSpPr txBox="1">
             <a:spLocks noGrp="1"/>
           </p:cNvSpPr>
@@ -1320,13 +1372,33 @@
               </a:spcAft>
               <a:buNone/>
             </a:pPr>
-            <a:endParaRPr/>
+            <a:r>
+              <a:rPr lang="en-US" dirty="0"/>
+              <a:t>https://</a:t>
+            </a:r>
+            <a:r>
+              <a:rPr lang="en-US" dirty="0" err="1"/>
+              <a:t>www.foxbusiness.com</a:t>
+            </a:r>
+            <a:r>
+              <a:rPr lang="en-US" dirty="0"/>
+              <a:t>/lifestyle/</a:t>
+            </a:r>
+            <a:r>
+              <a:rPr lang="en-US" dirty="0" err="1"/>
+              <a:t>kansas</a:t>
+            </a:r>
+            <a:r>
+              <a:rPr lang="en-US" dirty="0"/>
+              <a:t>-capital-top-emerging-housing-market-us</a:t>
+            </a:r>
+            <a:endParaRPr dirty="0"/>
           </a:p>
         </p:txBody>
       </p:sp>
       <p:sp>
         <p:nvSpPr>
-          <p:cNvPr id="199" name="Google Shape;199;p9:notes"/>
+          <p:cNvPr id="193" name="Google Shape;193;p8:notes"/>
           <p:cNvSpPr>
             <a:spLocks noGrp="1" noRot="1" noChangeAspect="1"/>
           </p:cNvSpPr>
@@ -1368,7 +1440,7 @@
     </p:spTree>
     <p:extLst>
       <p:ext uri="{BB962C8B-B14F-4D97-AF65-F5344CB8AC3E}">
-        <p14:creationId xmlns:p14="http://schemas.microsoft.com/office/powerpoint/2010/main" val="2881152852"/>
+        <p14:creationId xmlns:p14="http://schemas.microsoft.com/office/powerpoint/2010/main" val="4258106797"/>
       </p:ext>
     </p:extLst>
   </p:cSld>
@@ -1379,6 +1451,115 @@
 </file>
 
 <file path=ppt/notesSlides/notesSlide15.xml><?xml version="1.0" encoding="utf-8"?>
+<p:notes xmlns:a="http://schemas.openxmlformats.org/drawingml/2006/main" xmlns:r="http://schemas.openxmlformats.org/officeDocument/2006/relationships" xmlns:p="http://schemas.openxmlformats.org/presentationml/2006/main" showMasterSp="0" showMasterPhAnim="0">
+  <p:cSld>
+    <p:spTree>
+      <p:nvGrpSpPr>
+        <p:cNvPr id="1" name="Shape 191"/>
+        <p:cNvGrpSpPr/>
+        <p:nvPr/>
+      </p:nvGrpSpPr>
+      <p:grpSpPr>
+        <a:xfrm>
+          <a:off x="0" y="0"/>
+          <a:ext cx="0" cy="0"/>
+          <a:chOff x="0" y="0"/>
+          <a:chExt cx="0" cy="0"/>
+        </a:xfrm>
+      </p:grpSpPr>
+      <p:sp>
+        <p:nvSpPr>
+          <p:cNvPr id="192" name="Google Shape;192;p8:notes"/>
+          <p:cNvSpPr txBox="1">
+            <a:spLocks noGrp="1"/>
+          </p:cNvSpPr>
+          <p:nvPr>
+            <p:ph type="body" idx="1"/>
+          </p:nvPr>
+        </p:nvSpPr>
+        <p:spPr>
+          <a:xfrm>
+            <a:off x="685800" y="4343400"/>
+            <a:ext cx="5486400" cy="4114800"/>
+          </a:xfrm>
+          <a:prstGeom prst="rect">
+            <a:avLst/>
+          </a:prstGeom>
+        </p:spPr>
+        <p:txBody>
+          <a:bodyPr spcFirstLastPara="1" wrap="square" lIns="91425" tIns="91425" rIns="91425" bIns="91425" anchor="t" anchorCtr="0">
+            <a:noAutofit/>
+          </a:bodyPr>
+          <a:lstStyle/>
+          <a:p>
+            <a:pPr marL="0" lvl="0" indent="0" algn="l" rtl="0">
+              <a:spcBef>
+                <a:spcPts val="0"/>
+              </a:spcBef>
+              <a:spcAft>
+                <a:spcPts val="0"/>
+              </a:spcAft>
+              <a:buNone/>
+            </a:pPr>
+            <a:endParaRPr/>
+          </a:p>
+        </p:txBody>
+      </p:sp>
+      <p:sp>
+        <p:nvSpPr>
+          <p:cNvPr id="193" name="Google Shape;193;p8:notes"/>
+          <p:cNvSpPr>
+            <a:spLocks noGrp="1" noRot="1" noChangeAspect="1"/>
+          </p:cNvSpPr>
+          <p:nvPr>
+            <p:ph type="sldImg" idx="2"/>
+          </p:nvPr>
+        </p:nvSpPr>
+        <p:spPr>
+          <a:xfrm>
+            <a:off x="381000" y="685800"/>
+            <a:ext cx="6096000" cy="3429000"/>
+          </a:xfrm>
+          <a:custGeom>
+            <a:avLst/>
+            <a:gdLst/>
+            <a:ahLst/>
+            <a:cxnLst/>
+            <a:rect l="l" t="t" r="r" b="b"/>
+            <a:pathLst>
+              <a:path w="120000" h="120000" extrusionOk="0">
+                <a:moveTo>
+                  <a:pt x="0" y="0"/>
+                </a:moveTo>
+                <a:lnTo>
+                  <a:pt x="120000" y="0"/>
+                </a:lnTo>
+                <a:lnTo>
+                  <a:pt x="120000" y="120000"/>
+                </a:lnTo>
+                <a:lnTo>
+                  <a:pt x="0" y="120000"/>
+                </a:lnTo>
+                <a:close/>
+              </a:path>
+            </a:pathLst>
+          </a:custGeom>
+        </p:spPr>
+      </p:sp>
+    </p:spTree>
+    <p:extLst>
+      <p:ext uri="{BB962C8B-B14F-4D97-AF65-F5344CB8AC3E}">
+        <p14:creationId xmlns:p14="http://schemas.microsoft.com/office/powerpoint/2010/main" val="1482278099"/>
+      </p:ext>
+    </p:extLst>
+  </p:cSld>
+  <p:clrMapOvr>
+    <a:masterClrMapping/>
+  </p:clrMapOvr>
+</p:notes>
+</file>
+
+<file path=ppt/notesSlides/notesSlide16.xml><?xml version="1.0" encoding="utf-8"?>
 <p:notes xmlns:a="http://schemas.openxmlformats.org/drawingml/2006/main" xmlns:r="http://schemas.openxmlformats.org/officeDocument/2006/relationships" xmlns:p="http://schemas.openxmlformats.org/presentationml/2006/main" showMasterSp="0" showMasterPhAnim="0">
   <p:cSld>
     <p:spTree>
@@ -1482,7 +1663,7 @@
 </p:notes>
 </file>
 
-<file path=ppt/notesSlides/notesSlide16.xml><?xml version="1.0" encoding="utf-8"?>
+<file path=ppt/notesSlides/notesSlide17.xml><?xml version="1.0" encoding="utf-8"?>
 <p:notes xmlns:a="http://schemas.openxmlformats.org/drawingml/2006/main" xmlns:r="http://schemas.openxmlformats.org/officeDocument/2006/relationships" xmlns:p="http://schemas.openxmlformats.org/presentationml/2006/main" showMasterSp="0" showMasterPhAnim="0">
   <p:cSld>
     <p:spTree>
@@ -1586,7 +1767,7 @@
 </p:notes>
 </file>
 
-<file path=ppt/notesSlides/notesSlide17.xml><?xml version="1.0" encoding="utf-8"?>
+<file path=ppt/notesSlides/notesSlide18.xml><?xml version="1.0" encoding="utf-8"?>
 <p:notes xmlns:a="http://schemas.openxmlformats.org/drawingml/2006/main" xmlns:r="http://schemas.openxmlformats.org/officeDocument/2006/relationships" xmlns:p="http://schemas.openxmlformats.org/presentationml/2006/main" showMasterSp="0" showMasterPhAnim="0">
   <p:cSld>
     <p:spTree>
@@ -1690,7 +1871,7 @@
 </p:notes>
 </file>
 
-<file path=ppt/notesSlides/notesSlide18.xml><?xml version="1.0" encoding="utf-8"?>
+<file path=ppt/notesSlides/notesSlide19.xml><?xml version="1.0" encoding="utf-8"?>
 <p:notes xmlns:a="http://schemas.openxmlformats.org/drawingml/2006/main" xmlns:r="http://schemas.openxmlformats.org/officeDocument/2006/relationships" xmlns:p="http://schemas.openxmlformats.org/presentationml/2006/main" showMasterSp="0" showMasterPhAnim="0">
   <p:cSld>
     <p:spTree>
@@ -2433,7 +2614,7 @@
   <p:cSld>
     <p:spTree>
       <p:nvGrpSpPr>
-        <p:cNvPr id="1" name="Shape 186"/>
+        <p:cNvPr id="1" name="Shape 180"/>
         <p:cNvGrpSpPr/>
         <p:nvPr/>
       </p:nvGrpSpPr>
@@ -2447,7 +2628,7 @@
       </p:grpSpPr>
       <p:sp>
         <p:nvSpPr>
-          <p:cNvPr id="187" name="Google Shape;187;p7:notes"/>
+          <p:cNvPr id="181" name="Google Shape;181;p6:notes"/>
           <p:cNvSpPr txBox="1">
             <a:spLocks noGrp="1"/>
           </p:cNvSpPr>
@@ -2485,7 +2666,7 @@
       </p:sp>
       <p:sp>
         <p:nvSpPr>
-          <p:cNvPr id="188" name="Google Shape;188;p7:notes"/>
+          <p:cNvPr id="182" name="Google Shape;182;p6:notes"/>
           <p:cNvSpPr>
             <a:spLocks noGrp="1" noRot="1" noChangeAspect="1"/>
           </p:cNvSpPr>
@@ -2525,6 +2706,11 @@
         </p:spPr>
       </p:sp>
     </p:spTree>
+    <p:extLst>
+      <p:ext uri="{BB962C8B-B14F-4D97-AF65-F5344CB8AC3E}">
+        <p14:creationId xmlns:p14="http://schemas.microsoft.com/office/powerpoint/2010/main" val="3715446421"/>
+      </p:ext>
+    </p:extLst>
   </p:cSld>
   <p:clrMapOvr>
     <a:masterClrMapping/>
@@ -2583,7 +2769,19 @@
               </a:spcAft>
               <a:buNone/>
             </a:pPr>
-            <a:endParaRPr/>
+            <a:r>
+              <a:rPr lang="en-US" dirty="0"/>
+              <a:t>https://</a:t>
+            </a:r>
+            <a:r>
+              <a:rPr lang="en-US" dirty="0" err="1"/>
+              <a:t>www.houzeo.com</a:t>
+            </a:r>
+            <a:r>
+              <a:rPr lang="en-US" dirty="0"/>
+              <a:t>/blog/new-jersey-real-estate-market/</a:t>
+            </a:r>
+            <a:endParaRPr dirty="0"/>
           </a:p>
         </p:txBody>
       </p:sp>
@@ -3649,713 +3847,6 @@
 </file>
 
 <file path=ppt/slideLayouts/slideLayout10.xml><?xml version="1.0" encoding="utf-8"?>
-<p:sldLayout xmlns:a="http://schemas.openxmlformats.org/drawingml/2006/main" xmlns:r="http://schemas.openxmlformats.org/officeDocument/2006/relationships" xmlns:p="http://schemas.openxmlformats.org/presentationml/2006/main" matchingName="Title and Caption">
-  <p:cSld name="Title and Caption">
-    <p:spTree>
-      <p:nvGrpSpPr>
-        <p:cNvPr id="1" name="Shape 89"/>
-        <p:cNvGrpSpPr/>
-        <p:nvPr/>
-      </p:nvGrpSpPr>
-      <p:grpSpPr>
-        <a:xfrm>
-          <a:off x="0" y="0"/>
-          <a:ext cx="0" cy="0"/>
-          <a:chOff x="0" y="0"/>
-          <a:chExt cx="0" cy="0"/>
-        </a:xfrm>
-      </p:grpSpPr>
-      <p:sp>
-        <p:nvSpPr>
-          <p:cNvPr id="90" name="Google Shape;90;p22"/>
-          <p:cNvSpPr txBox="1">
-            <a:spLocks noGrp="1"/>
-          </p:cNvSpPr>
-          <p:nvPr>
-            <p:ph type="title"/>
-          </p:nvPr>
-        </p:nvSpPr>
-        <p:spPr>
-          <a:xfrm>
-            <a:off x="1484312" y="685800"/>
-            <a:ext cx="10018711" cy="3048000"/>
-          </a:xfrm>
-          <a:prstGeom prst="rect">
-            <a:avLst/>
-          </a:prstGeom>
-          <a:noFill/>
-          <a:ln>
-            <a:noFill/>
-          </a:ln>
-        </p:spPr>
-        <p:txBody>
-          <a:bodyPr spcFirstLastPara="1" wrap="square" lIns="91425" tIns="45700" rIns="91425" bIns="45700" anchor="ctr" anchorCtr="0">
-            <a:normAutofit/>
-          </a:bodyPr>
-          <a:lstStyle>
-            <a:lvl1pPr lvl="0" algn="ctr">
-              <a:spcBef>
-                <a:spcPts val="0"/>
-              </a:spcBef>
-              <a:spcAft>
-                <a:spcPts val="0"/>
-              </a:spcAft>
-              <a:buClr>
-                <a:schemeClr val="dk1"/>
-              </a:buClr>
-              <a:buSzPts val="3200"/>
-              <a:buFont typeface="Corbel"/>
-              <a:buNone/>
-              <a:defRPr sz="3200" b="0" cap="none"/>
-            </a:lvl1pPr>
-            <a:lvl2pPr lvl="1" algn="l">
-              <a:spcBef>
-                <a:spcPts val="0"/>
-              </a:spcBef>
-              <a:spcAft>
-                <a:spcPts val="0"/>
-              </a:spcAft>
-              <a:buSzPts val="1400"/>
-              <a:buNone/>
-              <a:defRPr/>
-            </a:lvl2pPr>
-            <a:lvl3pPr lvl="2" algn="l">
-              <a:spcBef>
-                <a:spcPts val="0"/>
-              </a:spcBef>
-              <a:spcAft>
-                <a:spcPts val="0"/>
-              </a:spcAft>
-              <a:buSzPts val="1400"/>
-              <a:buNone/>
-              <a:defRPr/>
-            </a:lvl3pPr>
-            <a:lvl4pPr lvl="3" algn="l">
-              <a:spcBef>
-                <a:spcPts val="0"/>
-              </a:spcBef>
-              <a:spcAft>
-                <a:spcPts val="0"/>
-              </a:spcAft>
-              <a:buSzPts val="1400"/>
-              <a:buNone/>
-              <a:defRPr/>
-            </a:lvl4pPr>
-            <a:lvl5pPr lvl="4" algn="l">
-              <a:spcBef>
-                <a:spcPts val="0"/>
-              </a:spcBef>
-              <a:spcAft>
-                <a:spcPts val="0"/>
-              </a:spcAft>
-              <a:buSzPts val="1400"/>
-              <a:buNone/>
-              <a:defRPr/>
-            </a:lvl5pPr>
-            <a:lvl6pPr lvl="5" algn="l">
-              <a:spcBef>
-                <a:spcPts val="0"/>
-              </a:spcBef>
-              <a:spcAft>
-                <a:spcPts val="0"/>
-              </a:spcAft>
-              <a:buSzPts val="1400"/>
-              <a:buNone/>
-              <a:defRPr/>
-            </a:lvl6pPr>
-            <a:lvl7pPr lvl="6" algn="l">
-              <a:spcBef>
-                <a:spcPts val="0"/>
-              </a:spcBef>
-              <a:spcAft>
-                <a:spcPts val="0"/>
-              </a:spcAft>
-              <a:buSzPts val="1400"/>
-              <a:buNone/>
-              <a:defRPr/>
-            </a:lvl7pPr>
-            <a:lvl8pPr lvl="7" algn="l">
-              <a:spcBef>
-                <a:spcPts val="0"/>
-              </a:spcBef>
-              <a:spcAft>
-                <a:spcPts val="0"/>
-              </a:spcAft>
-              <a:buSzPts val="1400"/>
-              <a:buNone/>
-              <a:defRPr/>
-            </a:lvl8pPr>
-            <a:lvl9pPr lvl="8" algn="l">
-              <a:spcBef>
-                <a:spcPts val="0"/>
-              </a:spcBef>
-              <a:spcAft>
-                <a:spcPts val="0"/>
-              </a:spcAft>
-              <a:buSzPts val="1400"/>
-              <a:buNone/>
-              <a:defRPr/>
-            </a:lvl9pPr>
-          </a:lstStyle>
-          <a:p>
-            <a:endParaRPr/>
-          </a:p>
-        </p:txBody>
-      </p:sp>
-      <p:sp>
-        <p:nvSpPr>
-          <p:cNvPr id="91" name="Google Shape;91;p22"/>
-          <p:cNvSpPr txBox="1">
-            <a:spLocks noGrp="1"/>
-          </p:cNvSpPr>
-          <p:nvPr>
-            <p:ph type="body" idx="1"/>
-          </p:nvPr>
-        </p:nvSpPr>
-        <p:spPr>
-          <a:xfrm>
-            <a:off x="1484312" y="4343400"/>
-            <a:ext cx="10018713" cy="1447800"/>
-          </a:xfrm>
-          <a:prstGeom prst="rect">
-            <a:avLst/>
-          </a:prstGeom>
-          <a:noFill/>
-          <a:ln>
-            <a:noFill/>
-          </a:ln>
-        </p:spPr>
-        <p:txBody>
-          <a:bodyPr spcFirstLastPara="1" wrap="square" lIns="91425" tIns="45700" rIns="91425" bIns="45700" anchor="ctr" anchorCtr="0">
-            <a:normAutofit/>
-          </a:bodyPr>
-          <a:lstStyle>
-            <a:lvl1pPr marL="457200" lvl="0" indent="-228600" algn="ctr">
-              <a:spcBef>
-                <a:spcPts val="400"/>
-              </a:spcBef>
-              <a:spcAft>
-                <a:spcPts val="0"/>
-              </a:spcAft>
-              <a:buSzPts val="2900"/>
-              <a:buNone/>
-              <a:defRPr sz="2000">
-                <a:solidFill>
-                  <a:schemeClr val="dk1"/>
-                </a:solidFill>
-              </a:defRPr>
-            </a:lvl1pPr>
-            <a:lvl2pPr marL="914400" lvl="1" indent="-228600" algn="l">
-              <a:spcBef>
-                <a:spcPts val="600"/>
-              </a:spcBef>
-              <a:spcAft>
-                <a:spcPts val="0"/>
-              </a:spcAft>
-              <a:buSzPts val="2610"/>
-              <a:buNone/>
-              <a:defRPr sz="1800">
-                <a:solidFill>
-                  <a:srgbClr val="888888"/>
-                </a:solidFill>
-              </a:defRPr>
-            </a:lvl2pPr>
-            <a:lvl3pPr marL="1371600" lvl="2" indent="-228600" algn="l">
-              <a:spcBef>
-                <a:spcPts val="600"/>
-              </a:spcBef>
-              <a:spcAft>
-                <a:spcPts val="0"/>
-              </a:spcAft>
-              <a:buSzPts val="2320"/>
-              <a:buNone/>
-              <a:defRPr sz="1600">
-                <a:solidFill>
-                  <a:srgbClr val="888888"/>
-                </a:solidFill>
-              </a:defRPr>
-            </a:lvl3pPr>
-            <a:lvl4pPr marL="1828800" lvl="3" indent="-228600" algn="l">
-              <a:spcBef>
-                <a:spcPts val="600"/>
-              </a:spcBef>
-              <a:spcAft>
-                <a:spcPts val="0"/>
-              </a:spcAft>
-              <a:buSzPts val="2030"/>
-              <a:buNone/>
-              <a:defRPr sz="1400">
-                <a:solidFill>
-                  <a:srgbClr val="888888"/>
-                </a:solidFill>
-              </a:defRPr>
-            </a:lvl4pPr>
-            <a:lvl5pPr marL="2286000" lvl="4" indent="-228600" algn="l">
-              <a:spcBef>
-                <a:spcPts val="600"/>
-              </a:spcBef>
-              <a:spcAft>
-                <a:spcPts val="0"/>
-              </a:spcAft>
-              <a:buSzPts val="2030"/>
-              <a:buNone/>
-              <a:defRPr sz="1400">
-                <a:solidFill>
-                  <a:srgbClr val="888888"/>
-                </a:solidFill>
-              </a:defRPr>
-            </a:lvl5pPr>
-            <a:lvl6pPr marL="2743200" lvl="5" indent="-228600" algn="l">
-              <a:spcBef>
-                <a:spcPts val="600"/>
-              </a:spcBef>
-              <a:spcAft>
-                <a:spcPts val="0"/>
-              </a:spcAft>
-              <a:buSzPts val="2030"/>
-              <a:buNone/>
-              <a:defRPr sz="1400">
-                <a:solidFill>
-                  <a:srgbClr val="888888"/>
-                </a:solidFill>
-              </a:defRPr>
-            </a:lvl6pPr>
-            <a:lvl7pPr marL="3200400" lvl="6" indent="-228600" algn="l">
-              <a:spcBef>
-                <a:spcPts val="600"/>
-              </a:spcBef>
-              <a:spcAft>
-                <a:spcPts val="0"/>
-              </a:spcAft>
-              <a:buSzPts val="2030"/>
-              <a:buNone/>
-              <a:defRPr sz="1400">
-                <a:solidFill>
-                  <a:srgbClr val="888888"/>
-                </a:solidFill>
-              </a:defRPr>
-            </a:lvl7pPr>
-            <a:lvl8pPr marL="3657600" lvl="7" indent="-228600" algn="l">
-              <a:spcBef>
-                <a:spcPts val="600"/>
-              </a:spcBef>
-              <a:spcAft>
-                <a:spcPts val="0"/>
-              </a:spcAft>
-              <a:buSzPts val="2030"/>
-              <a:buNone/>
-              <a:defRPr sz="1400">
-                <a:solidFill>
-                  <a:srgbClr val="888888"/>
-                </a:solidFill>
-              </a:defRPr>
-            </a:lvl8pPr>
-            <a:lvl9pPr marL="4114800" lvl="8" indent="-228600" algn="l">
-              <a:spcBef>
-                <a:spcPts val="600"/>
-              </a:spcBef>
-              <a:spcAft>
-                <a:spcPts val="600"/>
-              </a:spcAft>
-              <a:buSzPts val="2030"/>
-              <a:buNone/>
-              <a:defRPr sz="1400">
-                <a:solidFill>
-                  <a:srgbClr val="888888"/>
-                </a:solidFill>
-              </a:defRPr>
-            </a:lvl9pPr>
-          </a:lstStyle>
-          <a:p>
-            <a:endParaRPr/>
-          </a:p>
-        </p:txBody>
-      </p:sp>
-      <p:sp>
-        <p:nvSpPr>
-          <p:cNvPr id="92" name="Google Shape;92;p22"/>
-          <p:cNvSpPr txBox="1">
-            <a:spLocks noGrp="1"/>
-          </p:cNvSpPr>
-          <p:nvPr>
-            <p:ph type="dt" idx="10"/>
-          </p:nvPr>
-        </p:nvSpPr>
-        <p:spPr>
-          <a:xfrm>
-            <a:off x="9732656" y="5883275"/>
-            <a:ext cx="1143000" cy="365125"/>
-          </a:xfrm>
-          <a:prstGeom prst="rect">
-            <a:avLst/>
-          </a:prstGeom>
-          <a:noFill/>
-          <a:ln>
-            <a:noFill/>
-          </a:ln>
-        </p:spPr>
-        <p:txBody>
-          <a:bodyPr spcFirstLastPara="1" wrap="square" lIns="91425" tIns="45700" rIns="91425" bIns="45700" anchor="ctr" anchorCtr="0">
-            <a:noAutofit/>
-          </a:bodyPr>
-          <a:lstStyle>
-            <a:lvl1pPr lvl="0" algn="r">
-              <a:spcBef>
-                <a:spcPts val="0"/>
-              </a:spcBef>
-              <a:spcAft>
-                <a:spcPts val="0"/>
-              </a:spcAft>
-              <a:buSzPts val="1400"/>
-              <a:buNone/>
-              <a:defRPr/>
-            </a:lvl1pPr>
-            <a:lvl2pPr lvl="1" algn="l">
-              <a:spcBef>
-                <a:spcPts val="0"/>
-              </a:spcBef>
-              <a:spcAft>
-                <a:spcPts val="0"/>
-              </a:spcAft>
-              <a:buSzPts val="1400"/>
-              <a:buNone/>
-              <a:defRPr/>
-            </a:lvl2pPr>
-            <a:lvl3pPr lvl="2" algn="l">
-              <a:spcBef>
-                <a:spcPts val="0"/>
-              </a:spcBef>
-              <a:spcAft>
-                <a:spcPts val="0"/>
-              </a:spcAft>
-              <a:buSzPts val="1400"/>
-              <a:buNone/>
-              <a:defRPr/>
-            </a:lvl3pPr>
-            <a:lvl4pPr lvl="3" algn="l">
-              <a:spcBef>
-                <a:spcPts val="0"/>
-              </a:spcBef>
-              <a:spcAft>
-                <a:spcPts val="0"/>
-              </a:spcAft>
-              <a:buSzPts val="1400"/>
-              <a:buNone/>
-              <a:defRPr/>
-            </a:lvl4pPr>
-            <a:lvl5pPr lvl="4" algn="l">
-              <a:spcBef>
-                <a:spcPts val="0"/>
-              </a:spcBef>
-              <a:spcAft>
-                <a:spcPts val="0"/>
-              </a:spcAft>
-              <a:buSzPts val="1400"/>
-              <a:buNone/>
-              <a:defRPr/>
-            </a:lvl5pPr>
-            <a:lvl6pPr lvl="5" algn="l">
-              <a:spcBef>
-                <a:spcPts val="0"/>
-              </a:spcBef>
-              <a:spcAft>
-                <a:spcPts val="0"/>
-              </a:spcAft>
-              <a:buSzPts val="1400"/>
-              <a:buNone/>
-              <a:defRPr/>
-            </a:lvl6pPr>
-            <a:lvl7pPr lvl="6" algn="l">
-              <a:spcBef>
-                <a:spcPts val="0"/>
-              </a:spcBef>
-              <a:spcAft>
-                <a:spcPts val="0"/>
-              </a:spcAft>
-              <a:buSzPts val="1400"/>
-              <a:buNone/>
-              <a:defRPr/>
-            </a:lvl7pPr>
-            <a:lvl8pPr lvl="7" algn="l">
-              <a:spcBef>
-                <a:spcPts val="0"/>
-              </a:spcBef>
-              <a:spcAft>
-                <a:spcPts val="0"/>
-              </a:spcAft>
-              <a:buSzPts val="1400"/>
-              <a:buNone/>
-              <a:defRPr/>
-            </a:lvl8pPr>
-            <a:lvl9pPr lvl="8" algn="l">
-              <a:spcBef>
-                <a:spcPts val="0"/>
-              </a:spcBef>
-              <a:spcAft>
-                <a:spcPts val="0"/>
-              </a:spcAft>
-              <a:buSzPts val="1400"/>
-              <a:buNone/>
-              <a:defRPr/>
-            </a:lvl9pPr>
-          </a:lstStyle>
-          <a:p>
-            <a:endParaRPr/>
-          </a:p>
-        </p:txBody>
-      </p:sp>
-      <p:sp>
-        <p:nvSpPr>
-          <p:cNvPr id="93" name="Google Shape;93;p22"/>
-          <p:cNvSpPr txBox="1">
-            <a:spLocks noGrp="1"/>
-          </p:cNvSpPr>
-          <p:nvPr>
-            <p:ph type="ftr" idx="11"/>
-          </p:nvPr>
-        </p:nvSpPr>
-        <p:spPr>
-          <a:xfrm>
-            <a:off x="2572279" y="5883275"/>
-            <a:ext cx="7084177" cy="365125"/>
-          </a:xfrm>
-          <a:prstGeom prst="rect">
-            <a:avLst/>
-          </a:prstGeom>
-          <a:noFill/>
-          <a:ln>
-            <a:noFill/>
-          </a:ln>
-        </p:spPr>
-        <p:txBody>
-          <a:bodyPr spcFirstLastPara="1" wrap="square" lIns="91425" tIns="45700" rIns="91425" bIns="45700" anchor="ctr" anchorCtr="0">
-            <a:noAutofit/>
-          </a:bodyPr>
-          <a:lstStyle>
-            <a:lvl1pPr lvl="0" algn="l">
-              <a:spcBef>
-                <a:spcPts val="0"/>
-              </a:spcBef>
-              <a:spcAft>
-                <a:spcPts val="0"/>
-              </a:spcAft>
-              <a:buSzPts val="1400"/>
-              <a:buNone/>
-              <a:defRPr/>
-            </a:lvl1pPr>
-            <a:lvl2pPr lvl="1" algn="l">
-              <a:spcBef>
-                <a:spcPts val="0"/>
-              </a:spcBef>
-              <a:spcAft>
-                <a:spcPts val="0"/>
-              </a:spcAft>
-              <a:buSzPts val="1400"/>
-              <a:buNone/>
-              <a:defRPr/>
-            </a:lvl2pPr>
-            <a:lvl3pPr lvl="2" algn="l">
-              <a:spcBef>
-                <a:spcPts val="0"/>
-              </a:spcBef>
-              <a:spcAft>
-                <a:spcPts val="0"/>
-              </a:spcAft>
-              <a:buSzPts val="1400"/>
-              <a:buNone/>
-              <a:defRPr/>
-            </a:lvl3pPr>
-            <a:lvl4pPr lvl="3" algn="l">
-              <a:spcBef>
-                <a:spcPts val="0"/>
-              </a:spcBef>
-              <a:spcAft>
-                <a:spcPts val="0"/>
-              </a:spcAft>
-              <a:buSzPts val="1400"/>
-              <a:buNone/>
-              <a:defRPr/>
-            </a:lvl4pPr>
-            <a:lvl5pPr lvl="4" algn="l">
-              <a:spcBef>
-                <a:spcPts val="0"/>
-              </a:spcBef>
-              <a:spcAft>
-                <a:spcPts val="0"/>
-              </a:spcAft>
-              <a:buSzPts val="1400"/>
-              <a:buNone/>
-              <a:defRPr/>
-            </a:lvl5pPr>
-            <a:lvl6pPr lvl="5" algn="l">
-              <a:spcBef>
-                <a:spcPts val="0"/>
-              </a:spcBef>
-              <a:spcAft>
-                <a:spcPts val="0"/>
-              </a:spcAft>
-              <a:buSzPts val="1400"/>
-              <a:buNone/>
-              <a:defRPr/>
-            </a:lvl6pPr>
-            <a:lvl7pPr lvl="6" algn="l">
-              <a:spcBef>
-                <a:spcPts val="0"/>
-              </a:spcBef>
-              <a:spcAft>
-                <a:spcPts val="0"/>
-              </a:spcAft>
-              <a:buSzPts val="1400"/>
-              <a:buNone/>
-              <a:defRPr/>
-            </a:lvl7pPr>
-            <a:lvl8pPr lvl="7" algn="l">
-              <a:spcBef>
-                <a:spcPts val="0"/>
-              </a:spcBef>
-              <a:spcAft>
-                <a:spcPts val="0"/>
-              </a:spcAft>
-              <a:buSzPts val="1400"/>
-              <a:buNone/>
-              <a:defRPr/>
-            </a:lvl8pPr>
-            <a:lvl9pPr lvl="8" algn="l">
-              <a:spcBef>
-                <a:spcPts val="0"/>
-              </a:spcBef>
-              <a:spcAft>
-                <a:spcPts val="0"/>
-              </a:spcAft>
-              <a:buSzPts val="1400"/>
-              <a:buNone/>
-              <a:defRPr/>
-            </a:lvl9pPr>
-          </a:lstStyle>
-          <a:p>
-            <a:endParaRPr/>
-          </a:p>
-        </p:txBody>
-      </p:sp>
-      <p:sp>
-        <p:nvSpPr>
-          <p:cNvPr id="94" name="Google Shape;94;p22"/>
-          <p:cNvSpPr txBox="1">
-            <a:spLocks noGrp="1"/>
-          </p:cNvSpPr>
-          <p:nvPr>
-            <p:ph type="sldNum" idx="12"/>
-          </p:nvPr>
-        </p:nvSpPr>
-        <p:spPr>
-          <a:xfrm>
-            <a:off x="10951856" y="5883275"/>
-            <a:ext cx="551167" cy="365125"/>
-          </a:xfrm>
-          <a:prstGeom prst="rect">
-            <a:avLst/>
-          </a:prstGeom>
-          <a:noFill/>
-          <a:ln>
-            <a:noFill/>
-          </a:ln>
-        </p:spPr>
-        <p:txBody>
-          <a:bodyPr spcFirstLastPara="1" wrap="square" lIns="91425" tIns="45700" rIns="91425" bIns="45700" anchor="ctr" anchorCtr="0">
-            <a:noAutofit/>
-          </a:bodyPr>
-          <a:lstStyle>
-            <a:lvl1pPr marL="0" lvl="0" indent="0" algn="ctr">
-              <a:spcBef>
-                <a:spcPts val="0"/>
-              </a:spcBef>
-              <a:buNone/>
-              <a:defRPr/>
-            </a:lvl1pPr>
-            <a:lvl2pPr marL="0" lvl="1" indent="0" algn="ctr">
-              <a:spcBef>
-                <a:spcPts val="0"/>
-              </a:spcBef>
-              <a:buNone/>
-              <a:defRPr/>
-            </a:lvl2pPr>
-            <a:lvl3pPr marL="0" lvl="2" indent="0" algn="ctr">
-              <a:spcBef>
-                <a:spcPts val="0"/>
-              </a:spcBef>
-              <a:buNone/>
-              <a:defRPr/>
-            </a:lvl3pPr>
-            <a:lvl4pPr marL="0" lvl="3" indent="0" algn="ctr">
-              <a:spcBef>
-                <a:spcPts val="0"/>
-              </a:spcBef>
-              <a:buNone/>
-              <a:defRPr/>
-            </a:lvl4pPr>
-            <a:lvl5pPr marL="0" lvl="4" indent="0" algn="ctr">
-              <a:spcBef>
-                <a:spcPts val="0"/>
-              </a:spcBef>
-              <a:buNone/>
-              <a:defRPr/>
-            </a:lvl5pPr>
-            <a:lvl6pPr marL="0" lvl="5" indent="0" algn="ctr">
-              <a:spcBef>
-                <a:spcPts val="0"/>
-              </a:spcBef>
-              <a:buNone/>
-              <a:defRPr/>
-            </a:lvl6pPr>
-            <a:lvl7pPr marL="0" lvl="6" indent="0" algn="ctr">
-              <a:spcBef>
-                <a:spcPts val="0"/>
-              </a:spcBef>
-              <a:buNone/>
-              <a:defRPr/>
-            </a:lvl7pPr>
-            <a:lvl8pPr marL="0" lvl="7" indent="0" algn="ctr">
-              <a:spcBef>
-                <a:spcPts val="0"/>
-              </a:spcBef>
-              <a:buNone/>
-              <a:defRPr/>
-            </a:lvl8pPr>
-            <a:lvl9pPr marL="0" lvl="8" indent="0" algn="ctr">
-              <a:spcBef>
-                <a:spcPts val="0"/>
-              </a:spcBef>
-              <a:buNone/>
-              <a:defRPr/>
-            </a:lvl9pPr>
-          </a:lstStyle>
-          <a:p>
-            <a:pPr marL="0" lvl="0" indent="0" algn="ctr" rtl="0">
-              <a:spcBef>
-                <a:spcPts val="0"/>
-              </a:spcBef>
-              <a:spcAft>
-                <a:spcPts val="0"/>
-              </a:spcAft>
-              <a:buNone/>
-            </a:pPr>
-            <a:fld id="{00000000-1234-1234-1234-123412341234}" type="slidenum">
-              <a:rPr lang="en-US"/>
-              <a:t>‹#›</a:t>
-            </a:fld>
-            <a:endParaRPr/>
-          </a:p>
-        </p:txBody>
-      </p:sp>
-    </p:spTree>
-  </p:cSld>
-  <p:clrMapOvr>
-    <a:masterClrMapping/>
-  </p:clrMapOvr>
-</p:sldLayout>
-</file>
-
-<file path=ppt/slideLayouts/slideLayout11.xml><?xml version="1.0" encoding="utf-8"?>
 <p:sldLayout xmlns:a="http://schemas.openxmlformats.org/drawingml/2006/main" xmlns:r="http://schemas.openxmlformats.org/officeDocument/2006/relationships" xmlns:p="http://schemas.openxmlformats.org/presentationml/2006/main" matchingName="Quote with Caption">
   <p:cSld name="Quote with Caption">
     <p:spTree>
@@ -5314,7 +4805,7 @@
 </p:sldLayout>
 </file>
 
-<file path=ppt/slideLayouts/slideLayout12.xml><?xml version="1.0" encoding="utf-8"?>
+<file path=ppt/slideLayouts/slideLayout11.xml><?xml version="1.0" encoding="utf-8"?>
 <p:sldLayout xmlns:a="http://schemas.openxmlformats.org/drawingml/2006/main" xmlns:r="http://schemas.openxmlformats.org/officeDocument/2006/relationships" xmlns:p="http://schemas.openxmlformats.org/presentationml/2006/main" matchingName="Name Card">
   <p:cSld name="Name Card">
     <p:spTree>
@@ -6021,7 +5512,7 @@
 </p:sldLayout>
 </file>
 
-<file path=ppt/slideLayouts/slideLayout13.xml><?xml version="1.0" encoding="utf-8"?>
+<file path=ppt/slideLayouts/slideLayout12.xml><?xml version="1.0" encoding="utf-8"?>
 <p:sldLayout xmlns:a="http://schemas.openxmlformats.org/drawingml/2006/main" xmlns:r="http://schemas.openxmlformats.org/officeDocument/2006/relationships" xmlns:p="http://schemas.openxmlformats.org/presentationml/2006/main" matchingName="Quote Name Card">
   <p:cSld name="Quote Name Card">
     <p:spTree>
@@ -6979,7 +6470,7 @@
 </p:sldLayout>
 </file>
 
-<file path=ppt/slideLayouts/slideLayout14.xml><?xml version="1.0" encoding="utf-8"?>
+<file path=ppt/slideLayouts/slideLayout13.xml><?xml version="1.0" encoding="utf-8"?>
 <p:sldLayout xmlns:a="http://schemas.openxmlformats.org/drawingml/2006/main" xmlns:r="http://schemas.openxmlformats.org/officeDocument/2006/relationships" xmlns:p="http://schemas.openxmlformats.org/presentationml/2006/main" matchingName="True or False">
   <p:cSld name="True or False">
     <p:spTree>
@@ -7823,7 +7314,7 @@
 </p:sldLayout>
 </file>
 
-<file path=ppt/slideLayouts/slideLayout15.xml><?xml version="1.0" encoding="utf-8"?>
+<file path=ppt/slideLayouts/slideLayout14.xml><?xml version="1.0" encoding="utf-8"?>
 <p:sldLayout xmlns:a="http://schemas.openxmlformats.org/drawingml/2006/main" xmlns:r="http://schemas.openxmlformats.org/officeDocument/2006/relationships" xmlns:p="http://schemas.openxmlformats.org/presentationml/2006/main" matchingName="Title and Vertical Text" type="vertTx">
   <p:cSld name="VERTICAL_TEXT">
     <p:spTree>
@@ -8494,7 +7985,7 @@
 </p:sldLayout>
 </file>
 
-<file path=ppt/slideLayouts/slideLayout16.xml><?xml version="1.0" encoding="utf-8"?>
+<file path=ppt/slideLayouts/slideLayout15.xml><?xml version="1.0" encoding="utf-8"?>
 <p:sldLayout xmlns:a="http://schemas.openxmlformats.org/drawingml/2006/main" xmlns:r="http://schemas.openxmlformats.org/officeDocument/2006/relationships" xmlns:p="http://schemas.openxmlformats.org/presentationml/2006/main" matchingName="Vertical Title and Text" type="vertTitleAndTx">
   <p:cSld name="VERTICAL_TITLE_AND_VERTICAL_TEXT">
     <p:spTree>
@@ -10542,809 +10033,6 @@
 </file>
 
 <file path=ppt/slideLayouts/slideLayout4.xml><?xml version="1.0" encoding="utf-8"?>
-<p:sldLayout xmlns:a="http://schemas.openxmlformats.org/drawingml/2006/main" xmlns:r="http://schemas.openxmlformats.org/officeDocument/2006/relationships" xmlns:p="http://schemas.openxmlformats.org/presentationml/2006/main" matchingName="Two Content" type="twoObj">
-  <p:cSld name="TWO_OBJECTS">
-    <p:spTree>
-      <p:nvGrpSpPr>
-        <p:cNvPr id="1" name="Shape 43"/>
-        <p:cNvGrpSpPr/>
-        <p:nvPr/>
-      </p:nvGrpSpPr>
-      <p:grpSpPr>
-        <a:xfrm>
-          <a:off x="0" y="0"/>
-          <a:ext cx="0" cy="0"/>
-          <a:chOff x="0" y="0"/>
-          <a:chExt cx="0" cy="0"/>
-        </a:xfrm>
-      </p:grpSpPr>
-      <p:sp>
-        <p:nvSpPr>
-          <p:cNvPr id="44" name="Google Shape;44;p15"/>
-          <p:cNvSpPr txBox="1">
-            <a:spLocks noGrp="1"/>
-          </p:cNvSpPr>
-          <p:nvPr>
-            <p:ph type="title"/>
-          </p:nvPr>
-        </p:nvSpPr>
-        <p:spPr>
-          <a:xfrm>
-            <a:off x="1484311" y="685800"/>
-            <a:ext cx="10018713" cy="1752599"/>
-          </a:xfrm>
-          <a:prstGeom prst="rect">
-            <a:avLst/>
-          </a:prstGeom>
-          <a:noFill/>
-          <a:ln>
-            <a:noFill/>
-          </a:ln>
-        </p:spPr>
-        <p:txBody>
-          <a:bodyPr spcFirstLastPara="1" wrap="square" lIns="91425" tIns="45700" rIns="91425" bIns="45700" anchor="ctr" anchorCtr="0">
-            <a:normAutofit/>
-          </a:bodyPr>
-          <a:lstStyle>
-            <a:lvl1pPr lvl="0" algn="ctr">
-              <a:spcBef>
-                <a:spcPts val="0"/>
-              </a:spcBef>
-              <a:spcAft>
-                <a:spcPts val="0"/>
-              </a:spcAft>
-              <a:buClr>
-                <a:schemeClr val="dk1"/>
-              </a:buClr>
-              <a:buSzPts val="1800"/>
-              <a:buNone/>
-              <a:defRPr/>
-            </a:lvl1pPr>
-            <a:lvl2pPr lvl="1" algn="l">
-              <a:spcBef>
-                <a:spcPts val="0"/>
-              </a:spcBef>
-              <a:spcAft>
-                <a:spcPts val="0"/>
-              </a:spcAft>
-              <a:buSzPts val="1400"/>
-              <a:buNone/>
-              <a:defRPr/>
-            </a:lvl2pPr>
-            <a:lvl3pPr lvl="2" algn="l">
-              <a:spcBef>
-                <a:spcPts val="0"/>
-              </a:spcBef>
-              <a:spcAft>
-                <a:spcPts val="0"/>
-              </a:spcAft>
-              <a:buSzPts val="1400"/>
-              <a:buNone/>
-              <a:defRPr/>
-            </a:lvl3pPr>
-            <a:lvl4pPr lvl="3" algn="l">
-              <a:spcBef>
-                <a:spcPts val="0"/>
-              </a:spcBef>
-              <a:spcAft>
-                <a:spcPts val="0"/>
-              </a:spcAft>
-              <a:buSzPts val="1400"/>
-              <a:buNone/>
-              <a:defRPr/>
-            </a:lvl4pPr>
-            <a:lvl5pPr lvl="4" algn="l">
-              <a:spcBef>
-                <a:spcPts val="0"/>
-              </a:spcBef>
-              <a:spcAft>
-                <a:spcPts val="0"/>
-              </a:spcAft>
-              <a:buSzPts val="1400"/>
-              <a:buNone/>
-              <a:defRPr/>
-            </a:lvl5pPr>
-            <a:lvl6pPr lvl="5" algn="l">
-              <a:spcBef>
-                <a:spcPts val="0"/>
-              </a:spcBef>
-              <a:spcAft>
-                <a:spcPts val="0"/>
-              </a:spcAft>
-              <a:buSzPts val="1400"/>
-              <a:buNone/>
-              <a:defRPr/>
-            </a:lvl6pPr>
-            <a:lvl7pPr lvl="6" algn="l">
-              <a:spcBef>
-                <a:spcPts val="0"/>
-              </a:spcBef>
-              <a:spcAft>
-                <a:spcPts val="0"/>
-              </a:spcAft>
-              <a:buSzPts val="1400"/>
-              <a:buNone/>
-              <a:defRPr/>
-            </a:lvl7pPr>
-            <a:lvl8pPr lvl="7" algn="l">
-              <a:spcBef>
-                <a:spcPts val="0"/>
-              </a:spcBef>
-              <a:spcAft>
-                <a:spcPts val="0"/>
-              </a:spcAft>
-              <a:buSzPts val="1400"/>
-              <a:buNone/>
-              <a:defRPr/>
-            </a:lvl8pPr>
-            <a:lvl9pPr lvl="8" algn="l">
-              <a:spcBef>
-                <a:spcPts val="0"/>
-              </a:spcBef>
-              <a:spcAft>
-                <a:spcPts val="0"/>
-              </a:spcAft>
-              <a:buSzPts val="1400"/>
-              <a:buNone/>
-              <a:defRPr/>
-            </a:lvl9pPr>
-          </a:lstStyle>
-          <a:p>
-            <a:endParaRPr/>
-          </a:p>
-        </p:txBody>
-      </p:sp>
-      <p:sp>
-        <p:nvSpPr>
-          <p:cNvPr id="45" name="Google Shape;45;p15"/>
-          <p:cNvSpPr txBox="1">
-            <a:spLocks noGrp="1"/>
-          </p:cNvSpPr>
-          <p:nvPr>
-            <p:ph type="body" idx="1"/>
-          </p:nvPr>
-        </p:nvSpPr>
-        <p:spPr>
-          <a:xfrm>
-            <a:off x="1484312" y="2666999"/>
-            <a:ext cx="4895055" cy="3124201"/>
-          </a:xfrm>
-          <a:prstGeom prst="rect">
-            <a:avLst/>
-          </a:prstGeom>
-          <a:noFill/>
-          <a:ln>
-            <a:noFill/>
-          </a:ln>
-        </p:spPr>
-        <p:txBody>
-          <a:bodyPr spcFirstLastPara="1" wrap="square" lIns="91425" tIns="45700" rIns="91425" bIns="45700" anchor="ctr" anchorCtr="0">
-            <a:normAutofit/>
-          </a:bodyPr>
-          <a:lstStyle>
-            <a:lvl1pPr marL="457200" lvl="0" indent="-394335" algn="l">
-              <a:spcBef>
-                <a:spcPts val="360"/>
-              </a:spcBef>
-              <a:spcAft>
-                <a:spcPts val="0"/>
-              </a:spcAft>
-              <a:buSzPts val="2610"/>
-              <a:buChar char="•"/>
-              <a:defRPr sz="1800"/>
-            </a:lvl1pPr>
-            <a:lvl2pPr marL="914400" lvl="1" indent="-375919" algn="l">
-              <a:spcBef>
-                <a:spcPts val="600"/>
-              </a:spcBef>
-              <a:spcAft>
-                <a:spcPts val="0"/>
-              </a:spcAft>
-              <a:buSzPts val="2320"/>
-              <a:buChar char="•"/>
-              <a:defRPr sz="1600"/>
-            </a:lvl2pPr>
-            <a:lvl3pPr marL="1371600" lvl="2" indent="-357505" algn="l">
-              <a:spcBef>
-                <a:spcPts val="600"/>
-              </a:spcBef>
-              <a:spcAft>
-                <a:spcPts val="0"/>
-              </a:spcAft>
-              <a:buSzPts val="2030"/>
-              <a:buChar char="•"/>
-              <a:defRPr sz="1400"/>
-            </a:lvl3pPr>
-            <a:lvl4pPr marL="1828800" lvl="3" indent="-339089" algn="l">
-              <a:spcBef>
-                <a:spcPts val="600"/>
-              </a:spcBef>
-              <a:spcAft>
-                <a:spcPts val="0"/>
-              </a:spcAft>
-              <a:buSzPts val="1740"/>
-              <a:buChar char="•"/>
-              <a:defRPr sz="1200"/>
-            </a:lvl4pPr>
-            <a:lvl5pPr marL="2286000" lvl="4" indent="-339089" algn="l">
-              <a:spcBef>
-                <a:spcPts val="600"/>
-              </a:spcBef>
-              <a:spcAft>
-                <a:spcPts val="0"/>
-              </a:spcAft>
-              <a:buSzPts val="1740"/>
-              <a:buChar char="•"/>
-              <a:defRPr sz="1200"/>
-            </a:lvl5pPr>
-            <a:lvl6pPr marL="2743200" lvl="5" indent="-339089" algn="l">
-              <a:spcBef>
-                <a:spcPts val="600"/>
-              </a:spcBef>
-              <a:spcAft>
-                <a:spcPts val="0"/>
-              </a:spcAft>
-              <a:buSzPts val="1740"/>
-              <a:buChar char="•"/>
-              <a:defRPr sz="1200"/>
-            </a:lvl6pPr>
-            <a:lvl7pPr marL="3200400" lvl="6" indent="-339089" algn="l">
-              <a:spcBef>
-                <a:spcPts val="600"/>
-              </a:spcBef>
-              <a:spcAft>
-                <a:spcPts val="0"/>
-              </a:spcAft>
-              <a:buSzPts val="1740"/>
-              <a:buChar char="•"/>
-              <a:defRPr sz="1200"/>
-            </a:lvl7pPr>
-            <a:lvl8pPr marL="3657600" lvl="7" indent="-339090" algn="l">
-              <a:spcBef>
-                <a:spcPts val="600"/>
-              </a:spcBef>
-              <a:spcAft>
-                <a:spcPts val="0"/>
-              </a:spcAft>
-              <a:buSzPts val="1740"/>
-              <a:buChar char="•"/>
-              <a:defRPr sz="1200"/>
-            </a:lvl8pPr>
-            <a:lvl9pPr marL="4114800" lvl="8" indent="-339090" algn="l">
-              <a:spcBef>
-                <a:spcPts val="600"/>
-              </a:spcBef>
-              <a:spcAft>
-                <a:spcPts val="600"/>
-              </a:spcAft>
-              <a:buSzPts val="1740"/>
-              <a:buChar char="•"/>
-              <a:defRPr sz="1200"/>
-            </a:lvl9pPr>
-          </a:lstStyle>
-          <a:p>
-            <a:endParaRPr/>
-          </a:p>
-        </p:txBody>
-      </p:sp>
-      <p:sp>
-        <p:nvSpPr>
-          <p:cNvPr id="46" name="Google Shape;46;p15"/>
-          <p:cNvSpPr txBox="1">
-            <a:spLocks noGrp="1"/>
-          </p:cNvSpPr>
-          <p:nvPr>
-            <p:ph type="body" idx="2"/>
-          </p:nvPr>
-        </p:nvSpPr>
-        <p:spPr>
-          <a:xfrm>
-            <a:off x="6607967" y="2667000"/>
-            <a:ext cx="4895056" cy="3124200"/>
-          </a:xfrm>
-          <a:prstGeom prst="rect">
-            <a:avLst/>
-          </a:prstGeom>
-          <a:noFill/>
-          <a:ln>
-            <a:noFill/>
-          </a:ln>
-        </p:spPr>
-        <p:txBody>
-          <a:bodyPr spcFirstLastPara="1" wrap="square" lIns="91425" tIns="45700" rIns="91425" bIns="45700" anchor="ctr" anchorCtr="0">
-            <a:normAutofit/>
-          </a:bodyPr>
-          <a:lstStyle>
-            <a:lvl1pPr marL="457200" lvl="0" indent="-394335" algn="l">
-              <a:spcBef>
-                <a:spcPts val="360"/>
-              </a:spcBef>
-              <a:spcAft>
-                <a:spcPts val="0"/>
-              </a:spcAft>
-              <a:buSzPts val="2610"/>
-              <a:buChar char="•"/>
-              <a:defRPr sz="1800"/>
-            </a:lvl1pPr>
-            <a:lvl2pPr marL="914400" lvl="1" indent="-375919" algn="l">
-              <a:spcBef>
-                <a:spcPts val="600"/>
-              </a:spcBef>
-              <a:spcAft>
-                <a:spcPts val="0"/>
-              </a:spcAft>
-              <a:buSzPts val="2320"/>
-              <a:buChar char="•"/>
-              <a:defRPr sz="1600"/>
-            </a:lvl2pPr>
-            <a:lvl3pPr marL="1371600" lvl="2" indent="-357505" algn="l">
-              <a:spcBef>
-                <a:spcPts val="600"/>
-              </a:spcBef>
-              <a:spcAft>
-                <a:spcPts val="0"/>
-              </a:spcAft>
-              <a:buSzPts val="2030"/>
-              <a:buChar char="•"/>
-              <a:defRPr sz="1400"/>
-            </a:lvl3pPr>
-            <a:lvl4pPr marL="1828800" lvl="3" indent="-339089" algn="l">
-              <a:spcBef>
-                <a:spcPts val="600"/>
-              </a:spcBef>
-              <a:spcAft>
-                <a:spcPts val="0"/>
-              </a:spcAft>
-              <a:buSzPts val="1740"/>
-              <a:buChar char="•"/>
-              <a:defRPr sz="1200"/>
-            </a:lvl4pPr>
-            <a:lvl5pPr marL="2286000" lvl="4" indent="-339089" algn="l">
-              <a:spcBef>
-                <a:spcPts val="600"/>
-              </a:spcBef>
-              <a:spcAft>
-                <a:spcPts val="0"/>
-              </a:spcAft>
-              <a:buSzPts val="1740"/>
-              <a:buChar char="•"/>
-              <a:defRPr sz="1200"/>
-            </a:lvl5pPr>
-            <a:lvl6pPr marL="2743200" lvl="5" indent="-339089" algn="l">
-              <a:spcBef>
-                <a:spcPts val="600"/>
-              </a:spcBef>
-              <a:spcAft>
-                <a:spcPts val="0"/>
-              </a:spcAft>
-              <a:buSzPts val="1740"/>
-              <a:buChar char="•"/>
-              <a:defRPr sz="1200"/>
-            </a:lvl6pPr>
-            <a:lvl7pPr marL="3200400" lvl="6" indent="-339089" algn="l">
-              <a:spcBef>
-                <a:spcPts val="600"/>
-              </a:spcBef>
-              <a:spcAft>
-                <a:spcPts val="0"/>
-              </a:spcAft>
-              <a:buSzPts val="1740"/>
-              <a:buChar char="•"/>
-              <a:defRPr sz="1200"/>
-            </a:lvl7pPr>
-            <a:lvl8pPr marL="3657600" lvl="7" indent="-339090" algn="l">
-              <a:spcBef>
-                <a:spcPts val="600"/>
-              </a:spcBef>
-              <a:spcAft>
-                <a:spcPts val="0"/>
-              </a:spcAft>
-              <a:buSzPts val="1740"/>
-              <a:buChar char="•"/>
-              <a:defRPr sz="1200"/>
-            </a:lvl8pPr>
-            <a:lvl9pPr marL="4114800" lvl="8" indent="-339090" algn="l">
-              <a:spcBef>
-                <a:spcPts val="600"/>
-              </a:spcBef>
-              <a:spcAft>
-                <a:spcPts val="600"/>
-              </a:spcAft>
-              <a:buSzPts val="1740"/>
-              <a:buChar char="•"/>
-              <a:defRPr sz="1200"/>
-            </a:lvl9pPr>
-          </a:lstStyle>
-          <a:p>
-            <a:endParaRPr/>
-          </a:p>
-        </p:txBody>
-      </p:sp>
-      <p:sp>
-        <p:nvSpPr>
-          <p:cNvPr id="47" name="Google Shape;47;p15"/>
-          <p:cNvSpPr txBox="1">
-            <a:spLocks noGrp="1"/>
-          </p:cNvSpPr>
-          <p:nvPr>
-            <p:ph type="dt" idx="10"/>
-          </p:nvPr>
-        </p:nvSpPr>
-        <p:spPr>
-          <a:xfrm>
-            <a:off x="9732656" y="5883275"/>
-            <a:ext cx="1143000" cy="365125"/>
-          </a:xfrm>
-          <a:prstGeom prst="rect">
-            <a:avLst/>
-          </a:prstGeom>
-          <a:noFill/>
-          <a:ln>
-            <a:noFill/>
-          </a:ln>
-        </p:spPr>
-        <p:txBody>
-          <a:bodyPr spcFirstLastPara="1" wrap="square" lIns="91425" tIns="45700" rIns="91425" bIns="45700" anchor="ctr" anchorCtr="0">
-            <a:noAutofit/>
-          </a:bodyPr>
-          <a:lstStyle>
-            <a:lvl1pPr lvl="0" algn="r">
-              <a:spcBef>
-                <a:spcPts val="0"/>
-              </a:spcBef>
-              <a:spcAft>
-                <a:spcPts val="0"/>
-              </a:spcAft>
-              <a:buSzPts val="1400"/>
-              <a:buNone/>
-              <a:defRPr/>
-            </a:lvl1pPr>
-            <a:lvl2pPr lvl="1" algn="l">
-              <a:spcBef>
-                <a:spcPts val="0"/>
-              </a:spcBef>
-              <a:spcAft>
-                <a:spcPts val="0"/>
-              </a:spcAft>
-              <a:buSzPts val="1400"/>
-              <a:buNone/>
-              <a:defRPr/>
-            </a:lvl2pPr>
-            <a:lvl3pPr lvl="2" algn="l">
-              <a:spcBef>
-                <a:spcPts val="0"/>
-              </a:spcBef>
-              <a:spcAft>
-                <a:spcPts val="0"/>
-              </a:spcAft>
-              <a:buSzPts val="1400"/>
-              <a:buNone/>
-              <a:defRPr/>
-            </a:lvl3pPr>
-            <a:lvl4pPr lvl="3" algn="l">
-              <a:spcBef>
-                <a:spcPts val="0"/>
-              </a:spcBef>
-              <a:spcAft>
-                <a:spcPts val="0"/>
-              </a:spcAft>
-              <a:buSzPts val="1400"/>
-              <a:buNone/>
-              <a:defRPr/>
-            </a:lvl4pPr>
-            <a:lvl5pPr lvl="4" algn="l">
-              <a:spcBef>
-                <a:spcPts val="0"/>
-              </a:spcBef>
-              <a:spcAft>
-                <a:spcPts val="0"/>
-              </a:spcAft>
-              <a:buSzPts val="1400"/>
-              <a:buNone/>
-              <a:defRPr/>
-            </a:lvl5pPr>
-            <a:lvl6pPr lvl="5" algn="l">
-              <a:spcBef>
-                <a:spcPts val="0"/>
-              </a:spcBef>
-              <a:spcAft>
-                <a:spcPts val="0"/>
-              </a:spcAft>
-              <a:buSzPts val="1400"/>
-              <a:buNone/>
-              <a:defRPr/>
-            </a:lvl6pPr>
-            <a:lvl7pPr lvl="6" algn="l">
-              <a:spcBef>
-                <a:spcPts val="0"/>
-              </a:spcBef>
-              <a:spcAft>
-                <a:spcPts val="0"/>
-              </a:spcAft>
-              <a:buSzPts val="1400"/>
-              <a:buNone/>
-              <a:defRPr/>
-            </a:lvl7pPr>
-            <a:lvl8pPr lvl="7" algn="l">
-              <a:spcBef>
-                <a:spcPts val="0"/>
-              </a:spcBef>
-              <a:spcAft>
-                <a:spcPts val="0"/>
-              </a:spcAft>
-              <a:buSzPts val="1400"/>
-              <a:buNone/>
-              <a:defRPr/>
-            </a:lvl8pPr>
-            <a:lvl9pPr lvl="8" algn="l">
-              <a:spcBef>
-                <a:spcPts val="0"/>
-              </a:spcBef>
-              <a:spcAft>
-                <a:spcPts val="0"/>
-              </a:spcAft>
-              <a:buSzPts val="1400"/>
-              <a:buNone/>
-              <a:defRPr/>
-            </a:lvl9pPr>
-          </a:lstStyle>
-          <a:p>
-            <a:endParaRPr/>
-          </a:p>
-        </p:txBody>
-      </p:sp>
-      <p:sp>
-        <p:nvSpPr>
-          <p:cNvPr id="48" name="Google Shape;48;p15"/>
-          <p:cNvSpPr txBox="1">
-            <a:spLocks noGrp="1"/>
-          </p:cNvSpPr>
-          <p:nvPr>
-            <p:ph type="ftr" idx="11"/>
-          </p:nvPr>
-        </p:nvSpPr>
-        <p:spPr>
-          <a:xfrm>
-            <a:off x="2572279" y="5883275"/>
-            <a:ext cx="7084177" cy="365125"/>
-          </a:xfrm>
-          <a:prstGeom prst="rect">
-            <a:avLst/>
-          </a:prstGeom>
-          <a:noFill/>
-          <a:ln>
-            <a:noFill/>
-          </a:ln>
-        </p:spPr>
-        <p:txBody>
-          <a:bodyPr spcFirstLastPara="1" wrap="square" lIns="91425" tIns="45700" rIns="91425" bIns="45700" anchor="ctr" anchorCtr="0">
-            <a:noAutofit/>
-          </a:bodyPr>
-          <a:lstStyle>
-            <a:lvl1pPr lvl="0" algn="l">
-              <a:spcBef>
-                <a:spcPts val="0"/>
-              </a:spcBef>
-              <a:spcAft>
-                <a:spcPts val="0"/>
-              </a:spcAft>
-              <a:buSzPts val="1400"/>
-              <a:buNone/>
-              <a:defRPr/>
-            </a:lvl1pPr>
-            <a:lvl2pPr lvl="1" algn="l">
-              <a:spcBef>
-                <a:spcPts val="0"/>
-              </a:spcBef>
-              <a:spcAft>
-                <a:spcPts val="0"/>
-              </a:spcAft>
-              <a:buSzPts val="1400"/>
-              <a:buNone/>
-              <a:defRPr/>
-            </a:lvl2pPr>
-            <a:lvl3pPr lvl="2" algn="l">
-              <a:spcBef>
-                <a:spcPts val="0"/>
-              </a:spcBef>
-              <a:spcAft>
-                <a:spcPts val="0"/>
-              </a:spcAft>
-              <a:buSzPts val="1400"/>
-              <a:buNone/>
-              <a:defRPr/>
-            </a:lvl3pPr>
-            <a:lvl4pPr lvl="3" algn="l">
-              <a:spcBef>
-                <a:spcPts val="0"/>
-              </a:spcBef>
-              <a:spcAft>
-                <a:spcPts val="0"/>
-              </a:spcAft>
-              <a:buSzPts val="1400"/>
-              <a:buNone/>
-              <a:defRPr/>
-            </a:lvl4pPr>
-            <a:lvl5pPr lvl="4" algn="l">
-              <a:spcBef>
-                <a:spcPts val="0"/>
-              </a:spcBef>
-              <a:spcAft>
-                <a:spcPts val="0"/>
-              </a:spcAft>
-              <a:buSzPts val="1400"/>
-              <a:buNone/>
-              <a:defRPr/>
-            </a:lvl5pPr>
-            <a:lvl6pPr lvl="5" algn="l">
-              <a:spcBef>
-                <a:spcPts val="0"/>
-              </a:spcBef>
-              <a:spcAft>
-                <a:spcPts val="0"/>
-              </a:spcAft>
-              <a:buSzPts val="1400"/>
-              <a:buNone/>
-              <a:defRPr/>
-            </a:lvl6pPr>
-            <a:lvl7pPr lvl="6" algn="l">
-              <a:spcBef>
-                <a:spcPts val="0"/>
-              </a:spcBef>
-              <a:spcAft>
-                <a:spcPts val="0"/>
-              </a:spcAft>
-              <a:buSzPts val="1400"/>
-              <a:buNone/>
-              <a:defRPr/>
-            </a:lvl7pPr>
-            <a:lvl8pPr lvl="7" algn="l">
-              <a:spcBef>
-                <a:spcPts val="0"/>
-              </a:spcBef>
-              <a:spcAft>
-                <a:spcPts val="0"/>
-              </a:spcAft>
-              <a:buSzPts val="1400"/>
-              <a:buNone/>
-              <a:defRPr/>
-            </a:lvl8pPr>
-            <a:lvl9pPr lvl="8" algn="l">
-              <a:spcBef>
-                <a:spcPts val="0"/>
-              </a:spcBef>
-              <a:spcAft>
-                <a:spcPts val="0"/>
-              </a:spcAft>
-              <a:buSzPts val="1400"/>
-              <a:buNone/>
-              <a:defRPr/>
-            </a:lvl9pPr>
-          </a:lstStyle>
-          <a:p>
-            <a:endParaRPr/>
-          </a:p>
-        </p:txBody>
-      </p:sp>
-      <p:sp>
-        <p:nvSpPr>
-          <p:cNvPr id="49" name="Google Shape;49;p15"/>
-          <p:cNvSpPr txBox="1">
-            <a:spLocks noGrp="1"/>
-          </p:cNvSpPr>
-          <p:nvPr>
-            <p:ph type="sldNum" idx="12"/>
-          </p:nvPr>
-        </p:nvSpPr>
-        <p:spPr>
-          <a:xfrm>
-            <a:off x="10951856" y="5883275"/>
-            <a:ext cx="551167" cy="365125"/>
-          </a:xfrm>
-          <a:prstGeom prst="rect">
-            <a:avLst/>
-          </a:prstGeom>
-          <a:noFill/>
-          <a:ln>
-            <a:noFill/>
-          </a:ln>
-        </p:spPr>
-        <p:txBody>
-          <a:bodyPr spcFirstLastPara="1" wrap="square" lIns="91425" tIns="45700" rIns="91425" bIns="45700" anchor="ctr" anchorCtr="0">
-            <a:noAutofit/>
-          </a:bodyPr>
-          <a:lstStyle>
-            <a:lvl1pPr marL="0" lvl="0" indent="0" algn="ctr">
-              <a:spcBef>
-                <a:spcPts val="0"/>
-              </a:spcBef>
-              <a:buNone/>
-              <a:defRPr/>
-            </a:lvl1pPr>
-            <a:lvl2pPr marL="0" lvl="1" indent="0" algn="ctr">
-              <a:spcBef>
-                <a:spcPts val="0"/>
-              </a:spcBef>
-              <a:buNone/>
-              <a:defRPr/>
-            </a:lvl2pPr>
-            <a:lvl3pPr marL="0" lvl="2" indent="0" algn="ctr">
-              <a:spcBef>
-                <a:spcPts val="0"/>
-              </a:spcBef>
-              <a:buNone/>
-              <a:defRPr/>
-            </a:lvl3pPr>
-            <a:lvl4pPr marL="0" lvl="3" indent="0" algn="ctr">
-              <a:spcBef>
-                <a:spcPts val="0"/>
-              </a:spcBef>
-              <a:buNone/>
-              <a:defRPr/>
-            </a:lvl4pPr>
-            <a:lvl5pPr marL="0" lvl="4" indent="0" algn="ctr">
-              <a:spcBef>
-                <a:spcPts val="0"/>
-              </a:spcBef>
-              <a:buNone/>
-              <a:defRPr/>
-            </a:lvl5pPr>
-            <a:lvl6pPr marL="0" lvl="5" indent="0" algn="ctr">
-              <a:spcBef>
-                <a:spcPts val="0"/>
-              </a:spcBef>
-              <a:buNone/>
-              <a:defRPr/>
-            </a:lvl6pPr>
-            <a:lvl7pPr marL="0" lvl="6" indent="0" algn="ctr">
-              <a:spcBef>
-                <a:spcPts val="0"/>
-              </a:spcBef>
-              <a:buNone/>
-              <a:defRPr/>
-            </a:lvl7pPr>
-            <a:lvl8pPr marL="0" lvl="7" indent="0" algn="ctr">
-              <a:spcBef>
-                <a:spcPts val="0"/>
-              </a:spcBef>
-              <a:buNone/>
-              <a:defRPr/>
-            </a:lvl8pPr>
-            <a:lvl9pPr marL="0" lvl="8" indent="0" algn="ctr">
-              <a:spcBef>
-                <a:spcPts val="0"/>
-              </a:spcBef>
-              <a:buNone/>
-              <a:defRPr/>
-            </a:lvl9pPr>
-          </a:lstStyle>
-          <a:p>
-            <a:pPr marL="0" lvl="0" indent="0" algn="ctr" rtl="0">
-              <a:spcBef>
-                <a:spcPts val="0"/>
-              </a:spcBef>
-              <a:spcAft>
-                <a:spcPts val="0"/>
-              </a:spcAft>
-              <a:buNone/>
-            </a:pPr>
-            <a:fld id="{00000000-1234-1234-1234-123412341234}" type="slidenum">
-              <a:rPr lang="en-US"/>
-              <a:t>‹#›</a:t>
-            </a:fld>
-            <a:endParaRPr/>
-          </a:p>
-        </p:txBody>
-      </p:sp>
-    </p:spTree>
-  </p:cSld>
-  <p:clrMapOvr>
-    <a:masterClrMapping/>
-  </p:clrMapOvr>
-</p:sldLayout>
-</file>
-
-<file path=ppt/slideLayouts/slideLayout5.xml><?xml version="1.0" encoding="utf-8"?>
 <p:sldLayout xmlns:a="http://schemas.openxmlformats.org/drawingml/2006/main" xmlns:r="http://schemas.openxmlformats.org/officeDocument/2006/relationships" xmlns:p="http://schemas.openxmlformats.org/presentationml/2006/main" matchingName="Title Only" type="titleOnly">
   <p:cSld name="TITLE_ONLY">
     <p:spTree>
@@ -11881,7 +10569,7 @@
 </p:sldLayout>
 </file>
 
-<file path=ppt/slideLayouts/slideLayout6.xml><?xml version="1.0" encoding="utf-8"?>
+<file path=ppt/slideLayouts/slideLayout5.xml><?xml version="1.0" encoding="utf-8"?>
 <p:sldLayout xmlns:a="http://schemas.openxmlformats.org/drawingml/2006/main" xmlns:r="http://schemas.openxmlformats.org/officeDocument/2006/relationships" xmlns:p="http://schemas.openxmlformats.org/presentationml/2006/main" matchingName="Blank" type="blank">
   <p:cSld name="BLANK">
     <p:spTree>
@@ -12282,7 +10970,7 @@
 </p:sldLayout>
 </file>
 
-<file path=ppt/slideLayouts/slideLayout7.xml><?xml version="1.0" encoding="utf-8"?>
+<file path=ppt/slideLayouts/slideLayout6.xml><?xml version="1.0" encoding="utf-8"?>
 <p:sldLayout xmlns:a="http://schemas.openxmlformats.org/drawingml/2006/main" xmlns:r="http://schemas.openxmlformats.org/officeDocument/2006/relationships" xmlns:p="http://schemas.openxmlformats.org/presentationml/2006/main" matchingName="Content with Caption" type="objTx">
   <p:cSld name="OBJECT_WITH_CAPTION_TEXT">
     <p:spTree>
@@ -13086,7 +11774,7 @@
 </p:sldLayout>
 </file>
 
-<file path=ppt/slideLayouts/slideLayout8.xml><?xml version="1.0" encoding="utf-8"?>
+<file path=ppt/slideLayouts/slideLayout7.xml><?xml version="1.0" encoding="utf-8"?>
 <p:sldLayout xmlns:a="http://schemas.openxmlformats.org/drawingml/2006/main" xmlns:r="http://schemas.openxmlformats.org/officeDocument/2006/relationships" xmlns:p="http://schemas.openxmlformats.org/presentationml/2006/main" matchingName="Picture with Caption" type="picTx">
   <p:cSld name="PICTURE_WITH_CAPTION_TEXT">
     <p:spTree>
@@ -13789,7 +12477,7 @@
 </p:sldLayout>
 </file>
 
-<file path=ppt/slideLayouts/slideLayout9.xml><?xml version="1.0" encoding="utf-8"?>
+<file path=ppt/slideLayouts/slideLayout8.xml><?xml version="1.0" encoding="utf-8"?>
 <p:sldLayout xmlns:a="http://schemas.openxmlformats.org/drawingml/2006/main" xmlns:r="http://schemas.openxmlformats.org/officeDocument/2006/relationships" xmlns:p="http://schemas.openxmlformats.org/presentationml/2006/main" matchingName="Panoramic Picture with Caption">
   <p:cSld name="Panoramic Picture with Caption">
     <p:spTree>
@@ -14377,6 +13065,713 @@
       <p:sp>
         <p:nvSpPr>
           <p:cNvPr id="88" name="Google Shape;88;p21"/>
+          <p:cNvSpPr txBox="1">
+            <a:spLocks noGrp="1"/>
+          </p:cNvSpPr>
+          <p:nvPr>
+            <p:ph type="sldNum" idx="12"/>
+          </p:nvPr>
+        </p:nvSpPr>
+        <p:spPr>
+          <a:xfrm>
+            <a:off x="10951856" y="5883275"/>
+            <a:ext cx="551167" cy="365125"/>
+          </a:xfrm>
+          <a:prstGeom prst="rect">
+            <a:avLst/>
+          </a:prstGeom>
+          <a:noFill/>
+          <a:ln>
+            <a:noFill/>
+          </a:ln>
+        </p:spPr>
+        <p:txBody>
+          <a:bodyPr spcFirstLastPara="1" wrap="square" lIns="91425" tIns="45700" rIns="91425" bIns="45700" anchor="ctr" anchorCtr="0">
+            <a:noAutofit/>
+          </a:bodyPr>
+          <a:lstStyle>
+            <a:lvl1pPr marL="0" lvl="0" indent="0" algn="ctr">
+              <a:spcBef>
+                <a:spcPts val="0"/>
+              </a:spcBef>
+              <a:buNone/>
+              <a:defRPr/>
+            </a:lvl1pPr>
+            <a:lvl2pPr marL="0" lvl="1" indent="0" algn="ctr">
+              <a:spcBef>
+                <a:spcPts val="0"/>
+              </a:spcBef>
+              <a:buNone/>
+              <a:defRPr/>
+            </a:lvl2pPr>
+            <a:lvl3pPr marL="0" lvl="2" indent="0" algn="ctr">
+              <a:spcBef>
+                <a:spcPts val="0"/>
+              </a:spcBef>
+              <a:buNone/>
+              <a:defRPr/>
+            </a:lvl3pPr>
+            <a:lvl4pPr marL="0" lvl="3" indent="0" algn="ctr">
+              <a:spcBef>
+                <a:spcPts val="0"/>
+              </a:spcBef>
+              <a:buNone/>
+              <a:defRPr/>
+            </a:lvl4pPr>
+            <a:lvl5pPr marL="0" lvl="4" indent="0" algn="ctr">
+              <a:spcBef>
+                <a:spcPts val="0"/>
+              </a:spcBef>
+              <a:buNone/>
+              <a:defRPr/>
+            </a:lvl5pPr>
+            <a:lvl6pPr marL="0" lvl="5" indent="0" algn="ctr">
+              <a:spcBef>
+                <a:spcPts val="0"/>
+              </a:spcBef>
+              <a:buNone/>
+              <a:defRPr/>
+            </a:lvl6pPr>
+            <a:lvl7pPr marL="0" lvl="6" indent="0" algn="ctr">
+              <a:spcBef>
+                <a:spcPts val="0"/>
+              </a:spcBef>
+              <a:buNone/>
+              <a:defRPr/>
+            </a:lvl7pPr>
+            <a:lvl8pPr marL="0" lvl="7" indent="0" algn="ctr">
+              <a:spcBef>
+                <a:spcPts val="0"/>
+              </a:spcBef>
+              <a:buNone/>
+              <a:defRPr/>
+            </a:lvl8pPr>
+            <a:lvl9pPr marL="0" lvl="8" indent="0" algn="ctr">
+              <a:spcBef>
+                <a:spcPts val="0"/>
+              </a:spcBef>
+              <a:buNone/>
+              <a:defRPr/>
+            </a:lvl9pPr>
+          </a:lstStyle>
+          <a:p>
+            <a:pPr marL="0" lvl="0" indent="0" algn="ctr" rtl="0">
+              <a:spcBef>
+                <a:spcPts val="0"/>
+              </a:spcBef>
+              <a:spcAft>
+                <a:spcPts val="0"/>
+              </a:spcAft>
+              <a:buNone/>
+            </a:pPr>
+            <a:fld id="{00000000-1234-1234-1234-123412341234}" type="slidenum">
+              <a:rPr lang="en-US"/>
+              <a:t>‹#›</a:t>
+            </a:fld>
+            <a:endParaRPr/>
+          </a:p>
+        </p:txBody>
+      </p:sp>
+    </p:spTree>
+  </p:cSld>
+  <p:clrMapOvr>
+    <a:masterClrMapping/>
+  </p:clrMapOvr>
+</p:sldLayout>
+</file>
+
+<file path=ppt/slideLayouts/slideLayout9.xml><?xml version="1.0" encoding="utf-8"?>
+<p:sldLayout xmlns:a="http://schemas.openxmlformats.org/drawingml/2006/main" xmlns:r="http://schemas.openxmlformats.org/officeDocument/2006/relationships" xmlns:p="http://schemas.openxmlformats.org/presentationml/2006/main" matchingName="Title and Caption">
+  <p:cSld name="Title and Caption">
+    <p:spTree>
+      <p:nvGrpSpPr>
+        <p:cNvPr id="1" name="Shape 89"/>
+        <p:cNvGrpSpPr/>
+        <p:nvPr/>
+      </p:nvGrpSpPr>
+      <p:grpSpPr>
+        <a:xfrm>
+          <a:off x="0" y="0"/>
+          <a:ext cx="0" cy="0"/>
+          <a:chOff x="0" y="0"/>
+          <a:chExt cx="0" cy="0"/>
+        </a:xfrm>
+      </p:grpSpPr>
+      <p:sp>
+        <p:nvSpPr>
+          <p:cNvPr id="90" name="Google Shape;90;p22"/>
+          <p:cNvSpPr txBox="1">
+            <a:spLocks noGrp="1"/>
+          </p:cNvSpPr>
+          <p:nvPr>
+            <p:ph type="title"/>
+          </p:nvPr>
+        </p:nvSpPr>
+        <p:spPr>
+          <a:xfrm>
+            <a:off x="1484312" y="685800"/>
+            <a:ext cx="10018711" cy="3048000"/>
+          </a:xfrm>
+          <a:prstGeom prst="rect">
+            <a:avLst/>
+          </a:prstGeom>
+          <a:noFill/>
+          <a:ln>
+            <a:noFill/>
+          </a:ln>
+        </p:spPr>
+        <p:txBody>
+          <a:bodyPr spcFirstLastPara="1" wrap="square" lIns="91425" tIns="45700" rIns="91425" bIns="45700" anchor="ctr" anchorCtr="0">
+            <a:normAutofit/>
+          </a:bodyPr>
+          <a:lstStyle>
+            <a:lvl1pPr lvl="0" algn="ctr">
+              <a:spcBef>
+                <a:spcPts val="0"/>
+              </a:spcBef>
+              <a:spcAft>
+                <a:spcPts val="0"/>
+              </a:spcAft>
+              <a:buClr>
+                <a:schemeClr val="dk1"/>
+              </a:buClr>
+              <a:buSzPts val="3200"/>
+              <a:buFont typeface="Corbel"/>
+              <a:buNone/>
+              <a:defRPr sz="3200" b="0" cap="none"/>
+            </a:lvl1pPr>
+            <a:lvl2pPr lvl="1" algn="l">
+              <a:spcBef>
+                <a:spcPts val="0"/>
+              </a:spcBef>
+              <a:spcAft>
+                <a:spcPts val="0"/>
+              </a:spcAft>
+              <a:buSzPts val="1400"/>
+              <a:buNone/>
+              <a:defRPr/>
+            </a:lvl2pPr>
+            <a:lvl3pPr lvl="2" algn="l">
+              <a:spcBef>
+                <a:spcPts val="0"/>
+              </a:spcBef>
+              <a:spcAft>
+                <a:spcPts val="0"/>
+              </a:spcAft>
+              <a:buSzPts val="1400"/>
+              <a:buNone/>
+              <a:defRPr/>
+            </a:lvl3pPr>
+            <a:lvl4pPr lvl="3" algn="l">
+              <a:spcBef>
+                <a:spcPts val="0"/>
+              </a:spcBef>
+              <a:spcAft>
+                <a:spcPts val="0"/>
+              </a:spcAft>
+              <a:buSzPts val="1400"/>
+              <a:buNone/>
+              <a:defRPr/>
+            </a:lvl4pPr>
+            <a:lvl5pPr lvl="4" algn="l">
+              <a:spcBef>
+                <a:spcPts val="0"/>
+              </a:spcBef>
+              <a:spcAft>
+                <a:spcPts val="0"/>
+              </a:spcAft>
+              <a:buSzPts val="1400"/>
+              <a:buNone/>
+              <a:defRPr/>
+            </a:lvl5pPr>
+            <a:lvl6pPr lvl="5" algn="l">
+              <a:spcBef>
+                <a:spcPts val="0"/>
+              </a:spcBef>
+              <a:spcAft>
+                <a:spcPts val="0"/>
+              </a:spcAft>
+              <a:buSzPts val="1400"/>
+              <a:buNone/>
+              <a:defRPr/>
+            </a:lvl6pPr>
+            <a:lvl7pPr lvl="6" algn="l">
+              <a:spcBef>
+                <a:spcPts val="0"/>
+              </a:spcBef>
+              <a:spcAft>
+                <a:spcPts val="0"/>
+              </a:spcAft>
+              <a:buSzPts val="1400"/>
+              <a:buNone/>
+              <a:defRPr/>
+            </a:lvl7pPr>
+            <a:lvl8pPr lvl="7" algn="l">
+              <a:spcBef>
+                <a:spcPts val="0"/>
+              </a:spcBef>
+              <a:spcAft>
+                <a:spcPts val="0"/>
+              </a:spcAft>
+              <a:buSzPts val="1400"/>
+              <a:buNone/>
+              <a:defRPr/>
+            </a:lvl8pPr>
+            <a:lvl9pPr lvl="8" algn="l">
+              <a:spcBef>
+                <a:spcPts val="0"/>
+              </a:spcBef>
+              <a:spcAft>
+                <a:spcPts val="0"/>
+              </a:spcAft>
+              <a:buSzPts val="1400"/>
+              <a:buNone/>
+              <a:defRPr/>
+            </a:lvl9pPr>
+          </a:lstStyle>
+          <a:p>
+            <a:endParaRPr/>
+          </a:p>
+        </p:txBody>
+      </p:sp>
+      <p:sp>
+        <p:nvSpPr>
+          <p:cNvPr id="91" name="Google Shape;91;p22"/>
+          <p:cNvSpPr txBox="1">
+            <a:spLocks noGrp="1"/>
+          </p:cNvSpPr>
+          <p:nvPr>
+            <p:ph type="body" idx="1"/>
+          </p:nvPr>
+        </p:nvSpPr>
+        <p:spPr>
+          <a:xfrm>
+            <a:off x="1484312" y="4343400"/>
+            <a:ext cx="10018713" cy="1447800"/>
+          </a:xfrm>
+          <a:prstGeom prst="rect">
+            <a:avLst/>
+          </a:prstGeom>
+          <a:noFill/>
+          <a:ln>
+            <a:noFill/>
+          </a:ln>
+        </p:spPr>
+        <p:txBody>
+          <a:bodyPr spcFirstLastPara="1" wrap="square" lIns="91425" tIns="45700" rIns="91425" bIns="45700" anchor="ctr" anchorCtr="0">
+            <a:normAutofit/>
+          </a:bodyPr>
+          <a:lstStyle>
+            <a:lvl1pPr marL="457200" lvl="0" indent="-228600" algn="ctr">
+              <a:spcBef>
+                <a:spcPts val="400"/>
+              </a:spcBef>
+              <a:spcAft>
+                <a:spcPts val="0"/>
+              </a:spcAft>
+              <a:buSzPts val="2900"/>
+              <a:buNone/>
+              <a:defRPr sz="2000">
+                <a:solidFill>
+                  <a:schemeClr val="dk1"/>
+                </a:solidFill>
+              </a:defRPr>
+            </a:lvl1pPr>
+            <a:lvl2pPr marL="914400" lvl="1" indent="-228600" algn="l">
+              <a:spcBef>
+                <a:spcPts val="600"/>
+              </a:spcBef>
+              <a:spcAft>
+                <a:spcPts val="0"/>
+              </a:spcAft>
+              <a:buSzPts val="2610"/>
+              <a:buNone/>
+              <a:defRPr sz="1800">
+                <a:solidFill>
+                  <a:srgbClr val="888888"/>
+                </a:solidFill>
+              </a:defRPr>
+            </a:lvl2pPr>
+            <a:lvl3pPr marL="1371600" lvl="2" indent="-228600" algn="l">
+              <a:spcBef>
+                <a:spcPts val="600"/>
+              </a:spcBef>
+              <a:spcAft>
+                <a:spcPts val="0"/>
+              </a:spcAft>
+              <a:buSzPts val="2320"/>
+              <a:buNone/>
+              <a:defRPr sz="1600">
+                <a:solidFill>
+                  <a:srgbClr val="888888"/>
+                </a:solidFill>
+              </a:defRPr>
+            </a:lvl3pPr>
+            <a:lvl4pPr marL="1828800" lvl="3" indent="-228600" algn="l">
+              <a:spcBef>
+                <a:spcPts val="600"/>
+              </a:spcBef>
+              <a:spcAft>
+                <a:spcPts val="0"/>
+              </a:spcAft>
+              <a:buSzPts val="2030"/>
+              <a:buNone/>
+              <a:defRPr sz="1400">
+                <a:solidFill>
+                  <a:srgbClr val="888888"/>
+                </a:solidFill>
+              </a:defRPr>
+            </a:lvl4pPr>
+            <a:lvl5pPr marL="2286000" lvl="4" indent="-228600" algn="l">
+              <a:spcBef>
+                <a:spcPts val="600"/>
+              </a:spcBef>
+              <a:spcAft>
+                <a:spcPts val="0"/>
+              </a:spcAft>
+              <a:buSzPts val="2030"/>
+              <a:buNone/>
+              <a:defRPr sz="1400">
+                <a:solidFill>
+                  <a:srgbClr val="888888"/>
+                </a:solidFill>
+              </a:defRPr>
+            </a:lvl5pPr>
+            <a:lvl6pPr marL="2743200" lvl="5" indent="-228600" algn="l">
+              <a:spcBef>
+                <a:spcPts val="600"/>
+              </a:spcBef>
+              <a:spcAft>
+                <a:spcPts val="0"/>
+              </a:spcAft>
+              <a:buSzPts val="2030"/>
+              <a:buNone/>
+              <a:defRPr sz="1400">
+                <a:solidFill>
+                  <a:srgbClr val="888888"/>
+                </a:solidFill>
+              </a:defRPr>
+            </a:lvl6pPr>
+            <a:lvl7pPr marL="3200400" lvl="6" indent="-228600" algn="l">
+              <a:spcBef>
+                <a:spcPts val="600"/>
+              </a:spcBef>
+              <a:spcAft>
+                <a:spcPts val="0"/>
+              </a:spcAft>
+              <a:buSzPts val="2030"/>
+              <a:buNone/>
+              <a:defRPr sz="1400">
+                <a:solidFill>
+                  <a:srgbClr val="888888"/>
+                </a:solidFill>
+              </a:defRPr>
+            </a:lvl7pPr>
+            <a:lvl8pPr marL="3657600" lvl="7" indent="-228600" algn="l">
+              <a:spcBef>
+                <a:spcPts val="600"/>
+              </a:spcBef>
+              <a:spcAft>
+                <a:spcPts val="0"/>
+              </a:spcAft>
+              <a:buSzPts val="2030"/>
+              <a:buNone/>
+              <a:defRPr sz="1400">
+                <a:solidFill>
+                  <a:srgbClr val="888888"/>
+                </a:solidFill>
+              </a:defRPr>
+            </a:lvl8pPr>
+            <a:lvl9pPr marL="4114800" lvl="8" indent="-228600" algn="l">
+              <a:spcBef>
+                <a:spcPts val="600"/>
+              </a:spcBef>
+              <a:spcAft>
+                <a:spcPts val="600"/>
+              </a:spcAft>
+              <a:buSzPts val="2030"/>
+              <a:buNone/>
+              <a:defRPr sz="1400">
+                <a:solidFill>
+                  <a:srgbClr val="888888"/>
+                </a:solidFill>
+              </a:defRPr>
+            </a:lvl9pPr>
+          </a:lstStyle>
+          <a:p>
+            <a:endParaRPr/>
+          </a:p>
+        </p:txBody>
+      </p:sp>
+      <p:sp>
+        <p:nvSpPr>
+          <p:cNvPr id="92" name="Google Shape;92;p22"/>
+          <p:cNvSpPr txBox="1">
+            <a:spLocks noGrp="1"/>
+          </p:cNvSpPr>
+          <p:nvPr>
+            <p:ph type="dt" idx="10"/>
+          </p:nvPr>
+        </p:nvSpPr>
+        <p:spPr>
+          <a:xfrm>
+            <a:off x="9732656" y="5883275"/>
+            <a:ext cx="1143000" cy="365125"/>
+          </a:xfrm>
+          <a:prstGeom prst="rect">
+            <a:avLst/>
+          </a:prstGeom>
+          <a:noFill/>
+          <a:ln>
+            <a:noFill/>
+          </a:ln>
+        </p:spPr>
+        <p:txBody>
+          <a:bodyPr spcFirstLastPara="1" wrap="square" lIns="91425" tIns="45700" rIns="91425" bIns="45700" anchor="ctr" anchorCtr="0">
+            <a:noAutofit/>
+          </a:bodyPr>
+          <a:lstStyle>
+            <a:lvl1pPr lvl="0" algn="r">
+              <a:spcBef>
+                <a:spcPts val="0"/>
+              </a:spcBef>
+              <a:spcAft>
+                <a:spcPts val="0"/>
+              </a:spcAft>
+              <a:buSzPts val="1400"/>
+              <a:buNone/>
+              <a:defRPr/>
+            </a:lvl1pPr>
+            <a:lvl2pPr lvl="1" algn="l">
+              <a:spcBef>
+                <a:spcPts val="0"/>
+              </a:spcBef>
+              <a:spcAft>
+                <a:spcPts val="0"/>
+              </a:spcAft>
+              <a:buSzPts val="1400"/>
+              <a:buNone/>
+              <a:defRPr/>
+            </a:lvl2pPr>
+            <a:lvl3pPr lvl="2" algn="l">
+              <a:spcBef>
+                <a:spcPts val="0"/>
+              </a:spcBef>
+              <a:spcAft>
+                <a:spcPts val="0"/>
+              </a:spcAft>
+              <a:buSzPts val="1400"/>
+              <a:buNone/>
+              <a:defRPr/>
+            </a:lvl3pPr>
+            <a:lvl4pPr lvl="3" algn="l">
+              <a:spcBef>
+                <a:spcPts val="0"/>
+              </a:spcBef>
+              <a:spcAft>
+                <a:spcPts val="0"/>
+              </a:spcAft>
+              <a:buSzPts val="1400"/>
+              <a:buNone/>
+              <a:defRPr/>
+            </a:lvl4pPr>
+            <a:lvl5pPr lvl="4" algn="l">
+              <a:spcBef>
+                <a:spcPts val="0"/>
+              </a:spcBef>
+              <a:spcAft>
+                <a:spcPts val="0"/>
+              </a:spcAft>
+              <a:buSzPts val="1400"/>
+              <a:buNone/>
+              <a:defRPr/>
+            </a:lvl5pPr>
+            <a:lvl6pPr lvl="5" algn="l">
+              <a:spcBef>
+                <a:spcPts val="0"/>
+              </a:spcBef>
+              <a:spcAft>
+                <a:spcPts val="0"/>
+              </a:spcAft>
+              <a:buSzPts val="1400"/>
+              <a:buNone/>
+              <a:defRPr/>
+            </a:lvl6pPr>
+            <a:lvl7pPr lvl="6" algn="l">
+              <a:spcBef>
+                <a:spcPts val="0"/>
+              </a:spcBef>
+              <a:spcAft>
+                <a:spcPts val="0"/>
+              </a:spcAft>
+              <a:buSzPts val="1400"/>
+              <a:buNone/>
+              <a:defRPr/>
+            </a:lvl7pPr>
+            <a:lvl8pPr lvl="7" algn="l">
+              <a:spcBef>
+                <a:spcPts val="0"/>
+              </a:spcBef>
+              <a:spcAft>
+                <a:spcPts val="0"/>
+              </a:spcAft>
+              <a:buSzPts val="1400"/>
+              <a:buNone/>
+              <a:defRPr/>
+            </a:lvl8pPr>
+            <a:lvl9pPr lvl="8" algn="l">
+              <a:spcBef>
+                <a:spcPts val="0"/>
+              </a:spcBef>
+              <a:spcAft>
+                <a:spcPts val="0"/>
+              </a:spcAft>
+              <a:buSzPts val="1400"/>
+              <a:buNone/>
+              <a:defRPr/>
+            </a:lvl9pPr>
+          </a:lstStyle>
+          <a:p>
+            <a:endParaRPr/>
+          </a:p>
+        </p:txBody>
+      </p:sp>
+      <p:sp>
+        <p:nvSpPr>
+          <p:cNvPr id="93" name="Google Shape;93;p22"/>
+          <p:cNvSpPr txBox="1">
+            <a:spLocks noGrp="1"/>
+          </p:cNvSpPr>
+          <p:nvPr>
+            <p:ph type="ftr" idx="11"/>
+          </p:nvPr>
+        </p:nvSpPr>
+        <p:spPr>
+          <a:xfrm>
+            <a:off x="2572279" y="5883275"/>
+            <a:ext cx="7084177" cy="365125"/>
+          </a:xfrm>
+          <a:prstGeom prst="rect">
+            <a:avLst/>
+          </a:prstGeom>
+          <a:noFill/>
+          <a:ln>
+            <a:noFill/>
+          </a:ln>
+        </p:spPr>
+        <p:txBody>
+          <a:bodyPr spcFirstLastPara="1" wrap="square" lIns="91425" tIns="45700" rIns="91425" bIns="45700" anchor="ctr" anchorCtr="0">
+            <a:noAutofit/>
+          </a:bodyPr>
+          <a:lstStyle>
+            <a:lvl1pPr lvl="0" algn="l">
+              <a:spcBef>
+                <a:spcPts val="0"/>
+              </a:spcBef>
+              <a:spcAft>
+                <a:spcPts val="0"/>
+              </a:spcAft>
+              <a:buSzPts val="1400"/>
+              <a:buNone/>
+              <a:defRPr/>
+            </a:lvl1pPr>
+            <a:lvl2pPr lvl="1" algn="l">
+              <a:spcBef>
+                <a:spcPts val="0"/>
+              </a:spcBef>
+              <a:spcAft>
+                <a:spcPts val="0"/>
+              </a:spcAft>
+              <a:buSzPts val="1400"/>
+              <a:buNone/>
+              <a:defRPr/>
+            </a:lvl2pPr>
+            <a:lvl3pPr lvl="2" algn="l">
+              <a:spcBef>
+                <a:spcPts val="0"/>
+              </a:spcBef>
+              <a:spcAft>
+                <a:spcPts val="0"/>
+              </a:spcAft>
+              <a:buSzPts val="1400"/>
+              <a:buNone/>
+              <a:defRPr/>
+            </a:lvl3pPr>
+            <a:lvl4pPr lvl="3" algn="l">
+              <a:spcBef>
+                <a:spcPts val="0"/>
+              </a:spcBef>
+              <a:spcAft>
+                <a:spcPts val="0"/>
+              </a:spcAft>
+              <a:buSzPts val="1400"/>
+              <a:buNone/>
+              <a:defRPr/>
+            </a:lvl4pPr>
+            <a:lvl5pPr lvl="4" algn="l">
+              <a:spcBef>
+                <a:spcPts val="0"/>
+              </a:spcBef>
+              <a:spcAft>
+                <a:spcPts val="0"/>
+              </a:spcAft>
+              <a:buSzPts val="1400"/>
+              <a:buNone/>
+              <a:defRPr/>
+            </a:lvl5pPr>
+            <a:lvl6pPr lvl="5" algn="l">
+              <a:spcBef>
+                <a:spcPts val="0"/>
+              </a:spcBef>
+              <a:spcAft>
+                <a:spcPts val="0"/>
+              </a:spcAft>
+              <a:buSzPts val="1400"/>
+              <a:buNone/>
+              <a:defRPr/>
+            </a:lvl6pPr>
+            <a:lvl7pPr lvl="6" algn="l">
+              <a:spcBef>
+                <a:spcPts val="0"/>
+              </a:spcBef>
+              <a:spcAft>
+                <a:spcPts val="0"/>
+              </a:spcAft>
+              <a:buSzPts val="1400"/>
+              <a:buNone/>
+              <a:defRPr/>
+            </a:lvl7pPr>
+            <a:lvl8pPr lvl="7" algn="l">
+              <a:spcBef>
+                <a:spcPts val="0"/>
+              </a:spcBef>
+              <a:spcAft>
+                <a:spcPts val="0"/>
+              </a:spcAft>
+              <a:buSzPts val="1400"/>
+              <a:buNone/>
+              <a:defRPr/>
+            </a:lvl8pPr>
+            <a:lvl9pPr lvl="8" algn="l">
+              <a:spcBef>
+                <a:spcPts val="0"/>
+              </a:spcBef>
+              <a:spcAft>
+                <a:spcPts val="0"/>
+              </a:spcAft>
+              <a:buSzPts val="1400"/>
+              <a:buNone/>
+              <a:defRPr/>
+            </a:lvl9pPr>
+          </a:lstStyle>
+          <a:p>
+            <a:endParaRPr/>
+          </a:p>
+        </p:txBody>
+      </p:sp>
+      <p:sp>
+        <p:nvSpPr>
+          <p:cNvPr id="94" name="Google Shape;94;p22"/>
           <p:cNvSpPr txBox="1">
             <a:spLocks noGrp="1"/>
           </p:cNvSpPr>
@@ -15837,19 +15232,18 @@
     <p:sldLayoutId id="2147483649" r:id="rId1"/>
     <p:sldLayoutId id="2147483650" r:id="rId2"/>
     <p:sldLayoutId id="2147483651" r:id="rId3"/>
-    <p:sldLayoutId id="2147483652" r:id="rId4"/>
-    <p:sldLayoutId id="2147483654" r:id="rId5"/>
-    <p:sldLayoutId id="2147483655" r:id="rId6"/>
-    <p:sldLayoutId id="2147483656" r:id="rId7"/>
-    <p:sldLayoutId id="2147483657" r:id="rId8"/>
-    <p:sldLayoutId id="2147483658" r:id="rId9"/>
-    <p:sldLayoutId id="2147483659" r:id="rId10"/>
-    <p:sldLayoutId id="2147483660" r:id="rId11"/>
-    <p:sldLayoutId id="2147483661" r:id="rId12"/>
-    <p:sldLayoutId id="2147483662" r:id="rId13"/>
-    <p:sldLayoutId id="2147483663" r:id="rId14"/>
-    <p:sldLayoutId id="2147483664" r:id="rId15"/>
-    <p:sldLayoutId id="2147483665" r:id="rId16"/>
+    <p:sldLayoutId id="2147483654" r:id="rId4"/>
+    <p:sldLayoutId id="2147483655" r:id="rId5"/>
+    <p:sldLayoutId id="2147483656" r:id="rId6"/>
+    <p:sldLayoutId id="2147483657" r:id="rId7"/>
+    <p:sldLayoutId id="2147483658" r:id="rId8"/>
+    <p:sldLayoutId id="2147483659" r:id="rId9"/>
+    <p:sldLayoutId id="2147483660" r:id="rId10"/>
+    <p:sldLayoutId id="2147483661" r:id="rId11"/>
+    <p:sldLayoutId id="2147483662" r:id="rId12"/>
+    <p:sldLayoutId id="2147483663" r:id="rId13"/>
+    <p:sldLayoutId id="2147483664" r:id="rId14"/>
+    <p:sldLayoutId id="2147483665" r:id="rId15"/>
   </p:sldLayoutIdLst>
   <p:hf sldNum="0" hdr="0" ftr="0" dt="0"/>
   <p:txStyles>
@@ -17402,66 +16796,6 @@
           <a:chExt cx="0" cy="0"/>
         </a:xfrm>
       </p:grpSpPr>
-      <p:pic>
-        <p:nvPicPr>
-          <p:cNvPr id="8" name="Picture 7">
-            <a:extLst>
-              <a:ext uri="{FF2B5EF4-FFF2-40B4-BE49-F238E27FC236}">
-                <a16:creationId xmlns:a16="http://schemas.microsoft.com/office/drawing/2014/main" id="{37918FF6-E021-E47E-A27D-1FE56F70AF37}"/>
-              </a:ext>
-            </a:extLst>
-          </p:cNvPr>
-          <p:cNvPicPr>
-            <a:picLocks noChangeAspect="1"/>
-          </p:cNvPicPr>
-          <p:nvPr/>
-        </p:nvPicPr>
-        <p:blipFill>
-          <a:blip r:embed="rId2"/>
-          <a:stretch>
-            <a:fillRect/>
-          </a:stretch>
-        </p:blipFill>
-        <p:spPr>
-          <a:xfrm>
-            <a:off x="7525577" y="3544820"/>
-            <a:ext cx="3894898" cy="3027430"/>
-          </a:xfrm>
-          <a:prstGeom prst="rect">
-            <a:avLst/>
-          </a:prstGeom>
-        </p:spPr>
-      </p:pic>
-      <p:pic>
-        <p:nvPicPr>
-          <p:cNvPr id="15" name="Picture 14">
-            <a:extLst>
-              <a:ext uri="{FF2B5EF4-FFF2-40B4-BE49-F238E27FC236}">
-                <a16:creationId xmlns:a16="http://schemas.microsoft.com/office/drawing/2014/main" id="{318F59A8-7422-DA2F-4324-77CEF3D43F14}"/>
-              </a:ext>
-            </a:extLst>
-          </p:cNvPr>
-          <p:cNvPicPr>
-            <a:picLocks noChangeAspect="1"/>
-          </p:cNvPicPr>
-          <p:nvPr/>
-        </p:nvPicPr>
-        <p:blipFill>
-          <a:blip r:embed="rId3"/>
-          <a:stretch>
-            <a:fillRect/>
-          </a:stretch>
-        </p:blipFill>
-        <p:spPr>
-          <a:xfrm>
-            <a:off x="7639050" y="413222"/>
-            <a:ext cx="3962761" cy="3015778"/>
-          </a:xfrm>
-          <a:prstGeom prst="rect">
-            <a:avLst/>
-          </a:prstGeom>
-        </p:spPr>
-      </p:pic>
       <p:sp>
         <p:nvSpPr>
           <p:cNvPr id="16" name="Title 15">
@@ -17518,14 +16852,14 @@
           </a:xfrm>
         </p:spPr>
         <p:txBody>
-          <a:bodyPr>
+          <a:bodyPr anchor="t">
             <a:normAutofit/>
           </a:bodyPr>
           <a:lstStyle/>
           <a:p>
             <a:r>
-              <a:rPr lang="en-US" dirty="0">
-                <a:latin typeface="Centaur" panose="02030504050205020304" pitchFamily="18" charset="0"/>
+              <a:rPr lang="en-US" sz="2000" dirty="0">
+                <a:latin typeface="+mn-lt"/>
               </a:rPr>
               <a:t>Percent Bottom 6</a:t>
             </a:r>
@@ -17534,7 +16868,7 @@
             <a:pPr lvl="1"/>
             <a:r>
               <a:rPr lang="en-US" dirty="0">
-                <a:latin typeface="Centaur" panose="02030504050205020304" pitchFamily="18" charset="0"/>
+                <a:latin typeface="+mn-lt"/>
               </a:rPr>
               <a:t>LA     -4.841%</a:t>
             </a:r>
@@ -17543,7 +16877,7 @@
             <a:pPr lvl="1"/>
             <a:r>
               <a:rPr lang="en-US" dirty="0">
-                <a:latin typeface="Centaur" panose="02030504050205020304" pitchFamily="18" charset="0"/>
+                <a:latin typeface="+mn-lt"/>
               </a:rPr>
               <a:t>WV    -0.771</a:t>
             </a:r>
@@ -17552,7 +16886,7 @@
             <a:pPr lvl="1"/>
             <a:r>
               <a:rPr lang="en-US" dirty="0">
-                <a:latin typeface="Centaur" panose="02030504050205020304" pitchFamily="18" charset="0"/>
+                <a:latin typeface="+mn-lt"/>
               </a:rPr>
               <a:t>AR    -0.775%</a:t>
             </a:r>
@@ -17561,7 +16895,7 @@
             <a:pPr lvl="1"/>
             <a:r>
               <a:rPr lang="en-US" dirty="0">
-                <a:latin typeface="Centaur" panose="02030504050205020304" pitchFamily="18" charset="0"/>
+                <a:latin typeface="+mn-lt"/>
               </a:rPr>
               <a:t>TX     -0.670%</a:t>
             </a:r>
@@ -17570,7 +16904,7 @@
             <a:pPr lvl="1"/>
             <a:r>
               <a:rPr lang="en-US" dirty="0">
-                <a:latin typeface="Centaur" panose="02030504050205020304" pitchFamily="18" charset="0"/>
+                <a:latin typeface="+mn-lt"/>
               </a:rPr>
               <a:t>IL     -0.361%</a:t>
             </a:r>
@@ -17579,7 +16913,7 @@
             <a:pPr lvl="1"/>
             <a:r>
               <a:rPr lang="en-US" dirty="0">
-                <a:latin typeface="Centaur" panose="02030504050205020304" pitchFamily="18" charset="0"/>
+                <a:latin typeface="+mn-lt"/>
               </a:rPr>
               <a:t>IA     -0.305%</a:t>
             </a:r>
@@ -17614,7 +16948,7 @@
           </a:ln>
         </p:spPr>
         <p:txBody>
-          <a:bodyPr spcFirstLastPara="1" wrap="square" lIns="91425" tIns="45700" rIns="91425" bIns="45700" anchor="ctr" anchorCtr="0">
+          <a:bodyPr spcFirstLastPara="1" wrap="square" lIns="91425" tIns="45700" rIns="91425" bIns="45700" anchor="t" anchorCtr="0">
             <a:normAutofit/>
           </a:bodyPr>
           <a:lstStyle>
@@ -17866,8 +17200,8 @@
           </a:lstStyle>
           <a:p>
             <a:r>
-              <a:rPr lang="en-US" dirty="0">
-                <a:latin typeface="Centaur" panose="02030504050205020304" pitchFamily="18" charset="0"/>
+              <a:rPr lang="en-US" sz="2000" dirty="0">
+                <a:latin typeface="+mn-lt"/>
               </a:rPr>
               <a:t>Numeric Bottom 6</a:t>
             </a:r>
@@ -17876,7 +17210,7 @@
             <a:pPr lvl="1"/>
             <a:r>
               <a:rPr lang="en-US" dirty="0">
-                <a:latin typeface="Centaur" panose="02030504050205020304" pitchFamily="18" charset="0"/>
+                <a:latin typeface="+mn-lt"/>
               </a:rPr>
               <a:t>LA    -$9367.68</a:t>
             </a:r>
@@ -17885,7 +17219,7 @@
             <a:pPr lvl="1"/>
             <a:r>
               <a:rPr lang="en-US" dirty="0">
-                <a:latin typeface="Centaur" panose="02030504050205020304" pitchFamily="18" charset="0"/>
+                <a:latin typeface="+mn-lt"/>
               </a:rPr>
               <a:t>TX     -$1091.19</a:t>
             </a:r>
@@ -17894,7 +17228,7 @@
             <a:pPr lvl="1"/>
             <a:r>
               <a:rPr lang="en-US" dirty="0">
-                <a:latin typeface="Centaur" panose="02030504050205020304" pitchFamily="18" charset="0"/>
+                <a:latin typeface="+mn-lt"/>
               </a:rPr>
               <a:t>WV     -$788.83</a:t>
             </a:r>
@@ -17903,7 +17237,7 @@
             <a:pPr lvl="1"/>
             <a:r>
               <a:rPr lang="en-US" dirty="0">
-                <a:latin typeface="Centaur" panose="02030504050205020304" pitchFamily="18" charset="0"/>
+                <a:latin typeface="+mn-lt"/>
               </a:rPr>
               <a:t>AR   -$771.66</a:t>
             </a:r>
@@ -17912,7 +17246,7 @@
             <a:pPr lvl="1"/>
             <a:r>
               <a:rPr lang="en-US" dirty="0">
-                <a:latin typeface="Centaur" panose="02030504050205020304" pitchFamily="18" charset="0"/>
+                <a:latin typeface="+mn-lt"/>
               </a:rPr>
               <a:t>IA     -$476.20</a:t>
             </a:r>
@@ -17921,7 +17255,7 @@
             <a:pPr lvl="1"/>
             <a:r>
               <a:rPr lang="en-US" dirty="0">
-                <a:latin typeface="Centaur" panose="02030504050205020304" pitchFamily="18" charset="0"/>
+                <a:latin typeface="+mn-lt"/>
               </a:rPr>
               <a:t>IL     -$394.13</a:t>
             </a:r>
@@ -17942,7 +17276,7 @@
         </p:nvSpPr>
         <p:spPr>
           <a:xfrm>
-            <a:off x="2615223" y="5738949"/>
+            <a:off x="3218623" y="5464254"/>
             <a:ext cx="1694018" cy="1107996"/>
           </a:xfrm>
           <a:prstGeom prst="rect">
@@ -17956,7 +17290,7 @@
           </a:bodyPr>
           <a:lstStyle/>
           <a:p>
-            <a:pPr lvl="1"/>
+            <a:pPr lvl="1" algn="ctr"/>
             <a:r>
               <a:rPr lang="en-US" sz="1100" dirty="0">
                 <a:latin typeface="Centaur" panose="02030504050205020304" pitchFamily="18" charset="0"/>
@@ -17965,7 +17299,7 @@
             </a:r>
           </a:p>
           <a:p>
-            <a:pPr lvl="1"/>
+            <a:pPr lvl="1" algn="ctr"/>
             <a:r>
               <a:rPr lang="en-US" sz="1100" dirty="0">
                 <a:latin typeface="Centaur" panose="02030504050205020304" pitchFamily="18" charset="0"/>
@@ -17974,7 +17308,7 @@
             </a:r>
           </a:p>
           <a:p>
-            <a:pPr lvl="1"/>
+            <a:pPr lvl="1" algn="ctr"/>
             <a:r>
               <a:rPr lang="en-US" sz="1100" dirty="0">
                 <a:latin typeface="Centaur" panose="02030504050205020304" pitchFamily="18" charset="0"/>
@@ -17983,7 +17317,7 @@
             </a:r>
           </a:p>
           <a:p>
-            <a:pPr lvl="1"/>
+            <a:pPr lvl="1" algn="ctr"/>
             <a:r>
               <a:rPr lang="en-US" sz="1100" dirty="0">
                 <a:latin typeface="Centaur" panose="02030504050205020304" pitchFamily="18" charset="0"/>
@@ -17992,7 +17326,7 @@
             </a:r>
           </a:p>
           <a:p>
-            <a:pPr lvl="1"/>
+            <a:pPr lvl="1" algn="ctr"/>
             <a:r>
               <a:rPr lang="en-US" sz="1100" dirty="0">
                 <a:latin typeface="Centaur" panose="02030504050205020304" pitchFamily="18" charset="0"/>
@@ -18001,10 +17335,71 @@
             </a:r>
           </a:p>
           <a:p>
+            <a:pPr algn="ctr"/>
             <a:endParaRPr lang="en-US" sz="1100" dirty="0"/>
           </a:p>
         </p:txBody>
       </p:sp>
+      <p:pic>
+        <p:nvPicPr>
+          <p:cNvPr id="2" name="Picture 1">
+            <a:extLst>
+              <a:ext uri="{FF2B5EF4-FFF2-40B4-BE49-F238E27FC236}">
+                <a16:creationId xmlns:a16="http://schemas.microsoft.com/office/drawing/2014/main" id="{3BCE83C6-9387-5C3F-0CAF-175789801097}"/>
+              </a:ext>
+            </a:extLst>
+          </p:cNvPr>
+          <p:cNvPicPr>
+            <a:picLocks noChangeAspect="1"/>
+          </p:cNvPicPr>
+          <p:nvPr/>
+        </p:nvPicPr>
+        <p:blipFill>
+          <a:blip r:embed="rId2"/>
+          <a:stretch>
+            <a:fillRect/>
+          </a:stretch>
+        </p:blipFill>
+        <p:spPr>
+          <a:xfrm>
+            <a:off x="6743135" y="92233"/>
+            <a:ext cx="5144996" cy="3336767"/>
+          </a:xfrm>
+          <a:prstGeom prst="rect">
+            <a:avLst/>
+          </a:prstGeom>
+        </p:spPr>
+      </p:pic>
+      <p:pic>
+        <p:nvPicPr>
+          <p:cNvPr id="4" name="Picture 3">
+            <a:extLst>
+              <a:ext uri="{FF2B5EF4-FFF2-40B4-BE49-F238E27FC236}">
+                <a16:creationId xmlns:a16="http://schemas.microsoft.com/office/drawing/2014/main" id="{DB9B24D1-D71F-CA69-6453-82DD4EA95779}"/>
+              </a:ext>
+            </a:extLst>
+          </p:cNvPr>
+          <p:cNvPicPr>
+            <a:picLocks noChangeAspect="1"/>
+          </p:cNvPicPr>
+          <p:nvPr/>
+        </p:nvPicPr>
+        <p:blipFill>
+          <a:blip r:embed="rId3"/>
+          <a:stretch>
+            <a:fillRect/>
+          </a:stretch>
+        </p:blipFill>
+        <p:spPr>
+          <a:xfrm>
+            <a:off x="6711946" y="3540254"/>
+            <a:ext cx="5176185" cy="3336767"/>
+          </a:xfrm>
+          <a:prstGeom prst="rect">
+            <a:avLst/>
+          </a:prstGeom>
+        </p:spPr>
+      </p:pic>
     </p:spTree>
     <p:extLst>
       <p:ext uri="{BB962C8B-B14F-4D97-AF65-F5344CB8AC3E}">
@@ -18037,18 +17432,18 @@
       </p:grpSpPr>
       <p:sp>
         <p:nvSpPr>
-          <p:cNvPr id="184" name="Google Shape;184;p6"/>
+          <p:cNvPr id="185" name="Google Shape;185;p6"/>
           <p:cNvSpPr txBox="1">
             <a:spLocks noGrp="1"/>
           </p:cNvSpPr>
           <p:nvPr>
-            <p:ph type="title"/>
+            <p:ph type="body" idx="1"/>
           </p:nvPr>
         </p:nvSpPr>
         <p:spPr>
           <a:xfrm>
-            <a:off x="1484311" y="685800"/>
-            <a:ext cx="10018713" cy="1752599"/>
+            <a:off x="1524067" y="304799"/>
+            <a:ext cx="3749390" cy="5459897"/>
           </a:xfrm>
           <a:prstGeom prst="rect">
             <a:avLst/>
@@ -18059,63 +17454,30 @@
           </a:ln>
         </p:spPr>
         <p:txBody>
-          <a:bodyPr spcFirstLastPara="1" wrap="square" lIns="91425" tIns="45700" rIns="91425" bIns="45700" anchor="ctr" anchorCtr="0">
+          <a:bodyPr spcFirstLastPara="1" wrap="square" lIns="91425" tIns="45700" rIns="91425" bIns="45700" anchor="t" anchorCtr="0">
             <a:normAutofit/>
           </a:bodyPr>
           <a:lstStyle/>
           <a:p>
-            <a:pPr marL="0" lvl="0" indent="0" algn="ctr" rtl="0">
-              <a:spcBef>
-                <a:spcPts val="0"/>
-              </a:spcBef>
-              <a:spcAft>
-                <a:spcPts val="0"/>
-              </a:spcAft>
-              <a:buClr>
-                <a:schemeClr val="dk1"/>
-              </a:buClr>
-              <a:buSzPts val="4000"/>
-              <a:buFont typeface="Corbel"/>
+            <a:pPr marL="0" lvl="0" indent="0" algn="l" rtl="0">
+              <a:spcBef>
+                <a:spcPts val="0"/>
+              </a:spcBef>
+              <a:spcAft>
+                <a:spcPts val="0"/>
+              </a:spcAft>
+              <a:buSzPts val="3480"/>
               <a:buNone/>
             </a:pPr>
             <a:r>
-              <a:rPr lang="en-US"/>
-              <a:t>Closing Time &amp; Percent of Homes Sold Above Listing</a:t>
+              <a:rPr lang="en-US" sz="1400" dirty="0">
+                <a:latin typeface="+mn-lt"/>
+              </a:rPr>
+              <a:t>Average Days to Close is defined as the number of days between the listing going pending and the sale date.</a:t>
             </a:r>
-            <a:endParaRPr/>
-          </a:p>
-        </p:txBody>
-      </p:sp>
-      <p:sp>
-        <p:nvSpPr>
-          <p:cNvPr id="185" name="Google Shape;185;p6"/>
-          <p:cNvSpPr txBox="1">
-            <a:spLocks noGrp="1"/>
-          </p:cNvSpPr>
-          <p:nvPr>
-            <p:ph type="body" idx="1"/>
-          </p:nvPr>
-        </p:nvSpPr>
-        <p:spPr>
-          <a:xfrm>
-            <a:off x="1484310" y="2296885"/>
-            <a:ext cx="10018713" cy="3124201"/>
-          </a:xfrm>
-          <a:prstGeom prst="rect">
-            <a:avLst/>
-          </a:prstGeom>
-          <a:noFill/>
-          <a:ln>
-            <a:noFill/>
-          </a:ln>
-        </p:spPr>
-        <p:txBody>
-          <a:bodyPr spcFirstLastPara="1" wrap="square" lIns="91425" tIns="45700" rIns="91425" bIns="45700" anchor="ctr" anchorCtr="0">
-            <a:normAutofit/>
-          </a:bodyPr>
-          <a:lstStyle/>
-          <a:p>
-            <a:pPr marL="285750" lvl="0" indent="-285750" algn="l" rtl="0">
+          </a:p>
+          <a:p>
+            <a:pPr marL="0" lvl="0" indent="0" algn="l" rtl="0">
               <a:spcBef>
                 <a:spcPts val="0"/>
               </a:spcBef>
@@ -18123,272 +17485,287 @@
                 <a:spcPts val="0"/>
               </a:spcAft>
               <a:buSzPts val="3480"/>
-              <a:buChar char="•"/>
+              <a:buNone/>
+            </a:pPr>
+            <a:endParaRPr lang="en-US" sz="1400" dirty="0">
+              <a:latin typeface="+mn-lt"/>
+            </a:endParaRPr>
+          </a:p>
+          <a:p>
+            <a:pPr marL="0" lvl="0" indent="0" algn="l" rtl="0">
+              <a:spcBef>
+                <a:spcPts val="0"/>
+              </a:spcBef>
+              <a:spcAft>
+                <a:spcPts val="0"/>
+              </a:spcAft>
+              <a:buSzPts val="3480"/>
+              <a:buNone/>
             </a:pPr>
             <a:r>
-              <a:rPr lang="en-US" dirty="0">
-                <a:latin typeface="Centaur" panose="02030504050205020304" pitchFamily="18" charset="0"/>
+              <a:rPr lang="en-US" sz="1400" dirty="0">
+                <a:latin typeface="+mn-lt"/>
               </a:rPr>
-              <a:t>Closing Time</a:t>
+              <a:t>Percentage of Homes Sold Above List is defined as the percentage of homes that were sold above the original price listed on Zillow.</a:t>
             </a:r>
-            <a:endParaRPr dirty="0">
-              <a:latin typeface="Centaur" panose="02030504050205020304" pitchFamily="18" charset="0"/>
+          </a:p>
+          <a:p>
+            <a:pPr marL="0" lvl="0" indent="0" algn="l" rtl="0">
+              <a:spcBef>
+                <a:spcPts val="0"/>
+              </a:spcBef>
+              <a:spcAft>
+                <a:spcPts val="0"/>
+              </a:spcAft>
+              <a:buSzPts val="3480"/>
+              <a:buNone/>
+            </a:pPr>
+            <a:endParaRPr lang="en-US" sz="1400" dirty="0">
+              <a:latin typeface="+mn-lt"/>
             </a:endParaRPr>
           </a:p>
           <a:p>
-            <a:pPr marL="742950" lvl="1" indent="-285750" algn="l" rtl="0">
-              <a:spcBef>
-                <a:spcPts val="1000"/>
-              </a:spcBef>
-              <a:spcAft>
-                <a:spcPts val="0"/>
-              </a:spcAft>
-              <a:buSzPts val="2900"/>
-              <a:buChar char="•"/>
+            <a:pPr marL="0" lvl="0" indent="0" algn="l" rtl="0">
+              <a:spcBef>
+                <a:spcPts val="0"/>
+              </a:spcBef>
+              <a:spcAft>
+                <a:spcPts val="0"/>
+              </a:spcAft>
+              <a:buSzPts val="3480"/>
+              <a:buNone/>
             </a:pPr>
             <a:r>
-              <a:rPr lang="en-US" dirty="0">
-                <a:latin typeface="Centaur" panose="02030504050205020304" pitchFamily="18" charset="0"/>
+              <a:rPr lang="en-US" sz="1400" dirty="0">
+                <a:latin typeface="+mn-lt"/>
               </a:rPr>
-              <a:t>Home Inspection</a:t>
+              <a:t>The relationship between these two variables give insight into whether the market is better for a buyer or a seller</a:t>
             </a:r>
-            <a:endParaRPr dirty="0">
-              <a:latin typeface="Centaur" panose="02030504050205020304" pitchFamily="18" charset="0"/>
+          </a:p>
+          <a:p>
+            <a:pPr marL="0" lvl="0" indent="0" algn="l" rtl="0">
+              <a:spcBef>
+                <a:spcPts val="0"/>
+              </a:spcBef>
+              <a:spcAft>
+                <a:spcPts val="0"/>
+              </a:spcAft>
+              <a:buSzPts val="3480"/>
+              <a:buNone/>
+            </a:pPr>
+            <a:endParaRPr lang="en-US" sz="1400" dirty="0">
+              <a:latin typeface="+mn-lt"/>
             </a:endParaRPr>
           </a:p>
           <a:p>
-            <a:pPr marL="742950" lvl="1" indent="-285750" algn="l" rtl="0">
-              <a:spcBef>
-                <a:spcPts val="1000"/>
-              </a:spcBef>
-              <a:spcAft>
-                <a:spcPts val="0"/>
-              </a:spcAft>
-              <a:buSzPts val="2900"/>
-              <a:buChar char="•"/>
+            <a:pPr marL="0" lvl="0" indent="0" algn="l" rtl="0">
+              <a:spcBef>
+                <a:spcPts val="0"/>
+              </a:spcBef>
+              <a:spcAft>
+                <a:spcPts val="0"/>
+              </a:spcAft>
+              <a:buSzPts val="3480"/>
+              <a:buNone/>
             </a:pPr>
             <a:r>
-              <a:rPr lang="en-US" dirty="0">
-                <a:latin typeface="Centaur" panose="02030504050205020304" pitchFamily="18" charset="0"/>
+              <a:rPr lang="en-US" sz="1400" dirty="0">
+                <a:latin typeface="+mn-lt"/>
               </a:rPr>
-              <a:t>Appraisal Issues</a:t>
+              <a:t>Days to Close is impacted by factors like home inspection, home appraisal, and overall ease of process with buyer, seller and agent.</a:t>
             </a:r>
-            <a:endParaRPr dirty="0">
-              <a:latin typeface="Centaur" panose="02030504050205020304" pitchFamily="18" charset="0"/>
+          </a:p>
+          <a:p>
+            <a:pPr marL="0" lvl="0" indent="0" algn="l" rtl="0">
+              <a:spcBef>
+                <a:spcPts val="0"/>
+              </a:spcBef>
+              <a:spcAft>
+                <a:spcPts val="0"/>
+              </a:spcAft>
+              <a:buSzPts val="3480"/>
+              <a:buNone/>
+            </a:pPr>
+            <a:endParaRPr lang="en-US" sz="1400" dirty="0">
+              <a:latin typeface="+mn-lt"/>
             </a:endParaRPr>
           </a:p>
           <a:p>
-            <a:pPr marL="742950" lvl="1" indent="-285750" algn="l" rtl="0">
-              <a:spcBef>
-                <a:spcPts val="1000"/>
-              </a:spcBef>
-              <a:spcAft>
-                <a:spcPts val="0"/>
-              </a:spcAft>
-              <a:buSzPts val="2900"/>
-              <a:buChar char="•"/>
+            <a:pPr marL="0" lvl="0" indent="0" algn="l" rtl="0">
+              <a:spcBef>
+                <a:spcPts val="0"/>
+              </a:spcBef>
+              <a:spcAft>
+                <a:spcPts val="0"/>
+              </a:spcAft>
+              <a:buSzPts val="3480"/>
+              <a:buNone/>
             </a:pPr>
             <a:r>
-              <a:rPr lang="en-US" dirty="0">
-                <a:latin typeface="Centaur" panose="02030504050205020304" pitchFamily="18" charset="0"/>
+              <a:rPr lang="en-US" sz="1400" dirty="0">
+                <a:latin typeface="+mn-lt"/>
               </a:rPr>
-              <a:t>Ease of Process</a:t>
+              <a:t>Percent Above Listing is a great indicator of the competitiveness of the market</a:t>
             </a:r>
-            <a:endParaRPr dirty="0">
-              <a:latin typeface="Centaur" panose="02030504050205020304" pitchFamily="18" charset="0"/>
+          </a:p>
+          <a:p>
+            <a:pPr marL="0" lvl="0" indent="0" algn="l" rtl="0">
+              <a:spcBef>
+                <a:spcPts val="0"/>
+              </a:spcBef>
+              <a:spcAft>
+                <a:spcPts val="0"/>
+              </a:spcAft>
+              <a:buSzPts val="3480"/>
+              <a:buNone/>
+            </a:pPr>
+            <a:endParaRPr lang="en-US" sz="1400" dirty="0">
+              <a:latin typeface="+mn-lt"/>
             </a:endParaRPr>
           </a:p>
           <a:p>
-            <a:pPr marL="285750" lvl="0" indent="-285750" algn="l" rtl="0">
-              <a:spcBef>
-                <a:spcPts val="1080"/>
+            <a:pPr marL="0" lvl="0" indent="0" algn="l" rtl="0">
+              <a:spcBef>
+                <a:spcPts val="0"/>
               </a:spcBef>
               <a:spcAft>
                 <a:spcPts val="0"/>
               </a:spcAft>
               <a:buSzPts val="3480"/>
-              <a:buChar char="•"/>
+              <a:buNone/>
             </a:pPr>
             <a:r>
-              <a:rPr lang="en-US" dirty="0">
-                <a:latin typeface="Centaur" panose="02030504050205020304" pitchFamily="18" charset="0"/>
+              <a:rPr lang="en-US" sz="1400" dirty="0">
+                <a:latin typeface="+mn-lt"/>
               </a:rPr>
-              <a:t>Percent Above Listing</a:t>
+              <a:t>The Zones are defined below:</a:t>
             </a:r>
-            <a:endParaRPr dirty="0">
-              <a:latin typeface="Centaur" panose="02030504050205020304" pitchFamily="18" charset="0"/>
-            </a:endParaRPr>
-          </a:p>
-          <a:p>
-            <a:pPr marL="742950" lvl="1" indent="-285750" algn="l" rtl="0">
-              <a:spcBef>
-                <a:spcPts val="1000"/>
-              </a:spcBef>
-              <a:spcAft>
-                <a:spcPts val="0"/>
-              </a:spcAft>
-              <a:buSzPts val="2900"/>
-              <a:buChar char="•"/>
+          </a:p>
+          <a:p>
+            <a:pPr marL="0" lvl="0" indent="0" algn="l" rtl="0">
+              <a:spcBef>
+                <a:spcPts val="0"/>
+              </a:spcBef>
+              <a:spcAft>
+                <a:spcPts val="0"/>
+              </a:spcAft>
+              <a:buSzPts val="3480"/>
+              <a:buNone/>
             </a:pPr>
             <a:r>
-              <a:rPr lang="en-US" dirty="0">
-                <a:latin typeface="Centaur" panose="02030504050205020304" pitchFamily="18" charset="0"/>
+              <a:rPr lang="en-US" sz="1400" dirty="0">
+                <a:latin typeface="+mn-lt"/>
               </a:rPr>
-              <a:t>Competitiveness of that market</a:t>
+              <a:t>1. Advantage to the seller</a:t>
             </a:r>
-            <a:endParaRPr dirty="0">
-              <a:latin typeface="Centaur" panose="02030504050205020304" pitchFamily="18" charset="0"/>
+          </a:p>
+          <a:p>
+            <a:pPr marL="0" lvl="0" indent="0" algn="l" rtl="0">
+              <a:spcBef>
+                <a:spcPts val="0"/>
+              </a:spcBef>
+              <a:spcAft>
+                <a:spcPts val="0"/>
+              </a:spcAft>
+              <a:buSzPts val="3480"/>
+              <a:buNone/>
+            </a:pPr>
+            <a:r>
+              <a:rPr lang="en-US" sz="1400" dirty="0">
+                <a:latin typeface="+mn-lt"/>
+              </a:rPr>
+              <a:t>2. Advantage to the seller – lesser extent</a:t>
+            </a:r>
+          </a:p>
+          <a:p>
+            <a:pPr marL="0" lvl="0" indent="0" algn="l" rtl="0">
+              <a:spcBef>
+                <a:spcPts val="0"/>
+              </a:spcBef>
+              <a:spcAft>
+                <a:spcPts val="0"/>
+              </a:spcAft>
+              <a:buSzPts val="3480"/>
+              <a:buNone/>
+            </a:pPr>
+            <a:r>
+              <a:rPr lang="en-US" sz="1400" dirty="0">
+                <a:latin typeface="+mn-lt"/>
+              </a:rPr>
+              <a:t>3. Advantage to buyer</a:t>
+            </a:r>
+          </a:p>
+          <a:p>
+            <a:pPr marL="0" lvl="0" indent="0" algn="l" rtl="0">
+              <a:spcBef>
+                <a:spcPts val="0"/>
+              </a:spcBef>
+              <a:spcAft>
+                <a:spcPts val="0"/>
+              </a:spcAft>
+              <a:buSzPts val="3480"/>
+              <a:buNone/>
+            </a:pPr>
+            <a:r>
+              <a:rPr lang="en-US" sz="1400" dirty="0">
+                <a:latin typeface="+mn-lt"/>
+              </a:rPr>
+              <a:t>4. Advantage to buyer – lesser extent</a:t>
+            </a:r>
+          </a:p>
+          <a:p>
+            <a:pPr marL="0" lvl="0" indent="0" algn="l" rtl="0">
+              <a:spcBef>
+                <a:spcPts val="0"/>
+              </a:spcBef>
+              <a:spcAft>
+                <a:spcPts val="0"/>
+              </a:spcAft>
+              <a:buSzPts val="3480"/>
+              <a:buNone/>
+            </a:pPr>
+            <a:endParaRPr lang="en-US" sz="1400" dirty="0">
+              <a:latin typeface="+mn-lt"/>
             </a:endParaRPr>
           </a:p>
-        </p:txBody>
-      </p:sp>
-    </p:spTree>
-  </p:cSld>
-  <p:clrMapOvr>
-    <a:masterClrMapping/>
-  </p:clrMapOvr>
-</p:sld>
-</file>
-
-<file path=ppt/slides/slide12.xml><?xml version="1.0" encoding="utf-8"?>
-<p:sld xmlns:a="http://schemas.openxmlformats.org/drawingml/2006/main" xmlns:r="http://schemas.openxmlformats.org/officeDocument/2006/relationships" xmlns:p="http://schemas.openxmlformats.org/presentationml/2006/main">
-  <p:cSld>
-    <p:spTree>
-      <p:nvGrpSpPr>
-        <p:cNvPr id="1" name="Shape 189"/>
-        <p:cNvGrpSpPr/>
-        <p:nvPr/>
-      </p:nvGrpSpPr>
-      <p:grpSpPr>
-        <a:xfrm>
-          <a:off x="0" y="0"/>
-          <a:ext cx="0" cy="0"/>
-          <a:chOff x="0" y="0"/>
-          <a:chExt cx="0" cy="0"/>
-        </a:xfrm>
-      </p:grpSpPr>
-      <p:sp>
-        <p:nvSpPr>
-          <p:cNvPr id="2" name="AutoShape 2">
-            <a:extLst>
-              <a:ext uri="{FF2B5EF4-FFF2-40B4-BE49-F238E27FC236}">
-                <a16:creationId xmlns:a16="http://schemas.microsoft.com/office/drawing/2014/main" id="{8C01ED40-4A92-7486-FBF1-ADA960636CDD}"/>
-              </a:ext>
-            </a:extLst>
-          </p:cNvPr>
-          <p:cNvSpPr>
-            <a:spLocks noChangeAspect="1" noChangeArrowheads="1"/>
-          </p:cNvSpPr>
-          <p:nvPr/>
-        </p:nvSpPr>
-        <p:spPr bwMode="auto">
-          <a:xfrm>
-            <a:off x="5943600" y="3276600"/>
-            <a:ext cx="304800" cy="304800"/>
-          </a:xfrm>
-          <a:prstGeom prst="rect">
-            <a:avLst/>
-          </a:prstGeom>
-          <a:noFill/>
-          <a:extLst>
-            <a:ext uri="{909E8E84-426E-40DD-AFC4-6F175D3DCCD1}">
-              <a14:hiddenFill xmlns:a14="http://schemas.microsoft.com/office/drawing/2010/main">
-                <a:solidFill>
-                  <a:srgbClr val="FFFFFF"/>
-                </a:solidFill>
-              </a14:hiddenFill>
-            </a:ext>
-          </a:extLst>
-        </p:spPr>
-        <p:txBody>
-          <a:bodyPr vert="horz" wrap="square" lIns="91440" tIns="45720" rIns="91440" bIns="45720" numCol="1" anchor="t" anchorCtr="0" compatLnSpc="1">
-            <a:prstTxWarp prst="textNoShape">
-              <a:avLst/>
-            </a:prstTxWarp>
-          </a:bodyPr>
-          <a:lstStyle/>
-          <a:p>
-            <a:endParaRPr lang="en-US"/>
-          </a:p>
-        </p:txBody>
-      </p:sp>
-      <p:sp>
-        <p:nvSpPr>
-          <p:cNvPr id="10" name="Text Placeholder 9">
-            <a:extLst>
-              <a:ext uri="{FF2B5EF4-FFF2-40B4-BE49-F238E27FC236}">
-                <a16:creationId xmlns:a16="http://schemas.microsoft.com/office/drawing/2014/main" id="{ACA4E6A1-1576-9FF7-8659-C975D23EF5C4}"/>
-              </a:ext>
-            </a:extLst>
-          </p:cNvPr>
-          <p:cNvSpPr>
-            <a:spLocks noGrp="1"/>
-          </p:cNvSpPr>
-          <p:nvPr>
-            <p:ph type="body" idx="1"/>
-          </p:nvPr>
-        </p:nvSpPr>
-        <p:spPr>
-          <a:xfrm>
-            <a:off x="1200945" y="681036"/>
-            <a:ext cx="4895055" cy="3124201"/>
-          </a:xfrm>
-        </p:spPr>
-        <p:txBody>
-          <a:bodyPr/>
-          <a:lstStyle/>
-          <a:p>
-            <a:r>
-              <a:rPr lang="en-US" sz="2000" dirty="0">
-                <a:latin typeface="Centaur" panose="02030504050205020304" pitchFamily="18" charset="0"/>
-              </a:rPr>
-              <a:t>Best for Sellers (Quadrant II)</a:t>
-            </a:r>
-          </a:p>
-          <a:p>
-            <a:pPr lvl="1"/>
-            <a:r>
-              <a:rPr lang="en-US" dirty="0">
-                <a:latin typeface="Centaur" panose="02030504050205020304" pitchFamily="18" charset="0"/>
-              </a:rPr>
-              <a:t>WI</a:t>
-            </a:r>
-          </a:p>
-          <a:p>
-            <a:pPr lvl="1"/>
-            <a:r>
-              <a:rPr lang="en-US" dirty="0">
-                <a:latin typeface="Centaur" panose="02030504050205020304" pitchFamily="18" charset="0"/>
-              </a:rPr>
-              <a:t>CA</a:t>
-            </a:r>
-          </a:p>
-          <a:p>
-            <a:pPr lvl="1"/>
-            <a:r>
-              <a:rPr lang="en-US" dirty="0">
-                <a:latin typeface="Centaur" panose="02030504050205020304" pitchFamily="18" charset="0"/>
-              </a:rPr>
-              <a:t>UT</a:t>
-            </a:r>
-          </a:p>
-          <a:p>
-            <a:pPr lvl="1"/>
-            <a:r>
-              <a:rPr lang="en-US" dirty="0">
-                <a:latin typeface="Centaur" panose="02030504050205020304" pitchFamily="18" charset="0"/>
-              </a:rPr>
-              <a:t>WA</a:t>
-            </a:r>
+          <a:p>
+            <a:pPr marL="0" lvl="0" indent="0" algn="l" rtl="0">
+              <a:spcBef>
+                <a:spcPts val="0"/>
+              </a:spcBef>
+              <a:spcAft>
+                <a:spcPts val="0"/>
+              </a:spcAft>
+              <a:buSzPts val="3480"/>
+              <a:buNone/>
+            </a:pPr>
+            <a:endParaRPr lang="en-US" sz="1400" dirty="0">
+              <a:latin typeface="+mn-lt"/>
+            </a:endParaRPr>
+          </a:p>
+          <a:p>
+            <a:pPr marL="0" lvl="0" indent="0" algn="l" rtl="0">
+              <a:spcBef>
+                <a:spcPts val="0"/>
+              </a:spcBef>
+              <a:spcAft>
+                <a:spcPts val="0"/>
+              </a:spcAft>
+              <a:buSzPts val="3480"/>
+              <a:buNone/>
+            </a:pPr>
+            <a:endParaRPr lang="en-US" sz="1400" dirty="0">
+              <a:latin typeface="+mn-lt"/>
+            </a:endParaRPr>
           </a:p>
         </p:txBody>
       </p:sp>
       <p:pic>
         <p:nvPicPr>
-          <p:cNvPr id="12" name="Picture 11">
+          <p:cNvPr id="4" name="Picture 3">
             <a:extLst>
               <a:ext uri="{FF2B5EF4-FFF2-40B4-BE49-F238E27FC236}">
-                <a16:creationId xmlns:a16="http://schemas.microsoft.com/office/drawing/2014/main" id="{C7F680AD-CBCA-C2C6-E672-3A74AF626309}"/>
+                <a16:creationId xmlns:a16="http://schemas.microsoft.com/office/drawing/2014/main" id="{8F2FECC6-173C-E94A-4563-5BEE077C7285}"/>
               </a:ext>
             </a:extLst>
           </p:cNvPr>
@@ -18413,100 +17790,534 @@
           </a:prstGeom>
         </p:spPr>
       </p:pic>
-      <p:sp>
-        <p:nvSpPr>
-          <p:cNvPr id="11" name="Text Placeholder 10">
+      <p:pic>
+        <p:nvPicPr>
+          <p:cNvPr id="6" name="Graphic 5" descr="Badge 4 with solid fill">
             <a:extLst>
               <a:ext uri="{FF2B5EF4-FFF2-40B4-BE49-F238E27FC236}">
-                <a16:creationId xmlns:a16="http://schemas.microsoft.com/office/drawing/2014/main" id="{E581A6B2-5AF8-6699-A95B-217369147F45}"/>
+                <a16:creationId xmlns:a16="http://schemas.microsoft.com/office/drawing/2014/main" id="{E633DD42-2D58-4B61-FF23-003712630781}"/>
               </a:ext>
             </a:extLst>
           </p:cNvPr>
-          <p:cNvSpPr>
+          <p:cNvPicPr>
+            <a:picLocks noChangeAspect="1"/>
+          </p:cNvPicPr>
+          <p:nvPr/>
+        </p:nvPicPr>
+        <p:blipFill>
+          <a:blip r:embed="rId4">
+            <a:extLst>
+              <a:ext uri="{96DAC541-7B7A-43D3-8B79-37D633B846F1}">
+                <asvg:svgBlip xmlns:asvg="http://schemas.microsoft.com/office/drawing/2016/SVG/main" r:embed="rId5"/>
+              </a:ext>
+            </a:extLst>
+          </a:blip>
+          <a:stretch>
+            <a:fillRect/>
+          </a:stretch>
+        </p:blipFill>
+        <p:spPr>
+          <a:xfrm>
+            <a:off x="10889385" y="5384087"/>
+            <a:ext cx="692948" cy="692948"/>
+          </a:xfrm>
+          <a:prstGeom prst="rect">
+            <a:avLst/>
+          </a:prstGeom>
+        </p:spPr>
+      </p:pic>
+      <p:pic>
+        <p:nvPicPr>
+          <p:cNvPr id="8" name="Graphic 7" descr="Badge 3 with solid fill">
+            <a:extLst>
+              <a:ext uri="{FF2B5EF4-FFF2-40B4-BE49-F238E27FC236}">
+                <a16:creationId xmlns:a16="http://schemas.microsoft.com/office/drawing/2014/main" id="{F643DEB7-BAE2-EC34-8D45-FDAC718FEBAE}"/>
+              </a:ext>
+            </a:extLst>
+          </p:cNvPr>
+          <p:cNvPicPr>
+            <a:picLocks noChangeAspect="1"/>
+          </p:cNvPicPr>
+          <p:nvPr/>
+        </p:nvPicPr>
+        <p:blipFill>
+          <a:blip r:embed="rId6">
+            <a:extLst>
+              <a:ext uri="{96DAC541-7B7A-43D3-8B79-37D633B846F1}">
+                <asvg:svgBlip xmlns:asvg="http://schemas.microsoft.com/office/drawing/2016/SVG/main" r:embed="rId7"/>
+              </a:ext>
+            </a:extLst>
+          </a:blip>
+          <a:stretch>
+            <a:fillRect/>
+          </a:stretch>
+        </p:blipFill>
+        <p:spPr>
+          <a:xfrm>
+            <a:off x="5970496" y="5384087"/>
+            <a:ext cx="692948" cy="692948"/>
+          </a:xfrm>
+          <a:prstGeom prst="rect">
+            <a:avLst/>
+          </a:prstGeom>
+        </p:spPr>
+      </p:pic>
+      <p:pic>
+        <p:nvPicPr>
+          <p:cNvPr id="10" name="Graphic 9" descr="Badge with solid fill">
+            <a:extLst>
+              <a:ext uri="{FF2B5EF4-FFF2-40B4-BE49-F238E27FC236}">
+                <a16:creationId xmlns:a16="http://schemas.microsoft.com/office/drawing/2014/main" id="{51B5DCC7-6C44-F915-9EFA-AEA44F4D9031}"/>
+              </a:ext>
+            </a:extLst>
+          </p:cNvPr>
+          <p:cNvPicPr>
+            <a:picLocks noChangeAspect="1"/>
+          </p:cNvPicPr>
+          <p:nvPr/>
+        </p:nvPicPr>
+        <p:blipFill>
+          <a:blip r:embed="rId8">
+            <a:extLst>
+              <a:ext uri="{96DAC541-7B7A-43D3-8B79-37D633B846F1}">
+                <asvg:svgBlip xmlns:asvg="http://schemas.microsoft.com/office/drawing/2016/SVG/main" r:embed="rId9"/>
+              </a:ext>
+            </a:extLst>
+          </a:blip>
+          <a:stretch>
+            <a:fillRect/>
+          </a:stretch>
+        </p:blipFill>
+        <p:spPr>
+          <a:xfrm>
+            <a:off x="10889385" y="816313"/>
+            <a:ext cx="692948" cy="692948"/>
+          </a:xfrm>
+          <a:prstGeom prst="rect">
+            <a:avLst/>
+          </a:prstGeom>
+        </p:spPr>
+      </p:pic>
+      <p:pic>
+        <p:nvPicPr>
+          <p:cNvPr id="12" name="Graphic 11" descr="Badge 1 with solid fill">
+            <a:extLst>
+              <a:ext uri="{FF2B5EF4-FFF2-40B4-BE49-F238E27FC236}">
+                <a16:creationId xmlns:a16="http://schemas.microsoft.com/office/drawing/2014/main" id="{D5DCA2F9-9593-D791-034C-38F075DF38F5}"/>
+              </a:ext>
+            </a:extLst>
+          </p:cNvPr>
+          <p:cNvPicPr>
+            <a:picLocks noChangeAspect="1"/>
+          </p:cNvPicPr>
+          <p:nvPr/>
+        </p:nvPicPr>
+        <p:blipFill>
+          <a:blip r:embed="rId10">
+            <a:extLst>
+              <a:ext uri="{96DAC541-7B7A-43D3-8B79-37D633B846F1}">
+                <asvg:svgBlip xmlns:asvg="http://schemas.microsoft.com/office/drawing/2016/SVG/main" r:embed="rId11"/>
+              </a:ext>
+            </a:extLst>
+          </a:blip>
+          <a:stretch>
+            <a:fillRect/>
+          </a:stretch>
+        </p:blipFill>
+        <p:spPr>
+          <a:xfrm>
+            <a:off x="6621678" y="795130"/>
+            <a:ext cx="692948" cy="692948"/>
+          </a:xfrm>
+          <a:prstGeom prst="rect">
+            <a:avLst/>
+          </a:prstGeom>
+        </p:spPr>
+      </p:pic>
+    </p:spTree>
+  </p:cSld>
+  <p:clrMapOvr>
+    <a:masterClrMapping/>
+  </p:clrMapOvr>
+</p:sld>
+</file>
+
+<file path=ppt/slides/slide12.xml><?xml version="1.0" encoding="utf-8"?>
+<p:sld xmlns:a="http://schemas.openxmlformats.org/drawingml/2006/main" xmlns:r="http://schemas.openxmlformats.org/officeDocument/2006/relationships" xmlns:p="http://schemas.openxmlformats.org/presentationml/2006/main">
+  <p:cSld>
+    <p:spTree>
+      <p:nvGrpSpPr>
+        <p:cNvPr id="1" name="Shape 183"/>
+        <p:cNvGrpSpPr/>
+        <p:nvPr/>
+      </p:nvGrpSpPr>
+      <p:grpSpPr>
+        <a:xfrm>
+          <a:off x="0" y="0"/>
+          <a:ext cx="0" cy="0"/>
+          <a:chOff x="0" y="0"/>
+          <a:chExt cx="0" cy="0"/>
+        </a:xfrm>
+      </p:grpSpPr>
+      <p:sp>
+        <p:nvSpPr>
+          <p:cNvPr id="185" name="Google Shape;185;p6"/>
+          <p:cNvSpPr txBox="1">
             <a:spLocks noGrp="1"/>
           </p:cNvSpPr>
           <p:nvPr>
-            <p:ph type="body" idx="2"/>
+            <p:ph type="body" idx="1"/>
           </p:nvPr>
         </p:nvSpPr>
         <p:spPr>
           <a:xfrm>
-            <a:off x="1200945" y="3429000"/>
-            <a:ext cx="4895056" cy="3124200"/>
+            <a:off x="1524067" y="304799"/>
+            <a:ext cx="3749390" cy="5772236"/>
           </a:xfrm>
+          <a:prstGeom prst="rect">
+            <a:avLst/>
+          </a:prstGeom>
+          <a:noFill/>
+          <a:ln>
+            <a:noFill/>
+          </a:ln>
         </p:spPr>
         <p:txBody>
-          <a:bodyPr/>
+          <a:bodyPr spcFirstLastPara="1" wrap="square" lIns="91425" tIns="45700" rIns="91425" bIns="45700" anchor="ctr" anchorCtr="0">
+            <a:normAutofit/>
+          </a:bodyPr>
           <a:lstStyle/>
           <a:p>
+            <a:pPr marL="62865" indent="0">
+              <a:buNone/>
+            </a:pPr>
             <a:r>
               <a:rPr lang="en-US" sz="2000" dirty="0">
-                <a:latin typeface="Centaur" panose="02030504050205020304" pitchFamily="18" charset="0"/>
+                <a:latin typeface="+mn-lt"/>
               </a:rPr>
-              <a:t>Best for Buyers Quadrant (III)</a:t>
+              <a:t>Best for Sellers (Quadrant 1): </a:t>
             </a:r>
           </a:p>
           <a:p>
-            <a:pPr lvl="1"/>
+            <a:pPr marL="62865" indent="0">
+              <a:buNone/>
+            </a:pPr>
             <a:r>
-              <a:rPr lang="en-US" dirty="0">
-                <a:latin typeface="Centaur" panose="02030504050205020304" pitchFamily="18" charset="0"/>
+              <a:rPr lang="en-US" sz="2000" dirty="0">
+                <a:latin typeface="+mn-lt"/>
               </a:rPr>
-              <a:t>TX</a:t>
+              <a:t>- Wisconsin</a:t>
             </a:r>
           </a:p>
           <a:p>
-            <a:pPr lvl="1"/>
+            <a:pPr marL="62865" indent="0">
+              <a:buNone/>
+            </a:pPr>
             <a:r>
-              <a:rPr lang="en-US" dirty="0">
-                <a:latin typeface="Centaur" panose="02030504050205020304" pitchFamily="18" charset="0"/>
+              <a:rPr lang="en-US" sz="2000" dirty="0">
+                <a:latin typeface="+mn-lt"/>
               </a:rPr>
-              <a:t>GA</a:t>
+              <a:t>- California</a:t>
             </a:r>
           </a:p>
           <a:p>
-            <a:pPr lvl="1"/>
+            <a:pPr marL="62865" indent="0">
+              <a:buNone/>
+            </a:pPr>
             <a:r>
-              <a:rPr lang="en-US" dirty="0">
-                <a:latin typeface="Centaur" panose="02030504050205020304" pitchFamily="18" charset="0"/>
+              <a:rPr lang="en-US" sz="2000" dirty="0">
+                <a:latin typeface="+mn-lt"/>
               </a:rPr>
-              <a:t>AR</a:t>
+              <a:t>- Utah</a:t>
             </a:r>
           </a:p>
           <a:p>
-            <a:pPr lvl="1"/>
+            <a:pPr marL="62865" indent="0">
+              <a:buNone/>
+            </a:pPr>
             <a:r>
-              <a:rPr lang="en-US" dirty="0">
-                <a:latin typeface="Centaur" panose="02030504050205020304" pitchFamily="18" charset="0"/>
+              <a:rPr lang="en-US" sz="2000" dirty="0">
+                <a:latin typeface="+mn-lt"/>
               </a:rPr>
-              <a:t>AZ</a:t>
+              <a:t>- Washington</a:t>
             </a:r>
           </a:p>
           <a:p>
-            <a:pPr lvl="1"/>
+            <a:pPr marL="62865" indent="0">
+              <a:buNone/>
+            </a:pPr>
+            <a:endParaRPr lang="en-US" sz="2000" dirty="0">
+              <a:latin typeface="+mn-lt"/>
+            </a:endParaRPr>
+          </a:p>
+          <a:p>
+            <a:pPr marL="62865" indent="0">
+              <a:buNone/>
+            </a:pPr>
+            <a:endParaRPr lang="en-US" sz="2000" dirty="0">
+              <a:latin typeface="+mn-lt"/>
+            </a:endParaRPr>
+          </a:p>
+          <a:p>
+            <a:pPr marL="62865" indent="0">
+              <a:buNone/>
+            </a:pPr>
             <a:r>
-              <a:rPr lang="en-US" dirty="0">
-                <a:latin typeface="Centaur" panose="02030504050205020304" pitchFamily="18" charset="0"/>
+              <a:rPr lang="en-US" sz="2000" dirty="0">
+                <a:latin typeface="+mn-lt"/>
               </a:rPr>
-              <a:t>WY</a:t>
+              <a:t>Best for Buyers (Quadrant 3): </a:t>
             </a:r>
           </a:p>
           <a:p>
-            <a:pPr lvl="1"/>
+            <a:pPr marL="62865" indent="0">
+              <a:buNone/>
+            </a:pPr>
             <a:r>
-              <a:rPr lang="en-US" dirty="0">
-                <a:latin typeface="Centaur" panose="02030504050205020304" pitchFamily="18" charset="0"/>
+              <a:rPr lang="en-US" sz="2000" dirty="0">
+                <a:latin typeface="+mn-lt"/>
               </a:rPr>
-              <a:t>WV</a:t>
+              <a:t>- Texas</a:t>
             </a:r>
           </a:p>
           <a:p>
-            <a:pPr lvl="1"/>
-            <a:endParaRPr lang="en-US" dirty="0"/>
+            <a:pPr marL="62865" indent="0">
+              <a:buNone/>
+            </a:pPr>
+            <a:r>
+              <a:rPr lang="en-US" sz="2000" dirty="0">
+                <a:latin typeface="+mn-lt"/>
+              </a:rPr>
+              <a:t>- Georgia</a:t>
+            </a:r>
+          </a:p>
+          <a:p>
+            <a:pPr marL="62865" indent="0">
+              <a:buNone/>
+            </a:pPr>
+            <a:r>
+              <a:rPr lang="en-US" sz="2000" dirty="0">
+                <a:latin typeface="+mn-lt"/>
+              </a:rPr>
+              <a:t>- Arkansas</a:t>
+            </a:r>
+          </a:p>
+          <a:p>
+            <a:pPr marL="62865" indent="0">
+              <a:buNone/>
+            </a:pPr>
+            <a:r>
+              <a:rPr lang="en-US" sz="2000" dirty="0">
+                <a:latin typeface="+mn-lt"/>
+              </a:rPr>
+              <a:t>- Arizona </a:t>
+            </a:r>
+          </a:p>
+          <a:p>
+            <a:pPr marL="62865" indent="0">
+              <a:buNone/>
+            </a:pPr>
+            <a:endParaRPr lang="en-US" sz="2000" dirty="0">
+              <a:latin typeface="+mn-lt"/>
+            </a:endParaRPr>
+          </a:p>
+          <a:p>
+            <a:pPr marL="0" lvl="0" indent="0" algn="l" rtl="0">
+              <a:spcBef>
+                <a:spcPts val="0"/>
+              </a:spcBef>
+              <a:spcAft>
+                <a:spcPts val="0"/>
+              </a:spcAft>
+              <a:buSzPts val="3480"/>
+              <a:buNone/>
+            </a:pPr>
+            <a:endParaRPr lang="en-US" sz="1400" dirty="0">
+              <a:latin typeface="+mn-lt"/>
+            </a:endParaRPr>
           </a:p>
         </p:txBody>
       </p:sp>
+      <p:pic>
+        <p:nvPicPr>
+          <p:cNvPr id="4" name="Picture 3">
+            <a:extLst>
+              <a:ext uri="{FF2B5EF4-FFF2-40B4-BE49-F238E27FC236}">
+                <a16:creationId xmlns:a16="http://schemas.microsoft.com/office/drawing/2014/main" id="{8F2FECC6-173C-E94A-4563-5BEE077C7285}"/>
+              </a:ext>
+            </a:extLst>
+          </p:cNvPr>
+          <p:cNvPicPr>
+            <a:picLocks noChangeAspect="1"/>
+          </p:cNvPicPr>
+          <p:nvPr/>
+        </p:nvPicPr>
+        <p:blipFill>
+          <a:blip r:embed="rId3"/>
+          <a:stretch>
+            <a:fillRect/>
+          </a:stretch>
+        </p:blipFill>
+        <p:spPr>
+          <a:xfrm>
+            <a:off x="5273457" y="273678"/>
+            <a:ext cx="6523553" cy="6310644"/>
+          </a:xfrm>
+          <a:prstGeom prst="rect">
+            <a:avLst/>
+          </a:prstGeom>
+        </p:spPr>
+      </p:pic>
+      <p:pic>
+        <p:nvPicPr>
+          <p:cNvPr id="6" name="Graphic 5" descr="Badge 4 with solid fill">
+            <a:extLst>
+              <a:ext uri="{FF2B5EF4-FFF2-40B4-BE49-F238E27FC236}">
+                <a16:creationId xmlns:a16="http://schemas.microsoft.com/office/drawing/2014/main" id="{E633DD42-2D58-4B61-FF23-003712630781}"/>
+              </a:ext>
+            </a:extLst>
+          </p:cNvPr>
+          <p:cNvPicPr>
+            <a:picLocks noChangeAspect="1"/>
+          </p:cNvPicPr>
+          <p:nvPr/>
+        </p:nvPicPr>
+        <p:blipFill>
+          <a:blip r:embed="rId4">
+            <a:extLst>
+              <a:ext uri="{96DAC541-7B7A-43D3-8B79-37D633B846F1}">
+                <asvg:svgBlip xmlns:asvg="http://schemas.microsoft.com/office/drawing/2016/SVG/main" r:embed="rId5"/>
+              </a:ext>
+            </a:extLst>
+          </a:blip>
+          <a:stretch>
+            <a:fillRect/>
+          </a:stretch>
+        </p:blipFill>
+        <p:spPr>
+          <a:xfrm>
+            <a:off x="10889385" y="5384087"/>
+            <a:ext cx="692948" cy="692948"/>
+          </a:xfrm>
+          <a:prstGeom prst="rect">
+            <a:avLst/>
+          </a:prstGeom>
+        </p:spPr>
+      </p:pic>
+      <p:pic>
+        <p:nvPicPr>
+          <p:cNvPr id="8" name="Graphic 7" descr="Badge 3 with solid fill">
+            <a:extLst>
+              <a:ext uri="{FF2B5EF4-FFF2-40B4-BE49-F238E27FC236}">
+                <a16:creationId xmlns:a16="http://schemas.microsoft.com/office/drawing/2014/main" id="{F643DEB7-BAE2-EC34-8D45-FDAC718FEBAE}"/>
+              </a:ext>
+            </a:extLst>
+          </p:cNvPr>
+          <p:cNvPicPr>
+            <a:picLocks noChangeAspect="1"/>
+          </p:cNvPicPr>
+          <p:nvPr/>
+        </p:nvPicPr>
+        <p:blipFill>
+          <a:blip r:embed="rId6">
+            <a:extLst>
+              <a:ext uri="{96DAC541-7B7A-43D3-8B79-37D633B846F1}">
+                <asvg:svgBlip xmlns:asvg="http://schemas.microsoft.com/office/drawing/2016/SVG/main" r:embed="rId7"/>
+              </a:ext>
+            </a:extLst>
+          </a:blip>
+          <a:stretch>
+            <a:fillRect/>
+          </a:stretch>
+        </p:blipFill>
+        <p:spPr>
+          <a:xfrm>
+            <a:off x="5970496" y="5384087"/>
+            <a:ext cx="692948" cy="692948"/>
+          </a:xfrm>
+          <a:prstGeom prst="rect">
+            <a:avLst/>
+          </a:prstGeom>
+        </p:spPr>
+      </p:pic>
+      <p:pic>
+        <p:nvPicPr>
+          <p:cNvPr id="10" name="Graphic 9" descr="Badge with solid fill">
+            <a:extLst>
+              <a:ext uri="{FF2B5EF4-FFF2-40B4-BE49-F238E27FC236}">
+                <a16:creationId xmlns:a16="http://schemas.microsoft.com/office/drawing/2014/main" id="{51B5DCC7-6C44-F915-9EFA-AEA44F4D9031}"/>
+              </a:ext>
+            </a:extLst>
+          </p:cNvPr>
+          <p:cNvPicPr>
+            <a:picLocks noChangeAspect="1"/>
+          </p:cNvPicPr>
+          <p:nvPr/>
+        </p:nvPicPr>
+        <p:blipFill>
+          <a:blip r:embed="rId8">
+            <a:extLst>
+              <a:ext uri="{96DAC541-7B7A-43D3-8B79-37D633B846F1}">
+                <asvg:svgBlip xmlns:asvg="http://schemas.microsoft.com/office/drawing/2016/SVG/main" r:embed="rId9"/>
+              </a:ext>
+            </a:extLst>
+          </a:blip>
+          <a:stretch>
+            <a:fillRect/>
+          </a:stretch>
+        </p:blipFill>
+        <p:spPr>
+          <a:xfrm>
+            <a:off x="10889385" y="816313"/>
+            <a:ext cx="692948" cy="692948"/>
+          </a:xfrm>
+          <a:prstGeom prst="rect">
+            <a:avLst/>
+          </a:prstGeom>
+        </p:spPr>
+      </p:pic>
+      <p:pic>
+        <p:nvPicPr>
+          <p:cNvPr id="12" name="Graphic 11" descr="Badge 1 with solid fill">
+            <a:extLst>
+              <a:ext uri="{FF2B5EF4-FFF2-40B4-BE49-F238E27FC236}">
+                <a16:creationId xmlns:a16="http://schemas.microsoft.com/office/drawing/2014/main" id="{D5DCA2F9-9593-D791-034C-38F075DF38F5}"/>
+              </a:ext>
+            </a:extLst>
+          </p:cNvPr>
+          <p:cNvPicPr>
+            <a:picLocks noChangeAspect="1"/>
+          </p:cNvPicPr>
+          <p:nvPr/>
+        </p:nvPicPr>
+        <p:blipFill>
+          <a:blip r:embed="rId10">
+            <a:extLst>
+              <a:ext uri="{96DAC541-7B7A-43D3-8B79-37D633B846F1}">
+                <asvg:svgBlip xmlns:asvg="http://schemas.microsoft.com/office/drawing/2016/SVG/main" r:embed="rId11"/>
+              </a:ext>
+            </a:extLst>
+          </a:blip>
+          <a:stretch>
+            <a:fillRect/>
+          </a:stretch>
+        </p:blipFill>
+        <p:spPr>
+          <a:xfrm>
+            <a:off x="6621678" y="795130"/>
+            <a:ext cx="692948" cy="692948"/>
+          </a:xfrm>
+          <a:prstGeom prst="rect">
+            <a:avLst/>
+          </a:prstGeom>
+        </p:spPr>
+      </p:pic>
     </p:spTree>
+    <p:extLst>
+      <p:ext uri="{BB962C8B-B14F-4D97-AF65-F5344CB8AC3E}">
+        <p14:creationId xmlns:p14="http://schemas.microsoft.com/office/powerpoint/2010/main" val="375786609"/>
+      </p:ext>
+    </p:extLst>
   </p:cSld>
   <p:clrMapOvr>
     <a:masterClrMapping/>
@@ -18657,8 +18468,8 @@
         </p:nvSpPr>
         <p:spPr>
           <a:xfrm>
-            <a:off x="1326562" y="1776549"/>
-            <a:ext cx="10018713" cy="4461414"/>
+            <a:off x="1326563" y="1776549"/>
+            <a:ext cx="6121160" cy="4461414"/>
           </a:xfrm>
           <a:prstGeom prst="rect">
             <a:avLst/>
@@ -18669,133 +18480,139 @@
           </a:ln>
         </p:spPr>
         <p:txBody>
-          <a:bodyPr spcFirstLastPara="1" wrap="square" lIns="91425" tIns="45700" rIns="91425" bIns="45700" anchor="ctr" anchorCtr="0">
-            <a:normAutofit/>
+          <a:bodyPr spcFirstLastPara="1" wrap="square" lIns="91425" tIns="45700" rIns="91425" bIns="45700" anchor="t" anchorCtr="0">
+            <a:normAutofit lnSpcReduction="10000"/>
           </a:bodyPr>
           <a:lstStyle/>
           <a:p>
-            <a:pPr marL="0" lvl="0" indent="0" algn="l" rtl="0">
-              <a:spcBef>
-                <a:spcPts val="0"/>
-              </a:spcBef>
-              <a:spcAft>
-                <a:spcPts val="0"/>
-              </a:spcAft>
+            <a:pPr marL="342900" indent="-342900">
+              <a:lnSpc>
+                <a:spcPct val="150000"/>
+              </a:lnSpc>
+              <a:spcBef>
+                <a:spcPts val="0"/>
+              </a:spcBef>
               <a:buSzPts val="3480"/>
-              <a:buNone/>
-            </a:pPr>
-            <a:endParaRPr lang="en-US" dirty="0">
-              <a:latin typeface="Centaur" panose="02030504050205020304" pitchFamily="18" charset="0"/>
-            </a:endParaRPr>
-          </a:p>
-          <a:p>
-            <a:pPr marL="285750" lvl="0" indent="-285750" algn="l" rtl="0">
-              <a:spcBef>
-                <a:spcPts val="0"/>
-              </a:spcBef>
-              <a:spcAft>
-                <a:spcPts val="0"/>
-              </a:spcAft>
-              <a:buSzPts val="3480"/>
-              <a:buChar char="•"/>
             </a:pPr>
             <a:r>
               <a:rPr lang="en-US" b="1" dirty="0">
-                <a:latin typeface="Centaur" panose="02030504050205020304" pitchFamily="18" charset="0"/>
+                <a:latin typeface="+mn-lt"/>
               </a:rPr>
               <a:t>New Jersey</a:t>
             </a:r>
             <a:r>
               <a:rPr lang="en-US" dirty="0">
-                <a:latin typeface="Centaur" panose="02030504050205020304" pitchFamily="18" charset="0"/>
+                <a:latin typeface="+mn-lt"/>
               </a:rPr>
               <a:t>: </a:t>
             </a:r>
           </a:p>
           <a:p>
             <a:pPr marL="742950" lvl="1" indent="-285750">
+              <a:lnSpc>
+                <a:spcPct val="150000"/>
+              </a:lnSpc>
               <a:spcBef>
                 <a:spcPts val="0"/>
               </a:spcBef>
               <a:buSzPts val="3480"/>
             </a:pPr>
             <a:r>
-              <a:rPr lang="en-US" dirty="0">
-                <a:latin typeface="Centaur" panose="02030504050205020304" pitchFamily="18" charset="0"/>
+              <a:rPr lang="en-US" sz="1800" dirty="0">
+                <a:latin typeface="+mn-lt"/>
               </a:rPr>
-              <a:t>Top 14 Home Value</a:t>
-            </a:r>
-          </a:p>
-          <a:p>
-            <a:pPr marL="742950" lvl="1" indent="-285750">
-              <a:spcBef>
-                <a:spcPts val="0"/>
-              </a:spcBef>
-              <a:buSzPts val="3480"/>
-            </a:pPr>
-            <a:r>
-              <a:rPr lang="en-US" dirty="0">
-                <a:latin typeface="Centaur" panose="02030504050205020304" pitchFamily="18" charset="0"/>
-              </a:rPr>
-              <a:t>Top 4 in Numerical &amp; Percentage Home Value Increase</a:t>
-            </a:r>
-          </a:p>
-          <a:p>
-            <a:pPr marL="742950" lvl="1" indent="-285750">
-              <a:spcBef>
-                <a:spcPts val="0"/>
-              </a:spcBef>
-              <a:buSzPts val="3480"/>
-            </a:pPr>
-            <a:r>
-              <a:rPr lang="en-US" dirty="0">
-                <a:latin typeface="Centaur" panose="02030504050205020304" pitchFamily="18" charset="0"/>
-              </a:rPr>
-              <a:t>8</a:t>
+              <a:t>Median Sale Price = 9</a:t>
             </a:r>
             <a:r>
-              <a:rPr lang="en-US" baseline="30000" dirty="0">
-                <a:latin typeface="Centaur" panose="02030504050205020304" pitchFamily="18" charset="0"/>
+              <a:rPr lang="en-US" sz="1800" baseline="30000" dirty="0">
+                <a:latin typeface="+mn-lt"/>
               </a:rPr>
               <a:t>th</a:t>
             </a:r>
             <a:r>
-              <a:rPr lang="en-US" dirty="0">
-                <a:latin typeface="Centaur" panose="02030504050205020304" pitchFamily="18" charset="0"/>
+              <a:rPr lang="en-US" sz="1800" dirty="0">
+                <a:latin typeface="+mn-lt"/>
               </a:rPr>
-              <a:t> Highest Rental</a:t>
+              <a:t> </a:t>
             </a:r>
           </a:p>
           <a:p>
             <a:pPr marL="742950" lvl="1" indent="-285750">
+              <a:lnSpc>
+                <a:spcPct val="150000"/>
+              </a:lnSpc>
               <a:spcBef>
                 <a:spcPts val="0"/>
               </a:spcBef>
               <a:buSzPts val="3480"/>
             </a:pPr>
             <a:r>
-              <a:rPr lang="en-US" dirty="0">
-                <a:latin typeface="Centaur" panose="02030504050205020304" pitchFamily="18" charset="0"/>
+              <a:rPr lang="en-US" sz="1800" dirty="0">
+                <a:latin typeface="+mn-lt"/>
+              </a:rPr>
+              <a:t>Rental Price = 8</a:t>
+            </a:r>
+            <a:r>
+              <a:rPr lang="en-US" sz="1800" baseline="30000" dirty="0">
+                <a:latin typeface="+mn-lt"/>
+              </a:rPr>
+              <a:t>th</a:t>
+            </a:r>
+            <a:r>
+              <a:rPr lang="en-US" sz="1800" dirty="0">
+                <a:latin typeface="+mn-lt"/>
+              </a:rPr>
+              <a:t> </a:t>
+            </a:r>
+          </a:p>
+          <a:p>
+            <a:pPr marL="742950" lvl="1" indent="-285750">
+              <a:lnSpc>
+                <a:spcPct val="150000"/>
+              </a:lnSpc>
+              <a:spcBef>
+                <a:spcPts val="0"/>
+              </a:spcBef>
+              <a:buSzPts val="3480"/>
+            </a:pPr>
+            <a:r>
+              <a:rPr lang="en-US" sz="1800" dirty="0">
+                <a:latin typeface="+mn-lt"/>
+              </a:rPr>
+              <a:t>Forecasted Home Value = Top 5</a:t>
+            </a:r>
+          </a:p>
+          <a:p>
+            <a:pPr marL="742950" lvl="1" indent="-285750">
+              <a:lnSpc>
+                <a:spcPct val="150000"/>
+              </a:lnSpc>
+              <a:spcBef>
+                <a:spcPts val="0"/>
+              </a:spcBef>
+              <a:buSzPts val="3480"/>
+            </a:pPr>
+            <a:r>
+              <a:rPr lang="en-US" sz="1800" dirty="0">
+                <a:latin typeface="+mn-lt"/>
               </a:rPr>
               <a:t>Below Average Home Sold Above Listing </a:t>
             </a:r>
-            <a:endParaRPr lang="en-US" dirty="0"/>
-          </a:p>
-          <a:p>
-            <a:pPr marL="285750" lvl="0" indent="-285750" algn="l" rtl="0">
-              <a:spcBef>
-                <a:spcPts val="0"/>
-              </a:spcBef>
-              <a:spcAft>
-                <a:spcPts val="0"/>
-              </a:spcAft>
+          </a:p>
+          <a:p>
+            <a:pPr marL="457200" lvl="1" indent="0">
+              <a:spcBef>
+                <a:spcPts val="0"/>
+              </a:spcBef>
               <a:buSzPts val="3480"/>
-              <a:buChar char="•"/>
+              <a:buNone/>
             </a:pPr>
-            <a:endParaRPr lang="en-US" dirty="0"/>
-          </a:p>
-          <a:p>
-            <a:pPr marL="285750" lvl="0" indent="-285750" algn="l" rtl="0">
+            <a:endParaRPr lang="en-US" sz="1800" dirty="0">
+              <a:latin typeface="+mn-lt"/>
+            </a:endParaRPr>
+          </a:p>
+          <a:p>
+            <a:pPr marL="0" lvl="0" indent="0" algn="l" rtl="0">
               <a:spcBef>
                 <a:spcPts val="0"/>
               </a:spcBef>
@@ -18803,34 +18620,26 @@
                 <a:spcPts val="0"/>
               </a:spcAft>
               <a:buSzPts val="3480"/>
-              <a:buChar char="•"/>
+              <a:buNone/>
             </a:pPr>
-            <a:endParaRPr lang="en-US" dirty="0"/>
-          </a:p>
-          <a:p>
-            <a:pPr marL="285750" lvl="0" indent="-285750" algn="l" rtl="0">
-              <a:spcBef>
-                <a:spcPts val="0"/>
-              </a:spcBef>
-              <a:spcAft>
-                <a:spcPts val="0"/>
-              </a:spcAft>
-              <a:buSzPts val="3480"/>
-              <a:buChar char="•"/>
-            </a:pPr>
-            <a:endParaRPr lang="en-US" dirty="0"/>
-          </a:p>
-          <a:p>
-            <a:pPr marL="285750" lvl="0" indent="-285750" algn="l" rtl="0">
-              <a:spcBef>
-                <a:spcPts val="0"/>
-              </a:spcBef>
-              <a:spcAft>
-                <a:spcPts val="0"/>
-              </a:spcAft>
-              <a:buSzPts val="3480"/>
-              <a:buChar char="•"/>
-            </a:pPr>
+            <a:r>
+              <a:rPr lang="en-US" sz="1800" dirty="0">
+                <a:latin typeface="+mn-lt"/>
+              </a:rPr>
+              <a:t>According to </a:t>
+            </a:r>
+            <a:r>
+              <a:rPr lang="en-US" sz="1800" dirty="0" err="1">
+                <a:latin typeface="+mn-lt"/>
+              </a:rPr>
+              <a:t>Houzeo</a:t>
+            </a:r>
+            <a:r>
+              <a:rPr lang="en-US" sz="1800" dirty="0">
+                <a:latin typeface="+mn-lt"/>
+              </a:rPr>
+              <a:t>, buyers in New Jersey have the upper hand, with the housing market slowing down compared to the post-pandemic highs. New Jersey is representative of the entire U.S. market with high demand and low supply, but the high rental prices and forecasted home value might prove it be worth it for buyers who are looking for primary residency and investors.</a:t>
+            </a:r>
             <a:endParaRPr lang="en-US" dirty="0"/>
           </a:p>
           <a:p>
@@ -18848,6 +18657,53 @@
           </a:p>
         </p:txBody>
       </p:sp>
+      <p:pic>
+        <p:nvPicPr>
+          <p:cNvPr id="1028" name="Picture 4" descr="New Jersey – Map Outline, Printable State, Shape, Stencil, Pattern – DIY  Projects, Patterns, Monograms, Designs, Templates">
+            <a:extLst>
+              <a:ext uri="{FF2B5EF4-FFF2-40B4-BE49-F238E27FC236}">
+                <a16:creationId xmlns:a16="http://schemas.microsoft.com/office/drawing/2014/main" id="{159AF8E4-0A94-6727-989E-5B7CD5AB34D8}"/>
+              </a:ext>
+            </a:extLst>
+          </p:cNvPr>
+          <p:cNvPicPr>
+            <a:picLocks noChangeAspect="1" noChangeArrowheads="1"/>
+          </p:cNvPicPr>
+          <p:nvPr/>
+        </p:nvPicPr>
+        <p:blipFill>
+          <a:blip r:embed="rId3">
+            <a:extLst>
+              <a:ext uri="{28A0092B-C50C-407E-A947-70E740481C1C}">
+                <a14:useLocalDpi xmlns:a14="http://schemas.microsoft.com/office/drawing/2010/main" val="0"/>
+              </a:ext>
+            </a:extLst>
+          </a:blip>
+          <a:srcRect/>
+          <a:stretch>
+            <a:fillRect/>
+          </a:stretch>
+        </p:blipFill>
+        <p:spPr bwMode="auto">
+          <a:xfrm>
+            <a:off x="8161682" y="1776549"/>
+            <a:ext cx="2362200" cy="4445000"/>
+          </a:xfrm>
+          <a:prstGeom prst="rect">
+            <a:avLst/>
+          </a:prstGeom>
+          <a:noFill/>
+          <a:extLst>
+            <a:ext uri="{909E8E84-426E-40DD-AFC4-6F175D3DCCD1}">
+              <a14:hiddenFill xmlns:a14="http://schemas.microsoft.com/office/drawing/2010/main">
+                <a:solidFill>
+                  <a:srgbClr val="FFFFFF"/>
+                </a:solidFill>
+              </a14:hiddenFill>
+            </a:ext>
+          </a:extLst>
+        </p:spPr>
+      </p:pic>
     </p:spTree>
     <p:extLst>
       <p:ext uri="{BB962C8B-B14F-4D97-AF65-F5344CB8AC3E}">
@@ -18941,8 +18797,8 @@
         </p:nvSpPr>
         <p:spPr>
           <a:xfrm>
-            <a:off x="1326562" y="1776548"/>
-            <a:ext cx="10018713" cy="5225143"/>
+            <a:off x="1326563" y="1776549"/>
+            <a:ext cx="6121160" cy="4461414"/>
           </a:xfrm>
           <a:prstGeom prst="rect">
             <a:avLst/>
@@ -18953,240 +18809,149 @@
           </a:ln>
         </p:spPr>
         <p:txBody>
-          <a:bodyPr spcFirstLastPara="1" wrap="square" lIns="91425" tIns="45700" rIns="91425" bIns="45700" anchor="ctr" anchorCtr="0">
+          <a:bodyPr spcFirstLastPara="1" wrap="square" lIns="91425" tIns="45700" rIns="91425" bIns="45700" anchor="t" anchorCtr="0">
             <a:normAutofit/>
           </a:bodyPr>
           <a:lstStyle/>
           <a:p>
-            <a:pPr marL="0" lvl="0" indent="0" algn="l" rtl="0">
-              <a:spcBef>
-                <a:spcPts val="0"/>
-              </a:spcBef>
-              <a:spcAft>
-                <a:spcPts val="0"/>
-              </a:spcAft>
+            <a:pPr marL="342900" indent="-342900">
+              <a:lnSpc>
+                <a:spcPct val="150000"/>
+              </a:lnSpc>
+              <a:spcBef>
+                <a:spcPts val="0"/>
+              </a:spcBef>
               <a:buSzPts val="3480"/>
-              <a:buNone/>
-            </a:pPr>
-            <a:endParaRPr lang="en-US" dirty="0"/>
-          </a:p>
-          <a:p>
-            <a:pPr marL="285750" lvl="0" indent="-285750" algn="l" rtl="0">
-              <a:spcBef>
-                <a:spcPts val="0"/>
-              </a:spcBef>
-              <a:spcAft>
-                <a:spcPts val="0"/>
-              </a:spcAft>
-              <a:buSzPts val="3480"/>
-              <a:buChar char="•"/>
             </a:pPr>
             <a:r>
               <a:rPr lang="en-US" b="1" dirty="0">
-                <a:latin typeface="Centaur" panose="02030504050205020304" pitchFamily="18" charset="0"/>
+                <a:latin typeface="+mn-lt"/>
               </a:rPr>
               <a:t>Florida</a:t>
             </a:r>
             <a:r>
               <a:rPr lang="en-US" dirty="0">
-                <a:latin typeface="Centaur" panose="02030504050205020304" pitchFamily="18" charset="0"/>
+                <a:latin typeface="+mn-lt"/>
               </a:rPr>
               <a:t>: </a:t>
             </a:r>
           </a:p>
           <a:p>
             <a:pPr marL="742950" lvl="1" indent="-285750">
+              <a:lnSpc>
+                <a:spcPct val="150000"/>
+              </a:lnSpc>
               <a:spcBef>
                 <a:spcPts val="0"/>
               </a:spcBef>
               <a:buSzPts val="3480"/>
             </a:pPr>
             <a:r>
-              <a:rPr lang="en-US" dirty="0">
-                <a:latin typeface="Centaur" panose="02030504050205020304" pitchFamily="18" charset="0"/>
+              <a:rPr lang="en-US" sz="1800" dirty="0">
+                <a:latin typeface="+mn-lt"/>
               </a:rPr>
-              <a:t>Top 6 in rental pricing</a:t>
+              <a:t>Rental Price = 6</a:t>
             </a:r>
+            <a:r>
+              <a:rPr lang="en-US" sz="1800" baseline="30000" dirty="0">
+                <a:latin typeface="+mn-lt"/>
+              </a:rPr>
+              <a:t>th</a:t>
+            </a:r>
+            <a:r>
+              <a:rPr lang="en-US" sz="1800" dirty="0">
+                <a:latin typeface="+mn-lt"/>
+              </a:rPr>
+              <a:t> </a:t>
+            </a:r>
           </a:p>
           <a:p>
             <a:pPr marL="742950" lvl="1" indent="-285750">
+              <a:lnSpc>
+                <a:spcPct val="150000"/>
+              </a:lnSpc>
               <a:spcBef>
                 <a:spcPts val="0"/>
               </a:spcBef>
               <a:buSzPts val="3480"/>
             </a:pPr>
             <a:r>
-              <a:rPr lang="en-US" dirty="0">
-                <a:latin typeface="Centaur" panose="02030504050205020304" pitchFamily="18" charset="0"/>
+              <a:rPr lang="en-US" sz="1800" dirty="0">
+                <a:latin typeface="+mn-lt"/>
+              </a:rPr>
+              <a:t>Forecasted Home Value = Top 10</a:t>
+            </a:r>
+          </a:p>
+          <a:p>
+            <a:pPr marL="742950" lvl="1" indent="-285750">
+              <a:lnSpc>
+                <a:spcPct val="150000"/>
+              </a:lnSpc>
+              <a:spcBef>
+                <a:spcPts val="0"/>
+              </a:spcBef>
+              <a:buSzPts val="3480"/>
+            </a:pPr>
+            <a:r>
+              <a:rPr lang="en-US" sz="1800" dirty="0">
+                <a:latin typeface="+mn-lt"/>
               </a:rPr>
               <a:t>4</a:t>
             </a:r>
             <a:r>
-              <a:rPr lang="en-US" baseline="30000" dirty="0">
-                <a:latin typeface="Centaur" panose="02030504050205020304" pitchFamily="18" charset="0"/>
+              <a:rPr lang="en-US" sz="1800" baseline="30000" dirty="0">
+                <a:latin typeface="+mn-lt"/>
               </a:rPr>
               <a:t>th</a:t>
             </a:r>
             <a:r>
-              <a:rPr lang="en-US" dirty="0">
-                <a:latin typeface="Centaur" panose="02030504050205020304" pitchFamily="18" charset="0"/>
+              <a:rPr lang="en-US" sz="1800" dirty="0">
+                <a:latin typeface="+mn-lt"/>
               </a:rPr>
               <a:t> Lowest in Percent Sold Above Listing</a:t>
             </a:r>
           </a:p>
           <a:p>
-            <a:pPr marL="742950" lvl="1" indent="-285750">
-              <a:spcBef>
-                <a:spcPts val="0"/>
-              </a:spcBef>
+            <a:pPr marL="0" lvl="0" indent="0" algn="l" rtl="0">
+              <a:spcBef>
+                <a:spcPts val="0"/>
+              </a:spcBef>
+              <a:spcAft>
+                <a:spcPts val="0"/>
+              </a:spcAft>
               <a:buSzPts val="3480"/>
+              <a:buNone/>
+            </a:pPr>
+            <a:endParaRPr lang="en-US" sz="1800" dirty="0">
+              <a:latin typeface="+mn-lt"/>
+            </a:endParaRPr>
+          </a:p>
+          <a:p>
+            <a:pPr marL="0" lvl="0" indent="0" algn="l" rtl="0">
+              <a:spcBef>
+                <a:spcPts val="0"/>
+              </a:spcBef>
+              <a:spcAft>
+                <a:spcPts val="0"/>
+              </a:spcAft>
+              <a:buSzPts val="3480"/>
+              <a:buNone/>
             </a:pPr>
             <a:r>
-              <a:rPr lang="en-US" dirty="0">
-                <a:latin typeface="Centaur" panose="02030504050205020304" pitchFamily="18" charset="0"/>
+              <a:rPr lang="en-US" sz="1800" dirty="0">
+                <a:latin typeface="+mn-lt"/>
               </a:rPr>
-              <a:t>Top 10 in Percent and Numeric Value Change</a:t>
+              <a:t>Florida is attractive for buyers due to its warm weather and relatively low cost of living. Home value and rental price growth makes it an attractive market for primary residents and investors. There are unique risks to the Florida market, specifically related to high cost of homeowners insurance.</a:t>
             </a:r>
-          </a:p>
-          <a:p>
-            <a:pPr marL="742950" lvl="1" indent="-285750">
-              <a:spcBef>
-                <a:spcPts val="0"/>
-              </a:spcBef>
-              <a:buSzPts val="3480"/>
-            </a:pPr>
-            <a:r>
-              <a:rPr lang="en-US" dirty="0">
-                <a:latin typeface="Centaur" panose="02030504050205020304" pitchFamily="18" charset="0"/>
-              </a:rPr>
-              <a:t>Average Closing Time</a:t>
-            </a:r>
-          </a:p>
-          <a:p>
-            <a:pPr marL="285750" lvl="0" indent="-285750" algn="l" rtl="0">
-              <a:spcBef>
-                <a:spcPts val="0"/>
-              </a:spcBef>
-              <a:spcAft>
-                <a:spcPts val="0"/>
-              </a:spcAft>
-              <a:buSzPts val="3480"/>
-              <a:buChar char="•"/>
-            </a:pPr>
-            <a:endParaRPr lang="en-US" dirty="0"/>
-          </a:p>
-          <a:p>
-            <a:pPr marL="0" lvl="0" indent="0" algn="l" rtl="0">
-              <a:spcBef>
-                <a:spcPts val="0"/>
-              </a:spcBef>
-              <a:spcAft>
-                <a:spcPts val="0"/>
-              </a:spcAft>
-              <a:buSzPts val="3480"/>
-              <a:buNone/>
-            </a:pPr>
-            <a:endParaRPr lang="en-US" dirty="0"/>
-          </a:p>
-          <a:p>
-            <a:pPr marL="285750" lvl="0" indent="-285750" algn="l" rtl="0">
-              <a:spcBef>
-                <a:spcPts val="0"/>
-              </a:spcBef>
-              <a:spcAft>
-                <a:spcPts val="0"/>
-              </a:spcAft>
-              <a:buSzPts val="3480"/>
-              <a:buChar char="•"/>
-            </a:pPr>
-            <a:endParaRPr lang="en-US" dirty="0"/>
-          </a:p>
-          <a:p>
-            <a:pPr marL="0" lvl="0" indent="0" algn="l" rtl="0">
-              <a:spcBef>
-                <a:spcPts val="0"/>
-              </a:spcBef>
-              <a:spcAft>
-                <a:spcPts val="0"/>
-              </a:spcAft>
-              <a:buSzPts val="3480"/>
-              <a:buNone/>
-            </a:pPr>
-            <a:endParaRPr lang="en-US" dirty="0"/>
-          </a:p>
-          <a:p>
-            <a:pPr marL="285750" lvl="0" indent="-285750" algn="l" rtl="0">
-              <a:spcBef>
-                <a:spcPts val="0"/>
-              </a:spcBef>
-              <a:spcAft>
-                <a:spcPts val="0"/>
-              </a:spcAft>
-              <a:buSzPts val="3480"/>
-              <a:buChar char="•"/>
-            </a:pPr>
-            <a:endParaRPr lang="en-US" dirty="0"/>
-          </a:p>
-          <a:p>
-            <a:pPr marL="285750" lvl="0" indent="-285750" algn="l" rtl="0">
-              <a:spcBef>
-                <a:spcPts val="0"/>
-              </a:spcBef>
-              <a:spcAft>
-                <a:spcPts val="0"/>
-              </a:spcAft>
-              <a:buSzPts val="3480"/>
-              <a:buChar char="•"/>
-            </a:pPr>
-            <a:endParaRPr lang="en-US" dirty="0"/>
-          </a:p>
-          <a:p>
-            <a:pPr marL="285750" lvl="0" indent="-285750" algn="l" rtl="0">
-              <a:spcBef>
-                <a:spcPts val="0"/>
-              </a:spcBef>
-              <a:spcAft>
-                <a:spcPts val="0"/>
-              </a:spcAft>
-              <a:buSzPts val="3480"/>
-              <a:buChar char="•"/>
-            </a:pPr>
-            <a:endParaRPr lang="en-US" dirty="0"/>
-          </a:p>
-          <a:p>
-            <a:pPr marL="285750" lvl="0" indent="-285750" algn="l" rtl="0">
-              <a:spcBef>
-                <a:spcPts val="0"/>
-              </a:spcBef>
-              <a:spcAft>
-                <a:spcPts val="0"/>
-              </a:spcAft>
-              <a:buSzPts val="3480"/>
-              <a:buChar char="•"/>
-            </a:pPr>
-            <a:endParaRPr lang="en-US" dirty="0"/>
-          </a:p>
-          <a:p>
-            <a:pPr marL="285750" lvl="0" indent="-285750" algn="l" rtl="0">
-              <a:spcBef>
-                <a:spcPts val="0"/>
-              </a:spcBef>
-              <a:spcAft>
-                <a:spcPts val="0"/>
-              </a:spcAft>
-              <a:buSzPts val="3480"/>
-              <a:buChar char="•"/>
-            </a:pPr>
-            <a:endParaRPr dirty="0"/>
           </a:p>
         </p:txBody>
       </p:sp>
       <p:pic>
         <p:nvPicPr>
-          <p:cNvPr id="3" name="Picture 2">
+          <p:cNvPr id="2" name="Picture 1">
             <a:extLst>
               <a:ext uri="{FF2B5EF4-FFF2-40B4-BE49-F238E27FC236}">
-                <a16:creationId xmlns:a16="http://schemas.microsoft.com/office/drawing/2014/main" id="{50981683-5206-2EB1-AC55-A484C60F530A}"/>
+                <a16:creationId xmlns:a16="http://schemas.microsoft.com/office/drawing/2014/main" id="{AAF5FC60-BEA2-C9A8-B2F3-6DF0644FC052}"/>
               </a:ext>
             </a:extLst>
           </p:cNvPr>
@@ -19203,8 +18968,8 @@
         </p:blipFill>
         <p:spPr>
           <a:xfrm>
-            <a:off x="7814876" y="2247929"/>
-            <a:ext cx="3206336" cy="2830698"/>
+            <a:off x="7815570" y="2173344"/>
+            <a:ext cx="4154550" cy="3667824"/>
           </a:xfrm>
           <a:prstGeom prst="rect">
             <a:avLst/>
@@ -19214,7 +18979,7 @@
     </p:spTree>
     <p:extLst>
       <p:ext uri="{BB962C8B-B14F-4D97-AF65-F5344CB8AC3E}">
-        <p14:creationId xmlns:p14="http://schemas.microsoft.com/office/powerpoint/2010/main" val="3095705905"/>
+        <p14:creationId xmlns:p14="http://schemas.microsoft.com/office/powerpoint/2010/main" val="468334131"/>
       </p:ext>
     </p:extLst>
   </p:cSld>
@@ -19304,8 +19069,8 @@
         </p:nvSpPr>
         <p:spPr>
           <a:xfrm>
-            <a:off x="1397225" y="1741714"/>
-            <a:ext cx="10018713" cy="5225143"/>
+            <a:off x="1326563" y="1776549"/>
+            <a:ext cx="6121160" cy="4461414"/>
           </a:xfrm>
           <a:prstGeom prst="rect">
             <a:avLst/>
@@ -19316,25 +19081,15 @@
           </a:ln>
         </p:spPr>
         <p:txBody>
-          <a:bodyPr spcFirstLastPara="1" wrap="square" lIns="91425" tIns="45700" rIns="91425" bIns="45700" anchor="ctr" anchorCtr="0">
+          <a:bodyPr spcFirstLastPara="1" wrap="square" lIns="91425" tIns="45700" rIns="91425" bIns="45700" anchor="t" anchorCtr="0">
             <a:normAutofit/>
           </a:bodyPr>
           <a:lstStyle/>
           <a:p>
-            <a:pPr marL="0" lvl="0" indent="0" algn="l" rtl="0">
-              <a:spcBef>
-                <a:spcPts val="0"/>
-              </a:spcBef>
-              <a:spcAft>
-                <a:spcPts val="0"/>
-              </a:spcAft>
-              <a:buSzPts val="3480"/>
-              <a:buNone/>
-            </a:pPr>
-            <a:endParaRPr lang="en-US" dirty="0"/>
-          </a:p>
-          <a:p>
-            <a:pPr marL="285750" indent="-285750">
+            <a:pPr marL="342900" indent="-342900">
+              <a:lnSpc>
+                <a:spcPct val="150000"/>
+              </a:lnSpc>
               <a:spcBef>
                 <a:spcPts val="0"/>
               </a:spcBef>
@@ -19342,235 +19097,122 @@
             </a:pPr>
             <a:r>
               <a:rPr lang="en-US" b="1" dirty="0">
-                <a:latin typeface="Centaur" panose="02030504050205020304" pitchFamily="18" charset="0"/>
+                <a:latin typeface="+mn-lt"/>
               </a:rPr>
               <a:t>Arizona</a:t>
             </a:r>
             <a:r>
               <a:rPr lang="en-US" dirty="0">
-                <a:latin typeface="Centaur" panose="02030504050205020304" pitchFamily="18" charset="0"/>
+                <a:latin typeface="+mn-lt"/>
               </a:rPr>
               <a:t>: </a:t>
             </a:r>
           </a:p>
           <a:p>
             <a:pPr marL="742950" lvl="1" indent="-285750">
+              <a:lnSpc>
+                <a:spcPct val="150000"/>
+              </a:lnSpc>
               <a:spcBef>
                 <a:spcPts val="0"/>
               </a:spcBef>
               <a:buSzPts val="3480"/>
             </a:pPr>
             <a:r>
-              <a:rPr lang="en-US" dirty="0">
-                <a:latin typeface="Centaur" panose="02030504050205020304" pitchFamily="18" charset="0"/>
+              <a:rPr lang="en-US" sz="1800" dirty="0">
+                <a:latin typeface="+mn-lt"/>
               </a:rPr>
               <a:t>7</a:t>
             </a:r>
             <a:r>
-              <a:rPr lang="en-US" baseline="30000" dirty="0">
-                <a:latin typeface="Centaur" panose="02030504050205020304" pitchFamily="18" charset="0"/>
+              <a:rPr lang="en-US" sz="1800" baseline="30000" dirty="0">
+                <a:latin typeface="+mn-lt"/>
               </a:rPr>
               <a:t>th</a:t>
             </a:r>
             <a:r>
-              <a:rPr lang="en-US" dirty="0">
-                <a:latin typeface="Centaur" panose="02030504050205020304" pitchFamily="18" charset="0"/>
+              <a:rPr lang="en-US" sz="1800" dirty="0">
+                <a:latin typeface="+mn-lt"/>
               </a:rPr>
               <a:t> Lowest Percent Sold Above Listing</a:t>
             </a:r>
           </a:p>
           <a:p>
             <a:pPr marL="742950" lvl="1" indent="-285750">
+              <a:lnSpc>
+                <a:spcPct val="150000"/>
+              </a:lnSpc>
               <a:spcBef>
                 <a:spcPts val="0"/>
               </a:spcBef>
               <a:buSzPts val="3480"/>
             </a:pPr>
             <a:r>
-              <a:rPr lang="en-US" dirty="0">
-                <a:latin typeface="Centaur" panose="02030504050205020304" pitchFamily="18" charset="0"/>
+              <a:rPr lang="en-US" sz="1800" dirty="0">
+                <a:latin typeface="+mn-lt"/>
               </a:rPr>
-              <a:t>12</a:t>
+              <a:t>Forecasted Home Value = Top 15</a:t>
             </a:r>
-            <a:r>
-              <a:rPr lang="en-US" baseline="30000" dirty="0">
-                <a:latin typeface="Centaur" panose="02030504050205020304" pitchFamily="18" charset="0"/>
-              </a:rPr>
-              <a:t>th</a:t>
-            </a:r>
-            <a:r>
-              <a:rPr lang="en-US" dirty="0">
-                <a:latin typeface="Centaur" panose="02030504050205020304" pitchFamily="18" charset="0"/>
-              </a:rPr>
-              <a:t> Highest Percentage Forecast Value Change</a:t>
-            </a:r>
           </a:p>
           <a:p>
             <a:pPr marL="742950" lvl="1" indent="-285750">
+              <a:lnSpc>
+                <a:spcPct val="150000"/>
+              </a:lnSpc>
               <a:spcBef>
                 <a:spcPts val="0"/>
               </a:spcBef>
               <a:buSzPts val="3480"/>
             </a:pPr>
             <a:r>
-              <a:rPr lang="en-US" dirty="0">
-                <a:latin typeface="Centaur" panose="02030504050205020304" pitchFamily="18" charset="0"/>
-              </a:rPr>
-              <a:t> 14</a:t>
-            </a:r>
-            <a:r>
-              <a:rPr lang="en-US" baseline="30000" dirty="0">
-                <a:latin typeface="Centaur" panose="02030504050205020304" pitchFamily="18" charset="0"/>
-              </a:rPr>
-              <a:t>th</a:t>
-            </a:r>
-            <a:r>
-              <a:rPr lang="en-US" dirty="0">
-                <a:latin typeface="Centaur" panose="02030504050205020304" pitchFamily="18" charset="0"/>
-              </a:rPr>
-              <a:t> Highest Numerical Change</a:t>
-            </a:r>
-          </a:p>
-          <a:p>
-            <a:pPr marL="742950" lvl="1" indent="-285750">
-              <a:spcBef>
-                <a:spcPts val="0"/>
-              </a:spcBef>
-              <a:buSzPts val="3480"/>
-            </a:pPr>
-            <a:r>
-              <a:rPr lang="en-US" dirty="0">
-                <a:latin typeface="Centaur" panose="02030504050205020304" pitchFamily="18" charset="0"/>
+              <a:rPr lang="en-US" sz="1800" dirty="0">
+                <a:latin typeface="+mn-lt"/>
               </a:rPr>
               <a:t>Low Closing Time</a:t>
             </a:r>
           </a:p>
           <a:p>
-            <a:pPr marL="742950" lvl="1" indent="-285750">
-              <a:spcBef>
-                <a:spcPts val="0"/>
-              </a:spcBef>
+            <a:pPr marL="0" lvl="0" indent="0" algn="l" rtl="0">
+              <a:spcBef>
+                <a:spcPts val="0"/>
+              </a:spcBef>
+              <a:spcAft>
+                <a:spcPts val="0"/>
+              </a:spcAft>
               <a:buSzPts val="3480"/>
+              <a:buNone/>
+            </a:pPr>
+            <a:endParaRPr lang="en-US" sz="1800" dirty="0">
+              <a:latin typeface="+mn-lt"/>
+            </a:endParaRPr>
+          </a:p>
+          <a:p>
+            <a:pPr marL="0" lvl="0" indent="0" algn="l" rtl="0">
+              <a:spcBef>
+                <a:spcPts val="0"/>
+              </a:spcBef>
+              <a:spcAft>
+                <a:spcPts val="0"/>
+              </a:spcAft>
+              <a:buSzPts val="3480"/>
+              <a:buNone/>
             </a:pPr>
             <a:r>
-              <a:rPr lang="en-US" dirty="0">
-                <a:latin typeface="Centaur" panose="02030504050205020304" pitchFamily="18" charset="0"/>
+              <a:rPr lang="en-US" sz="1800" dirty="0">
+                <a:latin typeface="+mn-lt"/>
               </a:rPr>
-              <a:t>High Rent</a:t>
+              <a:t>Arizona’s economy is attracting new business and government investment. Taiwan Semiconductor Manufacturing Co is investing $40 billion for a new chip facility in Phoenix. The Infrastructure Investment and Jobs Act accumulated $500 million dollars for other construction projects in Arizona. Investment in the state will create new jobs and higher demand for homes.</a:t>
             </a:r>
-          </a:p>
-          <a:p>
-            <a:pPr marL="0" lvl="0" indent="0" algn="l" rtl="0">
-              <a:spcBef>
-                <a:spcPts val="0"/>
-              </a:spcBef>
-              <a:spcAft>
-                <a:spcPts val="0"/>
-              </a:spcAft>
-              <a:buSzPts val="3480"/>
-              <a:buNone/>
-            </a:pPr>
-            <a:endParaRPr lang="en-US" dirty="0"/>
-          </a:p>
-          <a:p>
-            <a:pPr marL="285750" lvl="0" indent="-285750" algn="l" rtl="0">
-              <a:spcBef>
-                <a:spcPts val="0"/>
-              </a:spcBef>
-              <a:spcAft>
-                <a:spcPts val="0"/>
-              </a:spcAft>
-              <a:buSzPts val="3480"/>
-              <a:buChar char="•"/>
-            </a:pPr>
-            <a:endParaRPr lang="en-US" dirty="0"/>
-          </a:p>
-          <a:p>
-            <a:pPr marL="0" lvl="0" indent="0" algn="l" rtl="0">
-              <a:spcBef>
-                <a:spcPts val="0"/>
-              </a:spcBef>
-              <a:spcAft>
-                <a:spcPts val="0"/>
-              </a:spcAft>
-              <a:buSzPts val="3480"/>
-              <a:buNone/>
-            </a:pPr>
-            <a:endParaRPr lang="en-US" dirty="0"/>
-          </a:p>
-          <a:p>
-            <a:pPr marL="285750" lvl="0" indent="-285750" algn="l" rtl="0">
-              <a:spcBef>
-                <a:spcPts val="0"/>
-              </a:spcBef>
-              <a:spcAft>
-                <a:spcPts val="0"/>
-              </a:spcAft>
-              <a:buSzPts val="3480"/>
-              <a:buChar char="•"/>
-            </a:pPr>
-            <a:endParaRPr lang="en-US" dirty="0"/>
-          </a:p>
-          <a:p>
-            <a:pPr marL="285750" lvl="0" indent="-285750" algn="l" rtl="0">
-              <a:spcBef>
-                <a:spcPts val="0"/>
-              </a:spcBef>
-              <a:spcAft>
-                <a:spcPts val="0"/>
-              </a:spcAft>
-              <a:buSzPts val="3480"/>
-              <a:buChar char="•"/>
-            </a:pPr>
-            <a:endParaRPr lang="en-US" dirty="0"/>
-          </a:p>
-          <a:p>
-            <a:pPr marL="285750" lvl="0" indent="-285750" algn="l" rtl="0">
-              <a:spcBef>
-                <a:spcPts val="0"/>
-              </a:spcBef>
-              <a:spcAft>
-                <a:spcPts val="0"/>
-              </a:spcAft>
-              <a:buSzPts val="3480"/>
-              <a:buChar char="•"/>
-            </a:pPr>
-            <a:endParaRPr lang="en-US" dirty="0"/>
-          </a:p>
-          <a:p>
-            <a:pPr marL="285750" lvl="0" indent="-285750" algn="l" rtl="0">
-              <a:spcBef>
-                <a:spcPts val="0"/>
-              </a:spcBef>
-              <a:spcAft>
-                <a:spcPts val="0"/>
-              </a:spcAft>
-              <a:buSzPts val="3480"/>
-              <a:buChar char="•"/>
-            </a:pPr>
-            <a:endParaRPr lang="en-US" dirty="0"/>
-          </a:p>
-          <a:p>
-            <a:pPr marL="285750" lvl="0" indent="-285750" algn="l" rtl="0">
-              <a:spcBef>
-                <a:spcPts val="0"/>
-              </a:spcBef>
-              <a:spcAft>
-                <a:spcPts val="0"/>
-              </a:spcAft>
-              <a:buSzPts val="3480"/>
-              <a:buChar char="•"/>
-            </a:pPr>
             <a:endParaRPr dirty="0"/>
           </a:p>
         </p:txBody>
       </p:sp>
       <p:pic>
         <p:nvPicPr>
-          <p:cNvPr id="2" name="Picture 1">
+          <p:cNvPr id="3" name="Picture 2">
             <a:extLst>
               <a:ext uri="{FF2B5EF4-FFF2-40B4-BE49-F238E27FC236}">
-                <a16:creationId xmlns:a16="http://schemas.microsoft.com/office/drawing/2014/main" id="{030E7B44-7E52-1805-4EC7-B67DCAB1D109}"/>
+                <a16:creationId xmlns:a16="http://schemas.microsoft.com/office/drawing/2014/main" id="{36FB73B2-76F8-D8C7-3B3E-63C706397313}"/>
               </a:ext>
             </a:extLst>
           </p:cNvPr>
@@ -19599,8 +19241,8 @@
         </p:blipFill>
         <p:spPr>
           <a:xfrm>
-            <a:off x="8088109" y="1371010"/>
-            <a:ext cx="3327829" cy="4442823"/>
+            <a:off x="6988297" y="620037"/>
+            <a:ext cx="4498303" cy="6005466"/>
           </a:xfrm>
           <a:prstGeom prst="rect">
             <a:avLst/>
@@ -19610,7 +19252,7 @@
     </p:spTree>
     <p:extLst>
       <p:ext uri="{BB962C8B-B14F-4D97-AF65-F5344CB8AC3E}">
-        <p14:creationId xmlns:p14="http://schemas.microsoft.com/office/powerpoint/2010/main" val="1478525567"/>
+        <p14:creationId xmlns:p14="http://schemas.microsoft.com/office/powerpoint/2010/main" val="2429130916"/>
       </p:ext>
     </p:extLst>
   </p:cSld>
@@ -19625,7 +19267,7 @@
   <p:cSld>
     <p:spTree>
       <p:nvGrpSpPr>
-        <p:cNvPr id="1" name="Shape 200"/>
+        <p:cNvPr id="1" name="Shape 194"/>
         <p:cNvGrpSpPr/>
         <p:nvPr/>
       </p:nvGrpSpPr>
@@ -19639,7 +19281,7 @@
       </p:grpSpPr>
       <p:sp>
         <p:nvSpPr>
-          <p:cNvPr id="201" name="Google Shape;201;p9"/>
+          <p:cNvPr id="195" name="Google Shape;195;p8"/>
           <p:cNvSpPr txBox="1">
             <a:spLocks noGrp="1"/>
           </p:cNvSpPr>
@@ -19649,7 +19291,7 @@
         </p:nvSpPr>
         <p:spPr>
           <a:xfrm>
-            <a:off x="1086643" y="95250"/>
+            <a:off x="1397225" y="171994"/>
             <a:ext cx="10018713" cy="1752599"/>
           </a:xfrm>
           <a:prstGeom prst="rect">
@@ -19682,7 +19324,7 @@
             </a:pPr>
             <a:r>
               <a:rPr lang="en-US" dirty="0"/>
-              <a:t>Where do you want to be a seller</a:t>
+              <a:t>Where do you want to be a seller?</a:t>
             </a:r>
             <a:endParaRPr dirty="0"/>
           </a:p>
@@ -19690,7 +19332,7 @@
       </p:sp>
       <p:sp>
         <p:nvSpPr>
-          <p:cNvPr id="202" name="Google Shape;202;p9"/>
+          <p:cNvPr id="196" name="Google Shape;196;p8"/>
           <p:cNvSpPr txBox="1">
             <a:spLocks noGrp="1"/>
           </p:cNvSpPr>
@@ -19700,8 +19342,8 @@
         </p:nvSpPr>
         <p:spPr>
           <a:xfrm>
-            <a:off x="1512885" y="1847849"/>
-            <a:ext cx="10018713" cy="3124201"/>
+            <a:off x="1326563" y="1776549"/>
+            <a:ext cx="6121160" cy="4461414"/>
           </a:xfrm>
           <a:prstGeom prst="rect">
             <a:avLst/>
@@ -19712,122 +19354,151 @@
           </a:ln>
         </p:spPr>
         <p:txBody>
-          <a:bodyPr spcFirstLastPara="1" wrap="square" lIns="91425" tIns="45700" rIns="91425" bIns="45700" anchor="ctr" anchorCtr="0">
+          <a:bodyPr spcFirstLastPara="1" wrap="square" lIns="91425" tIns="45700" rIns="91425" bIns="45700" anchor="t" anchorCtr="0">
             <a:normAutofit/>
           </a:bodyPr>
           <a:lstStyle/>
           <a:p>
-            <a:pPr marL="563880" indent="-342900">
-              <a:spcBef>
-                <a:spcPts val="1080"/>
+            <a:pPr marL="342900" indent="-342900">
+              <a:lnSpc>
+                <a:spcPct val="150000"/>
+              </a:lnSpc>
+              <a:spcBef>
+                <a:spcPts val="0"/>
               </a:spcBef>
               <a:buSzPts val="3480"/>
             </a:pPr>
             <a:r>
               <a:rPr lang="en-US" b="1" dirty="0">
-                <a:latin typeface="Centaur" panose="02030504050205020304" pitchFamily="18" charset="0"/>
+                <a:latin typeface="+mn-lt"/>
               </a:rPr>
               <a:t>Wisconsin</a:t>
             </a:r>
             <a:r>
               <a:rPr lang="en-US" dirty="0">
-                <a:latin typeface="Centaur" panose="02030504050205020304" pitchFamily="18" charset="0"/>
+                <a:latin typeface="+mn-lt"/>
               </a:rPr>
               <a:t>: </a:t>
             </a:r>
           </a:p>
           <a:p>
-            <a:pPr marL="1021080" lvl="1" indent="-342900">
-              <a:spcBef>
-                <a:spcPts val="1080"/>
+            <a:pPr marL="742950" lvl="1" indent="-285750">
+              <a:lnSpc>
+                <a:spcPct val="150000"/>
+              </a:lnSpc>
+              <a:spcBef>
+                <a:spcPts val="0"/>
               </a:spcBef>
               <a:buSzPts val="3480"/>
             </a:pPr>
             <a:r>
-              <a:rPr lang="en-US" dirty="0">
-                <a:latin typeface="Centaur" panose="02030504050205020304" pitchFamily="18" charset="0"/>
+              <a:rPr lang="en-US" sz="1800" dirty="0">
+                <a:latin typeface="+mn-lt"/>
               </a:rPr>
               <a:t>2</a:t>
             </a:r>
             <a:r>
-              <a:rPr lang="en-US" baseline="30000" dirty="0">
-                <a:latin typeface="Centaur" panose="02030504050205020304" pitchFamily="18" charset="0"/>
+              <a:rPr lang="en-US" sz="1800" baseline="30000" dirty="0">
+                <a:latin typeface="+mn-lt"/>
               </a:rPr>
               <a:t>nd</a:t>
             </a:r>
             <a:r>
-              <a:rPr lang="en-US" dirty="0">
-                <a:latin typeface="Centaur" panose="02030504050205020304" pitchFamily="18" charset="0"/>
+              <a:rPr lang="en-US" sz="1800" dirty="0">
+                <a:latin typeface="+mn-lt"/>
               </a:rPr>
-              <a:t> Highest State in Sold Above Listing</a:t>
+              <a:t> Highest in Percent Sold Above Listing</a:t>
             </a:r>
           </a:p>
           <a:p>
-            <a:pPr marL="1021080" lvl="1" indent="-342900">
-              <a:spcBef>
-                <a:spcPts val="1080"/>
+            <a:pPr marL="742950" lvl="1" indent="-285750">
+              <a:lnSpc>
+                <a:spcPct val="150000"/>
+              </a:lnSpc>
+              <a:spcBef>
+                <a:spcPts val="0"/>
               </a:spcBef>
               <a:buSzPts val="3480"/>
             </a:pPr>
             <a:r>
-              <a:rPr lang="en-US" dirty="0">
-                <a:latin typeface="Centaur" panose="02030504050205020304" pitchFamily="18" charset="0"/>
+              <a:rPr lang="en-US" sz="1800" dirty="0">
+                <a:latin typeface="+mn-lt"/>
               </a:rPr>
               <a:t>Lowest Average Days to Close</a:t>
             </a:r>
           </a:p>
           <a:p>
-            <a:pPr marL="1021080" lvl="1" indent="-342900">
-              <a:spcBef>
-                <a:spcPts val="1080"/>
+            <a:pPr marL="742950" lvl="1" indent="-285750">
+              <a:lnSpc>
+                <a:spcPct val="150000"/>
+              </a:lnSpc>
+              <a:spcBef>
+                <a:spcPts val="0"/>
               </a:spcBef>
               <a:buSzPts val="3480"/>
             </a:pPr>
             <a:r>
-              <a:rPr lang="en-US" dirty="0">
-                <a:latin typeface="Centaur" panose="02030504050205020304" pitchFamily="18" charset="0"/>
+              <a:rPr lang="en-US" sz="1800" dirty="0">
+                <a:latin typeface="+mn-lt"/>
               </a:rPr>
-              <a:t>Bottom 10 in Monthly Rent</a:t>
+              <a:t>Above Average Home Value (16</a:t>
             </a:r>
-          </a:p>
-          <a:p>
-            <a:pPr marL="1021080" lvl="1" indent="-342900">
-              <a:spcBef>
-                <a:spcPts val="1080"/>
-              </a:spcBef>
+            <a:r>
+              <a:rPr lang="en-US" sz="1800" baseline="30000" dirty="0">
+                <a:latin typeface="+mn-lt"/>
+              </a:rPr>
+              <a:t>th</a:t>
+            </a:r>
+            <a:r>
+              <a:rPr lang="en-US" sz="1800" dirty="0">
+                <a:latin typeface="+mn-lt"/>
+              </a:rPr>
+              <a:t>)</a:t>
+            </a:r>
+          </a:p>
+          <a:p>
+            <a:pPr marL="0" lvl="0" indent="0" algn="l" rtl="0">
+              <a:spcBef>
+                <a:spcPts val="0"/>
+              </a:spcBef>
+              <a:spcAft>
+                <a:spcPts val="0"/>
+              </a:spcAft>
               <a:buSzPts val="3480"/>
+              <a:buNone/>
+            </a:pPr>
+            <a:endParaRPr lang="en-US" sz="1800" dirty="0">
+              <a:latin typeface="+mn-lt"/>
+            </a:endParaRPr>
+          </a:p>
+          <a:p>
+            <a:pPr marL="0" lvl="0" indent="0" algn="l" rtl="0">
+              <a:spcBef>
+                <a:spcPts val="0"/>
+              </a:spcBef>
+              <a:spcAft>
+                <a:spcPts val="0"/>
+              </a:spcAft>
+              <a:buSzPts val="3480"/>
+              <a:buNone/>
             </a:pPr>
             <a:r>
-              <a:rPr lang="en-US" dirty="0">
-                <a:latin typeface="Centaur" panose="02030504050205020304" pitchFamily="18" charset="0"/>
+              <a:rPr lang="en-US" sz="1800" dirty="0">
+                <a:latin typeface="+mn-lt"/>
               </a:rPr>
-              <a:t>Above Average Home Value (16th) </a:t>
+              <a:t>High percentage sold above listing with a low average number of days to close make Wisconsin a great market for sellers. Wisconsin suburbs are an attractive location for people looking to move to the suburbs. This gives opportunity for home seller to capitalize on demand.</a:t>
             </a:r>
           </a:p>
           <a:p>
-            <a:pPr marL="563880" indent="-342900">
-              <a:spcBef>
-                <a:spcPts val="1080"/>
-              </a:spcBef>
+            <a:pPr marL="0" lvl="0" indent="0" algn="l" rtl="0">
+              <a:spcBef>
+                <a:spcPts val="0"/>
+              </a:spcBef>
+              <a:spcAft>
+                <a:spcPts val="0"/>
+              </a:spcAft>
               <a:buSzPts val="3480"/>
-            </a:pPr>
-            <a:endParaRPr lang="en-US" dirty="0"/>
-          </a:p>
-          <a:p>
-            <a:pPr marL="563880" indent="-342900">
-              <a:spcBef>
-                <a:spcPts val="1080"/>
-              </a:spcBef>
-              <a:buSzPts val="3480"/>
-            </a:pPr>
-            <a:endParaRPr lang="en-US" dirty="0"/>
-          </a:p>
-          <a:p>
-            <a:pPr marL="563880" indent="-342900">
-              <a:spcBef>
-                <a:spcPts val="1080"/>
-              </a:spcBef>
-              <a:buSzPts val="3480"/>
+              <a:buNone/>
             </a:pPr>
             <a:endParaRPr dirty="0"/>
           </a:p>
@@ -19838,7 +19509,7 @@
           <p:cNvPr id="2" name="Picture 1">
             <a:extLst>
               <a:ext uri="{FF2B5EF4-FFF2-40B4-BE49-F238E27FC236}">
-                <a16:creationId xmlns:a16="http://schemas.microsoft.com/office/drawing/2014/main" id="{1C0922EA-8409-DA00-E24C-4919D0381818}"/>
+                <a16:creationId xmlns:a16="http://schemas.microsoft.com/office/drawing/2014/main" id="{7E67D484-FEC3-064E-803C-AD15AAAE6EE1}"/>
               </a:ext>
             </a:extLst>
           </p:cNvPr>
@@ -19867,8 +19538,8 @@
         </p:blipFill>
         <p:spPr>
           <a:xfrm>
-            <a:off x="10329862" y="0"/>
-            <a:ext cx="2143125" cy="2143125"/>
+            <a:off x="7148945" y="1454763"/>
+            <a:ext cx="4465780" cy="4465780"/>
           </a:xfrm>
           <a:prstGeom prst="rect">
             <a:avLst/>
@@ -19878,7 +19549,7 @@
     </p:spTree>
     <p:extLst>
       <p:ext uri="{BB962C8B-B14F-4D97-AF65-F5344CB8AC3E}">
-        <p14:creationId xmlns:p14="http://schemas.microsoft.com/office/powerpoint/2010/main" val="2177367328"/>
+        <p14:creationId xmlns:p14="http://schemas.microsoft.com/office/powerpoint/2010/main" val="2952436357"/>
       </p:ext>
     </p:extLst>
   </p:cSld>
@@ -19893,7 +19564,7 @@
   <p:cSld>
     <p:spTree>
       <p:nvGrpSpPr>
-        <p:cNvPr id="1" name="Shape 200"/>
+        <p:cNvPr id="1" name="Shape 194"/>
         <p:cNvGrpSpPr/>
         <p:nvPr/>
       </p:nvGrpSpPr>
@@ -19907,7 +19578,7 @@
       </p:grpSpPr>
       <p:sp>
         <p:nvSpPr>
-          <p:cNvPr id="201" name="Google Shape;201;p9"/>
+          <p:cNvPr id="195" name="Google Shape;195;p8"/>
           <p:cNvSpPr txBox="1">
             <a:spLocks noGrp="1"/>
           </p:cNvSpPr>
@@ -19917,7 +19588,7 @@
         </p:nvSpPr>
         <p:spPr>
           <a:xfrm>
-            <a:off x="1086643" y="95250"/>
+            <a:off x="1397225" y="171994"/>
             <a:ext cx="10018713" cy="1752599"/>
           </a:xfrm>
           <a:prstGeom prst="rect">
@@ -19950,7 +19621,7 @@
             </a:pPr>
             <a:r>
               <a:rPr lang="en-US" dirty="0"/>
-              <a:t>Where do you want to be a seller</a:t>
+              <a:t>Where do you want to be a seller?</a:t>
             </a:r>
             <a:endParaRPr dirty="0"/>
           </a:p>
@@ -19958,7 +19629,7 @@
       </p:sp>
       <p:sp>
         <p:nvSpPr>
-          <p:cNvPr id="202" name="Google Shape;202;p9"/>
+          <p:cNvPr id="196" name="Google Shape;196;p8"/>
           <p:cNvSpPr txBox="1">
             <a:spLocks noGrp="1"/>
           </p:cNvSpPr>
@@ -19968,8 +19639,8 @@
         </p:nvSpPr>
         <p:spPr>
           <a:xfrm>
-            <a:off x="1512885" y="2066924"/>
-            <a:ext cx="10018713" cy="3124201"/>
+            <a:off x="1326563" y="1776549"/>
+            <a:ext cx="6121160" cy="4461414"/>
           </a:xfrm>
           <a:prstGeom prst="rect">
             <a:avLst/>
@@ -19980,482 +19651,195 @@
           </a:ln>
         </p:spPr>
         <p:txBody>
-          <a:bodyPr spcFirstLastPara="1" wrap="square" lIns="91425" tIns="45700" rIns="91425" bIns="45700" anchor="ctr" anchorCtr="0">
-            <a:normAutofit/>
+          <a:bodyPr spcFirstLastPara="1" wrap="square" lIns="91425" tIns="45700" rIns="91425" bIns="45700" anchor="t" anchorCtr="0">
+            <a:normAutofit lnSpcReduction="10000"/>
           </a:bodyPr>
           <a:lstStyle/>
           <a:p>
-            <a:pPr marL="563880" indent="-342900">
-              <a:spcBef>
-                <a:spcPts val="1080"/>
+            <a:pPr marL="342900" indent="-342900">
+              <a:lnSpc>
+                <a:spcPct val="150000"/>
+              </a:lnSpc>
+              <a:spcBef>
+                <a:spcPts val="0"/>
               </a:spcBef>
               <a:buSzPts val="3480"/>
             </a:pPr>
             <a:r>
               <a:rPr lang="en-US" b="1" dirty="0">
-                <a:latin typeface="Centaur" panose="02030504050205020304" pitchFamily="18" charset="0"/>
+                <a:latin typeface="+mn-lt"/>
               </a:rPr>
               <a:t>California</a:t>
             </a:r>
             <a:r>
               <a:rPr lang="en-US" dirty="0">
-                <a:latin typeface="Centaur" panose="02030504050205020304" pitchFamily="18" charset="0"/>
+                <a:latin typeface="+mn-lt"/>
               </a:rPr>
               <a:t>: </a:t>
             </a:r>
           </a:p>
           <a:p>
-            <a:pPr marL="1021080" lvl="1" indent="-342900">
-              <a:spcBef>
-                <a:spcPts val="1080"/>
+            <a:pPr marL="742950" lvl="1" indent="-285750">
+              <a:lnSpc>
+                <a:spcPct val="150000"/>
+              </a:lnSpc>
+              <a:spcBef>
+                <a:spcPts val="0"/>
+              </a:spcBef>
+              <a:buSzPts val="3480"/>
+            </a:pPr>
+            <a:r>
+              <a:rPr lang="en-US" sz="1800" dirty="0">
+                <a:latin typeface="+mn-lt"/>
+              </a:rPr>
+              <a:t>7</a:t>
+            </a:r>
+            <a:r>
+              <a:rPr lang="en-US" sz="1800" baseline="30000" dirty="0">
+                <a:latin typeface="+mn-lt"/>
+              </a:rPr>
+              <a:t>th</a:t>
+            </a:r>
+            <a:r>
+              <a:rPr lang="en-US" sz="1800" dirty="0">
+                <a:latin typeface="+mn-lt"/>
+              </a:rPr>
+              <a:t> Lowest in Forecasted Value Increase</a:t>
+            </a:r>
+          </a:p>
+          <a:p>
+            <a:pPr marL="1200150" lvl="2" indent="-285750">
+              <a:lnSpc>
+                <a:spcPct val="150000"/>
+              </a:lnSpc>
+              <a:spcBef>
+                <a:spcPts val="0"/>
               </a:spcBef>
               <a:buSzPts val="3480"/>
             </a:pPr>
             <a:r>
               <a:rPr lang="en-US" dirty="0">
-                <a:latin typeface="Centaur" panose="02030504050205020304" pitchFamily="18" charset="0"/>
+                <a:latin typeface="+mn-lt"/>
+              </a:rPr>
+              <a:t>Lowest of All Positive States</a:t>
+            </a:r>
+          </a:p>
+          <a:p>
+            <a:pPr marL="1200150" lvl="2" indent="-285750">
+              <a:lnSpc>
+                <a:spcPct val="150000"/>
+              </a:lnSpc>
+              <a:spcBef>
+                <a:spcPts val="0"/>
+              </a:spcBef>
+              <a:buSzPts val="3480"/>
+            </a:pPr>
+            <a:r>
+              <a:rPr lang="en-US" dirty="0">
+                <a:latin typeface="+mn-lt"/>
+              </a:rPr>
+              <a:t>Only Top 10 State in Median Sale Price that is also bottom 20% in Home Value Increase</a:t>
+            </a:r>
+          </a:p>
+          <a:p>
+            <a:pPr marL="742950" lvl="1" indent="-285750">
+              <a:lnSpc>
+                <a:spcPct val="150000"/>
+              </a:lnSpc>
+              <a:spcBef>
+                <a:spcPts val="0"/>
+              </a:spcBef>
+              <a:buSzPts val="3480"/>
+            </a:pPr>
+            <a:r>
+              <a:rPr lang="en-US" sz="1800" dirty="0">
+                <a:latin typeface="+mn-lt"/>
               </a:rPr>
               <a:t>7</a:t>
             </a:r>
             <a:r>
-              <a:rPr lang="en-US" baseline="30000" dirty="0">
-                <a:latin typeface="Centaur" panose="02030504050205020304" pitchFamily="18" charset="0"/>
+              <a:rPr lang="en-US" sz="1800" baseline="30000" dirty="0">
+                <a:latin typeface="+mn-lt"/>
               </a:rPr>
               <a:t>th</a:t>
             </a:r>
             <a:r>
-              <a:rPr lang="en-US" dirty="0">
-                <a:latin typeface="Centaur" panose="02030504050205020304" pitchFamily="18" charset="0"/>
+              <a:rPr lang="en-US" sz="1800" dirty="0">
+                <a:latin typeface="+mn-lt"/>
               </a:rPr>
-              <a:t> Lowest Numerical Increase </a:t>
+              <a:t> Highest Percent of Sold Above Listing</a:t>
             </a:r>
           </a:p>
           <a:p>
-            <a:pPr marL="1478280" lvl="2" indent="-342900">
-              <a:spcBef>
-                <a:spcPts val="1080"/>
+            <a:pPr marL="742950" lvl="1" indent="-285750">
+              <a:lnSpc>
+                <a:spcPct val="150000"/>
+              </a:lnSpc>
+              <a:spcBef>
+                <a:spcPts val="0"/>
               </a:spcBef>
               <a:buSzPts val="3480"/>
             </a:pPr>
             <a:r>
-              <a:rPr lang="en-US" dirty="0">
-                <a:latin typeface="Centaur" panose="02030504050205020304" pitchFamily="18" charset="0"/>
+              <a:rPr lang="en-US" sz="1800" dirty="0">
+                <a:latin typeface="+mn-lt"/>
               </a:rPr>
-              <a:t>Lowest of All Positive States</a:t>
+              <a:t>2</a:t>
             </a:r>
-          </a:p>
-          <a:p>
-            <a:pPr marL="1478280" lvl="2" indent="-342900">
-              <a:spcBef>
-                <a:spcPts val="1080"/>
-              </a:spcBef>
+            <a:r>
+              <a:rPr lang="en-US" sz="1800" baseline="30000" dirty="0">
+                <a:latin typeface="+mn-lt"/>
+              </a:rPr>
+              <a:t>nd</a:t>
+            </a:r>
+            <a:r>
+              <a:rPr lang="en-US" sz="1800" dirty="0">
+                <a:latin typeface="+mn-lt"/>
+              </a:rPr>
+              <a:t> Lowest Average Days to Close</a:t>
+            </a:r>
+          </a:p>
+          <a:p>
+            <a:pPr marL="0" lvl="0" indent="0" algn="l" rtl="0">
+              <a:spcBef>
+                <a:spcPts val="0"/>
+              </a:spcBef>
+              <a:spcAft>
+                <a:spcPts val="0"/>
+              </a:spcAft>
               <a:buSzPts val="3480"/>
+              <a:buNone/>
+            </a:pPr>
+            <a:endParaRPr lang="en-US" sz="1800" dirty="0">
+              <a:latin typeface="+mn-lt"/>
+            </a:endParaRPr>
+          </a:p>
+          <a:p>
+            <a:pPr marL="0" lvl="0" indent="0" algn="l" rtl="0">
+              <a:spcBef>
+                <a:spcPts val="0"/>
+              </a:spcBef>
+              <a:spcAft>
+                <a:spcPts val="0"/>
+              </a:spcAft>
+              <a:buSzPts val="3480"/>
+              <a:buNone/>
             </a:pPr>
             <a:r>
-              <a:rPr lang="en-US" dirty="0">
-                <a:latin typeface="Centaur" panose="02030504050205020304" pitchFamily="18" charset="0"/>
+              <a:rPr lang="en-US" sz="1800" dirty="0">
+                <a:latin typeface="+mn-lt"/>
               </a:rPr>
-              <a:t>Only Top 10 State in Home Value that’s also in Bottom 20% of Percent &amp; Numeric Increase</a:t>
+              <a:t>Real estate prices are some of the highest in the country limiting forecasted value increase. Homeowners can capitalize on the high demand and high home value by selling their homes. </a:t>
             </a:r>
-          </a:p>
-          <a:p>
-            <a:pPr marL="1021080" lvl="1" indent="-342900">
-              <a:spcBef>
-                <a:spcPts val="1080"/>
-              </a:spcBef>
-              <a:buSzPts val="3480"/>
-            </a:pPr>
-            <a:r>
-              <a:rPr lang="en-US" dirty="0">
-                <a:latin typeface="Centaur" panose="02030504050205020304" pitchFamily="18" charset="0"/>
-              </a:rPr>
-              <a:t> 7</a:t>
-            </a:r>
-            <a:r>
-              <a:rPr lang="en-US" baseline="30000" dirty="0">
-                <a:latin typeface="Centaur" panose="02030504050205020304" pitchFamily="18" charset="0"/>
-              </a:rPr>
-              <a:t>th</a:t>
-            </a:r>
-            <a:r>
-              <a:rPr lang="en-US" dirty="0">
-                <a:latin typeface="Centaur" panose="02030504050205020304" pitchFamily="18" charset="0"/>
-              </a:rPr>
-              <a:t> Highest Sold Above Listing</a:t>
-            </a:r>
-          </a:p>
-          <a:p>
-            <a:pPr marL="1021080" lvl="1" indent="-342900">
-              <a:spcBef>
-                <a:spcPts val="1080"/>
-              </a:spcBef>
-              <a:buSzPts val="3480"/>
-            </a:pPr>
-            <a:r>
-              <a:rPr lang="en-US" dirty="0">
-                <a:latin typeface="Centaur" panose="02030504050205020304" pitchFamily="18" charset="0"/>
-              </a:rPr>
-              <a:t>2nd Lowest Average Days to Close</a:t>
-            </a:r>
-          </a:p>
-          <a:p>
-            <a:pPr marL="563880" indent="-342900">
-              <a:spcBef>
-                <a:spcPts val="1080"/>
-              </a:spcBef>
-              <a:buSzPts val="3480"/>
-            </a:pPr>
-            <a:endParaRPr lang="en-US" dirty="0"/>
-          </a:p>
-          <a:p>
-            <a:pPr marL="563880" indent="-342900">
-              <a:spcBef>
-                <a:spcPts val="1080"/>
-              </a:spcBef>
-              <a:buSzPts val="3480"/>
-            </a:pPr>
-            <a:endParaRPr lang="en-US" dirty="0"/>
-          </a:p>
-          <a:p>
-            <a:pPr marL="563880" indent="-342900">
-              <a:spcBef>
-                <a:spcPts val="1080"/>
-              </a:spcBef>
-              <a:buSzPts val="3480"/>
-            </a:pPr>
-            <a:endParaRPr dirty="0"/>
           </a:p>
         </p:txBody>
       </p:sp>
-      <p:pic>
-        <p:nvPicPr>
-          <p:cNvPr id="2" name="Picture 1">
-            <a:extLst>
-              <a:ext uri="{FF2B5EF4-FFF2-40B4-BE49-F238E27FC236}">
-                <a16:creationId xmlns:a16="http://schemas.microsoft.com/office/drawing/2014/main" id="{1C0922EA-8409-DA00-E24C-4919D0381818}"/>
-              </a:ext>
-            </a:extLst>
-          </p:cNvPr>
-          <p:cNvPicPr>
-            <a:picLocks noChangeAspect="1"/>
-          </p:cNvPicPr>
-          <p:nvPr/>
-        </p:nvPicPr>
-        <p:blipFill>
-          <a:blip r:embed="rId3">
-            <a:extLst>
-              <a:ext uri="{BEBA8EAE-BF5A-486C-A8C5-ECC9F3942E4B}">
-                <a14:imgProps xmlns:a14="http://schemas.microsoft.com/office/drawing/2010/main">
-                  <a14:imgLayer r:embed="rId4">
-                    <a14:imgEffect>
-                      <a14:backgroundRemoval t="10000" b="90000" l="10000" r="90000"/>
-                    </a14:imgEffect>
-                  </a14:imgLayer>
-                </a14:imgProps>
-              </a:ext>
-            </a:extLst>
-          </a:blip>
-          <a:stretch>
-            <a:fillRect/>
-          </a:stretch>
-        </p:blipFill>
-        <p:spPr>
-          <a:xfrm>
-            <a:off x="10329862" y="0"/>
-            <a:ext cx="2143125" cy="2143125"/>
-          </a:xfrm>
-          <a:prstGeom prst="rect">
-            <a:avLst/>
-          </a:prstGeom>
-        </p:spPr>
-      </p:pic>
       <p:pic>
         <p:nvPicPr>
           <p:cNvPr id="3" name="Picture 2">
             <a:extLst>
               <a:ext uri="{FF2B5EF4-FFF2-40B4-BE49-F238E27FC236}">
-                <a16:creationId xmlns:a16="http://schemas.microsoft.com/office/drawing/2014/main" id="{CBE77903-8C1D-3BC9-9E33-16263FAE3FF5}"/>
-              </a:ext>
-            </a:extLst>
-          </p:cNvPr>
-          <p:cNvPicPr>
-            <a:picLocks noChangeAspect="1"/>
-          </p:cNvPicPr>
-          <p:nvPr/>
-        </p:nvPicPr>
-        <p:blipFill>
-          <a:blip r:embed="rId5"/>
-          <a:stretch>
-            <a:fillRect/>
-          </a:stretch>
-        </p:blipFill>
-        <p:spPr>
-          <a:xfrm>
-            <a:off x="10277475" y="57149"/>
-            <a:ext cx="1914525" cy="2381250"/>
-          </a:xfrm>
-          <a:prstGeom prst="rect">
-            <a:avLst/>
-          </a:prstGeom>
-        </p:spPr>
-      </p:pic>
-    </p:spTree>
-    <p:extLst>
-      <p:ext uri="{BB962C8B-B14F-4D97-AF65-F5344CB8AC3E}">
-        <p14:creationId xmlns:p14="http://schemas.microsoft.com/office/powerpoint/2010/main" val="3450834900"/>
-      </p:ext>
-    </p:extLst>
-  </p:cSld>
-  <p:clrMapOvr>
-    <a:masterClrMapping/>
-  </p:clrMapOvr>
-</p:sld>
-</file>
-
-<file path=ppt/slides/slide19.xml><?xml version="1.0" encoding="utf-8"?>
-<p:sld xmlns:a="http://schemas.openxmlformats.org/drawingml/2006/main" xmlns:r="http://schemas.openxmlformats.org/officeDocument/2006/relationships" xmlns:p="http://schemas.openxmlformats.org/presentationml/2006/main">
-  <p:cSld>
-    <p:spTree>
-      <p:nvGrpSpPr>
-        <p:cNvPr id="1" name="Shape 200"/>
-        <p:cNvGrpSpPr/>
-        <p:nvPr/>
-      </p:nvGrpSpPr>
-      <p:grpSpPr>
-        <a:xfrm>
-          <a:off x="0" y="0"/>
-          <a:ext cx="0" cy="0"/>
-          <a:chOff x="0" y="0"/>
-          <a:chExt cx="0" cy="0"/>
-        </a:xfrm>
-      </p:grpSpPr>
-      <p:sp>
-        <p:nvSpPr>
-          <p:cNvPr id="201" name="Google Shape;201;p9"/>
-          <p:cNvSpPr txBox="1">
-            <a:spLocks noGrp="1"/>
-          </p:cNvSpPr>
-          <p:nvPr>
-            <p:ph type="title"/>
-          </p:nvPr>
-        </p:nvSpPr>
-        <p:spPr>
-          <a:xfrm>
-            <a:off x="1086643" y="95250"/>
-            <a:ext cx="10018713" cy="1752599"/>
-          </a:xfrm>
-          <a:prstGeom prst="rect">
-            <a:avLst/>
-          </a:prstGeom>
-          <a:noFill/>
-          <a:ln>
-            <a:noFill/>
-          </a:ln>
-        </p:spPr>
-        <p:txBody>
-          <a:bodyPr spcFirstLastPara="1" wrap="square" lIns="91425" tIns="45700" rIns="91425" bIns="45700" anchor="ctr" anchorCtr="0">
-            <a:normAutofit/>
-          </a:bodyPr>
-          <a:lstStyle/>
-          <a:p>
-            <a:pPr marL="0" lvl="0" indent="0" algn="ctr" rtl="0">
-              <a:spcBef>
-                <a:spcPts val="0"/>
-              </a:spcBef>
-              <a:spcAft>
-                <a:spcPts val="0"/>
-              </a:spcAft>
-              <a:buClr>
-                <a:schemeClr val="dk1"/>
-              </a:buClr>
-              <a:buSzPts val="4000"/>
-              <a:buFont typeface="Corbel"/>
-              <a:buNone/>
-            </a:pPr>
-            <a:r>
-              <a:rPr lang="en-US" dirty="0"/>
-              <a:t>Where do you want to be a seller</a:t>
-            </a:r>
-            <a:endParaRPr dirty="0"/>
-          </a:p>
-        </p:txBody>
-      </p:sp>
-      <p:sp>
-        <p:nvSpPr>
-          <p:cNvPr id="202" name="Google Shape;202;p9"/>
-          <p:cNvSpPr txBox="1">
-            <a:spLocks noGrp="1"/>
-          </p:cNvSpPr>
-          <p:nvPr>
-            <p:ph type="body" idx="1"/>
-          </p:nvPr>
-        </p:nvSpPr>
-        <p:spPr>
-          <a:xfrm>
-            <a:off x="1474785" y="2238375"/>
-            <a:ext cx="10018713" cy="3124201"/>
-          </a:xfrm>
-          <a:prstGeom prst="rect">
-            <a:avLst/>
-          </a:prstGeom>
-          <a:noFill/>
-          <a:ln>
-            <a:noFill/>
-          </a:ln>
-        </p:spPr>
-        <p:txBody>
-          <a:bodyPr spcFirstLastPara="1" wrap="square" lIns="91425" tIns="45700" rIns="91425" bIns="45700" anchor="ctr" anchorCtr="0">
-            <a:normAutofit/>
-          </a:bodyPr>
-          <a:lstStyle/>
-          <a:p>
-            <a:pPr marL="563880" indent="-342900">
-              <a:spcBef>
-                <a:spcPts val="1080"/>
-              </a:spcBef>
-              <a:buSzPts val="3480"/>
-            </a:pPr>
-            <a:r>
-              <a:rPr lang="en-US" b="1" dirty="0">
-                <a:latin typeface="Centaur" panose="02030504050205020304" pitchFamily="18" charset="0"/>
-              </a:rPr>
-              <a:t>Kansas</a:t>
-            </a:r>
-            <a:r>
-              <a:rPr lang="en-US" dirty="0">
-                <a:latin typeface="Centaur" panose="02030504050205020304" pitchFamily="18" charset="0"/>
-              </a:rPr>
-              <a:t>: </a:t>
-            </a:r>
-          </a:p>
-          <a:p>
-            <a:pPr marL="1021080" lvl="1" indent="-342900">
-              <a:spcBef>
-                <a:spcPts val="1080"/>
-              </a:spcBef>
-              <a:buSzPts val="3480"/>
-            </a:pPr>
-            <a:r>
-              <a:rPr lang="en-US" dirty="0">
-                <a:latin typeface="Centaur" panose="02030504050205020304" pitchFamily="18" charset="0"/>
-              </a:rPr>
-              <a:t>3</a:t>
-            </a:r>
-            <a:r>
-              <a:rPr lang="en-US" baseline="30000" dirty="0">
-                <a:latin typeface="Centaur" panose="02030504050205020304" pitchFamily="18" charset="0"/>
-              </a:rPr>
-              <a:t>rd</a:t>
-            </a:r>
-            <a:r>
-              <a:rPr lang="en-US" dirty="0">
-                <a:latin typeface="Centaur" panose="02030504050205020304" pitchFamily="18" charset="0"/>
-              </a:rPr>
-              <a:t> Lowest Rent</a:t>
-            </a:r>
-          </a:p>
-          <a:p>
-            <a:pPr marL="1021080" lvl="1" indent="-342900">
-              <a:spcBef>
-                <a:spcPts val="1080"/>
-              </a:spcBef>
-              <a:buSzPts val="3480"/>
-            </a:pPr>
-            <a:r>
-              <a:rPr lang="en-US" dirty="0">
-                <a:latin typeface="Centaur" panose="02030504050205020304" pitchFamily="18" charset="0"/>
-              </a:rPr>
-              <a:t>Top 16 In Percent Sold Above Listing</a:t>
-            </a:r>
-          </a:p>
-          <a:p>
-            <a:pPr marL="1021080" lvl="1" indent="-342900">
-              <a:spcBef>
-                <a:spcPts val="1080"/>
-              </a:spcBef>
-              <a:buSzPts val="3480"/>
-            </a:pPr>
-            <a:r>
-              <a:rPr lang="en-US" dirty="0">
-                <a:latin typeface="Centaur" panose="02030504050205020304" pitchFamily="18" charset="0"/>
-              </a:rPr>
-              <a:t>Bottom Half in Percentage Increase</a:t>
-            </a:r>
-          </a:p>
-          <a:p>
-            <a:pPr marL="1021080" lvl="1" indent="-342900">
-              <a:spcBef>
-                <a:spcPts val="1080"/>
-              </a:spcBef>
-              <a:buSzPts val="3480"/>
-            </a:pPr>
-            <a:r>
-              <a:rPr lang="en-US" dirty="0">
-                <a:latin typeface="Centaur" panose="02030504050205020304" pitchFamily="18" charset="0"/>
-              </a:rPr>
-              <a:t>Bottom 15 in Numerical Increase</a:t>
-            </a:r>
-          </a:p>
-          <a:p>
-            <a:pPr marL="1478280" lvl="2" indent="-342900">
-              <a:spcBef>
-                <a:spcPts val="1080"/>
-              </a:spcBef>
-              <a:buSzPts val="3480"/>
-            </a:pPr>
-            <a:r>
-              <a:rPr lang="en-US" dirty="0">
-                <a:latin typeface="Centaur" panose="02030504050205020304" pitchFamily="18" charset="0"/>
-              </a:rPr>
-              <a:t>Bottom 10 of positive increases</a:t>
-            </a:r>
-          </a:p>
-          <a:p>
-            <a:pPr marL="1478280" lvl="2" indent="-342900">
-              <a:spcBef>
-                <a:spcPts val="1080"/>
-              </a:spcBef>
-              <a:buSzPts val="3480"/>
-            </a:pPr>
-            <a:endParaRPr lang="en-US" dirty="0">
-              <a:latin typeface="Centaur" panose="02030504050205020304" pitchFamily="18" charset="0"/>
-            </a:endParaRPr>
-          </a:p>
-          <a:p>
-            <a:pPr marL="563880" indent="-342900">
-              <a:spcBef>
-                <a:spcPts val="1080"/>
-              </a:spcBef>
-              <a:buSzPts val="3480"/>
-            </a:pPr>
-            <a:endParaRPr lang="en-US" dirty="0"/>
-          </a:p>
-          <a:p>
-            <a:pPr marL="563880" indent="-342900">
-              <a:spcBef>
-                <a:spcPts val="1080"/>
-              </a:spcBef>
-              <a:buSzPts val="3480"/>
-            </a:pPr>
-            <a:endParaRPr lang="en-US" dirty="0"/>
-          </a:p>
-          <a:p>
-            <a:pPr marL="563880" indent="-342900">
-              <a:spcBef>
-                <a:spcPts val="1080"/>
-              </a:spcBef>
-              <a:buSzPts val="3480"/>
-            </a:pPr>
-            <a:endParaRPr dirty="0"/>
-          </a:p>
-        </p:txBody>
-      </p:sp>
-      <p:pic>
-        <p:nvPicPr>
-          <p:cNvPr id="4" name="Picture 3">
-            <a:extLst>
-              <a:ext uri="{FF2B5EF4-FFF2-40B4-BE49-F238E27FC236}">
-                <a16:creationId xmlns:a16="http://schemas.microsoft.com/office/drawing/2014/main" id="{408FD219-AE80-6D5E-F93B-A425B427959C}"/>
+                <a16:creationId xmlns:a16="http://schemas.microsoft.com/office/drawing/2014/main" id="{60C50606-72A9-CDC6-ECF8-EC71C1AE7175}"/>
               </a:ext>
             </a:extLst>
           </p:cNvPr>
@@ -20472,8 +19856,8 @@
         </p:blipFill>
         <p:spPr>
           <a:xfrm>
-            <a:off x="9890125" y="0"/>
-            <a:ext cx="2301875" cy="1381125"/>
+            <a:off x="7828961" y="1776549"/>
+            <a:ext cx="3586977" cy="4461414"/>
           </a:xfrm>
           <a:prstGeom prst="rect">
             <a:avLst/>
@@ -20483,7 +19867,301 @@
     </p:spTree>
     <p:extLst>
       <p:ext uri="{BB962C8B-B14F-4D97-AF65-F5344CB8AC3E}">
-        <p14:creationId xmlns:p14="http://schemas.microsoft.com/office/powerpoint/2010/main" val="1257036373"/>
+        <p14:creationId xmlns:p14="http://schemas.microsoft.com/office/powerpoint/2010/main" val="2352150920"/>
+      </p:ext>
+    </p:extLst>
+  </p:cSld>
+  <p:clrMapOvr>
+    <a:masterClrMapping/>
+  </p:clrMapOvr>
+</p:sld>
+</file>
+
+<file path=ppt/slides/slide19.xml><?xml version="1.0" encoding="utf-8"?>
+<p:sld xmlns:a="http://schemas.openxmlformats.org/drawingml/2006/main" xmlns:r="http://schemas.openxmlformats.org/officeDocument/2006/relationships" xmlns:p="http://schemas.openxmlformats.org/presentationml/2006/main">
+  <p:cSld>
+    <p:spTree>
+      <p:nvGrpSpPr>
+        <p:cNvPr id="1" name="Shape 194"/>
+        <p:cNvGrpSpPr/>
+        <p:nvPr/>
+      </p:nvGrpSpPr>
+      <p:grpSpPr>
+        <a:xfrm>
+          <a:off x="0" y="0"/>
+          <a:ext cx="0" cy="0"/>
+          <a:chOff x="0" y="0"/>
+          <a:chExt cx="0" cy="0"/>
+        </a:xfrm>
+      </p:grpSpPr>
+      <p:sp>
+        <p:nvSpPr>
+          <p:cNvPr id="195" name="Google Shape;195;p8"/>
+          <p:cNvSpPr txBox="1">
+            <a:spLocks noGrp="1"/>
+          </p:cNvSpPr>
+          <p:nvPr>
+            <p:ph type="title"/>
+          </p:nvPr>
+        </p:nvSpPr>
+        <p:spPr>
+          <a:xfrm>
+            <a:off x="1397225" y="171994"/>
+            <a:ext cx="10018713" cy="1752599"/>
+          </a:xfrm>
+          <a:prstGeom prst="rect">
+            <a:avLst/>
+          </a:prstGeom>
+          <a:noFill/>
+          <a:ln>
+            <a:noFill/>
+          </a:ln>
+        </p:spPr>
+        <p:txBody>
+          <a:bodyPr spcFirstLastPara="1" wrap="square" lIns="91425" tIns="45700" rIns="91425" bIns="45700" anchor="ctr" anchorCtr="0">
+            <a:normAutofit/>
+          </a:bodyPr>
+          <a:lstStyle/>
+          <a:p>
+            <a:pPr marL="0" lvl="0" indent="0" algn="ctr" rtl="0">
+              <a:spcBef>
+                <a:spcPts val="0"/>
+              </a:spcBef>
+              <a:spcAft>
+                <a:spcPts val="0"/>
+              </a:spcAft>
+              <a:buClr>
+                <a:schemeClr val="dk1"/>
+              </a:buClr>
+              <a:buSzPts val="4000"/>
+              <a:buFont typeface="Corbel"/>
+              <a:buNone/>
+            </a:pPr>
+            <a:r>
+              <a:rPr lang="en-US" dirty="0"/>
+              <a:t>Where do you want to be a seller?</a:t>
+            </a:r>
+            <a:endParaRPr dirty="0"/>
+          </a:p>
+        </p:txBody>
+      </p:sp>
+      <p:sp>
+        <p:nvSpPr>
+          <p:cNvPr id="196" name="Google Shape;196;p8"/>
+          <p:cNvSpPr txBox="1">
+            <a:spLocks noGrp="1"/>
+          </p:cNvSpPr>
+          <p:nvPr>
+            <p:ph type="body" idx="1"/>
+          </p:nvPr>
+        </p:nvSpPr>
+        <p:spPr>
+          <a:xfrm>
+            <a:off x="1326563" y="1776549"/>
+            <a:ext cx="6121160" cy="4461414"/>
+          </a:xfrm>
+          <a:prstGeom prst="rect">
+            <a:avLst/>
+          </a:prstGeom>
+          <a:noFill/>
+          <a:ln>
+            <a:noFill/>
+          </a:ln>
+        </p:spPr>
+        <p:txBody>
+          <a:bodyPr spcFirstLastPara="1" wrap="square" lIns="91425" tIns="45700" rIns="91425" bIns="45700" anchor="t" anchorCtr="0">
+            <a:normAutofit/>
+          </a:bodyPr>
+          <a:lstStyle/>
+          <a:p>
+            <a:pPr marL="342900" indent="-342900">
+              <a:lnSpc>
+                <a:spcPct val="150000"/>
+              </a:lnSpc>
+              <a:spcBef>
+                <a:spcPts val="0"/>
+              </a:spcBef>
+              <a:buSzPts val="3480"/>
+            </a:pPr>
+            <a:r>
+              <a:rPr lang="en-US" b="1" dirty="0">
+                <a:latin typeface="+mn-lt"/>
+              </a:rPr>
+              <a:t>Kansas</a:t>
+            </a:r>
+            <a:r>
+              <a:rPr lang="en-US" dirty="0">
+                <a:latin typeface="+mn-lt"/>
+              </a:rPr>
+              <a:t>: </a:t>
+            </a:r>
+          </a:p>
+          <a:p>
+            <a:pPr marL="742950" lvl="1" indent="-285750">
+              <a:lnSpc>
+                <a:spcPct val="150000"/>
+              </a:lnSpc>
+              <a:spcBef>
+                <a:spcPts val="0"/>
+              </a:spcBef>
+              <a:buSzPts val="3480"/>
+            </a:pPr>
+            <a:r>
+              <a:rPr lang="en-US" sz="1800" dirty="0">
+                <a:latin typeface="+mn-lt"/>
+              </a:rPr>
+              <a:t>3</a:t>
+            </a:r>
+            <a:r>
+              <a:rPr lang="en-US" sz="1800" baseline="30000" dirty="0">
+                <a:latin typeface="+mn-lt"/>
+              </a:rPr>
+              <a:t>rd</a:t>
+            </a:r>
+            <a:r>
+              <a:rPr lang="en-US" sz="1800" dirty="0">
+                <a:latin typeface="+mn-lt"/>
+              </a:rPr>
+              <a:t> Lowest Rent</a:t>
+            </a:r>
+          </a:p>
+          <a:p>
+            <a:pPr marL="742950" lvl="1" indent="-285750">
+              <a:lnSpc>
+                <a:spcPct val="150000"/>
+              </a:lnSpc>
+              <a:spcBef>
+                <a:spcPts val="0"/>
+              </a:spcBef>
+              <a:buSzPts val="3480"/>
+            </a:pPr>
+            <a:r>
+              <a:rPr lang="en-US" sz="1800" dirty="0">
+                <a:latin typeface="+mn-lt"/>
+              </a:rPr>
+              <a:t>Top 20 in Percent Sold Above Listing</a:t>
+            </a:r>
+          </a:p>
+          <a:p>
+            <a:pPr marL="742950" lvl="1" indent="-285750">
+              <a:lnSpc>
+                <a:spcPct val="150000"/>
+              </a:lnSpc>
+              <a:spcBef>
+                <a:spcPts val="0"/>
+              </a:spcBef>
+              <a:buSzPts val="3480"/>
+            </a:pPr>
+            <a:r>
+              <a:rPr lang="en-US" sz="1800" dirty="0">
+                <a:latin typeface="+mn-lt"/>
+              </a:rPr>
+              <a:t>Bottom Half in Forecasted Home Value</a:t>
+            </a:r>
+          </a:p>
+          <a:p>
+            <a:pPr marL="1200150" lvl="2" indent="-285750">
+              <a:lnSpc>
+                <a:spcPct val="150000"/>
+              </a:lnSpc>
+              <a:spcBef>
+                <a:spcPts val="0"/>
+              </a:spcBef>
+              <a:buSzPts val="3480"/>
+            </a:pPr>
+            <a:r>
+              <a:rPr lang="en-US" dirty="0">
+                <a:latin typeface="+mn-lt"/>
+              </a:rPr>
+              <a:t>Bottom 15 in Numerical Increase</a:t>
+            </a:r>
+          </a:p>
+          <a:p>
+            <a:pPr marL="1200150" lvl="2" indent="-285750">
+              <a:lnSpc>
+                <a:spcPct val="150000"/>
+              </a:lnSpc>
+              <a:spcBef>
+                <a:spcPts val="0"/>
+              </a:spcBef>
+              <a:buSzPts val="3480"/>
+            </a:pPr>
+            <a:r>
+              <a:rPr lang="en-US" dirty="0">
+                <a:latin typeface="+mn-lt"/>
+              </a:rPr>
+              <a:t>Bottom 10 in Percentage Increase</a:t>
+            </a:r>
+          </a:p>
+          <a:p>
+            <a:pPr marL="0" lvl="0" indent="0" algn="l" rtl="0">
+              <a:spcBef>
+                <a:spcPts val="0"/>
+              </a:spcBef>
+              <a:spcAft>
+                <a:spcPts val="0"/>
+              </a:spcAft>
+              <a:buSzPts val="3480"/>
+              <a:buNone/>
+            </a:pPr>
+            <a:endParaRPr lang="en-US" sz="1800" dirty="0">
+              <a:latin typeface="+mn-lt"/>
+            </a:endParaRPr>
+          </a:p>
+          <a:p>
+            <a:pPr marL="0" lvl="0" indent="0" algn="l" rtl="0">
+              <a:spcBef>
+                <a:spcPts val="0"/>
+              </a:spcBef>
+              <a:spcAft>
+                <a:spcPts val="0"/>
+              </a:spcAft>
+              <a:buSzPts val="3480"/>
+              <a:buNone/>
+            </a:pPr>
+            <a:r>
+              <a:rPr lang="en-US" sz="1800" dirty="0">
+                <a:latin typeface="+mn-lt"/>
+              </a:rPr>
+              <a:t>According to Fox Business, Topeka, the capital of Kansas, is ranked as a top emerging housing market in the US. While home values are growing below the US average, demand is high making it a good time to be a seller. </a:t>
+            </a:r>
+          </a:p>
+        </p:txBody>
+      </p:sp>
+      <p:pic>
+        <p:nvPicPr>
+          <p:cNvPr id="2" name="Picture 1">
+            <a:extLst>
+              <a:ext uri="{FF2B5EF4-FFF2-40B4-BE49-F238E27FC236}">
+                <a16:creationId xmlns:a16="http://schemas.microsoft.com/office/drawing/2014/main" id="{BCAC9E94-8BFC-6DD6-1943-74B88C22FBF6}"/>
+              </a:ext>
+            </a:extLst>
+          </p:cNvPr>
+          <p:cNvPicPr>
+            <a:picLocks noChangeAspect="1"/>
+          </p:cNvPicPr>
+          <p:nvPr/>
+        </p:nvPicPr>
+        <p:blipFill>
+          <a:blip r:embed="rId3"/>
+          <a:stretch>
+            <a:fillRect/>
+          </a:stretch>
+        </p:blipFill>
+        <p:spPr>
+          <a:xfrm>
+            <a:off x="7728816" y="2138146"/>
+            <a:ext cx="4302847" cy="2581708"/>
+          </a:xfrm>
+          <a:prstGeom prst="rect">
+            <a:avLst/>
+          </a:prstGeom>
+        </p:spPr>
+      </p:pic>
+    </p:spTree>
+    <p:extLst>
+      <p:ext uri="{BB962C8B-B14F-4D97-AF65-F5344CB8AC3E}">
+        <p14:creationId xmlns:p14="http://schemas.microsoft.com/office/powerpoint/2010/main" val="397870797"/>
       </p:ext>
     </p:extLst>
   </p:cSld>
@@ -20817,7 +20495,7 @@
                   <a:schemeClr val="tx1"/>
                 </a:solidFill>
               </a:rPr>
-              <a:t>Where is it best to be a buyer vs. a seller?</a:t>
+              <a:t>Where is it best to be a buyer vs. seller?</a:t>
             </a:r>
           </a:p>
         </p:txBody>
@@ -20835,7 +20513,7 @@
   <p:cSld>
     <p:spTree>
       <p:nvGrpSpPr>
-        <p:cNvPr id="1" name=""/>
+        <p:cNvPr id="1" name="Shape 194"/>
         <p:cNvGrpSpPr/>
         <p:nvPr/>
       </p:nvGrpSpPr>
@@ -20849,38 +20527,198 @@
       </p:grpSpPr>
       <p:sp>
         <p:nvSpPr>
-          <p:cNvPr id="4" name="Title 3">
-            <a:extLst>
-              <a:ext uri="{FF2B5EF4-FFF2-40B4-BE49-F238E27FC236}">
-                <a16:creationId xmlns:a16="http://schemas.microsoft.com/office/drawing/2014/main" id="{903A5EF5-566A-3EEC-023F-D1BB9C00A34A}"/>
-              </a:ext>
-            </a:extLst>
-          </p:cNvPr>
-          <p:cNvSpPr>
+          <p:cNvPr id="195" name="Google Shape;195;p8"/>
+          <p:cNvSpPr txBox="1">
             <a:spLocks noGrp="1"/>
           </p:cNvSpPr>
           <p:nvPr>
             <p:ph type="title"/>
           </p:nvPr>
         </p:nvSpPr>
-        <p:spPr/>
+        <p:spPr>
+          <a:xfrm>
+            <a:off x="1397225" y="171994"/>
+            <a:ext cx="10018713" cy="1752599"/>
+          </a:xfrm>
+          <a:prstGeom prst="rect">
+            <a:avLst/>
+          </a:prstGeom>
+          <a:noFill/>
+          <a:ln>
+            <a:noFill/>
+          </a:ln>
+        </p:spPr>
         <p:txBody>
-          <a:bodyPr/>
+          <a:bodyPr spcFirstLastPara="1" wrap="square" lIns="91425" tIns="45700" rIns="91425" bIns="45700" anchor="ctr" anchorCtr="0">
+            <a:normAutofit/>
+          </a:bodyPr>
           <a:lstStyle/>
           <a:p>
+            <a:pPr marL="0" lvl="0" indent="0" algn="ctr" rtl="0">
+              <a:spcBef>
+                <a:spcPts val="0"/>
+              </a:spcBef>
+              <a:spcAft>
+                <a:spcPts val="0"/>
+              </a:spcAft>
+              <a:buClr>
+                <a:schemeClr val="dk1"/>
+              </a:buClr>
+              <a:buSzPts val="4000"/>
+              <a:buFont typeface="Corbel"/>
+              <a:buNone/>
+            </a:pPr>
             <a:r>
               <a:rPr lang="en-US" dirty="0"/>
-              <a:t>Buyer and Seller? New Hampshire </a:t>
+              <a:t>Where do you want to be a buyer and seller?</a:t>
+            </a:r>
+            <a:endParaRPr dirty="0"/>
+          </a:p>
+        </p:txBody>
+      </p:sp>
+      <p:sp>
+        <p:nvSpPr>
+          <p:cNvPr id="196" name="Google Shape;196;p8"/>
+          <p:cNvSpPr txBox="1">
+            <a:spLocks noGrp="1"/>
+          </p:cNvSpPr>
+          <p:nvPr>
+            <p:ph type="body" idx="1"/>
+          </p:nvPr>
+        </p:nvSpPr>
+        <p:spPr>
+          <a:xfrm>
+            <a:off x="1326563" y="1502786"/>
+            <a:ext cx="4481122" cy="4461414"/>
+          </a:xfrm>
+          <a:prstGeom prst="rect">
+            <a:avLst/>
+          </a:prstGeom>
+          <a:noFill/>
+          <a:ln>
+            <a:noFill/>
+          </a:ln>
+        </p:spPr>
+        <p:txBody>
+          <a:bodyPr spcFirstLastPara="1" wrap="square" lIns="91425" tIns="45700" rIns="91425" bIns="45700" anchor="t" anchorCtr="0">
+            <a:normAutofit lnSpcReduction="10000"/>
+          </a:bodyPr>
+          <a:lstStyle/>
+          <a:p>
+            <a:pPr marL="342900" indent="-342900">
+              <a:lnSpc>
+                <a:spcPct val="150000"/>
+              </a:lnSpc>
+              <a:spcBef>
+                <a:spcPts val="0"/>
+              </a:spcBef>
+              <a:buSzPts val="3480"/>
+            </a:pPr>
+            <a:r>
+              <a:rPr lang="en-US" b="1" dirty="0">
+                <a:latin typeface="+mn-lt"/>
+              </a:rPr>
+              <a:t>New Hampshire</a:t>
+            </a:r>
+            <a:r>
+              <a:rPr lang="en-US" dirty="0">
+                <a:latin typeface="+mn-lt"/>
+              </a:rPr>
+              <a:t>: </a:t>
+            </a:r>
+          </a:p>
+          <a:p>
+            <a:pPr marL="742950" lvl="1" indent="-285750">
+              <a:lnSpc>
+                <a:spcPct val="150000"/>
+              </a:lnSpc>
+              <a:spcBef>
+                <a:spcPts val="0"/>
+              </a:spcBef>
+              <a:buSzPts val="3480"/>
+            </a:pPr>
+            <a:r>
+              <a:rPr lang="en-US" sz="1800" dirty="0">
+                <a:latin typeface="+mn-lt"/>
+              </a:rPr>
+              <a:t>Leading in Home Value Forecast</a:t>
+            </a:r>
+          </a:p>
+          <a:p>
+            <a:pPr marL="742950" lvl="1" indent="-285750">
+              <a:lnSpc>
+                <a:spcPct val="150000"/>
+              </a:lnSpc>
+              <a:spcBef>
+                <a:spcPts val="0"/>
+              </a:spcBef>
+              <a:buSzPts val="3480"/>
+            </a:pPr>
+            <a:r>
+              <a:rPr lang="en-US" sz="1800" dirty="0">
+                <a:latin typeface="+mn-lt"/>
+              </a:rPr>
+              <a:t>Leading Percentage Sold Above Listing</a:t>
+            </a:r>
+          </a:p>
+          <a:p>
+            <a:pPr marL="742950" lvl="1" indent="-285750">
+              <a:lnSpc>
+                <a:spcPct val="150000"/>
+              </a:lnSpc>
+              <a:spcBef>
+                <a:spcPts val="0"/>
+              </a:spcBef>
+              <a:buSzPts val="3480"/>
+            </a:pPr>
+            <a:r>
+              <a:rPr lang="en-US" sz="1800" dirty="0">
+                <a:latin typeface="+mn-lt"/>
+              </a:rPr>
+              <a:t>Top 10 in Rent</a:t>
+            </a:r>
+          </a:p>
+          <a:p>
+            <a:pPr marL="0" lvl="0" indent="0" algn="l" rtl="0">
+              <a:spcBef>
+                <a:spcPts val="0"/>
+              </a:spcBef>
+              <a:spcAft>
+                <a:spcPts val="0"/>
+              </a:spcAft>
+              <a:buSzPts val="3480"/>
+              <a:buNone/>
+            </a:pPr>
+            <a:endParaRPr lang="en-US" sz="1800" dirty="0">
+              <a:latin typeface="+mn-lt"/>
+            </a:endParaRPr>
+          </a:p>
+          <a:p>
+            <a:pPr marL="0" lvl="0" indent="0" algn="l" rtl="0">
+              <a:spcBef>
+                <a:spcPts val="0"/>
+              </a:spcBef>
+              <a:spcAft>
+                <a:spcPts val="0"/>
+              </a:spcAft>
+              <a:buSzPts val="3480"/>
+              <a:buNone/>
+            </a:pPr>
+            <a:r>
+              <a:rPr lang="en-US" sz="1800" dirty="0">
+                <a:latin typeface="+mn-lt"/>
+              </a:rPr>
+              <a:t>New Hampshire is the perfect storm for both buyers and sellers. Demand for homes is driven by growth in home value which is attractive for residential buyers and high rent which is attractive for investors. A leading percentage sold above listing indicates that sellers' homes are getting bid higher than expected.</a:t>
             </a:r>
           </a:p>
         </p:txBody>
       </p:sp>
       <p:pic>
         <p:nvPicPr>
-          <p:cNvPr id="2050" name="Picture 2" descr="New Hampshire – Map Outline, Printable State, Shape, Stencil, Pattern – DIY  Projects, Patterns, Monograms, Designs, Templates">
+          <p:cNvPr id="3" name="Picture 2" descr="New Hampshire – Map Outline, Printable State, Shape, Stencil, Pattern – DIY  Projects, Patterns, Monograms, Designs, Templates">
             <a:extLst>
               <a:ext uri="{FF2B5EF4-FFF2-40B4-BE49-F238E27FC236}">
-                <a16:creationId xmlns:a16="http://schemas.microsoft.com/office/drawing/2014/main" id="{F1B1E2B8-8988-F117-6A65-C33FD3EE0057}"/>
+                <a16:creationId xmlns:a16="http://schemas.microsoft.com/office/drawing/2014/main" id="{A79D9C88-D1A6-31C1-7500-2516769A045C}"/>
               </a:ext>
             </a:extLst>
           </p:cNvPr>
@@ -20890,7 +20728,7 @@
           <p:nvPr/>
         </p:nvPicPr>
         <p:blipFill>
-          <a:blip r:embed="rId2">
+          <a:blip r:embed="rId3">
             <a:extLst>
               <a:ext uri="{28A0092B-C50C-407E-A947-70E740481C1C}">
                 <a14:useLocalDpi xmlns:a14="http://schemas.microsoft.com/office/drawing/2010/main" val="0"/>
@@ -20904,8 +20742,8 @@
         </p:blipFill>
         <p:spPr bwMode="auto">
           <a:xfrm>
-            <a:off x="10937099" y="82114"/>
-            <a:ext cx="1254901" cy="2213217"/>
+            <a:off x="9702606" y="1502786"/>
+            <a:ext cx="2184338" cy="3852427"/>
           </a:xfrm>
           <a:prstGeom prst="rect">
             <a:avLst/>
@@ -20922,162 +20760,12 @@
           </a:extLst>
         </p:spPr>
       </p:pic>
-      <p:sp>
-        <p:nvSpPr>
-          <p:cNvPr id="8" name="Text Placeholder 7">
+      <p:pic>
+        <p:nvPicPr>
+          <p:cNvPr id="4" name="Picture 3">
             <a:extLst>
               <a:ext uri="{FF2B5EF4-FFF2-40B4-BE49-F238E27FC236}">
-                <a16:creationId xmlns:a16="http://schemas.microsoft.com/office/drawing/2014/main" id="{5CB2C684-DB8E-9064-86BF-D08E95671172}"/>
-              </a:ext>
-            </a:extLst>
-          </p:cNvPr>
-          <p:cNvSpPr>
-            <a:spLocks noGrp="1"/>
-          </p:cNvSpPr>
-          <p:nvPr>
-            <p:ph type="body" idx="2"/>
-          </p:nvPr>
-        </p:nvSpPr>
-        <p:spPr>
-          <a:xfrm>
-            <a:off x="6493667" y="1336917"/>
-            <a:ext cx="4895056" cy="3124200"/>
-          </a:xfrm>
-        </p:spPr>
-        <p:txBody>
-          <a:bodyPr/>
-          <a:lstStyle/>
-          <a:p>
-            <a:r>
-              <a:rPr lang="en-US" sz="2400" dirty="0">
-                <a:latin typeface="Centaur" panose="02030504050205020304" pitchFamily="18" charset="0"/>
-              </a:rPr>
-              <a:t>Seller</a:t>
-            </a:r>
-          </a:p>
-          <a:p>
-            <a:pPr lvl="1"/>
-            <a:r>
-              <a:rPr lang="en-US" sz="2000" dirty="0">
-                <a:latin typeface="Centaur" panose="02030504050205020304" pitchFamily="18" charset="0"/>
-              </a:rPr>
-              <a:t>1</a:t>
-            </a:r>
-            <a:r>
-              <a:rPr lang="en-US" sz="2000" baseline="30000" dirty="0">
-                <a:latin typeface="Centaur" panose="02030504050205020304" pitchFamily="18" charset="0"/>
-              </a:rPr>
-              <a:t>st</a:t>
-            </a:r>
-            <a:r>
-              <a:rPr lang="en-US" sz="2000" dirty="0">
-                <a:latin typeface="Centaur" panose="02030504050205020304" pitchFamily="18" charset="0"/>
-              </a:rPr>
-              <a:t> in Homes Sold Above Listing</a:t>
-            </a:r>
-          </a:p>
-          <a:p>
-            <a:pPr lvl="1"/>
-            <a:endParaRPr lang="en-US" dirty="0"/>
-          </a:p>
-        </p:txBody>
-      </p:sp>
-      <p:sp>
-        <p:nvSpPr>
-          <p:cNvPr id="10" name="Text Placeholder 9">
-            <a:extLst>
-              <a:ext uri="{FF2B5EF4-FFF2-40B4-BE49-F238E27FC236}">
-                <a16:creationId xmlns:a16="http://schemas.microsoft.com/office/drawing/2014/main" id="{CB20D48A-A350-17F6-F064-68FC2DC0AA61}"/>
-              </a:ext>
-            </a:extLst>
-          </p:cNvPr>
-          <p:cNvSpPr>
-            <a:spLocks noGrp="1"/>
-          </p:cNvSpPr>
-          <p:nvPr>
-            <p:ph type="body" idx="1"/>
-          </p:nvPr>
-        </p:nvSpPr>
-        <p:spPr>
-          <a:xfrm>
-            <a:off x="1484311" y="1672756"/>
-            <a:ext cx="4895055" cy="3124201"/>
-          </a:xfrm>
-        </p:spPr>
-        <p:txBody>
-          <a:bodyPr/>
-          <a:lstStyle/>
-          <a:p>
-            <a:r>
-              <a:rPr lang="en-US" sz="2400" dirty="0">
-                <a:latin typeface="Centaur" panose="02030504050205020304" pitchFamily="18" charset="0"/>
-              </a:rPr>
-              <a:t>Buyer</a:t>
-            </a:r>
-          </a:p>
-          <a:p>
-            <a:pPr lvl="1"/>
-            <a:r>
-              <a:rPr lang="en-US" sz="2000" dirty="0">
-                <a:latin typeface="Centaur" panose="02030504050205020304" pitchFamily="18" charset="0"/>
-              </a:rPr>
-              <a:t>1</a:t>
-            </a:r>
-            <a:r>
-              <a:rPr lang="en-US" sz="2000" baseline="30000" dirty="0">
-                <a:latin typeface="Centaur" panose="02030504050205020304" pitchFamily="18" charset="0"/>
-              </a:rPr>
-              <a:t>st</a:t>
-            </a:r>
-            <a:r>
-              <a:rPr lang="en-US" sz="2000" dirty="0">
-                <a:latin typeface="Centaur" panose="02030504050205020304" pitchFamily="18" charset="0"/>
-              </a:rPr>
-              <a:t> in Numerical Home Value Increase</a:t>
-            </a:r>
-          </a:p>
-          <a:p>
-            <a:pPr lvl="1"/>
-            <a:r>
-              <a:rPr lang="en-US" sz="2000" dirty="0">
-                <a:latin typeface="Centaur" panose="02030504050205020304" pitchFamily="18" charset="0"/>
-              </a:rPr>
-              <a:t>1</a:t>
-            </a:r>
-            <a:r>
-              <a:rPr lang="en-US" sz="2000" baseline="30000" dirty="0">
-                <a:latin typeface="Centaur" panose="02030504050205020304" pitchFamily="18" charset="0"/>
-              </a:rPr>
-              <a:t>st</a:t>
-            </a:r>
-            <a:r>
-              <a:rPr lang="en-US" sz="2000" dirty="0">
-                <a:latin typeface="Centaur" panose="02030504050205020304" pitchFamily="18" charset="0"/>
-              </a:rPr>
-              <a:t> in Percentage Home Value Increase</a:t>
-            </a:r>
-          </a:p>
-          <a:p>
-            <a:pPr lvl="1"/>
-            <a:r>
-              <a:rPr lang="en-US" sz="2000" dirty="0">
-                <a:latin typeface="Centaur" panose="02030504050205020304" pitchFamily="18" charset="0"/>
-              </a:rPr>
-              <a:t>Top 10 in Rent</a:t>
-            </a:r>
-          </a:p>
-          <a:p>
-            <a:pPr lvl="1"/>
-            <a:endParaRPr lang="en-US" dirty="0"/>
-          </a:p>
-        </p:txBody>
-      </p:sp>
-      <p:pic>
-        <p:nvPicPr>
-          <p:cNvPr id="12" name="Picture 11">
-            <a:extLst>
-              <a:ext uri="{FF2B5EF4-FFF2-40B4-BE49-F238E27FC236}">
-                <a16:creationId xmlns:a16="http://schemas.microsoft.com/office/drawing/2014/main" id="{B2D850E8-B4A4-5AEC-1A5A-97D57F7478C1}"/>
+                <a16:creationId xmlns:a16="http://schemas.microsoft.com/office/drawing/2014/main" id="{0C247701-F188-112F-9B98-5D9A533214A0}"/>
               </a:ext>
             </a:extLst>
           </p:cNvPr>
@@ -21087,14 +20775,14 @@
           <p:nvPr/>
         </p:nvPicPr>
         <p:blipFill>
-          <a:blip r:embed="rId3"/>
+          <a:blip r:embed="rId4"/>
           <a:stretch>
             <a:fillRect/>
           </a:stretch>
         </p:blipFill>
         <p:spPr>
           <a:xfrm>
-            <a:off x="6718416" y="3312598"/>
+            <a:off x="5807685" y="2155544"/>
             <a:ext cx="3989273" cy="2968717"/>
           </a:xfrm>
           <a:prstGeom prst="rect">
@@ -21105,7 +20793,7 @@
     </p:spTree>
     <p:extLst>
       <p:ext uri="{BB962C8B-B14F-4D97-AF65-F5344CB8AC3E}">
-        <p14:creationId xmlns:p14="http://schemas.microsoft.com/office/powerpoint/2010/main" val="3035922816"/>
+        <p14:creationId xmlns:p14="http://schemas.microsoft.com/office/powerpoint/2010/main" val="2242148301"/>
       </p:ext>
     </p:extLst>
   </p:cSld>
@@ -22469,8 +22157,8 @@
         </p:nvSpPr>
         <p:spPr>
           <a:xfrm>
-            <a:off x="1642671" y="1489709"/>
-            <a:ext cx="3075836" cy="3878582"/>
+            <a:off x="1642671" y="417084"/>
+            <a:ext cx="3075836" cy="4951207"/>
           </a:xfrm>
           <a:prstGeom prst="rect">
             <a:avLst/>
@@ -22481,8 +22169,8 @@
           </a:ln>
         </p:spPr>
         <p:txBody>
-          <a:bodyPr spcFirstLastPara="1" wrap="square" lIns="91425" tIns="45700" rIns="91425" bIns="45700" anchor="ctr" anchorCtr="0">
-            <a:normAutofit fontScale="77500" lnSpcReduction="20000"/>
+          <a:bodyPr spcFirstLastPara="1" wrap="square" lIns="91425" tIns="45700" rIns="91425" bIns="45700" anchor="t" anchorCtr="0">
+            <a:normAutofit lnSpcReduction="10000"/>
           </a:bodyPr>
           <a:lstStyle/>
           <a:p>
@@ -22498,12 +22186,12 @@
             </a:pPr>
             <a:r>
               <a:rPr lang="en-US" sz="2300" b="1" dirty="0">
-                <a:latin typeface="Centaur" panose="02030504050205020304" pitchFamily="18" charset="0"/>
+                <a:latin typeface="+mn-lt"/>
               </a:rPr>
               <a:t>Top 5 Increase</a:t>
             </a:r>
             <a:endParaRPr dirty="0">
-              <a:latin typeface="Centaur" panose="02030504050205020304" pitchFamily="18" charset="0"/>
+              <a:latin typeface="+mn-lt"/>
             </a:endParaRPr>
           </a:p>
           <a:p>
@@ -22519,12 +22207,12 @@
             </a:pPr>
             <a:r>
               <a:rPr lang="en-US" dirty="0">
-                <a:latin typeface="Centaur" panose="02030504050205020304" pitchFamily="18" charset="0"/>
+                <a:latin typeface="+mn-lt"/>
               </a:rPr>
               <a:t>New Hampshire</a:t>
             </a:r>
             <a:endParaRPr dirty="0">
-              <a:latin typeface="Centaur" panose="02030504050205020304" pitchFamily="18" charset="0"/>
+              <a:latin typeface="+mn-lt"/>
             </a:endParaRPr>
           </a:p>
           <a:p>
@@ -22540,12 +22228,12 @@
             </a:pPr>
             <a:r>
               <a:rPr lang="en-US" dirty="0">
-                <a:latin typeface="Centaur" panose="02030504050205020304" pitchFamily="18" charset="0"/>
+                <a:latin typeface="+mn-lt"/>
               </a:rPr>
               <a:t>Maine</a:t>
             </a:r>
             <a:endParaRPr dirty="0">
-              <a:latin typeface="Centaur" panose="02030504050205020304" pitchFamily="18" charset="0"/>
+              <a:latin typeface="+mn-lt"/>
             </a:endParaRPr>
           </a:p>
           <a:p>
@@ -22561,12 +22249,12 @@
             </a:pPr>
             <a:r>
               <a:rPr lang="en-US" dirty="0">
-                <a:latin typeface="Centaur" panose="02030504050205020304" pitchFamily="18" charset="0"/>
+                <a:latin typeface="+mn-lt"/>
               </a:rPr>
               <a:t>Idaho</a:t>
             </a:r>
             <a:endParaRPr dirty="0">
-              <a:latin typeface="Centaur" panose="02030504050205020304" pitchFamily="18" charset="0"/>
+              <a:latin typeface="+mn-lt"/>
             </a:endParaRPr>
           </a:p>
           <a:p>
@@ -22582,12 +22270,12 @@
             </a:pPr>
             <a:r>
               <a:rPr lang="en-US" dirty="0">
-                <a:latin typeface="Centaur" panose="02030504050205020304" pitchFamily="18" charset="0"/>
+                <a:latin typeface="+mn-lt"/>
               </a:rPr>
               <a:t>New Jersey</a:t>
             </a:r>
             <a:endParaRPr dirty="0">
-              <a:latin typeface="Centaur" panose="02030504050205020304" pitchFamily="18" charset="0"/>
+              <a:latin typeface="+mn-lt"/>
             </a:endParaRPr>
           </a:p>
           <a:p>
@@ -22603,12 +22291,12 @@
             </a:pPr>
             <a:r>
               <a:rPr lang="en-US" dirty="0">
-                <a:latin typeface="Centaur" panose="02030504050205020304" pitchFamily="18" charset="0"/>
+                <a:latin typeface="+mn-lt"/>
               </a:rPr>
               <a:t>Montana</a:t>
             </a:r>
             <a:endParaRPr dirty="0">
-              <a:latin typeface="Centaur" panose="02030504050205020304" pitchFamily="18" charset="0"/>
+              <a:latin typeface="+mn-lt"/>
             </a:endParaRPr>
           </a:p>
           <a:p>
@@ -22624,12 +22312,12 @@
             </a:pPr>
             <a:r>
               <a:rPr lang="en-US" sz="2300" b="1" dirty="0">
-                <a:latin typeface="Centaur" panose="02030504050205020304" pitchFamily="18" charset="0"/>
+                <a:latin typeface="+mn-lt"/>
               </a:rPr>
               <a:t>Top 5 Decrease </a:t>
             </a:r>
             <a:endParaRPr lang="en-US" dirty="0">
-              <a:latin typeface="Centaur" panose="02030504050205020304" pitchFamily="18" charset="0"/>
+              <a:latin typeface="+mn-lt"/>
             </a:endParaRPr>
           </a:p>
           <a:p>
@@ -22645,7 +22333,7 @@
             </a:pPr>
             <a:r>
               <a:rPr lang="en-US" dirty="0">
-                <a:latin typeface="Centaur" panose="02030504050205020304" pitchFamily="18" charset="0"/>
+                <a:latin typeface="+mn-lt"/>
               </a:rPr>
               <a:t>Louisiana</a:t>
             </a:r>
@@ -22663,7 +22351,7 @@
             </a:pPr>
             <a:r>
               <a:rPr lang="en-US" dirty="0">
-                <a:latin typeface="Centaur" panose="02030504050205020304" pitchFamily="18" charset="0"/>
+                <a:latin typeface="+mn-lt"/>
               </a:rPr>
               <a:t>Mississippi </a:t>
             </a:r>
@@ -22681,7 +22369,7 @@
             </a:pPr>
             <a:r>
               <a:rPr lang="en-US" dirty="0">
-                <a:latin typeface="Centaur" panose="02030504050205020304" pitchFamily="18" charset="0"/>
+                <a:latin typeface="+mn-lt"/>
               </a:rPr>
               <a:t>Arkansas </a:t>
             </a:r>
@@ -22699,7 +22387,7 @@
             </a:pPr>
             <a:r>
               <a:rPr lang="en-US" dirty="0">
-                <a:latin typeface="Centaur" panose="02030504050205020304" pitchFamily="18" charset="0"/>
+                <a:latin typeface="+mn-lt"/>
               </a:rPr>
               <a:t>North Dakota</a:t>
             </a:r>
@@ -22717,58 +22405,19 @@
             </a:pPr>
             <a:r>
               <a:rPr lang="en-US" dirty="0">
-                <a:latin typeface="Centaur" panose="02030504050205020304" pitchFamily="18" charset="0"/>
+                <a:latin typeface="+mn-lt"/>
               </a:rPr>
               <a:t>New Mexico</a:t>
             </a:r>
-          </a:p>
-          <a:p>
-            <a:pPr marL="742950" lvl="1" indent="-156844" algn="l" rtl="0">
-              <a:spcBef>
-                <a:spcPts val="880"/>
-              </a:spcBef>
-              <a:spcAft>
-                <a:spcPts val="0"/>
-              </a:spcAft>
-              <a:buSzPct val="145000"/>
-              <a:buNone/>
-            </a:pPr>
-            <a:endParaRPr dirty="0"/>
-          </a:p>
-          <a:p>
-            <a:pPr marL="742950" lvl="1" indent="-156844" algn="l" rtl="0">
-              <a:spcBef>
-                <a:spcPts val="880"/>
-              </a:spcBef>
-              <a:spcAft>
-                <a:spcPts val="0"/>
-              </a:spcAft>
-              <a:buSzPct val="145000"/>
-              <a:buNone/>
-            </a:pPr>
-            <a:endParaRPr dirty="0"/>
-          </a:p>
-          <a:p>
-            <a:pPr marL="742950" lvl="1" indent="-156844" algn="l" rtl="0">
-              <a:spcBef>
-                <a:spcPts val="880"/>
-              </a:spcBef>
-              <a:spcAft>
-                <a:spcPts val="0"/>
-              </a:spcAft>
-              <a:buSzPct val="145000"/>
-              <a:buNone/>
-            </a:pPr>
-            <a:endParaRPr dirty="0"/>
           </a:p>
         </p:txBody>
       </p:sp>
       <p:pic>
         <p:nvPicPr>
-          <p:cNvPr id="2" name="Picture 1">
+          <p:cNvPr id="3" name="Picture 2">
             <a:extLst>
               <a:ext uri="{FF2B5EF4-FFF2-40B4-BE49-F238E27FC236}">
-                <a16:creationId xmlns:a16="http://schemas.microsoft.com/office/drawing/2014/main" id="{C871AC6F-22B5-08D4-4614-35B0DD66C825}"/>
+                <a16:creationId xmlns:a16="http://schemas.microsoft.com/office/drawing/2014/main" id="{5369EBAD-D43A-697D-744D-86FF7B0CB620}"/>
               </a:ext>
             </a:extLst>
           </p:cNvPr>
@@ -22785,8 +22434,8 @@
         </p:blipFill>
         <p:spPr>
           <a:xfrm>
-            <a:off x="4515045" y="417084"/>
-            <a:ext cx="7256172" cy="5522161"/>
+            <a:off x="4419600" y="908620"/>
+            <a:ext cx="7772400" cy="5040760"/>
           </a:xfrm>
           <a:prstGeom prst="rect">
             <a:avLst/>
@@ -22834,8 +22483,8 @@
         </p:nvSpPr>
         <p:spPr>
           <a:xfrm>
-            <a:off x="1633963" y="1489709"/>
-            <a:ext cx="3075836" cy="3878582"/>
+            <a:off x="1633963" y="396669"/>
+            <a:ext cx="3075836" cy="4971622"/>
           </a:xfrm>
           <a:prstGeom prst="rect">
             <a:avLst/>
@@ -22846,8 +22495,8 @@
           </a:ln>
         </p:spPr>
         <p:txBody>
-          <a:bodyPr spcFirstLastPara="1" wrap="square" lIns="91425" tIns="45700" rIns="91425" bIns="45700" anchor="ctr" anchorCtr="0">
-            <a:normAutofit fontScale="77500" lnSpcReduction="20000"/>
+          <a:bodyPr spcFirstLastPara="1" wrap="square" lIns="91425" tIns="45700" rIns="91425" bIns="45700" anchor="t" anchorCtr="0">
+            <a:normAutofit lnSpcReduction="10000"/>
           </a:bodyPr>
           <a:lstStyle>
             <a:defPPr marR="0" lvl="0" algn="l" rtl="0">
@@ -23105,12 +22754,12 @@
             </a:pPr>
             <a:r>
               <a:rPr lang="en-US" sz="2300" b="1" dirty="0">
-                <a:latin typeface="Centaur" panose="02030504050205020304" pitchFamily="18" charset="0"/>
+                <a:latin typeface="+mn-lt"/>
               </a:rPr>
               <a:t>Top 5 Increase</a:t>
             </a:r>
             <a:endParaRPr lang="en-US" dirty="0">
-              <a:latin typeface="Centaur" panose="02030504050205020304" pitchFamily="18" charset="0"/>
+              <a:latin typeface="+mn-lt"/>
             </a:endParaRPr>
           </a:p>
           <a:p>
@@ -23122,7 +22771,7 @@
             </a:pPr>
             <a:r>
               <a:rPr lang="sv-SE" dirty="0">
-                <a:latin typeface="Centaur" panose="02030504050205020304" pitchFamily="18" charset="0"/>
+                <a:latin typeface="+mn-lt"/>
               </a:rPr>
               <a:t>New Hampshire</a:t>
             </a:r>
@@ -23136,7 +22785,7 @@
             </a:pPr>
             <a:r>
               <a:rPr lang="sv-SE" dirty="0">
-                <a:latin typeface="Centaur" panose="02030504050205020304" pitchFamily="18" charset="0"/>
+                <a:latin typeface="+mn-lt"/>
               </a:rPr>
               <a:t>Hawaii </a:t>
             </a:r>
@@ -23150,7 +22799,7 @@
             </a:pPr>
             <a:r>
               <a:rPr lang="sv-SE" dirty="0">
-                <a:latin typeface="Centaur" panose="02030504050205020304" pitchFamily="18" charset="0"/>
+                <a:latin typeface="+mn-lt"/>
               </a:rPr>
               <a:t>New Jersey     </a:t>
             </a:r>
@@ -23164,7 +22813,7 @@
             </a:pPr>
             <a:r>
               <a:rPr lang="sv-SE" dirty="0">
-                <a:latin typeface="Centaur" panose="02030504050205020304" pitchFamily="18" charset="0"/>
+                <a:latin typeface="+mn-lt"/>
               </a:rPr>
               <a:t>Massachusetts</a:t>
             </a:r>
@@ -23178,7 +22827,7 @@
             </a:pPr>
             <a:r>
               <a:rPr lang="sv-SE" dirty="0">
-                <a:latin typeface="Centaur" panose="02030504050205020304" pitchFamily="18" charset="0"/>
+                <a:latin typeface="+mn-lt"/>
               </a:rPr>
               <a:t>Utah</a:t>
             </a:r>
@@ -23192,12 +22841,12 @@
             </a:pPr>
             <a:r>
               <a:rPr lang="en-US" sz="2300" b="1" dirty="0">
-                <a:latin typeface="Centaur" panose="02030504050205020304" pitchFamily="18" charset="0"/>
+                <a:latin typeface="+mn-lt"/>
               </a:rPr>
               <a:t>Top 5 Decrease </a:t>
             </a:r>
             <a:endParaRPr lang="en-US" dirty="0">
-              <a:latin typeface="Centaur" panose="02030504050205020304" pitchFamily="18" charset="0"/>
+              <a:latin typeface="+mn-lt"/>
             </a:endParaRPr>
           </a:p>
           <a:p>
@@ -23209,7 +22858,7 @@
             </a:pPr>
             <a:r>
               <a:rPr lang="en-US" dirty="0">
-                <a:latin typeface="Centaur" panose="02030504050205020304" pitchFamily="18" charset="0"/>
+                <a:latin typeface="+mn-lt"/>
               </a:rPr>
               <a:t>Louisiana</a:t>
             </a:r>
@@ -23223,7 +22872,7 @@
             </a:pPr>
             <a:r>
               <a:rPr lang="en-US" dirty="0">
-                <a:latin typeface="Centaur" panose="02030504050205020304" pitchFamily="18" charset="0"/>
+                <a:latin typeface="+mn-lt"/>
               </a:rPr>
               <a:t>Texas</a:t>
             </a:r>
@@ -23237,7 +22886,7 @@
             </a:pPr>
             <a:r>
               <a:rPr lang="en-US" dirty="0">
-                <a:latin typeface="Centaur" panose="02030504050205020304" pitchFamily="18" charset="0"/>
+                <a:latin typeface="+mn-lt"/>
               </a:rPr>
               <a:t>West Virginia</a:t>
             </a:r>
@@ -23251,7 +22900,7 @@
             </a:pPr>
             <a:r>
               <a:rPr lang="en-US" dirty="0">
-                <a:latin typeface="Centaur" panose="02030504050205020304" pitchFamily="18" charset="0"/>
+                <a:latin typeface="+mn-lt"/>
               </a:rPr>
               <a:t>Arkansas</a:t>
             </a:r>
@@ -23265,7 +22914,7 @@
             </a:pPr>
             <a:r>
               <a:rPr lang="en-US" dirty="0">
-                <a:latin typeface="Centaur" panose="02030504050205020304" pitchFamily="18" charset="0"/>
+                <a:latin typeface="+mn-lt"/>
               </a:rPr>
               <a:t>Iowa</a:t>
             </a:r>
@@ -23307,10 +22956,10 @@
       </p:sp>
       <p:pic>
         <p:nvPicPr>
-          <p:cNvPr id="3" name="Picture 2" descr="A graph of a number of people&#10;&#10;Description automatically generated">
+          <p:cNvPr id="2" name="Picture 1">
             <a:extLst>
               <a:ext uri="{FF2B5EF4-FFF2-40B4-BE49-F238E27FC236}">
-                <a16:creationId xmlns:a16="http://schemas.microsoft.com/office/drawing/2014/main" id="{78EFF52F-450D-80C3-5D10-7F1A4EC78C7D}"/>
+                <a16:creationId xmlns:a16="http://schemas.microsoft.com/office/drawing/2014/main" id="{77787630-786D-8D53-E645-5D8DBFA0D810}"/>
               </a:ext>
             </a:extLst>
           </p:cNvPr>
@@ -23327,8 +22976,8 @@
         </p:blipFill>
         <p:spPr>
           <a:xfrm>
-            <a:off x="4419600" y="816909"/>
-            <a:ext cx="7772400" cy="4971622"/>
+            <a:off x="4419600" y="923806"/>
+            <a:ext cx="7772400" cy="5010387"/>
           </a:xfrm>
           <a:prstGeom prst="rect">
             <a:avLst/>
@@ -23365,66 +23014,6 @@
           <a:chExt cx="0" cy="0"/>
         </a:xfrm>
       </p:grpSpPr>
-      <p:pic>
-        <p:nvPicPr>
-          <p:cNvPr id="8" name="Picture 7">
-            <a:extLst>
-              <a:ext uri="{FF2B5EF4-FFF2-40B4-BE49-F238E27FC236}">
-                <a16:creationId xmlns:a16="http://schemas.microsoft.com/office/drawing/2014/main" id="{37918FF6-E021-E47E-A27D-1FE56F70AF37}"/>
-              </a:ext>
-            </a:extLst>
-          </p:cNvPr>
-          <p:cNvPicPr>
-            <a:picLocks noChangeAspect="1"/>
-          </p:cNvPicPr>
-          <p:nvPr/>
-        </p:nvPicPr>
-        <p:blipFill>
-          <a:blip r:embed="rId2"/>
-          <a:stretch>
-            <a:fillRect/>
-          </a:stretch>
-        </p:blipFill>
-        <p:spPr>
-          <a:xfrm>
-            <a:off x="7525577" y="3544820"/>
-            <a:ext cx="3894898" cy="3027430"/>
-          </a:xfrm>
-          <a:prstGeom prst="rect">
-            <a:avLst/>
-          </a:prstGeom>
-        </p:spPr>
-      </p:pic>
-      <p:pic>
-        <p:nvPicPr>
-          <p:cNvPr id="15" name="Picture 14">
-            <a:extLst>
-              <a:ext uri="{FF2B5EF4-FFF2-40B4-BE49-F238E27FC236}">
-                <a16:creationId xmlns:a16="http://schemas.microsoft.com/office/drawing/2014/main" id="{318F59A8-7422-DA2F-4324-77CEF3D43F14}"/>
-              </a:ext>
-            </a:extLst>
-          </p:cNvPr>
-          <p:cNvPicPr>
-            <a:picLocks noChangeAspect="1"/>
-          </p:cNvPicPr>
-          <p:nvPr/>
-        </p:nvPicPr>
-        <p:blipFill>
-          <a:blip r:embed="rId3"/>
-          <a:stretch>
-            <a:fillRect/>
-          </a:stretch>
-        </p:blipFill>
-        <p:spPr>
-          <a:xfrm>
-            <a:off x="7639050" y="413222"/>
-            <a:ext cx="3962761" cy="3015778"/>
-          </a:xfrm>
-          <a:prstGeom prst="rect">
-            <a:avLst/>
-          </a:prstGeom>
-        </p:spPr>
-      </p:pic>
       <p:sp>
         <p:nvSpPr>
           <p:cNvPr id="16" name="Title 15">
@@ -23488,7 +23077,7 @@
           <a:p>
             <a:r>
               <a:rPr lang="en-US" dirty="0">
-                <a:latin typeface="Centaur" panose="02030504050205020304" pitchFamily="18" charset="0"/>
+                <a:latin typeface="+mn-lt"/>
               </a:rPr>
               <a:t>Percent Top 11</a:t>
             </a:r>
@@ -23504,7 +23093,7 @@
                     </a:srgbClr>
                   </a:outerShdw>
                 </a:effectLst>
-                <a:latin typeface="Centaur" panose="02030504050205020304" pitchFamily="18" charset="0"/>
+                <a:latin typeface="+mn-lt"/>
               </a:rPr>
               <a:t>NH     5.12%</a:t>
             </a:r>
@@ -23520,7 +23109,7 @@
                     </a:srgbClr>
                   </a:outerShdw>
                 </a:effectLst>
-                <a:latin typeface="Centaur" panose="02030504050205020304" pitchFamily="18" charset="0"/>
+                <a:latin typeface="+mn-lt"/>
               </a:rPr>
               <a:t>ME     5.07%</a:t>
             </a:r>
@@ -23536,7 +23125,7 @@
                     </a:srgbClr>
                   </a:outerShdw>
                 </a:effectLst>
-                <a:latin typeface="Centaur" panose="02030504050205020304" pitchFamily="18" charset="0"/>
+                <a:latin typeface="+mn-lt"/>
               </a:rPr>
               <a:t>ID     4.78%</a:t>
             </a:r>
@@ -23552,7 +23141,7 @@
                     </a:srgbClr>
                   </a:outerShdw>
                 </a:effectLst>
-                <a:latin typeface="Centaur" panose="02030504050205020304" pitchFamily="18" charset="0"/>
+                <a:latin typeface="+mn-lt"/>
               </a:rPr>
               <a:t>NJ     4.17%</a:t>
             </a:r>
@@ -23561,7 +23150,7 @@
             <a:pPr lvl="1"/>
             <a:r>
               <a:rPr lang="en-US" dirty="0">
-                <a:latin typeface="Centaur" panose="02030504050205020304" pitchFamily="18" charset="0"/>
+                <a:latin typeface="+mn-lt"/>
               </a:rPr>
               <a:t>MT     4.04%</a:t>
             </a:r>
@@ -23570,7 +23159,7 @@
             <a:pPr lvl="1"/>
             <a:r>
               <a:rPr lang="en-US" dirty="0">
-                <a:latin typeface="Centaur" panose="02030504050205020304" pitchFamily="18" charset="0"/>
+                <a:latin typeface="+mn-lt"/>
               </a:rPr>
               <a:t>TN     3.98%</a:t>
             </a:r>
@@ -23579,7 +23168,7 @@
             <a:pPr lvl="1"/>
             <a:r>
               <a:rPr lang="en-US" dirty="0">
-                <a:latin typeface="Centaur" panose="02030504050205020304" pitchFamily="18" charset="0"/>
+                <a:latin typeface="+mn-lt"/>
               </a:rPr>
               <a:t>NC     3.88%</a:t>
             </a:r>
@@ -23588,7 +23177,7 @@
             <a:pPr lvl="1"/>
             <a:r>
               <a:rPr lang="en-US" dirty="0">
-                <a:latin typeface="Centaur" panose="02030504050205020304" pitchFamily="18" charset="0"/>
+                <a:latin typeface="+mn-lt"/>
               </a:rPr>
               <a:t>GA     3.73%</a:t>
             </a:r>
@@ -23604,7 +23193,7 @@
                     </a:srgbClr>
                   </a:outerShdw>
                 </a:effectLst>
-                <a:latin typeface="Centaur" panose="02030504050205020304" pitchFamily="18" charset="0"/>
+                <a:latin typeface="+mn-lt"/>
               </a:rPr>
               <a:t>UT     3.72%</a:t>
             </a:r>
@@ -23620,7 +23209,7 @@
                     </a:srgbClr>
                   </a:outerShdw>
                 </a:effectLst>
-                <a:latin typeface="Centaur" panose="02030504050205020304" pitchFamily="18" charset="0"/>
+                <a:latin typeface="+mn-lt"/>
               </a:rPr>
               <a:t>FL     3.59%</a:t>
             </a:r>
@@ -23908,7 +23497,7 @@
           <a:p>
             <a:r>
               <a:rPr lang="en-US" dirty="0">
-                <a:latin typeface="Centaur" panose="02030504050205020304" pitchFamily="18" charset="0"/>
+                <a:latin typeface="+mn-lt"/>
               </a:rPr>
               <a:t>Numeric Top 11</a:t>
             </a:r>
@@ -23924,7 +23513,7 @@
                     </a:srgbClr>
                   </a:outerShdw>
                 </a:effectLst>
-                <a:latin typeface="Centaur" panose="02030504050205020304" pitchFamily="18" charset="0"/>
+                <a:latin typeface="+mn-lt"/>
               </a:rPr>
               <a:t>NH    $11,396.61 </a:t>
             </a:r>
@@ -23933,7 +23522,7 @@
             <a:pPr lvl="1"/>
             <a:r>
               <a:rPr lang="en-US" dirty="0">
-                <a:latin typeface="Centaur" panose="02030504050205020304" pitchFamily="18" charset="0"/>
+                <a:latin typeface="+mn-lt"/>
               </a:rPr>
               <a:t>HI     $9819.95</a:t>
             </a:r>
@@ -23949,7 +23538,7 @@
                     </a:srgbClr>
                   </a:outerShdw>
                 </a:effectLst>
-                <a:latin typeface="Centaur" panose="02030504050205020304" pitchFamily="18" charset="0"/>
+                <a:latin typeface="+mn-lt"/>
               </a:rPr>
               <a:t>NJ     $9685.39</a:t>
             </a:r>
@@ -23958,7 +23547,7 @@
             <a:pPr lvl="1"/>
             <a:r>
               <a:rPr lang="en-US" dirty="0">
-                <a:latin typeface="Centaur" panose="02030504050205020304" pitchFamily="18" charset="0"/>
+                <a:latin typeface="+mn-lt"/>
               </a:rPr>
               <a:t>MA    $9653.55</a:t>
             </a:r>
@@ -23974,7 +23563,7 @@
                     </a:srgbClr>
                   </a:outerShdw>
                 </a:effectLst>
-                <a:latin typeface="Centaur" panose="02030504050205020304" pitchFamily="18" charset="0"/>
+                <a:latin typeface="+mn-lt"/>
               </a:rPr>
               <a:t>UT     $9482.98</a:t>
             </a:r>
@@ -23990,7 +23579,7 @@
                     </a:srgbClr>
                   </a:outerShdw>
                 </a:effectLst>
-                <a:latin typeface="Centaur" panose="02030504050205020304" pitchFamily="18" charset="0"/>
+                <a:latin typeface="+mn-lt"/>
               </a:rPr>
               <a:t>ID     $9049.18</a:t>
             </a:r>
@@ -23999,7 +23588,7 @@
             <a:pPr lvl="1"/>
             <a:r>
               <a:rPr lang="en-US" dirty="0">
-                <a:latin typeface="Centaur" panose="02030504050205020304" pitchFamily="18" charset="0"/>
+                <a:latin typeface="+mn-lt"/>
               </a:rPr>
               <a:t>CT    $7918.54	</a:t>
             </a:r>
@@ -24015,7 +23604,7 @@
                     </a:srgbClr>
                   </a:outerShdw>
                 </a:effectLst>
-                <a:latin typeface="Centaur" panose="02030504050205020304" pitchFamily="18" charset="0"/>
+                <a:latin typeface="+mn-lt"/>
               </a:rPr>
               <a:t>ME  $7878.84</a:t>
             </a:r>
@@ -24024,7 +23613,7 @@
             <a:pPr lvl="1"/>
             <a:r>
               <a:rPr lang="en-US" dirty="0">
-                <a:latin typeface="Centaur" panose="02030504050205020304" pitchFamily="18" charset="0"/>
+                <a:latin typeface="+mn-lt"/>
               </a:rPr>
               <a:t>DE   $7697.81</a:t>
             </a:r>
@@ -24033,7 +23622,7 @@
             <a:pPr lvl="1"/>
             <a:r>
               <a:rPr lang="en-US" dirty="0">
-                <a:latin typeface="Centaur" panose="02030504050205020304" pitchFamily="18" charset="0"/>
+                <a:latin typeface="+mn-lt"/>
               </a:rPr>
               <a:t>WA   $7092.61  </a:t>
             </a:r>
@@ -24049,13 +23638,73 @@
                     </a:srgbClr>
                   </a:outerShdw>
                 </a:effectLst>
-                <a:latin typeface="Centaur" panose="02030504050205020304" pitchFamily="18" charset="0"/>
+                <a:latin typeface="+mn-lt"/>
               </a:rPr>
               <a:t>FL     $6582.93</a:t>
             </a:r>
           </a:p>
         </p:txBody>
       </p:sp>
+      <p:pic>
+        <p:nvPicPr>
+          <p:cNvPr id="2" name="Picture 1">
+            <a:extLst>
+              <a:ext uri="{FF2B5EF4-FFF2-40B4-BE49-F238E27FC236}">
+                <a16:creationId xmlns:a16="http://schemas.microsoft.com/office/drawing/2014/main" id="{E1C04137-3235-3B03-E354-C1A5B0535475}"/>
+              </a:ext>
+            </a:extLst>
+          </p:cNvPr>
+          <p:cNvPicPr>
+            <a:picLocks noChangeAspect="1"/>
+          </p:cNvPicPr>
+          <p:nvPr/>
+        </p:nvPicPr>
+        <p:blipFill>
+          <a:blip r:embed="rId2"/>
+          <a:stretch>
+            <a:fillRect/>
+          </a:stretch>
+        </p:blipFill>
+        <p:spPr>
+          <a:xfrm>
+            <a:off x="6743135" y="92233"/>
+            <a:ext cx="5144996" cy="3336767"/>
+          </a:xfrm>
+          <a:prstGeom prst="rect">
+            <a:avLst/>
+          </a:prstGeom>
+        </p:spPr>
+      </p:pic>
+      <p:pic>
+        <p:nvPicPr>
+          <p:cNvPr id="3" name="Picture 2">
+            <a:extLst>
+              <a:ext uri="{FF2B5EF4-FFF2-40B4-BE49-F238E27FC236}">
+                <a16:creationId xmlns:a16="http://schemas.microsoft.com/office/drawing/2014/main" id="{CCA73AC1-462B-48A2-6B4E-A2436016E27C}"/>
+              </a:ext>
+            </a:extLst>
+          </p:cNvPr>
+          <p:cNvPicPr>
+            <a:picLocks noChangeAspect="1"/>
+          </p:cNvPicPr>
+          <p:nvPr/>
+        </p:nvPicPr>
+        <p:blipFill>
+          <a:blip r:embed="rId3"/>
+          <a:stretch>
+            <a:fillRect/>
+          </a:stretch>
+        </p:blipFill>
+        <p:spPr>
+          <a:xfrm>
+            <a:off x="6711946" y="3540254"/>
+            <a:ext cx="5176185" cy="3336767"/>
+          </a:xfrm>
+          <a:prstGeom prst="rect">
+            <a:avLst/>
+          </a:prstGeom>
+        </p:spPr>
+      </p:pic>
     </p:spTree>
     <p:extLst>
       <p:ext uri="{BB962C8B-B14F-4D97-AF65-F5344CB8AC3E}">

--- a/Real Estate EDA.pptx
+++ b/Real Estate EDA.pptx
@@ -282,7 +282,7 @@
       <p15:sldGuideLst xmlns:p15="http://schemas.microsoft.com/office/powerpoint/2012/main"/>
     </p:ext>
     <p:ext uri="GoogleSlidesCustomDataVersion2">
-      <go:slidesCustomData xmlns="" xmlns:mc="http://schemas.openxmlformats.org/markup-compatibility/2006" xmlns:mv="urn:schemas-microsoft-com:mac:vml" xmlns:c="http://schemas.openxmlformats.org/drawingml/2006/chart" xmlns:dgm="http://schemas.openxmlformats.org/drawingml/2006/diagram" xmlns:o="urn:schemas-microsoft-com:office:office" xmlns:v="urn:schemas-microsoft-com:vml" xmlns:pvml="urn:schemas-microsoft-com:office:powerpoint" xmlns:com="http://schemas.openxmlformats.org/drawingml/2006/compatibility" xmlns:p14="http://schemas.microsoft.com/office/powerpoint/2010/main" xmlns:p15="http://schemas.microsoft.com/office/powerpoint/2012/main" xmlns:ahyp="http://schemas.microsoft.com/office/drawing/2018/hyperlinkcolor" xmlns:go="http://customooxmlschemas.google.com/" r:id="rId33" roundtripDataSignature="AMtx7mihPokRRB2W+gN4vu7vZLOMbhVegg=="/>
+      <go:slidesCustomData xmlns:go="http://customooxmlschemas.google.com/" xmlns:ahyp="http://schemas.microsoft.com/office/drawing/2018/hyperlinkcolor" xmlns:p15="http://schemas.microsoft.com/office/powerpoint/2012/main" xmlns:p14="http://schemas.microsoft.com/office/powerpoint/2010/main" xmlns:com="http://schemas.openxmlformats.org/drawingml/2006/compatibility" xmlns:pvml="urn:schemas-microsoft-com:office:powerpoint" xmlns:v="urn:schemas-microsoft-com:vml" xmlns:o="urn:schemas-microsoft-com:office:office" xmlns:dgm="http://schemas.openxmlformats.org/drawingml/2006/diagram" xmlns:c="http://schemas.openxmlformats.org/drawingml/2006/chart" xmlns:mv="urn:schemas-microsoft-com:mac:vml" xmlns:mc="http://schemas.openxmlformats.org/markup-compatibility/2006" xmlns="" r:id="rId33" roundtripDataSignature="AMtx7mihPokRRB2W+gN4vu7vZLOMbhVegg=="/>
     </p:ext>
   </p:extLst>
 </p:presentation>
@@ -17539,7 +17539,7 @@
               <a:rPr lang="en-US" sz="1400" dirty="0">
                 <a:latin typeface="+mn-lt"/>
               </a:rPr>
-              <a:t>The relationship between these two variables give insight into whether the market is better for a buyer or a seller</a:t>
+              <a:t>The relationship between these two variables give insight into whether the market is better for a buyer or a seller.</a:t>
             </a:r>
           </a:p>
           <a:p>
@@ -17605,7 +17605,7 @@
               <a:rPr lang="en-US" sz="1400" dirty="0">
                 <a:latin typeface="+mn-lt"/>
               </a:rPr>
-              <a:t>Percent Above Listing is a great indicator of the competitiveness of the market</a:t>
+              <a:t>Percent Above Listing indicates the competitiveness of the market.</a:t>
             </a:r>
           </a:p>
           <a:p>
@@ -22484,7 +22484,7 @@
         <p:spPr>
           <a:xfrm>
             <a:off x="1633963" y="396669"/>
-            <a:ext cx="3075836" cy="4971622"/>
+            <a:ext cx="3075836" cy="4756099"/>
           </a:xfrm>
           <a:prstGeom prst="rect">
             <a:avLst/>
@@ -22496,7 +22496,7 @@
         </p:spPr>
         <p:txBody>
           <a:bodyPr spcFirstLastPara="1" wrap="square" lIns="91425" tIns="45700" rIns="91425" bIns="45700" anchor="t" anchorCtr="0">
-            <a:normAutofit lnSpcReduction="10000"/>
+            <a:normAutofit/>
           </a:bodyPr>
           <a:lstStyle>
             <a:defPPr marR="0" lvl="0" algn="l" rtl="0">
@@ -22753,12 +22753,12 @@
               <a:buSzPct val="145000"/>
             </a:pPr>
             <a:r>
-              <a:rPr lang="en-US" sz="2300" b="1" dirty="0">
+              <a:rPr lang="en-US" sz="2000" b="1" dirty="0">
                 <a:latin typeface="+mn-lt"/>
               </a:rPr>
               <a:t>Top 5 Increase</a:t>
             </a:r>
-            <a:endParaRPr lang="en-US" dirty="0">
+            <a:endParaRPr lang="en-US" sz="2000" dirty="0">
               <a:latin typeface="+mn-lt"/>
             </a:endParaRPr>
           </a:p>
@@ -22770,7 +22770,7 @@
               <a:buSzPct val="145000"/>
             </a:pPr>
             <a:r>
-              <a:rPr lang="sv-SE" dirty="0">
+              <a:rPr lang="sv-SE" sz="1800" dirty="0">
                 <a:latin typeface="+mn-lt"/>
               </a:rPr>
               <a:t>New Hampshire</a:t>
@@ -22784,7 +22784,7 @@
               <a:buSzPct val="145000"/>
             </a:pPr>
             <a:r>
-              <a:rPr lang="sv-SE" dirty="0">
+              <a:rPr lang="sv-SE" sz="1800" dirty="0">
                 <a:latin typeface="+mn-lt"/>
               </a:rPr>
               <a:t>Hawaii </a:t>
@@ -22798,7 +22798,7 @@
               <a:buSzPct val="145000"/>
             </a:pPr>
             <a:r>
-              <a:rPr lang="sv-SE" dirty="0">
+              <a:rPr lang="sv-SE" sz="1800" dirty="0">
                 <a:latin typeface="+mn-lt"/>
               </a:rPr>
               <a:t>New Jersey     </a:t>
@@ -22812,7 +22812,7 @@
               <a:buSzPct val="145000"/>
             </a:pPr>
             <a:r>
-              <a:rPr lang="sv-SE" dirty="0">
+              <a:rPr lang="sv-SE" sz="1800" dirty="0">
                 <a:latin typeface="+mn-lt"/>
               </a:rPr>
               <a:t>Massachusetts</a:t>
@@ -22826,7 +22826,7 @@
               <a:buSzPct val="145000"/>
             </a:pPr>
             <a:r>
-              <a:rPr lang="sv-SE" dirty="0">
+              <a:rPr lang="sv-SE" sz="1800" dirty="0">
                 <a:latin typeface="+mn-lt"/>
               </a:rPr>
               <a:t>Utah</a:t>
@@ -22840,12 +22840,12 @@
               <a:buSzPct val="145000"/>
             </a:pPr>
             <a:r>
-              <a:rPr lang="en-US" sz="2300" b="1" dirty="0">
+              <a:rPr lang="en-US" sz="2000" b="1" dirty="0">
                 <a:latin typeface="+mn-lt"/>
               </a:rPr>
               <a:t>Top 5 Decrease </a:t>
             </a:r>
-            <a:endParaRPr lang="en-US" dirty="0">
+            <a:endParaRPr lang="en-US" sz="2000" dirty="0">
               <a:latin typeface="+mn-lt"/>
             </a:endParaRPr>
           </a:p>
@@ -22857,7 +22857,7 @@
               <a:buSzPct val="145000"/>
             </a:pPr>
             <a:r>
-              <a:rPr lang="en-US" dirty="0">
+              <a:rPr lang="en-US" sz="1800" dirty="0">
                 <a:latin typeface="+mn-lt"/>
               </a:rPr>
               <a:t>Louisiana</a:t>
@@ -22871,7 +22871,7 @@
               <a:buSzPct val="145000"/>
             </a:pPr>
             <a:r>
-              <a:rPr lang="en-US" dirty="0">
+              <a:rPr lang="en-US" sz="1800" dirty="0">
                 <a:latin typeface="+mn-lt"/>
               </a:rPr>
               <a:t>Texas</a:t>
@@ -22885,7 +22885,7 @@
               <a:buSzPct val="145000"/>
             </a:pPr>
             <a:r>
-              <a:rPr lang="en-US" dirty="0">
+              <a:rPr lang="en-US" sz="1800" dirty="0">
                 <a:latin typeface="+mn-lt"/>
               </a:rPr>
               <a:t>West Virginia</a:t>
@@ -22899,7 +22899,7 @@
               <a:buSzPct val="145000"/>
             </a:pPr>
             <a:r>
-              <a:rPr lang="en-US" dirty="0">
+              <a:rPr lang="en-US" sz="1800" dirty="0">
                 <a:latin typeface="+mn-lt"/>
               </a:rPr>
               <a:t>Arkansas</a:t>
@@ -22913,11 +22913,14 @@
               <a:buSzPct val="145000"/>
             </a:pPr>
             <a:r>
-              <a:rPr lang="en-US" dirty="0">
+              <a:rPr lang="en-US" sz="1800" dirty="0">
                 <a:latin typeface="+mn-lt"/>
               </a:rPr>
               <a:t>Iowa</a:t>
             </a:r>
+            <a:endParaRPr lang="en-US" dirty="0">
+              <a:latin typeface="+mn-lt"/>
+            </a:endParaRPr>
           </a:p>
           <a:p>
             <a:pPr marL="742950" lvl="1" indent="-156844">
@@ -22984,6 +22987,97 @@
           </a:prstGeom>
         </p:spPr>
       </p:pic>
+      <p:sp>
+        <p:nvSpPr>
+          <p:cNvPr id="3" name="Rectangle 2">
+            <a:extLst>
+              <a:ext uri="{FF2B5EF4-FFF2-40B4-BE49-F238E27FC236}">
+                <a16:creationId xmlns:a16="http://schemas.microsoft.com/office/drawing/2014/main" id="{53879BF1-42F9-E201-4E93-21DAB434194E}"/>
+              </a:ext>
+            </a:extLst>
+          </p:cNvPr>
+          <p:cNvSpPr/>
+          <p:nvPr/>
+        </p:nvSpPr>
+        <p:spPr>
+          <a:xfrm>
+            <a:off x="1633964" y="5152768"/>
+            <a:ext cx="3075835" cy="914400"/>
+          </a:xfrm>
+          <a:prstGeom prst="rect">
+            <a:avLst/>
+          </a:prstGeom>
+          <a:solidFill>
+            <a:schemeClr val="bg1"/>
+          </a:solidFill>
+          <a:ln>
+            <a:solidFill>
+              <a:schemeClr val="bg1"/>
+            </a:solidFill>
+          </a:ln>
+        </p:spPr>
+        <p:style>
+          <a:lnRef idx="2">
+            <a:schemeClr val="accent1">
+              <a:shade val="15000"/>
+            </a:schemeClr>
+          </a:lnRef>
+          <a:fillRef idx="1">
+            <a:schemeClr val="accent1"/>
+          </a:fillRef>
+          <a:effectRef idx="0">
+            <a:schemeClr val="accent1"/>
+          </a:effectRef>
+          <a:fontRef idx="minor">
+            <a:schemeClr val="lt1"/>
+          </a:fontRef>
+        </p:style>
+        <p:txBody>
+          <a:bodyPr rtlCol="0" anchor="ctr"/>
+          <a:lstStyle/>
+          <a:p>
+            <a:pPr algn="ctr"/>
+            <a:r>
+              <a:rPr lang="en-US" b="1" dirty="0">
+                <a:solidFill>
+                  <a:schemeClr val="tx1"/>
+                </a:solidFill>
+              </a:rPr>
+              <a:t>Change in Value </a:t>
+            </a:r>
+            <a:r>
+              <a:rPr lang="en-US" dirty="0">
+                <a:solidFill>
+                  <a:schemeClr val="tx1"/>
+                </a:solidFill>
+              </a:rPr>
+              <a:t>= </a:t>
+            </a:r>
+          </a:p>
+          <a:p>
+            <a:pPr algn="ctr"/>
+            <a:r>
+              <a:rPr lang="en-US" dirty="0">
+                <a:solidFill>
+                  <a:schemeClr val="tx1"/>
+                </a:solidFill>
+              </a:rPr>
+              <a:t>Average Home Value * </a:t>
+            </a:r>
+          </a:p>
+          <a:p>
+            <a:pPr algn="ctr"/>
+            <a:r>
+              <a:rPr lang="en-US" dirty="0">
+                <a:solidFill>
+                  <a:schemeClr val="tx1"/>
+                </a:solidFill>
+              </a:rPr>
+              <a:t>(1 + Percent Value Change)</a:t>
+            </a:r>
+          </a:p>
+        </p:txBody>
+      </p:sp>
     </p:spTree>
     <p:extLst>
       <p:ext uri="{BB962C8B-B14F-4D97-AF65-F5344CB8AC3E}">

--- a/Real Estate EDA.pptx
+++ b/Real Estate EDA.pptx
@@ -5,7 +5,7 @@
     <p:sldMasterId id="2147483648" r:id="rId1"/>
   </p:sldMasterIdLst>
   <p:notesMasterIdLst>
-    <p:notesMasterId r:id="rId26"/>
+    <p:notesMasterId r:id="rId27"/>
   </p:notesMasterIdLst>
   <p:sldIdLst>
     <p:sldId id="256" r:id="rId2"/>
@@ -28,24 +28,25 @@
     <p:sldId id="289" r:id="rId19"/>
     <p:sldId id="290" r:id="rId20"/>
     <p:sldId id="291" r:id="rId21"/>
-    <p:sldId id="266" r:id="rId22"/>
-    <p:sldId id="267" r:id="rId23"/>
-    <p:sldId id="268" r:id="rId24"/>
-    <p:sldId id="269" r:id="rId25"/>
+    <p:sldId id="292" r:id="rId22"/>
+    <p:sldId id="266" r:id="rId23"/>
+    <p:sldId id="267" r:id="rId24"/>
+    <p:sldId id="268" r:id="rId25"/>
+    <p:sldId id="269" r:id="rId26"/>
   </p:sldIdLst>
   <p:sldSz cx="12192000" cy="6858000"/>
   <p:notesSz cx="6858000" cy="9144000"/>
   <p:embeddedFontLst>
     <p:embeddedFont>
       <p:font typeface="Centaur" panose="02030504050205020304" pitchFamily="18" charset="77"/>
-      <p:regular r:id="rId27"/>
+      <p:regular r:id="rId28"/>
     </p:embeddedFont>
     <p:embeddedFont>
       <p:font typeface="Corbel" panose="020B0503020204020204" pitchFamily="34" charset="0"/>
-      <p:regular r:id="rId28"/>
-      <p:bold r:id="rId29"/>
-      <p:italic r:id="rId30"/>
-      <p:boldItalic r:id="rId31"/>
+      <p:regular r:id="rId29"/>
+      <p:bold r:id="rId30"/>
+      <p:italic r:id="rId31"/>
+      <p:boldItalic r:id="rId32"/>
     </p:embeddedFont>
   </p:embeddedFontLst>
   <p:defaultTextStyle>
@@ -282,7 +283,7 @@
       <p15:sldGuideLst xmlns:p15="http://schemas.microsoft.com/office/powerpoint/2012/main"/>
     </p:ext>
     <p:ext uri="GoogleSlidesCustomDataVersion2">
-      <go:slidesCustomData xmlns:go="http://customooxmlschemas.google.com/" xmlns:ahyp="http://schemas.microsoft.com/office/drawing/2018/hyperlinkcolor" xmlns:p15="http://schemas.microsoft.com/office/powerpoint/2012/main" xmlns:p14="http://schemas.microsoft.com/office/powerpoint/2010/main" xmlns:com="http://schemas.openxmlformats.org/drawingml/2006/compatibility" xmlns:pvml="urn:schemas-microsoft-com:office:powerpoint" xmlns:v="urn:schemas-microsoft-com:vml" xmlns:o="urn:schemas-microsoft-com:office:office" xmlns:dgm="http://schemas.openxmlformats.org/drawingml/2006/diagram" xmlns:c="http://schemas.openxmlformats.org/drawingml/2006/chart" xmlns:mv="urn:schemas-microsoft-com:mac:vml" xmlns:mc="http://schemas.openxmlformats.org/markup-compatibility/2006" xmlns="" r:id="rId33" roundtripDataSignature="AMtx7mihPokRRB2W+gN4vu7vZLOMbhVegg=="/>
+      <go:slidesCustomData xmlns="" xmlns:mc="http://schemas.openxmlformats.org/markup-compatibility/2006" xmlns:mv="urn:schemas-microsoft-com:mac:vml" xmlns:c="http://schemas.openxmlformats.org/drawingml/2006/chart" xmlns:dgm="http://schemas.openxmlformats.org/drawingml/2006/diagram" xmlns:o="urn:schemas-microsoft-com:office:office" xmlns:v="urn:schemas-microsoft-com:vml" xmlns:pvml="urn:schemas-microsoft-com:office:powerpoint" xmlns:com="http://schemas.openxmlformats.org/drawingml/2006/compatibility" xmlns:p14="http://schemas.microsoft.com/office/powerpoint/2010/main" xmlns:p15="http://schemas.microsoft.com/office/powerpoint/2012/main" xmlns:ahyp="http://schemas.microsoft.com/office/drawing/2018/hyperlinkcolor" xmlns:go="http://customooxmlschemas.google.com/" r:id="rId33" roundtripDataSignature="AMtx7mihPokRRB2W+gN4vu7vZLOMbhVegg=="/>
     </p:ext>
   </p:extLst>
 </p:presentation>
@@ -20808,6 +20809,146 @@
   <p:cSld>
     <p:spTree>
       <p:nvGrpSpPr>
+        <p:cNvPr id="1" name=""/>
+        <p:cNvGrpSpPr/>
+        <p:nvPr/>
+      </p:nvGrpSpPr>
+      <p:grpSpPr>
+        <a:xfrm>
+          <a:off x="0" y="0"/>
+          <a:ext cx="0" cy="0"/>
+          <a:chOff x="0" y="0"/>
+          <a:chExt cx="0" cy="0"/>
+        </a:xfrm>
+      </p:grpSpPr>
+      <p:sp>
+        <p:nvSpPr>
+          <p:cNvPr id="3" name="Text Placeholder 2">
+            <a:extLst>
+              <a:ext uri="{FF2B5EF4-FFF2-40B4-BE49-F238E27FC236}">
+                <a16:creationId xmlns:a16="http://schemas.microsoft.com/office/drawing/2014/main" id="{BA5028CF-C545-052F-5C3C-D0607D36BCC5}"/>
+              </a:ext>
+            </a:extLst>
+          </p:cNvPr>
+          <p:cNvSpPr>
+            <a:spLocks noGrp="1"/>
+          </p:cNvSpPr>
+          <p:nvPr>
+            <p:ph type="body" idx="1"/>
+          </p:nvPr>
+        </p:nvSpPr>
+        <p:spPr>
+          <a:xfrm>
+            <a:off x="1484310" y="1359243"/>
+            <a:ext cx="10018713" cy="4431957"/>
+          </a:xfrm>
+        </p:spPr>
+        <p:txBody>
+          <a:bodyPr anchor="t">
+            <a:normAutofit lnSpcReduction="10000"/>
+          </a:bodyPr>
+          <a:lstStyle/>
+          <a:p>
+            <a:r>
+              <a:rPr lang="en-US" dirty="0"/>
+              <a:t>Median home sales and rental prices are led by states on the East and West Coast. These two variables are highly correlated, indicating that being a renter or a buyer is less about where you are located, and more about other factors like income and interest rates.</a:t>
+            </a:r>
+          </a:p>
+          <a:p>
+            <a:r>
+              <a:rPr lang="en-US" dirty="0"/>
+              <a:t>The three key factors we considered when looking at whether it is better to be a buyer or a seller are home value forecast, percent homes sold above listing, and days to close.</a:t>
+            </a:r>
+          </a:p>
+          <a:p>
+            <a:r>
+              <a:rPr lang="en-US" dirty="0"/>
+              <a:t>New Jersey, Florida, and Arizona are best if you are a buyer due to high demand, high forecasted home values, and economic and demographic changes that make the states attractive</a:t>
+            </a:r>
+          </a:p>
+          <a:p>
+            <a:r>
+              <a:rPr lang="en-US" dirty="0"/>
+              <a:t>Wisconsin, California, and Kansas are best if you are a seller due to high percent sold above list coupled with low forecasted home value</a:t>
+            </a:r>
+          </a:p>
+        </p:txBody>
+      </p:sp>
+      <p:sp>
+        <p:nvSpPr>
+          <p:cNvPr id="4" name="Google Shape;195;p8">
+            <a:extLst>
+              <a:ext uri="{FF2B5EF4-FFF2-40B4-BE49-F238E27FC236}">
+                <a16:creationId xmlns:a16="http://schemas.microsoft.com/office/drawing/2014/main" id="{73ED8FB5-0753-4A3D-CB2E-0A9F104BA7F2}"/>
+              </a:ext>
+            </a:extLst>
+          </p:cNvPr>
+          <p:cNvSpPr txBox="1">
+            <a:spLocks noGrp="1"/>
+          </p:cNvSpPr>
+          <p:nvPr>
+            <p:ph type="title"/>
+          </p:nvPr>
+        </p:nvSpPr>
+        <p:spPr>
+          <a:xfrm>
+            <a:off x="1397225" y="171995"/>
+            <a:ext cx="10018713" cy="894806"/>
+          </a:xfrm>
+          <a:prstGeom prst="rect">
+            <a:avLst/>
+          </a:prstGeom>
+          <a:noFill/>
+          <a:ln>
+            <a:noFill/>
+          </a:ln>
+        </p:spPr>
+        <p:txBody>
+          <a:bodyPr spcFirstLastPara="1" wrap="square" lIns="91425" tIns="45700" rIns="91425" bIns="45700" anchor="ctr" anchorCtr="0">
+            <a:normAutofit/>
+          </a:bodyPr>
+          <a:lstStyle/>
+          <a:p>
+            <a:pPr marL="0" lvl="0" indent="0" algn="ctr" rtl="0">
+              <a:spcBef>
+                <a:spcPts val="0"/>
+              </a:spcBef>
+              <a:spcAft>
+                <a:spcPts val="0"/>
+              </a:spcAft>
+              <a:buClr>
+                <a:schemeClr val="dk1"/>
+              </a:buClr>
+              <a:buSzPts val="4000"/>
+              <a:buFont typeface="Corbel"/>
+              <a:buNone/>
+            </a:pPr>
+            <a:r>
+              <a:rPr lang="en-US" dirty="0"/>
+              <a:t>Conclusion</a:t>
+            </a:r>
+            <a:endParaRPr dirty="0"/>
+          </a:p>
+        </p:txBody>
+      </p:sp>
+    </p:spTree>
+    <p:extLst>
+      <p:ext uri="{BB962C8B-B14F-4D97-AF65-F5344CB8AC3E}">
+        <p14:creationId xmlns:p14="http://schemas.microsoft.com/office/powerpoint/2010/main" val="2893301070"/>
+      </p:ext>
+    </p:extLst>
+  </p:cSld>
+  <p:clrMapOvr>
+    <a:masterClrMapping/>
+  </p:clrMapOvr>
+</p:sld>
+</file>
+
+<file path=ppt/slides/slide22.xml><?xml version="1.0" encoding="utf-8"?>
+<p:sld xmlns:a="http://schemas.openxmlformats.org/drawingml/2006/main" xmlns:r="http://schemas.openxmlformats.org/officeDocument/2006/relationships" xmlns:p="http://schemas.openxmlformats.org/presentationml/2006/main">
+  <p:cSld>
+    <p:spTree>
+      <p:nvGrpSpPr>
         <p:cNvPr id="1" name="Shape 212"/>
         <p:cNvGrpSpPr/>
         <p:nvPr/>
@@ -20909,7 +21050,7 @@
 </p:sld>
 </file>
 
-<file path=ppt/slides/slide22.xml><?xml version="1.0" encoding="utf-8"?>
+<file path=ppt/slides/slide23.xml><?xml version="1.0" encoding="utf-8"?>
 <p:sld xmlns:a="http://schemas.openxmlformats.org/drawingml/2006/main" xmlns:r="http://schemas.openxmlformats.org/officeDocument/2006/relationships" xmlns:p="http://schemas.openxmlformats.org/presentationml/2006/main">
   <p:cSld>
     <p:spTree>
@@ -21045,7 +21186,7 @@
 </p:sld>
 </file>
 
-<file path=ppt/slides/slide23.xml><?xml version="1.0" encoding="utf-8"?>
+<file path=ppt/slides/slide24.xml><?xml version="1.0" encoding="utf-8"?>
 <p:sld xmlns:a="http://schemas.openxmlformats.org/drawingml/2006/main" xmlns:r="http://schemas.openxmlformats.org/officeDocument/2006/relationships" xmlns:p="http://schemas.openxmlformats.org/presentationml/2006/main">
   <p:cSld>
     <p:spTree>
@@ -21151,7 +21292,7 @@
 </p:sld>
 </file>
 
-<file path=ppt/slides/slide24.xml><?xml version="1.0" encoding="utf-8"?>
+<file path=ppt/slides/slide25.xml><?xml version="1.0" encoding="utf-8"?>
 <p:sld xmlns:a="http://schemas.openxmlformats.org/drawingml/2006/main" xmlns:r="http://schemas.openxmlformats.org/officeDocument/2006/relationships" xmlns:p="http://schemas.openxmlformats.org/presentationml/2006/main">
   <p:cSld>
     <p:spTree>
